--- a/lectures/DJ-04-Many-To-Many.pptx
+++ b/lectures/DJ-04-Many-To-Many.pptx
@@ -25,10 +25,10 @@
     <p:sldId id="342" r:id="rId16"/>
     <p:sldId id="344" r:id="rId17"/>
     <p:sldId id="345" r:id="rId18"/>
-    <p:sldId id="346" r:id="rId19"/>
-    <p:sldId id="347" r:id="rId20"/>
-    <p:sldId id="348" r:id="rId21"/>
-    <p:sldId id="349" r:id="rId22"/>
+    <p:sldId id="349" r:id="rId19"/>
+    <p:sldId id="346" r:id="rId20"/>
+    <p:sldId id="347" r:id="rId21"/>
+    <p:sldId id="348" r:id="rId22"/>
     <p:sldId id="350" r:id="rId23"/>
     <p:sldId id="351" r:id="rId24"/>
     <p:sldId id="352" r:id="rId25"/>
@@ -1663,6 +1663,279 @@
 </file>
 
 <file path=ppt/notesSlides/notesSlide8.xml><?xml version="1.0" encoding="utf-8"?>
+<p:notes xmlns:a="http://schemas.openxmlformats.org/drawingml/2006/main" xmlns:r="http://schemas.openxmlformats.org/officeDocument/2006/relationships" xmlns:p="http://schemas.openxmlformats.org/presentationml/2006/main">
+  <p:cSld>
+    <p:spTree>
+      <p:nvGrpSpPr>
+        <p:cNvPr id="1" name=""/>
+        <p:cNvGrpSpPr/>
+        <p:nvPr/>
+      </p:nvGrpSpPr>
+      <p:grpSpPr>
+        <a:xfrm>
+          <a:off x="0" y="0"/>
+          <a:ext cx="0" cy="0"/>
+          <a:chOff x="0" y="0"/>
+          <a:chExt cx="0" cy="0"/>
+        </a:xfrm>
+      </p:grpSpPr>
+      <p:sp>
+        <p:nvSpPr>
+          <p:cNvPr id="98305" name="Slide Image Placeholder 1"/>
+          <p:cNvSpPr>
+            <a:spLocks noGrp="1" noRot="1" noChangeAspect="1" noTextEdit="1"/>
+          </p:cNvSpPr>
+          <p:nvPr>
+            <p:ph type="sldImg"/>
+          </p:nvPr>
+        </p:nvSpPr>
+        <p:spPr bwMode="auto">
+          <a:noFill/>
+          <a:ln>
+            <a:solidFill>
+              <a:srgbClr val="000000"/>
+            </a:solidFill>
+            <a:miter lim="800000"/>
+            <a:headEnd/>
+            <a:tailEnd/>
+          </a:ln>
+          <a:extLst>
+            <a:ext uri="{909E8E84-426E-40DD-AFC4-6F175D3DCCD1}">
+              <a14:hiddenFill xmlns:a14="http://schemas.microsoft.com/office/drawing/2010/main">
+                <a:solidFill>
+                  <a:srgbClr val="FFFFFF"/>
+                </a:solidFill>
+              </a14:hiddenFill>
+            </a:ext>
+            <a:ext uri="{FAA26D3D-D897-4be2-8F04-BA451C77F1D7}">
+              <ma14:placeholderFlag xmlns:ma14="http://schemas.microsoft.com/office/mac/drawingml/2011/main" val="1"/>
+            </a:ext>
+          </a:extLst>
+        </p:spPr>
+      </p:sp>
+      <p:sp>
+        <p:nvSpPr>
+          <p:cNvPr id="98306" name="Notes Placeholder 2"/>
+          <p:cNvSpPr>
+            <a:spLocks noGrp="1"/>
+          </p:cNvSpPr>
+          <p:nvPr>
+            <p:ph type="body" idx="1"/>
+          </p:nvPr>
+        </p:nvSpPr>
+        <p:spPr bwMode="auto">
+          <a:noFill/>
+          <a:extLst>
+            <a:ext uri="{909E8E84-426E-40DD-AFC4-6F175D3DCCD1}">
+              <a14:hiddenFill xmlns:a14="http://schemas.microsoft.com/office/drawing/2010/main">
+                <a:solidFill>
+                  <a:srgbClr val="FFFFFF"/>
+                </a:solidFill>
+              </a14:hiddenFill>
+            </a:ext>
+            <a:ext uri="{91240B29-F687-4F45-9708-019B960494DF}">
+              <a14:hiddenLine xmlns:a14="http://schemas.microsoft.com/office/drawing/2010/main" w="9525">
+                <a:solidFill>
+                  <a:srgbClr val="000000"/>
+                </a:solidFill>
+                <a:miter lim="800000"/>
+                <a:headEnd/>
+                <a:tailEnd/>
+              </a14:hiddenLine>
+            </a:ext>
+            <a:ext uri="{FAA26D3D-D897-4be2-8F04-BA451C77F1D7}">
+              <ma14:placeholderFlag xmlns:ma14="http://schemas.microsoft.com/office/mac/drawingml/2011/main" val="1"/>
+            </a:ext>
+          </a:extLst>
+        </p:spPr>
+        <p:txBody>
+          <a:bodyPr wrap="square" numCol="1" anchor="t" anchorCtr="0" compatLnSpc="1">
+            <a:prstTxWarp prst="textNoShape">
+              <a:avLst/>
+            </a:prstTxWarp>
+          </a:bodyPr>
+          <a:lstStyle/>
+          <a:p>
+            <a:endParaRPr lang="x-none" altLang="x-none">
+              <a:ea typeface="ＭＳ Ｐゴシック" charset="-128"/>
+            </a:endParaRPr>
+          </a:p>
+        </p:txBody>
+      </p:sp>
+      <p:sp>
+        <p:nvSpPr>
+          <p:cNvPr id="98307" name="Slide Number Placeholder 3"/>
+          <p:cNvSpPr>
+            <a:spLocks noGrp="1"/>
+          </p:cNvSpPr>
+          <p:nvPr>
+            <p:ph type="sldNum" sz="quarter" idx="5"/>
+          </p:nvPr>
+        </p:nvSpPr>
+        <p:spPr bwMode="auto">
+          <a:noFill/>
+          <a:extLst>
+            <a:ext uri="{909E8E84-426E-40DD-AFC4-6F175D3DCCD1}">
+              <a14:hiddenFill xmlns:a14="http://schemas.microsoft.com/office/drawing/2010/main">
+                <a:solidFill>
+                  <a:srgbClr val="FFFFFF"/>
+                </a:solidFill>
+              </a14:hiddenFill>
+            </a:ext>
+            <a:ext uri="{91240B29-F687-4F45-9708-019B960494DF}">
+              <a14:hiddenLine xmlns:a14="http://schemas.microsoft.com/office/drawing/2010/main" w="9525">
+                <a:solidFill>
+                  <a:srgbClr val="000000"/>
+                </a:solidFill>
+                <a:miter lim="800000"/>
+                <a:headEnd/>
+                <a:tailEnd/>
+              </a14:hiddenLine>
+            </a:ext>
+          </a:extLst>
+        </p:spPr>
+        <p:txBody>
+          <a:bodyPr/>
+          <a:lstStyle>
+            <a:lvl1pPr>
+              <a:defRPr sz="2000">
+                <a:solidFill>
+                  <a:srgbClr val="FFFFFF"/>
+                </a:solidFill>
+                <a:latin typeface="Gill Sans" charset="0"/>
+                <a:ea typeface="ヒラギノ角ゴ ProN W3" charset="-128"/>
+                <a:sym typeface="Gill Sans" charset="0"/>
+              </a:defRPr>
+            </a:lvl1pPr>
+            <a:lvl2pPr marL="742950" indent="-285750">
+              <a:defRPr sz="2000">
+                <a:solidFill>
+                  <a:srgbClr val="FFFFFF"/>
+                </a:solidFill>
+                <a:latin typeface="Gill Sans" charset="0"/>
+                <a:ea typeface="ヒラギノ角ゴ ProN W3" charset="-128"/>
+                <a:sym typeface="Gill Sans" charset="0"/>
+              </a:defRPr>
+            </a:lvl2pPr>
+            <a:lvl3pPr marL="1143000" indent="-228600">
+              <a:defRPr sz="2000">
+                <a:solidFill>
+                  <a:srgbClr val="FFFFFF"/>
+                </a:solidFill>
+                <a:latin typeface="Gill Sans" charset="0"/>
+                <a:ea typeface="ヒラギノ角ゴ ProN W3" charset="-128"/>
+                <a:sym typeface="Gill Sans" charset="0"/>
+              </a:defRPr>
+            </a:lvl3pPr>
+            <a:lvl4pPr marL="1600200" indent="-228600">
+              <a:defRPr sz="2000">
+                <a:solidFill>
+                  <a:srgbClr val="FFFFFF"/>
+                </a:solidFill>
+                <a:latin typeface="Gill Sans" charset="0"/>
+                <a:ea typeface="ヒラギノ角ゴ ProN W3" charset="-128"/>
+                <a:sym typeface="Gill Sans" charset="0"/>
+              </a:defRPr>
+            </a:lvl4pPr>
+            <a:lvl5pPr marL="2057400" indent="-228600">
+              <a:defRPr sz="2000">
+                <a:solidFill>
+                  <a:srgbClr val="FFFFFF"/>
+                </a:solidFill>
+                <a:latin typeface="Gill Sans" charset="0"/>
+                <a:ea typeface="ヒラギノ角ゴ ProN W3" charset="-128"/>
+                <a:sym typeface="Gill Sans" charset="0"/>
+              </a:defRPr>
+            </a:lvl5pPr>
+            <a:lvl6pPr marL="2514600" indent="-228600" eaLnBrk="0" fontAlgn="base" hangingPunct="0">
+              <a:spcBef>
+                <a:spcPct val="0"/>
+              </a:spcBef>
+              <a:spcAft>
+                <a:spcPct val="0"/>
+              </a:spcAft>
+              <a:defRPr sz="2000">
+                <a:solidFill>
+                  <a:srgbClr val="FFFFFF"/>
+                </a:solidFill>
+                <a:latin typeface="Gill Sans" charset="0"/>
+                <a:ea typeface="ヒラギノ角ゴ ProN W3" charset="-128"/>
+                <a:sym typeface="Gill Sans" charset="0"/>
+              </a:defRPr>
+            </a:lvl6pPr>
+            <a:lvl7pPr marL="2971800" indent="-228600" eaLnBrk="0" fontAlgn="base" hangingPunct="0">
+              <a:spcBef>
+                <a:spcPct val="0"/>
+              </a:spcBef>
+              <a:spcAft>
+                <a:spcPct val="0"/>
+              </a:spcAft>
+              <a:defRPr sz="2000">
+                <a:solidFill>
+                  <a:srgbClr val="FFFFFF"/>
+                </a:solidFill>
+                <a:latin typeface="Gill Sans" charset="0"/>
+                <a:ea typeface="ヒラギノ角ゴ ProN W3" charset="-128"/>
+                <a:sym typeface="Gill Sans" charset="0"/>
+              </a:defRPr>
+            </a:lvl7pPr>
+            <a:lvl8pPr marL="3429000" indent="-228600" eaLnBrk="0" fontAlgn="base" hangingPunct="0">
+              <a:spcBef>
+                <a:spcPct val="0"/>
+              </a:spcBef>
+              <a:spcAft>
+                <a:spcPct val="0"/>
+              </a:spcAft>
+              <a:defRPr sz="2000">
+                <a:solidFill>
+                  <a:srgbClr val="FFFFFF"/>
+                </a:solidFill>
+                <a:latin typeface="Gill Sans" charset="0"/>
+                <a:ea typeface="ヒラギノ角ゴ ProN W3" charset="-128"/>
+                <a:sym typeface="Gill Sans" charset="0"/>
+              </a:defRPr>
+            </a:lvl8pPr>
+            <a:lvl9pPr marL="3886200" indent="-228600" eaLnBrk="0" fontAlgn="base" hangingPunct="0">
+              <a:spcBef>
+                <a:spcPct val="0"/>
+              </a:spcBef>
+              <a:spcAft>
+                <a:spcPct val="0"/>
+              </a:spcAft>
+              <a:defRPr sz="2000">
+                <a:solidFill>
+                  <a:srgbClr val="FFFFFF"/>
+                </a:solidFill>
+                <a:latin typeface="Gill Sans" charset="0"/>
+                <a:ea typeface="ヒラギノ角ゴ ProN W3" charset="-128"/>
+                <a:sym typeface="Gill Sans" charset="0"/>
+              </a:defRPr>
+            </a:lvl9pPr>
+          </a:lstStyle>
+          <a:p>
+            <a:fld id="{F2914534-DA52-1942-8083-5F7F59C495FB}" type="slidenum">
+              <a:rPr lang="en-US" altLang="x-none" sz="1200"/>
+              <a:pPr/>
+              <a:t>18</a:t>
+            </a:fld>
+            <a:endParaRPr lang="en-US" altLang="x-none" sz="1200"/>
+          </a:p>
+        </p:txBody>
+      </p:sp>
+    </p:spTree>
+    <p:extLst>
+      <p:ext uri="{BB962C8B-B14F-4D97-AF65-F5344CB8AC3E}">
+        <p14:creationId xmlns:p14="http://schemas.microsoft.com/office/powerpoint/2010/main" val="872274840"/>
+      </p:ext>
+    </p:extLst>
+  </p:cSld>
+  <p:clrMapOvr>
+    <a:masterClrMapping/>
+  </p:clrMapOvr>
+</p:notes>
+</file>
+
+<file path=ppt/notesSlides/notesSlide9.xml><?xml version="1.0" encoding="utf-8"?>
 <p:notes xmlns:a="http://schemas.openxmlformats.org/drawingml/2006/main" xmlns:r="http://schemas.openxmlformats.org/officeDocument/2006/relationships" xmlns:p="http://schemas.openxmlformats.org/presentationml/2006/main" showMasterSp="0" showMasterPhAnim="0">
   <p:cSld>
     <p:spTree>
@@ -1834,279 +2107,6 @@
     <p:extLst>
       <p:ext uri="{BB962C8B-B14F-4D97-AF65-F5344CB8AC3E}">
         <p14:creationId xmlns:p14="http://schemas.microsoft.com/office/powerpoint/2010/main" val="1586244766"/>
-      </p:ext>
-    </p:extLst>
-  </p:cSld>
-  <p:clrMapOvr>
-    <a:masterClrMapping/>
-  </p:clrMapOvr>
-</p:notes>
-</file>
-
-<file path=ppt/notesSlides/notesSlide9.xml><?xml version="1.0" encoding="utf-8"?>
-<p:notes xmlns:a="http://schemas.openxmlformats.org/drawingml/2006/main" xmlns:r="http://schemas.openxmlformats.org/officeDocument/2006/relationships" xmlns:p="http://schemas.openxmlformats.org/presentationml/2006/main">
-  <p:cSld>
-    <p:spTree>
-      <p:nvGrpSpPr>
-        <p:cNvPr id="1" name=""/>
-        <p:cNvGrpSpPr/>
-        <p:nvPr/>
-      </p:nvGrpSpPr>
-      <p:grpSpPr>
-        <a:xfrm>
-          <a:off x="0" y="0"/>
-          <a:ext cx="0" cy="0"/>
-          <a:chOff x="0" y="0"/>
-          <a:chExt cx="0" cy="0"/>
-        </a:xfrm>
-      </p:grpSpPr>
-      <p:sp>
-        <p:nvSpPr>
-          <p:cNvPr id="98305" name="Slide Image Placeholder 1"/>
-          <p:cNvSpPr>
-            <a:spLocks noGrp="1" noRot="1" noChangeAspect="1" noTextEdit="1"/>
-          </p:cNvSpPr>
-          <p:nvPr>
-            <p:ph type="sldImg"/>
-          </p:nvPr>
-        </p:nvSpPr>
-        <p:spPr bwMode="auto">
-          <a:noFill/>
-          <a:ln>
-            <a:solidFill>
-              <a:srgbClr val="000000"/>
-            </a:solidFill>
-            <a:miter lim="800000"/>
-            <a:headEnd/>
-            <a:tailEnd/>
-          </a:ln>
-          <a:extLst>
-            <a:ext uri="{909E8E84-426E-40DD-AFC4-6F175D3DCCD1}">
-              <a14:hiddenFill xmlns:a14="http://schemas.microsoft.com/office/drawing/2010/main">
-                <a:solidFill>
-                  <a:srgbClr val="FFFFFF"/>
-                </a:solidFill>
-              </a14:hiddenFill>
-            </a:ext>
-            <a:ext uri="{FAA26D3D-D897-4be2-8F04-BA451C77F1D7}">
-              <ma14:placeholderFlag xmlns:ma14="http://schemas.microsoft.com/office/mac/drawingml/2011/main" val="1"/>
-            </a:ext>
-          </a:extLst>
-        </p:spPr>
-      </p:sp>
-      <p:sp>
-        <p:nvSpPr>
-          <p:cNvPr id="98306" name="Notes Placeholder 2"/>
-          <p:cNvSpPr>
-            <a:spLocks noGrp="1"/>
-          </p:cNvSpPr>
-          <p:nvPr>
-            <p:ph type="body" idx="1"/>
-          </p:nvPr>
-        </p:nvSpPr>
-        <p:spPr bwMode="auto">
-          <a:noFill/>
-          <a:extLst>
-            <a:ext uri="{909E8E84-426E-40DD-AFC4-6F175D3DCCD1}">
-              <a14:hiddenFill xmlns:a14="http://schemas.microsoft.com/office/drawing/2010/main">
-                <a:solidFill>
-                  <a:srgbClr val="FFFFFF"/>
-                </a:solidFill>
-              </a14:hiddenFill>
-            </a:ext>
-            <a:ext uri="{91240B29-F687-4F45-9708-019B960494DF}">
-              <a14:hiddenLine xmlns:a14="http://schemas.microsoft.com/office/drawing/2010/main" w="9525">
-                <a:solidFill>
-                  <a:srgbClr val="000000"/>
-                </a:solidFill>
-                <a:miter lim="800000"/>
-                <a:headEnd/>
-                <a:tailEnd/>
-              </a14:hiddenLine>
-            </a:ext>
-            <a:ext uri="{FAA26D3D-D897-4be2-8F04-BA451C77F1D7}">
-              <ma14:placeholderFlag xmlns:ma14="http://schemas.microsoft.com/office/mac/drawingml/2011/main" val="1"/>
-            </a:ext>
-          </a:extLst>
-        </p:spPr>
-        <p:txBody>
-          <a:bodyPr wrap="square" numCol="1" anchor="t" anchorCtr="0" compatLnSpc="1">
-            <a:prstTxWarp prst="textNoShape">
-              <a:avLst/>
-            </a:prstTxWarp>
-          </a:bodyPr>
-          <a:lstStyle/>
-          <a:p>
-            <a:endParaRPr lang="x-none" altLang="x-none">
-              <a:ea typeface="ＭＳ Ｐゴシック" charset="-128"/>
-            </a:endParaRPr>
-          </a:p>
-        </p:txBody>
-      </p:sp>
-      <p:sp>
-        <p:nvSpPr>
-          <p:cNvPr id="98307" name="Slide Number Placeholder 3"/>
-          <p:cNvSpPr>
-            <a:spLocks noGrp="1"/>
-          </p:cNvSpPr>
-          <p:nvPr>
-            <p:ph type="sldNum" sz="quarter" idx="5"/>
-          </p:nvPr>
-        </p:nvSpPr>
-        <p:spPr bwMode="auto">
-          <a:noFill/>
-          <a:extLst>
-            <a:ext uri="{909E8E84-426E-40DD-AFC4-6F175D3DCCD1}">
-              <a14:hiddenFill xmlns:a14="http://schemas.microsoft.com/office/drawing/2010/main">
-                <a:solidFill>
-                  <a:srgbClr val="FFFFFF"/>
-                </a:solidFill>
-              </a14:hiddenFill>
-            </a:ext>
-            <a:ext uri="{91240B29-F687-4F45-9708-019B960494DF}">
-              <a14:hiddenLine xmlns:a14="http://schemas.microsoft.com/office/drawing/2010/main" w="9525">
-                <a:solidFill>
-                  <a:srgbClr val="000000"/>
-                </a:solidFill>
-                <a:miter lim="800000"/>
-                <a:headEnd/>
-                <a:tailEnd/>
-              </a14:hiddenLine>
-            </a:ext>
-          </a:extLst>
-        </p:spPr>
-        <p:txBody>
-          <a:bodyPr/>
-          <a:lstStyle>
-            <a:lvl1pPr>
-              <a:defRPr sz="2000">
-                <a:solidFill>
-                  <a:srgbClr val="FFFFFF"/>
-                </a:solidFill>
-                <a:latin typeface="Gill Sans" charset="0"/>
-                <a:ea typeface="ヒラギノ角ゴ ProN W3" charset="-128"/>
-                <a:sym typeface="Gill Sans" charset="0"/>
-              </a:defRPr>
-            </a:lvl1pPr>
-            <a:lvl2pPr marL="742950" indent="-285750">
-              <a:defRPr sz="2000">
-                <a:solidFill>
-                  <a:srgbClr val="FFFFFF"/>
-                </a:solidFill>
-                <a:latin typeface="Gill Sans" charset="0"/>
-                <a:ea typeface="ヒラギノ角ゴ ProN W3" charset="-128"/>
-                <a:sym typeface="Gill Sans" charset="0"/>
-              </a:defRPr>
-            </a:lvl2pPr>
-            <a:lvl3pPr marL="1143000" indent="-228600">
-              <a:defRPr sz="2000">
-                <a:solidFill>
-                  <a:srgbClr val="FFFFFF"/>
-                </a:solidFill>
-                <a:latin typeface="Gill Sans" charset="0"/>
-                <a:ea typeface="ヒラギノ角ゴ ProN W3" charset="-128"/>
-                <a:sym typeface="Gill Sans" charset="0"/>
-              </a:defRPr>
-            </a:lvl3pPr>
-            <a:lvl4pPr marL="1600200" indent="-228600">
-              <a:defRPr sz="2000">
-                <a:solidFill>
-                  <a:srgbClr val="FFFFFF"/>
-                </a:solidFill>
-                <a:latin typeface="Gill Sans" charset="0"/>
-                <a:ea typeface="ヒラギノ角ゴ ProN W3" charset="-128"/>
-                <a:sym typeface="Gill Sans" charset="0"/>
-              </a:defRPr>
-            </a:lvl4pPr>
-            <a:lvl5pPr marL="2057400" indent="-228600">
-              <a:defRPr sz="2000">
-                <a:solidFill>
-                  <a:srgbClr val="FFFFFF"/>
-                </a:solidFill>
-                <a:latin typeface="Gill Sans" charset="0"/>
-                <a:ea typeface="ヒラギノ角ゴ ProN W3" charset="-128"/>
-                <a:sym typeface="Gill Sans" charset="0"/>
-              </a:defRPr>
-            </a:lvl5pPr>
-            <a:lvl6pPr marL="2514600" indent="-228600" eaLnBrk="0" fontAlgn="base" hangingPunct="0">
-              <a:spcBef>
-                <a:spcPct val="0"/>
-              </a:spcBef>
-              <a:spcAft>
-                <a:spcPct val="0"/>
-              </a:spcAft>
-              <a:defRPr sz="2000">
-                <a:solidFill>
-                  <a:srgbClr val="FFFFFF"/>
-                </a:solidFill>
-                <a:latin typeface="Gill Sans" charset="0"/>
-                <a:ea typeface="ヒラギノ角ゴ ProN W3" charset="-128"/>
-                <a:sym typeface="Gill Sans" charset="0"/>
-              </a:defRPr>
-            </a:lvl6pPr>
-            <a:lvl7pPr marL="2971800" indent="-228600" eaLnBrk="0" fontAlgn="base" hangingPunct="0">
-              <a:spcBef>
-                <a:spcPct val="0"/>
-              </a:spcBef>
-              <a:spcAft>
-                <a:spcPct val="0"/>
-              </a:spcAft>
-              <a:defRPr sz="2000">
-                <a:solidFill>
-                  <a:srgbClr val="FFFFFF"/>
-                </a:solidFill>
-                <a:latin typeface="Gill Sans" charset="0"/>
-                <a:ea typeface="ヒラギノ角ゴ ProN W3" charset="-128"/>
-                <a:sym typeface="Gill Sans" charset="0"/>
-              </a:defRPr>
-            </a:lvl7pPr>
-            <a:lvl8pPr marL="3429000" indent="-228600" eaLnBrk="0" fontAlgn="base" hangingPunct="0">
-              <a:spcBef>
-                <a:spcPct val="0"/>
-              </a:spcBef>
-              <a:spcAft>
-                <a:spcPct val="0"/>
-              </a:spcAft>
-              <a:defRPr sz="2000">
-                <a:solidFill>
-                  <a:srgbClr val="FFFFFF"/>
-                </a:solidFill>
-                <a:latin typeface="Gill Sans" charset="0"/>
-                <a:ea typeface="ヒラギノ角ゴ ProN W3" charset="-128"/>
-                <a:sym typeface="Gill Sans" charset="0"/>
-              </a:defRPr>
-            </a:lvl8pPr>
-            <a:lvl9pPr marL="3886200" indent="-228600" eaLnBrk="0" fontAlgn="base" hangingPunct="0">
-              <a:spcBef>
-                <a:spcPct val="0"/>
-              </a:spcBef>
-              <a:spcAft>
-                <a:spcPct val="0"/>
-              </a:spcAft>
-              <a:defRPr sz="2000">
-                <a:solidFill>
-                  <a:srgbClr val="FFFFFF"/>
-                </a:solidFill>
-                <a:latin typeface="Gill Sans" charset="0"/>
-                <a:ea typeface="ヒラギノ角ゴ ProN W3" charset="-128"/>
-                <a:sym typeface="Gill Sans" charset="0"/>
-              </a:defRPr>
-            </a:lvl9pPr>
-          </a:lstStyle>
-          <a:p>
-            <a:fld id="{F2914534-DA52-1942-8083-5F7F59C495FB}" type="slidenum">
-              <a:rPr lang="en-US" altLang="x-none" sz="1200"/>
-              <a:pPr/>
-              <a:t>21</a:t>
-            </a:fld>
-            <a:endParaRPr lang="en-US" altLang="x-none" sz="1200"/>
-          </a:p>
-        </p:txBody>
-      </p:sp>
-    </p:spTree>
-    <p:extLst>
-      <p:ext uri="{BB962C8B-B14F-4D97-AF65-F5344CB8AC3E}">
-        <p14:creationId xmlns:p14="http://schemas.microsoft.com/office/powerpoint/2010/main" val="872274840"/>
       </p:ext>
     </p:extLst>
   </p:cSld>
@@ -5299,6 +5299,13 @@
   <p:clrMapOvr>
     <a:masterClrMapping/>
   </p:clrMapOvr>
+  <p:timing>
+    <p:tnLst>
+      <p:par>
+        <p:cTn id="1" dur="indefinite" restart="never" nodeType="tmRoot"/>
+      </p:par>
+    </p:tnLst>
+  </p:timing>
 </p:sld>
 </file>
 
@@ -6089,6 +6096,13 @@
   <p:clrMapOvr>
     <a:masterClrMapping/>
   </p:clrMapOvr>
+  <p:timing>
+    <p:tnLst>
+      <p:par>
+        <p:cTn id="1" dur="indefinite" restart="never" nodeType="tmRoot"/>
+      </p:par>
+    </p:tnLst>
+  </p:timing>
 </p:sld>
 </file>
 
@@ -11767,6 +11781,13 @@
   <p:clrMapOvr>
     <a:masterClrMapping/>
   </p:clrMapOvr>
+  <p:timing>
+    <p:tnLst>
+      <p:par>
+        <p:cTn id="1" dur="indefinite" restart="never" nodeType="tmRoot"/>
+      </p:par>
+    </p:tnLst>
+  </p:timing>
 </p:sld>
 </file>
 
@@ -12731,6 +12752,13 @@
   <p:clrMapOvr>
     <a:masterClrMapping/>
   </p:clrMapOvr>
+  <p:timing>
+    <p:tnLst>
+      <p:par>
+        <p:cTn id="1" dur="indefinite" restart="never" nodeType="tmRoot"/>
+      </p:par>
+    </p:tnLst>
+  </p:timing>
 </p:sld>
 </file>
 
@@ -12807,10 +12835,293 @@
   <p:clrMapOvr>
     <a:masterClrMapping/>
   </p:clrMapOvr>
+  <p:timing>
+    <p:tnLst>
+      <p:par>
+        <p:cTn id="1" dur="indefinite" restart="never" nodeType="tmRoot"/>
+      </p:par>
+    </p:tnLst>
+  </p:timing>
 </p:sld>
 </file>
 
 <file path=ppt/slides/slide18.xml><?xml version="1.0" encoding="utf-8"?>
+<p:sld xmlns:a="http://schemas.openxmlformats.org/drawingml/2006/main" xmlns:r="http://schemas.openxmlformats.org/officeDocument/2006/relationships" xmlns:p="http://schemas.openxmlformats.org/presentationml/2006/main">
+  <p:cSld>
+    <p:spTree>
+      <p:nvGrpSpPr>
+        <p:cNvPr id="1" name=""/>
+        <p:cNvGrpSpPr/>
+        <p:nvPr/>
+      </p:nvGrpSpPr>
+      <p:grpSpPr>
+        <a:xfrm>
+          <a:off x="0" y="0"/>
+          <a:ext cx="0" cy="0"/>
+          <a:chOff x="0" y="0"/>
+          <a:chExt cx="0" cy="0"/>
+        </a:xfrm>
+      </p:grpSpPr>
+      <p:grpSp>
+        <p:nvGrpSpPr>
+          <p:cNvPr id="97281" name="Group 1"/>
+          <p:cNvGrpSpPr>
+            <a:grpSpLocks/>
+          </p:cNvGrpSpPr>
+          <p:nvPr/>
+        </p:nvGrpSpPr>
+        <p:grpSpPr bwMode="auto">
+          <a:xfrm>
+            <a:off x="2457451" y="599018"/>
+            <a:ext cx="7277100" cy="5659967"/>
+            <a:chOff x="1400175" y="214313"/>
+            <a:chExt cx="6129338" cy="4848225"/>
+          </a:xfrm>
+        </p:grpSpPr>
+        <p:pic>
+          <p:nvPicPr>
+            <p:cNvPr id="97282" name="Picture 3" descr="Untitled.png"/>
+            <p:cNvPicPr>
+              <a:picLocks noChangeAspect="1"/>
+            </p:cNvPicPr>
+            <p:nvPr/>
+          </p:nvPicPr>
+          <p:blipFill>
+            <a:blip r:embed="rId3">
+              <a:extLst>
+                <a:ext uri="{28A0092B-C50C-407E-A947-70E740481C1C}">
+                  <a14:useLocalDpi xmlns:a14="http://schemas.microsoft.com/office/drawing/2010/main" val="0"/>
+                </a:ext>
+              </a:extLst>
+            </a:blip>
+            <a:srcRect/>
+            <a:stretch>
+              <a:fillRect/>
+            </a:stretch>
+          </p:blipFill>
+          <p:spPr bwMode="auto">
+            <a:xfrm>
+              <a:off x="1400175" y="214313"/>
+              <a:ext cx="6129338" cy="4848225"/>
+            </a:xfrm>
+            <a:prstGeom prst="rect">
+              <a:avLst/>
+            </a:prstGeom>
+            <a:noFill/>
+            <a:ln>
+              <a:noFill/>
+            </a:ln>
+            <a:extLst>
+              <a:ext uri="{909E8E84-426E-40DD-AFC4-6F175D3DCCD1}">
+                <a14:hiddenFill xmlns:a14="http://schemas.microsoft.com/office/drawing/2010/main">
+                  <a:solidFill>
+                    <a:srgbClr val="FFFFFF"/>
+                  </a:solidFill>
+                </a14:hiddenFill>
+              </a:ext>
+              <a:ext uri="{91240B29-F687-4F45-9708-019B960494DF}">
+                <a14:hiddenLine xmlns:a14="http://schemas.microsoft.com/office/drawing/2010/main" w="9525">
+                  <a:solidFill>
+                    <a:srgbClr val="000000"/>
+                  </a:solidFill>
+                  <a:miter lim="800000"/>
+                  <a:headEnd/>
+                  <a:tailEnd/>
+                </a14:hiddenLine>
+              </a:ext>
+            </a:extLst>
+          </p:spPr>
+        </p:pic>
+        <p:sp>
+          <p:nvSpPr>
+            <p:cNvPr id="101378" name="TextBox 4"/>
+            <p:cNvSpPr txBox="1">
+              <a:spLocks noChangeArrowheads="1"/>
+            </p:cNvSpPr>
+            <p:nvPr/>
+          </p:nvSpPr>
+          <p:spPr bwMode="auto">
+            <a:xfrm>
+              <a:off x="2912771" y="4585693"/>
+              <a:ext cx="1836560" cy="434999"/>
+            </a:xfrm>
+            <a:prstGeom prst="rect">
+              <a:avLst/>
+            </a:prstGeom>
+            <a:noFill/>
+            <a:ln>
+              <a:noFill/>
+            </a:ln>
+            <a:extLst>
+              <a:ext uri="{909E8E84-426E-40dd-AFC4-6F175D3DCCD1}"/>
+              <a:ext uri="{91240B29-F687-4f45-9708-019B960494DF}"/>
+            </a:extLst>
+          </p:spPr>
+          <p:txBody>
+            <a:bodyPr wrap="none">
+              <a:spAutoFit/>
+            </a:bodyPr>
+            <a:lstStyle>
+              <a:lvl1pPr eaLnBrk="0" hangingPunct="0">
+                <a:defRPr sz="3600">
+                  <a:solidFill>
+                    <a:srgbClr val="FFFFFF"/>
+                  </a:solidFill>
+                  <a:latin typeface="Gill Sans" charset="0"/>
+                  <a:ea typeface="ヒラギノ角ゴ ProN W3" charset="-128"/>
+                  <a:sym typeface="Gill Sans" charset="0"/>
+                </a:defRPr>
+              </a:lvl1pPr>
+              <a:lvl2pPr marL="742950" indent="-285750" eaLnBrk="0" hangingPunct="0">
+                <a:defRPr sz="3600">
+                  <a:solidFill>
+                    <a:srgbClr val="FFFFFF"/>
+                  </a:solidFill>
+                  <a:latin typeface="Gill Sans" charset="0"/>
+                  <a:ea typeface="ヒラギノ角ゴ ProN W3" charset="-128"/>
+                  <a:sym typeface="Gill Sans" charset="0"/>
+                </a:defRPr>
+              </a:lvl2pPr>
+              <a:lvl3pPr marL="1143000" indent="-228600" eaLnBrk="0" hangingPunct="0">
+                <a:defRPr sz="3600">
+                  <a:solidFill>
+                    <a:srgbClr val="FFFFFF"/>
+                  </a:solidFill>
+                  <a:latin typeface="Gill Sans" charset="0"/>
+                  <a:ea typeface="ヒラギノ角ゴ ProN W3" charset="-128"/>
+                  <a:sym typeface="Gill Sans" charset="0"/>
+                </a:defRPr>
+              </a:lvl3pPr>
+              <a:lvl4pPr marL="1600200" indent="-228600" eaLnBrk="0" hangingPunct="0">
+                <a:defRPr sz="3600">
+                  <a:solidFill>
+                    <a:srgbClr val="FFFFFF"/>
+                  </a:solidFill>
+                  <a:latin typeface="Gill Sans" charset="0"/>
+                  <a:ea typeface="ヒラギノ角ゴ ProN W3" charset="-128"/>
+                  <a:sym typeface="Gill Sans" charset="0"/>
+                </a:defRPr>
+              </a:lvl4pPr>
+              <a:lvl5pPr marL="2057400" indent="-228600" eaLnBrk="0" hangingPunct="0">
+                <a:defRPr sz="3600">
+                  <a:solidFill>
+                    <a:srgbClr val="FFFFFF"/>
+                  </a:solidFill>
+                  <a:latin typeface="Gill Sans" charset="0"/>
+                  <a:ea typeface="ヒラギノ角ゴ ProN W3" charset="-128"/>
+                  <a:sym typeface="Gill Sans" charset="0"/>
+                </a:defRPr>
+              </a:lvl5pPr>
+              <a:lvl6pPr marL="2514600" indent="-228600" algn="ctr" eaLnBrk="0" fontAlgn="base" hangingPunct="0">
+                <a:spcBef>
+                  <a:spcPct val="0"/>
+                </a:spcBef>
+                <a:spcAft>
+                  <a:spcPct val="0"/>
+                </a:spcAft>
+                <a:defRPr sz="3600">
+                  <a:solidFill>
+                    <a:srgbClr val="FFFFFF"/>
+                  </a:solidFill>
+                  <a:latin typeface="Gill Sans" charset="0"/>
+                  <a:ea typeface="ヒラギノ角ゴ ProN W3" charset="-128"/>
+                  <a:sym typeface="Gill Sans" charset="0"/>
+                </a:defRPr>
+              </a:lvl6pPr>
+              <a:lvl7pPr marL="2971800" indent="-228600" algn="ctr" eaLnBrk="0" fontAlgn="base" hangingPunct="0">
+                <a:spcBef>
+                  <a:spcPct val="0"/>
+                </a:spcBef>
+                <a:spcAft>
+                  <a:spcPct val="0"/>
+                </a:spcAft>
+                <a:defRPr sz="3600">
+                  <a:solidFill>
+                    <a:srgbClr val="FFFFFF"/>
+                  </a:solidFill>
+                  <a:latin typeface="Gill Sans" charset="0"/>
+                  <a:ea typeface="ヒラギノ角ゴ ProN W3" charset="-128"/>
+                  <a:sym typeface="Gill Sans" charset="0"/>
+                </a:defRPr>
+              </a:lvl7pPr>
+              <a:lvl8pPr marL="3429000" indent="-228600" algn="ctr" eaLnBrk="0" fontAlgn="base" hangingPunct="0">
+                <a:spcBef>
+                  <a:spcPct val="0"/>
+                </a:spcBef>
+                <a:spcAft>
+                  <a:spcPct val="0"/>
+                </a:spcAft>
+                <a:defRPr sz="3600">
+                  <a:solidFill>
+                    <a:srgbClr val="FFFFFF"/>
+                  </a:solidFill>
+                  <a:latin typeface="Gill Sans" charset="0"/>
+                  <a:ea typeface="ヒラギノ角ゴ ProN W3" charset="-128"/>
+                  <a:sym typeface="Gill Sans" charset="0"/>
+                </a:defRPr>
+              </a:lvl8pPr>
+              <a:lvl9pPr marL="3886200" indent="-228600" algn="ctr" eaLnBrk="0" fontAlgn="base" hangingPunct="0">
+                <a:spcBef>
+                  <a:spcPct val="0"/>
+                </a:spcBef>
+                <a:spcAft>
+                  <a:spcPct val="0"/>
+                </a:spcAft>
+                <a:defRPr sz="3600">
+                  <a:solidFill>
+                    <a:srgbClr val="FFFFFF"/>
+                  </a:solidFill>
+                  <a:latin typeface="Gill Sans" charset="0"/>
+                  <a:ea typeface="ヒラギノ角ゴ ProN W3" charset="-128"/>
+                  <a:sym typeface="Gill Sans" charset="0"/>
+                </a:defRPr>
+              </a:lvl9pPr>
+            </a:lstStyle>
+            <a:p>
+              <a:pPr algn="ctr" eaLnBrk="1" hangingPunct="1">
+                <a:defRPr/>
+              </a:pPr>
+              <a:r>
+                <a:rPr lang="en-US" altLang="en-US" sz="2700">
+                  <a:solidFill>
+                    <a:schemeClr val="accent2"/>
+                  </a:solidFill>
+                </a:rPr>
+                <a:t>www.tsugi.org</a:t>
+              </a:r>
+            </a:p>
+          </p:txBody>
+        </p:sp>
+      </p:grpSp>
+    </p:spTree>
+    <p:extLst>
+      <p:ext uri="{BB962C8B-B14F-4D97-AF65-F5344CB8AC3E}">
+        <p14:creationId xmlns:p14="http://schemas.microsoft.com/office/powerpoint/2010/main" val="996938162"/>
+      </p:ext>
+    </p:extLst>
+  </p:cSld>
+  <p:clrMapOvr>
+    <a:masterClrMapping/>
+  </p:clrMapOvr>
+  <mc:AlternateContent xmlns:mc="http://schemas.openxmlformats.org/markup-compatibility/2006" xmlns:p14="http://schemas.microsoft.com/office/powerpoint/2010/main">
+    <mc:Choice Requires="p14">
+      <p:transition spd="slow" p14:dur="2000"/>
+    </mc:Choice>
+    <mc:Fallback xmlns="">
+      <p:transition spd="slow"/>
+    </mc:Fallback>
+  </mc:AlternateContent>
+  <p:timing>
+    <p:tnLst>
+      <p:par>
+        <p:cTn id="1" dur="indefinite" restart="never" nodeType="tmRoot"/>
+      </p:par>
+    </p:tnLst>
+  </p:timing>
+</p:sld>
+</file>
+
+<file path=ppt/slides/slide19.xml><?xml version="1.0" encoding="utf-8"?>
 <p:sld xmlns:a="http://schemas.openxmlformats.org/drawingml/2006/main" xmlns:r="http://schemas.openxmlformats.org/officeDocument/2006/relationships" xmlns:p="http://schemas.openxmlformats.org/presentationml/2006/main">
   <p:cSld>
     <p:spTree>
@@ -17728,1095 +18039,6 @@
 </p:sld>
 </file>
 
-<file path=ppt/slides/slide19.xml><?xml version="1.0" encoding="utf-8"?>
-<p:sld xmlns:a="http://schemas.openxmlformats.org/drawingml/2006/main" xmlns:r="http://schemas.openxmlformats.org/officeDocument/2006/relationships" xmlns:p="http://schemas.openxmlformats.org/presentationml/2006/main">
-  <p:cSld>
-    <p:spTree>
-      <p:nvGrpSpPr>
-        <p:cNvPr id="1" name=""/>
-        <p:cNvGrpSpPr/>
-        <p:nvPr/>
-      </p:nvGrpSpPr>
-      <p:grpSpPr>
-        <a:xfrm>
-          <a:off x="0" y="0"/>
-          <a:ext cx="0" cy="0"/>
-          <a:chOff x="0" y="0"/>
-          <a:chExt cx="0" cy="0"/>
-        </a:xfrm>
-      </p:grpSpPr>
-      <p:sp>
-        <p:nvSpPr>
-          <p:cNvPr id="4" name="TextBox 3"/>
-          <p:cNvSpPr txBox="1"/>
-          <p:nvPr/>
-        </p:nvSpPr>
-        <p:spPr>
-          <a:xfrm>
-            <a:off x="1667602" y="728663"/>
-            <a:ext cx="7220246" cy="4031873"/>
-          </a:xfrm>
-          <a:prstGeom prst="rect">
-            <a:avLst/>
-          </a:prstGeom>
-          <a:solidFill>
-            <a:schemeClr val="tx1"/>
-          </a:solidFill>
-        </p:spPr>
-        <p:txBody>
-          <a:bodyPr wrap="none" rtlCol="0">
-            <a:spAutoFit/>
-          </a:bodyPr>
-          <a:lstStyle/>
-          <a:p>
-            <a:r>
-              <a:rPr lang="en-US" sz="1600" b="1" dirty="0">
-                <a:solidFill>
-                  <a:srgbClr val="C814C9"/>
-                </a:solidFill>
-                <a:latin typeface="Courier" charset="0"/>
-                <a:ea typeface="Courier" charset="0"/>
-                <a:cs typeface="Courier" charset="0"/>
-              </a:rPr>
-              <a:t>from</a:t>
-            </a:r>
-            <a:r>
-              <a:rPr lang="en-US" sz="1600" b="1" dirty="0">
-                <a:solidFill>
-                  <a:srgbClr val="000000"/>
-                </a:solidFill>
-                <a:latin typeface="Courier" charset="0"/>
-                <a:ea typeface="Courier" charset="0"/>
-                <a:cs typeface="Courier" charset="0"/>
-              </a:rPr>
-              <a:t> </a:t>
-            </a:r>
-            <a:r>
-              <a:rPr lang="en-US" sz="1600" b="1" dirty="0" err="1">
-                <a:solidFill>
-                  <a:srgbClr val="000000"/>
-                </a:solidFill>
-                <a:latin typeface="Courier" charset="0"/>
-                <a:ea typeface="Courier" charset="0"/>
-                <a:cs typeface="Courier" charset="0"/>
-              </a:rPr>
-              <a:t>django.db</a:t>
-            </a:r>
-            <a:r>
-              <a:rPr lang="en-US" sz="1600" b="1" dirty="0">
-                <a:solidFill>
-                  <a:srgbClr val="000000"/>
-                </a:solidFill>
-                <a:latin typeface="Courier" charset="0"/>
-                <a:ea typeface="Courier" charset="0"/>
-                <a:cs typeface="Courier" charset="0"/>
-              </a:rPr>
-              <a:t> </a:t>
-            </a:r>
-            <a:r>
-              <a:rPr lang="en-US" sz="1600" b="1" dirty="0">
-                <a:solidFill>
-                  <a:srgbClr val="C814C9"/>
-                </a:solidFill>
-                <a:latin typeface="Courier" charset="0"/>
-                <a:ea typeface="Courier" charset="0"/>
-                <a:cs typeface="Courier" charset="0"/>
-              </a:rPr>
-              <a:t>import</a:t>
-            </a:r>
-            <a:r>
-              <a:rPr lang="en-US" sz="1600" b="1" dirty="0">
-                <a:solidFill>
-                  <a:srgbClr val="000000"/>
-                </a:solidFill>
-                <a:latin typeface="Courier" charset="0"/>
-                <a:ea typeface="Courier" charset="0"/>
-                <a:cs typeface="Courier" charset="0"/>
-              </a:rPr>
-              <a:t> models</a:t>
-            </a:r>
-          </a:p>
-          <a:p>
-            <a:r>
-              <a:rPr lang="mr-IN" sz="1600" b="1" dirty="0">
-                <a:solidFill>
-                  <a:srgbClr val="000000"/>
-                </a:solidFill>
-                <a:latin typeface="Courier" charset="0"/>
-                <a:ea typeface="Courier" charset="0"/>
-                <a:cs typeface="Courier" charset="0"/>
-              </a:rPr>
-              <a:t>  </a:t>
-            </a:r>
-          </a:p>
-          <a:p>
-            <a:r>
-              <a:rPr lang="en-US" sz="1600" b="1" dirty="0">
-                <a:solidFill>
-                  <a:srgbClr val="C1651C"/>
-                </a:solidFill>
-                <a:latin typeface="Courier" charset="0"/>
-                <a:ea typeface="Courier" charset="0"/>
-                <a:cs typeface="Courier" charset="0"/>
-              </a:rPr>
-              <a:t>class</a:t>
-            </a:r>
-            <a:r>
-              <a:rPr lang="en-US" sz="1600" b="1" dirty="0">
-                <a:solidFill>
-                  <a:srgbClr val="000000"/>
-                </a:solidFill>
-                <a:latin typeface="Courier" charset="0"/>
-                <a:ea typeface="Courier" charset="0"/>
-                <a:cs typeface="Courier" charset="0"/>
-              </a:rPr>
-              <a:t> </a:t>
-            </a:r>
-            <a:r>
-              <a:rPr lang="en-US" sz="1600" b="1" dirty="0">
-                <a:solidFill>
-                  <a:srgbClr val="2EAEBB"/>
-                </a:solidFill>
-                <a:latin typeface="Courier" charset="0"/>
-                <a:ea typeface="Courier" charset="0"/>
-                <a:cs typeface="Courier" charset="0"/>
-              </a:rPr>
-              <a:t>Person</a:t>
-            </a:r>
-            <a:r>
-              <a:rPr lang="en-US" sz="1600" b="1" dirty="0">
-                <a:solidFill>
-                  <a:srgbClr val="000000"/>
-                </a:solidFill>
-                <a:latin typeface="Courier" charset="0"/>
-                <a:ea typeface="Courier" charset="0"/>
-                <a:cs typeface="Courier" charset="0"/>
-              </a:rPr>
-              <a:t>(</a:t>
-            </a:r>
-            <a:r>
-              <a:rPr lang="en-US" sz="1600" b="1" dirty="0" err="1">
-                <a:solidFill>
-                  <a:srgbClr val="000000"/>
-                </a:solidFill>
-                <a:latin typeface="Courier" charset="0"/>
-                <a:ea typeface="Courier" charset="0"/>
-                <a:cs typeface="Courier" charset="0"/>
-              </a:rPr>
-              <a:t>models.Model</a:t>
-            </a:r>
-            <a:r>
-              <a:rPr lang="en-US" sz="1600" b="1" dirty="0">
-                <a:solidFill>
-                  <a:srgbClr val="000000"/>
-                </a:solidFill>
-                <a:latin typeface="Courier" charset="0"/>
-                <a:ea typeface="Courier" charset="0"/>
-                <a:cs typeface="Courier" charset="0"/>
-              </a:rPr>
-              <a:t>):</a:t>
-            </a:r>
-          </a:p>
-          <a:p>
-            <a:r>
-              <a:rPr lang="en-US" sz="1600" b="1" dirty="0">
-                <a:solidFill>
-                  <a:srgbClr val="000000"/>
-                </a:solidFill>
-                <a:latin typeface="Courier" charset="0"/>
-                <a:ea typeface="Courier" charset="0"/>
-                <a:cs typeface="Courier" charset="0"/>
-              </a:rPr>
-              <a:t>    email = </a:t>
-            </a:r>
-            <a:r>
-              <a:rPr lang="en-US" sz="1600" b="1" dirty="0" err="1">
-                <a:solidFill>
-                  <a:srgbClr val="000000"/>
-                </a:solidFill>
-                <a:latin typeface="Courier" charset="0"/>
-                <a:ea typeface="Courier" charset="0"/>
-                <a:cs typeface="Courier" charset="0"/>
-              </a:rPr>
-              <a:t>models.CharField</a:t>
-            </a:r>
-            <a:r>
-              <a:rPr lang="en-US" sz="1600" b="1" dirty="0">
-                <a:solidFill>
-                  <a:srgbClr val="000000"/>
-                </a:solidFill>
-                <a:latin typeface="Courier" charset="0"/>
-                <a:ea typeface="Courier" charset="0"/>
-                <a:cs typeface="Courier" charset="0"/>
-              </a:rPr>
-              <a:t>(</a:t>
-            </a:r>
-            <a:r>
-              <a:rPr lang="en-US" sz="1600" b="1" dirty="0" err="1">
-                <a:solidFill>
-                  <a:srgbClr val="000000"/>
-                </a:solidFill>
-                <a:latin typeface="Courier" charset="0"/>
-                <a:ea typeface="Courier" charset="0"/>
-                <a:cs typeface="Courier" charset="0"/>
-              </a:rPr>
-              <a:t>max_length</a:t>
-            </a:r>
-            <a:r>
-              <a:rPr lang="en-US" sz="1600" b="1" dirty="0">
-                <a:solidFill>
-                  <a:srgbClr val="000000"/>
-                </a:solidFill>
-                <a:latin typeface="Courier" charset="0"/>
-                <a:ea typeface="Courier" charset="0"/>
-                <a:cs typeface="Courier" charset="0"/>
-              </a:rPr>
-              <a:t>=</a:t>
-            </a:r>
-            <a:r>
-              <a:rPr lang="en-US" sz="1600" b="1" dirty="0">
-                <a:solidFill>
-                  <a:srgbClr val="B42419"/>
-                </a:solidFill>
-                <a:latin typeface="Courier" charset="0"/>
-                <a:ea typeface="Courier" charset="0"/>
-                <a:cs typeface="Courier" charset="0"/>
-              </a:rPr>
-              <a:t>128</a:t>
-            </a:r>
-            <a:r>
-              <a:rPr lang="en-US" sz="1600" b="1" dirty="0">
-                <a:solidFill>
-                  <a:srgbClr val="000000"/>
-                </a:solidFill>
-                <a:latin typeface="Courier" charset="0"/>
-                <a:ea typeface="Courier" charset="0"/>
-                <a:cs typeface="Courier" charset="0"/>
-              </a:rPr>
-              <a:t>, unique=</a:t>
-            </a:r>
-            <a:r>
-              <a:rPr lang="en-US" sz="1600" b="1" dirty="0">
-                <a:solidFill>
-                  <a:srgbClr val="2EAEBB"/>
-                </a:solidFill>
-                <a:latin typeface="Courier" charset="0"/>
-                <a:ea typeface="Courier" charset="0"/>
-                <a:cs typeface="Courier" charset="0"/>
-              </a:rPr>
-              <a:t>True</a:t>
-            </a:r>
-            <a:r>
-              <a:rPr lang="en-US" sz="1600" b="1" dirty="0">
-                <a:solidFill>
-                  <a:srgbClr val="000000"/>
-                </a:solidFill>
-                <a:latin typeface="Courier" charset="0"/>
-                <a:ea typeface="Courier" charset="0"/>
-                <a:cs typeface="Courier" charset="0"/>
-              </a:rPr>
-              <a:t>)</a:t>
-            </a:r>
-          </a:p>
-          <a:p>
-            <a:r>
-              <a:rPr lang="en-US" sz="1600" b="1" dirty="0">
-                <a:solidFill>
-                  <a:srgbClr val="000000"/>
-                </a:solidFill>
-                <a:latin typeface="Courier" charset="0"/>
-                <a:ea typeface="Courier" charset="0"/>
-                <a:cs typeface="Courier" charset="0"/>
-              </a:rPr>
-              <a:t>    name = </a:t>
-            </a:r>
-            <a:r>
-              <a:rPr lang="en-US" sz="1600" b="1" dirty="0" err="1">
-                <a:solidFill>
-                  <a:srgbClr val="000000"/>
-                </a:solidFill>
-                <a:latin typeface="Courier" charset="0"/>
-                <a:ea typeface="Courier" charset="0"/>
-                <a:cs typeface="Courier" charset="0"/>
-              </a:rPr>
-              <a:t>models.CharField</a:t>
-            </a:r>
-            <a:r>
-              <a:rPr lang="en-US" sz="1600" b="1" dirty="0">
-                <a:solidFill>
-                  <a:srgbClr val="000000"/>
-                </a:solidFill>
-                <a:latin typeface="Courier" charset="0"/>
-                <a:ea typeface="Courier" charset="0"/>
-                <a:cs typeface="Courier" charset="0"/>
-              </a:rPr>
-              <a:t>(</a:t>
-            </a:r>
-            <a:r>
-              <a:rPr lang="en-US" sz="1600" b="1" dirty="0" err="1">
-                <a:solidFill>
-                  <a:srgbClr val="000000"/>
-                </a:solidFill>
-                <a:latin typeface="Courier" charset="0"/>
-                <a:ea typeface="Courier" charset="0"/>
-                <a:cs typeface="Courier" charset="0"/>
-              </a:rPr>
-              <a:t>max_length</a:t>
-            </a:r>
-            <a:r>
-              <a:rPr lang="en-US" sz="1600" b="1" dirty="0">
-                <a:solidFill>
-                  <a:srgbClr val="000000"/>
-                </a:solidFill>
-                <a:latin typeface="Courier" charset="0"/>
-                <a:ea typeface="Courier" charset="0"/>
-                <a:cs typeface="Courier" charset="0"/>
-              </a:rPr>
-              <a:t>=</a:t>
-            </a:r>
-            <a:r>
-              <a:rPr lang="en-US" sz="1600" b="1" dirty="0">
-                <a:solidFill>
-                  <a:srgbClr val="B42419"/>
-                </a:solidFill>
-                <a:latin typeface="Courier" charset="0"/>
-                <a:ea typeface="Courier" charset="0"/>
-                <a:cs typeface="Courier" charset="0"/>
-              </a:rPr>
-              <a:t>128</a:t>
-            </a:r>
-            <a:r>
-              <a:rPr lang="en-US" sz="1600" b="1" dirty="0">
-                <a:solidFill>
-                  <a:srgbClr val="000000"/>
-                </a:solidFill>
-                <a:latin typeface="Courier" charset="0"/>
-                <a:ea typeface="Courier" charset="0"/>
-                <a:cs typeface="Courier" charset="0"/>
-              </a:rPr>
-              <a:t>, null=</a:t>
-            </a:r>
-            <a:r>
-              <a:rPr lang="en-US" sz="1600" b="1" dirty="0">
-                <a:solidFill>
-                  <a:srgbClr val="2EAEBB"/>
-                </a:solidFill>
-                <a:latin typeface="Courier" charset="0"/>
-                <a:ea typeface="Courier" charset="0"/>
-                <a:cs typeface="Courier" charset="0"/>
-              </a:rPr>
-              <a:t>True</a:t>
-            </a:r>
-            <a:r>
-              <a:rPr lang="en-US" sz="1600" b="1" dirty="0">
-                <a:solidFill>
-                  <a:srgbClr val="000000"/>
-                </a:solidFill>
-                <a:latin typeface="Courier" charset="0"/>
-                <a:ea typeface="Courier" charset="0"/>
-                <a:cs typeface="Courier" charset="0"/>
-              </a:rPr>
-              <a:t>)</a:t>
-            </a:r>
-          </a:p>
-          <a:p>
-            <a:endParaRPr lang="en-US" sz="1600" b="1" dirty="0">
-              <a:solidFill>
-                <a:srgbClr val="000000"/>
-              </a:solidFill>
-              <a:latin typeface="Courier" charset="0"/>
-              <a:ea typeface="Courier" charset="0"/>
-              <a:cs typeface="Courier" charset="0"/>
-            </a:endParaRPr>
-          </a:p>
-          <a:p>
-            <a:r>
-              <a:rPr lang="en-US" sz="1600" b="1" dirty="0">
-                <a:solidFill>
-                  <a:srgbClr val="000000"/>
-                </a:solidFill>
-                <a:latin typeface="Courier" charset="0"/>
-                <a:ea typeface="Courier" charset="0"/>
-                <a:cs typeface="Courier" charset="0"/>
-              </a:rPr>
-              <a:t>    </a:t>
-            </a:r>
-            <a:r>
-              <a:rPr lang="en-US" sz="1600" b="1" dirty="0" err="1">
-                <a:solidFill>
-                  <a:srgbClr val="C1651C"/>
-                </a:solidFill>
-                <a:latin typeface="Courier" charset="0"/>
-                <a:ea typeface="Courier" charset="0"/>
-                <a:cs typeface="Courier" charset="0"/>
-              </a:rPr>
-              <a:t>def</a:t>
-            </a:r>
-            <a:r>
-              <a:rPr lang="en-US" sz="1600" b="1" dirty="0">
-                <a:solidFill>
-                  <a:srgbClr val="000000"/>
-                </a:solidFill>
-                <a:latin typeface="Courier" charset="0"/>
-                <a:ea typeface="Courier" charset="0"/>
-                <a:cs typeface="Courier" charset="0"/>
-              </a:rPr>
-              <a:t> </a:t>
-            </a:r>
-            <a:r>
-              <a:rPr lang="en-US" sz="1600" b="1" dirty="0">
-                <a:solidFill>
-                  <a:srgbClr val="2EAEBB"/>
-                </a:solidFill>
-                <a:latin typeface="Courier" charset="0"/>
-                <a:ea typeface="Courier" charset="0"/>
-                <a:cs typeface="Courier" charset="0"/>
-              </a:rPr>
-              <a:t>__</a:t>
-            </a:r>
-            <a:r>
-              <a:rPr lang="en-US" sz="1600" b="1" dirty="0" err="1">
-                <a:solidFill>
-                  <a:srgbClr val="2EAEBB"/>
-                </a:solidFill>
-                <a:latin typeface="Courier" charset="0"/>
-                <a:ea typeface="Courier" charset="0"/>
-                <a:cs typeface="Courier" charset="0"/>
-              </a:rPr>
-              <a:t>str</a:t>
-            </a:r>
-            <a:r>
-              <a:rPr lang="en-US" sz="1600" b="1" dirty="0">
-                <a:solidFill>
-                  <a:srgbClr val="2EAEBB"/>
-                </a:solidFill>
-                <a:latin typeface="Courier" charset="0"/>
-                <a:ea typeface="Courier" charset="0"/>
-                <a:cs typeface="Courier" charset="0"/>
-              </a:rPr>
-              <a:t>__</a:t>
-            </a:r>
-            <a:r>
-              <a:rPr lang="en-US" sz="1600" b="1" dirty="0">
-                <a:solidFill>
-                  <a:srgbClr val="000000"/>
-                </a:solidFill>
-                <a:latin typeface="Courier" charset="0"/>
-                <a:ea typeface="Courier" charset="0"/>
-                <a:cs typeface="Courier" charset="0"/>
-              </a:rPr>
-              <a:t>(self):</a:t>
-            </a:r>
-          </a:p>
-          <a:p>
-            <a:r>
-              <a:rPr lang="en-US" sz="1600" b="1" dirty="0">
-                <a:solidFill>
-                  <a:srgbClr val="000000"/>
-                </a:solidFill>
-                <a:latin typeface="Courier" charset="0"/>
-                <a:ea typeface="Courier" charset="0"/>
-                <a:cs typeface="Courier" charset="0"/>
-              </a:rPr>
-              <a:t>        </a:t>
-            </a:r>
-            <a:r>
-              <a:rPr lang="en-US" sz="1600" b="1" dirty="0">
-                <a:solidFill>
-                  <a:srgbClr val="C1651C"/>
-                </a:solidFill>
-                <a:latin typeface="Courier" charset="0"/>
-                <a:ea typeface="Courier" charset="0"/>
-                <a:cs typeface="Courier" charset="0"/>
-              </a:rPr>
-              <a:t>return</a:t>
-            </a:r>
-            <a:r>
-              <a:rPr lang="en-US" sz="1600" b="1" dirty="0">
-                <a:solidFill>
-                  <a:srgbClr val="000000"/>
-                </a:solidFill>
-                <a:latin typeface="Courier" charset="0"/>
-                <a:ea typeface="Courier" charset="0"/>
-                <a:cs typeface="Courier" charset="0"/>
-              </a:rPr>
-              <a:t> </a:t>
-            </a:r>
-            <a:r>
-              <a:rPr lang="en-US" sz="1600" b="1" dirty="0" err="1">
-                <a:solidFill>
-                  <a:srgbClr val="000000"/>
-                </a:solidFill>
-                <a:latin typeface="Courier" charset="0"/>
-                <a:ea typeface="Courier" charset="0"/>
-                <a:cs typeface="Courier" charset="0"/>
-              </a:rPr>
-              <a:t>self.email</a:t>
-            </a:r>
-            <a:endParaRPr lang="en-US" sz="1600" b="1" dirty="0">
-              <a:solidFill>
-                <a:srgbClr val="000000"/>
-              </a:solidFill>
-              <a:latin typeface="Courier" charset="0"/>
-              <a:ea typeface="Courier" charset="0"/>
-              <a:cs typeface="Courier" charset="0"/>
-            </a:endParaRPr>
-          </a:p>
-          <a:p>
-            <a:endParaRPr lang="en-US" sz="1600" b="1" dirty="0">
-              <a:solidFill>
-                <a:srgbClr val="000000"/>
-              </a:solidFill>
-              <a:latin typeface="Courier" charset="0"/>
-              <a:ea typeface="Courier" charset="0"/>
-              <a:cs typeface="Courier" charset="0"/>
-            </a:endParaRPr>
-          </a:p>
-          <a:p>
-            <a:r>
-              <a:rPr lang="en-US" sz="1600" b="1" dirty="0">
-                <a:solidFill>
-                  <a:srgbClr val="C1651C"/>
-                </a:solidFill>
-                <a:latin typeface="Courier" charset="0"/>
-                <a:ea typeface="Courier" charset="0"/>
-                <a:cs typeface="Courier" charset="0"/>
-              </a:rPr>
-              <a:t>class</a:t>
-            </a:r>
-            <a:r>
-              <a:rPr lang="en-US" sz="1600" b="1" dirty="0">
-                <a:solidFill>
-                  <a:srgbClr val="000000"/>
-                </a:solidFill>
-                <a:latin typeface="Courier" charset="0"/>
-                <a:ea typeface="Courier" charset="0"/>
-                <a:cs typeface="Courier" charset="0"/>
-              </a:rPr>
-              <a:t> </a:t>
-            </a:r>
-            <a:r>
-              <a:rPr lang="en-US" sz="1600" b="1" dirty="0">
-                <a:solidFill>
-                  <a:srgbClr val="2EAEBB"/>
-                </a:solidFill>
-                <a:latin typeface="Courier" charset="0"/>
-                <a:ea typeface="Courier" charset="0"/>
-                <a:cs typeface="Courier" charset="0"/>
-              </a:rPr>
-              <a:t>Course</a:t>
-            </a:r>
-            <a:r>
-              <a:rPr lang="en-US" sz="1600" b="1" dirty="0">
-                <a:solidFill>
-                  <a:srgbClr val="000000"/>
-                </a:solidFill>
-                <a:latin typeface="Courier" charset="0"/>
-                <a:ea typeface="Courier" charset="0"/>
-                <a:cs typeface="Courier" charset="0"/>
-              </a:rPr>
-              <a:t>(</a:t>
-            </a:r>
-            <a:r>
-              <a:rPr lang="en-US" sz="1600" b="1" dirty="0" err="1">
-                <a:solidFill>
-                  <a:srgbClr val="000000"/>
-                </a:solidFill>
-                <a:latin typeface="Courier" charset="0"/>
-                <a:ea typeface="Courier" charset="0"/>
-                <a:cs typeface="Courier" charset="0"/>
-              </a:rPr>
-              <a:t>models.Model</a:t>
-            </a:r>
-            <a:r>
-              <a:rPr lang="en-US" sz="1600" b="1" dirty="0">
-                <a:solidFill>
-                  <a:srgbClr val="000000"/>
-                </a:solidFill>
-                <a:latin typeface="Courier" charset="0"/>
-                <a:ea typeface="Courier" charset="0"/>
-                <a:cs typeface="Courier" charset="0"/>
-              </a:rPr>
-              <a:t>):</a:t>
-            </a:r>
-          </a:p>
-          <a:p>
-            <a:r>
-              <a:rPr lang="en-US" sz="1600" b="1" dirty="0">
-                <a:solidFill>
-                  <a:srgbClr val="000000"/>
-                </a:solidFill>
-                <a:latin typeface="Courier" charset="0"/>
-                <a:ea typeface="Courier" charset="0"/>
-                <a:cs typeface="Courier" charset="0"/>
-              </a:rPr>
-              <a:t>    title = </a:t>
-            </a:r>
-            <a:r>
-              <a:rPr lang="en-US" sz="1600" b="1" dirty="0" err="1">
-                <a:solidFill>
-                  <a:srgbClr val="000000"/>
-                </a:solidFill>
-                <a:latin typeface="Courier" charset="0"/>
-                <a:ea typeface="Courier" charset="0"/>
-                <a:cs typeface="Courier" charset="0"/>
-              </a:rPr>
-              <a:t>models.CharField</a:t>
-            </a:r>
-            <a:r>
-              <a:rPr lang="en-US" sz="1600" b="1" dirty="0">
-                <a:solidFill>
-                  <a:srgbClr val="000000"/>
-                </a:solidFill>
-                <a:latin typeface="Courier" charset="0"/>
-                <a:ea typeface="Courier" charset="0"/>
-                <a:cs typeface="Courier" charset="0"/>
-              </a:rPr>
-              <a:t>(</a:t>
-            </a:r>
-            <a:r>
-              <a:rPr lang="en-US" sz="1600" b="1" dirty="0" err="1">
-                <a:solidFill>
-                  <a:srgbClr val="000000"/>
-                </a:solidFill>
-                <a:latin typeface="Courier" charset="0"/>
-                <a:ea typeface="Courier" charset="0"/>
-                <a:cs typeface="Courier" charset="0"/>
-              </a:rPr>
-              <a:t>max_length</a:t>
-            </a:r>
-            <a:r>
-              <a:rPr lang="en-US" sz="1600" b="1" dirty="0">
-                <a:solidFill>
-                  <a:srgbClr val="000000"/>
-                </a:solidFill>
-                <a:latin typeface="Courier" charset="0"/>
-                <a:ea typeface="Courier" charset="0"/>
-                <a:cs typeface="Courier" charset="0"/>
-              </a:rPr>
-              <a:t>=</a:t>
-            </a:r>
-            <a:r>
-              <a:rPr lang="en-US" sz="1600" b="1" dirty="0">
-                <a:solidFill>
-                  <a:srgbClr val="B42419"/>
-                </a:solidFill>
-                <a:latin typeface="Courier" charset="0"/>
-                <a:ea typeface="Courier" charset="0"/>
-                <a:cs typeface="Courier" charset="0"/>
-              </a:rPr>
-              <a:t>128</a:t>
-            </a:r>
-            <a:r>
-              <a:rPr lang="en-US" sz="1600" b="1" dirty="0">
-                <a:solidFill>
-                  <a:srgbClr val="000000"/>
-                </a:solidFill>
-                <a:latin typeface="Courier" charset="0"/>
-                <a:ea typeface="Courier" charset="0"/>
-                <a:cs typeface="Courier" charset="0"/>
-              </a:rPr>
-              <a:t>, unique=</a:t>
-            </a:r>
-            <a:r>
-              <a:rPr lang="en-US" sz="1600" b="1" dirty="0">
-                <a:solidFill>
-                  <a:srgbClr val="2EAEBB"/>
-                </a:solidFill>
-                <a:latin typeface="Courier" charset="0"/>
-                <a:ea typeface="Courier" charset="0"/>
-                <a:cs typeface="Courier" charset="0"/>
-              </a:rPr>
-              <a:t>True</a:t>
-            </a:r>
-            <a:r>
-              <a:rPr lang="en-US" sz="1600" b="1" dirty="0">
-                <a:solidFill>
-                  <a:srgbClr val="000000"/>
-                </a:solidFill>
-                <a:latin typeface="Courier" charset="0"/>
-                <a:ea typeface="Courier" charset="0"/>
-                <a:cs typeface="Courier" charset="0"/>
-              </a:rPr>
-              <a:t>)</a:t>
-            </a:r>
-          </a:p>
-          <a:p>
-            <a:r>
-              <a:rPr lang="en-US" sz="1600" b="1" dirty="0">
-                <a:solidFill>
-                  <a:srgbClr val="000000"/>
-                </a:solidFill>
-                <a:latin typeface="Courier" charset="0"/>
-                <a:ea typeface="Courier" charset="0"/>
-                <a:cs typeface="Courier" charset="0"/>
-              </a:rPr>
-              <a:t> </a:t>
-            </a:r>
-            <a:r>
-              <a:rPr lang="en-US" sz="1600" b="1" dirty="0" smtClean="0">
-                <a:solidFill>
-                  <a:srgbClr val="000000"/>
-                </a:solidFill>
-                <a:latin typeface="Courier" charset="0"/>
-                <a:ea typeface="Courier" charset="0"/>
-                <a:cs typeface="Courier" charset="0"/>
-              </a:rPr>
-              <a:t>   members </a:t>
-            </a:r>
-            <a:r>
-              <a:rPr lang="en-US" sz="1600" b="1" dirty="0">
-                <a:solidFill>
-                  <a:srgbClr val="000000"/>
-                </a:solidFill>
-                <a:latin typeface="Courier" charset="0"/>
-                <a:ea typeface="Courier" charset="0"/>
-                <a:cs typeface="Courier" charset="0"/>
-              </a:rPr>
-              <a:t>= </a:t>
-            </a:r>
-            <a:r>
-              <a:rPr lang="en-US" sz="1600" b="1" dirty="0" err="1">
-                <a:solidFill>
-                  <a:srgbClr val="000000"/>
-                </a:solidFill>
-                <a:latin typeface="Courier" charset="0"/>
-                <a:ea typeface="Courier" charset="0"/>
-                <a:cs typeface="Courier" charset="0"/>
-              </a:rPr>
-              <a:t>models.ManyToManyField</a:t>
-            </a:r>
-            <a:r>
-              <a:rPr lang="en-US" sz="1600" b="1" dirty="0">
-                <a:solidFill>
-                  <a:srgbClr val="000000"/>
-                </a:solidFill>
-                <a:latin typeface="Courier" charset="0"/>
-                <a:ea typeface="Courier" charset="0"/>
-                <a:cs typeface="Courier" charset="0"/>
-              </a:rPr>
-              <a:t>(Person, </a:t>
-            </a:r>
-          </a:p>
-          <a:p>
-            <a:r>
-              <a:rPr lang="en-US" sz="1600" b="1" dirty="0">
-                <a:solidFill>
-                  <a:srgbClr val="000000"/>
-                </a:solidFill>
-                <a:latin typeface="Courier" charset="0"/>
-                <a:ea typeface="Courier" charset="0"/>
-                <a:cs typeface="Courier" charset="0"/>
-              </a:rPr>
-              <a:t>            through=</a:t>
-            </a:r>
-            <a:r>
-              <a:rPr lang="en-US" sz="1600" b="1" dirty="0">
-                <a:solidFill>
-                  <a:srgbClr val="B42419"/>
-                </a:solidFill>
-                <a:latin typeface="Courier" charset="0"/>
-                <a:ea typeface="Courier" charset="0"/>
-                <a:cs typeface="Courier" charset="0"/>
-              </a:rPr>
-              <a:t>'Membership'</a:t>
-            </a:r>
-            <a:r>
-              <a:rPr lang="en-US" sz="1600" b="1" dirty="0">
-                <a:solidFill>
-                  <a:srgbClr val="000000"/>
-                </a:solidFill>
-                <a:latin typeface="Courier" charset="0"/>
-                <a:ea typeface="Courier" charset="0"/>
-                <a:cs typeface="Courier" charset="0"/>
-              </a:rPr>
-              <a:t>, </a:t>
-            </a:r>
-            <a:r>
-              <a:rPr lang="en-US" sz="1600" b="1" dirty="0" err="1">
-                <a:solidFill>
-                  <a:srgbClr val="000000"/>
-                </a:solidFill>
-                <a:latin typeface="Courier" charset="0"/>
-                <a:ea typeface="Courier" charset="0"/>
-                <a:cs typeface="Courier" charset="0"/>
-              </a:rPr>
-              <a:t>related_name</a:t>
-            </a:r>
-            <a:r>
-              <a:rPr lang="en-US" sz="1600" b="1" dirty="0">
-                <a:solidFill>
-                  <a:srgbClr val="000000"/>
-                </a:solidFill>
-                <a:latin typeface="Courier" charset="0"/>
-                <a:ea typeface="Courier" charset="0"/>
-                <a:cs typeface="Courier" charset="0"/>
-              </a:rPr>
-              <a:t>=</a:t>
-            </a:r>
-            <a:r>
-              <a:rPr lang="en-US" sz="1600" b="1" dirty="0">
-                <a:solidFill>
-                  <a:srgbClr val="B42419"/>
-                </a:solidFill>
-                <a:latin typeface="Courier" charset="0"/>
-                <a:ea typeface="Courier" charset="0"/>
-                <a:cs typeface="Courier" charset="0"/>
-              </a:rPr>
-              <a:t>'courses</a:t>
-            </a:r>
-            <a:r>
-              <a:rPr lang="en-US" sz="1600" b="1" dirty="0" smtClean="0">
-                <a:solidFill>
-                  <a:srgbClr val="B42419"/>
-                </a:solidFill>
-                <a:latin typeface="Courier" charset="0"/>
-                <a:ea typeface="Courier" charset="0"/>
-                <a:cs typeface="Courier" charset="0"/>
-              </a:rPr>
-              <a:t>'</a:t>
-            </a:r>
-            <a:r>
-              <a:rPr lang="en-US" sz="1600" b="1" dirty="0" smtClean="0">
-                <a:solidFill>
-                  <a:srgbClr val="000000"/>
-                </a:solidFill>
-                <a:latin typeface="Courier" charset="0"/>
-                <a:ea typeface="Courier" charset="0"/>
-                <a:cs typeface="Courier" charset="0"/>
-              </a:rPr>
-              <a:t>)</a:t>
-            </a:r>
-          </a:p>
-          <a:p>
-            <a:endParaRPr lang="en-US" sz="1600" b="1" dirty="0">
-              <a:solidFill>
-                <a:srgbClr val="000000"/>
-              </a:solidFill>
-              <a:latin typeface="Courier" charset="0"/>
-              <a:ea typeface="Courier" charset="0"/>
-              <a:cs typeface="Courier" charset="0"/>
-            </a:endParaRPr>
-          </a:p>
-          <a:p>
-            <a:r>
-              <a:rPr lang="en-US" sz="1600" b="1" dirty="0">
-                <a:solidFill>
-                  <a:srgbClr val="000000"/>
-                </a:solidFill>
-                <a:latin typeface="Courier" charset="0"/>
-                <a:ea typeface="Courier" charset="0"/>
-                <a:cs typeface="Courier" charset="0"/>
-              </a:rPr>
-              <a:t>    </a:t>
-            </a:r>
-            <a:r>
-              <a:rPr lang="en-US" sz="1600" b="1" dirty="0" err="1">
-                <a:solidFill>
-                  <a:srgbClr val="C1651C"/>
-                </a:solidFill>
-                <a:latin typeface="Courier" charset="0"/>
-                <a:ea typeface="Courier" charset="0"/>
-                <a:cs typeface="Courier" charset="0"/>
-              </a:rPr>
-              <a:t>def</a:t>
-            </a:r>
-            <a:r>
-              <a:rPr lang="en-US" sz="1600" b="1" dirty="0">
-                <a:solidFill>
-                  <a:srgbClr val="000000"/>
-                </a:solidFill>
-                <a:latin typeface="Courier" charset="0"/>
-                <a:ea typeface="Courier" charset="0"/>
-                <a:cs typeface="Courier" charset="0"/>
-              </a:rPr>
-              <a:t> </a:t>
-            </a:r>
-            <a:r>
-              <a:rPr lang="en-US" sz="1600" b="1" dirty="0">
-                <a:solidFill>
-                  <a:srgbClr val="2EAEBB"/>
-                </a:solidFill>
-                <a:latin typeface="Courier" charset="0"/>
-                <a:ea typeface="Courier" charset="0"/>
-                <a:cs typeface="Courier" charset="0"/>
-              </a:rPr>
-              <a:t>__</a:t>
-            </a:r>
-            <a:r>
-              <a:rPr lang="en-US" sz="1600" b="1" dirty="0" err="1">
-                <a:solidFill>
-                  <a:srgbClr val="2EAEBB"/>
-                </a:solidFill>
-                <a:latin typeface="Courier" charset="0"/>
-                <a:ea typeface="Courier" charset="0"/>
-                <a:cs typeface="Courier" charset="0"/>
-              </a:rPr>
-              <a:t>str</a:t>
-            </a:r>
-            <a:r>
-              <a:rPr lang="en-US" sz="1600" b="1" dirty="0">
-                <a:solidFill>
-                  <a:srgbClr val="2EAEBB"/>
-                </a:solidFill>
-                <a:latin typeface="Courier" charset="0"/>
-                <a:ea typeface="Courier" charset="0"/>
-                <a:cs typeface="Courier" charset="0"/>
-              </a:rPr>
-              <a:t>__</a:t>
-            </a:r>
-            <a:r>
-              <a:rPr lang="en-US" sz="1600" b="1" dirty="0">
-                <a:solidFill>
-                  <a:srgbClr val="000000"/>
-                </a:solidFill>
-                <a:latin typeface="Courier" charset="0"/>
-                <a:ea typeface="Courier" charset="0"/>
-                <a:cs typeface="Courier" charset="0"/>
-              </a:rPr>
-              <a:t>(self):</a:t>
-            </a:r>
-          </a:p>
-          <a:p>
-            <a:r>
-              <a:rPr lang="en-US" sz="1600" b="1" dirty="0">
-                <a:solidFill>
-                  <a:srgbClr val="000000"/>
-                </a:solidFill>
-                <a:latin typeface="Courier" charset="0"/>
-                <a:ea typeface="Courier" charset="0"/>
-                <a:cs typeface="Courier" charset="0"/>
-              </a:rPr>
-              <a:t>        </a:t>
-            </a:r>
-            <a:r>
-              <a:rPr lang="en-US" sz="1600" b="1" dirty="0">
-                <a:solidFill>
-                  <a:srgbClr val="C1651C"/>
-                </a:solidFill>
-                <a:latin typeface="Courier" charset="0"/>
-                <a:ea typeface="Courier" charset="0"/>
-                <a:cs typeface="Courier" charset="0"/>
-              </a:rPr>
-              <a:t>return</a:t>
-            </a:r>
-            <a:r>
-              <a:rPr lang="en-US" sz="1600" b="1" dirty="0">
-                <a:solidFill>
-                  <a:srgbClr val="000000"/>
-                </a:solidFill>
-                <a:latin typeface="Courier" charset="0"/>
-                <a:ea typeface="Courier" charset="0"/>
-                <a:cs typeface="Courier" charset="0"/>
-              </a:rPr>
-              <a:t> </a:t>
-            </a:r>
-            <a:r>
-              <a:rPr lang="en-US" sz="1600" b="1" dirty="0" err="1">
-                <a:solidFill>
-                  <a:srgbClr val="000000"/>
-                </a:solidFill>
-                <a:latin typeface="Courier" charset="0"/>
-                <a:ea typeface="Courier" charset="0"/>
-                <a:cs typeface="Courier" charset="0"/>
-              </a:rPr>
-              <a:t>self.title</a:t>
-            </a:r>
-            <a:endParaRPr lang="en-US" sz="1600" b="1" dirty="0">
-              <a:latin typeface="Courier" charset="0"/>
-              <a:ea typeface="Courier" charset="0"/>
-              <a:cs typeface="Courier" charset="0"/>
-            </a:endParaRPr>
-          </a:p>
-        </p:txBody>
-      </p:sp>
-      <p:sp>
-        <p:nvSpPr>
-          <p:cNvPr id="5" name="Rectangle 4"/>
-          <p:cNvSpPr/>
-          <p:nvPr/>
-        </p:nvSpPr>
-        <p:spPr>
-          <a:xfrm>
-            <a:off x="1490662" y="5362188"/>
-            <a:ext cx="9651068" cy="646331"/>
-          </a:xfrm>
-          <a:prstGeom prst="rect">
-            <a:avLst/>
-          </a:prstGeom>
-        </p:spPr>
-        <p:txBody>
-          <a:bodyPr wrap="square">
-            <a:spAutoFit/>
-          </a:bodyPr>
-          <a:lstStyle/>
-          <a:p>
-            <a:r>
-              <a:rPr lang="en-US" dirty="0"/>
-              <a:t>https://</a:t>
-            </a:r>
-            <a:r>
-              <a:rPr lang="en-US" dirty="0" err="1" smtClean="0"/>
-              <a:t>github.com</a:t>
-            </a:r>
-            <a:r>
-              <a:rPr lang="en-US" dirty="0" smtClean="0"/>
-              <a:t>/csev/dj4e-samples/blob/master/samples/many/</a:t>
-            </a:r>
-            <a:r>
-              <a:rPr lang="en-US" dirty="0" err="1" smtClean="0"/>
-              <a:t>models.py</a:t>
-            </a:r>
-            <a:endParaRPr lang="en-US" dirty="0" smtClean="0"/>
-          </a:p>
-          <a:p>
-            <a:r>
-              <a:rPr lang="en-US" dirty="0" smtClean="0"/>
-              <a:t>https</a:t>
-            </a:r>
-            <a:r>
-              <a:rPr lang="en-US" dirty="0"/>
-              <a:t>://</a:t>
-            </a:r>
-            <a:r>
-              <a:rPr lang="en-US" dirty="0" err="1"/>
-              <a:t>docs.djangoproject.com</a:t>
-            </a:r>
-            <a:r>
-              <a:rPr lang="en-US" dirty="0"/>
-              <a:t>/</a:t>
-            </a:r>
-            <a:r>
-              <a:rPr lang="en-US" dirty="0" err="1"/>
-              <a:t>en</a:t>
-            </a:r>
-            <a:r>
-              <a:rPr lang="en-US" dirty="0"/>
-              <a:t>/2.1/ref/models/fields/#choices</a:t>
-            </a:r>
-          </a:p>
-        </p:txBody>
-      </p:sp>
-    </p:spTree>
-    <p:extLst>
-      <p:ext uri="{BB962C8B-B14F-4D97-AF65-F5344CB8AC3E}">
-        <p14:creationId xmlns:p14="http://schemas.microsoft.com/office/powerpoint/2010/main" val="7560136"/>
-      </p:ext>
-    </p:extLst>
-  </p:cSld>
-  <p:clrMapOvr>
-    <a:masterClrMapping/>
-  </p:clrMapOvr>
-  <p:timing>
-    <p:tnLst>
-      <p:par>
-        <p:cTn id="1" dur="indefinite" restart="never" nodeType="tmRoot"/>
-      </p:par>
-    </p:tnLst>
-  </p:timing>
-</p:sld>
-</file>
-
 <file path=ppt/slides/slide2.xml><?xml version="1.0" encoding="utf-8"?>
 <p:sld xmlns:a="http://schemas.openxmlformats.org/drawingml/2006/main" xmlns:r="http://schemas.openxmlformats.org/officeDocument/2006/relationships" xmlns:p="http://schemas.openxmlformats.org/presentationml/2006/main">
   <p:cSld>
@@ -18834,36 +18056,6 @@
           <a:chExt cx="0" cy="0"/>
         </a:xfrm>
       </p:grpSpPr>
-      <p:pic>
-        <p:nvPicPr>
-          <p:cNvPr id="42" name="Picture 41"/>
-          <p:cNvPicPr>
-            <a:picLocks noChangeAspect="1"/>
-          </p:cNvPicPr>
-          <p:nvPr/>
-        </p:nvPicPr>
-        <p:blipFill rotWithShape="1">
-          <a:blip r:embed="rId2">
-            <a:alphaModFix/>
-            <a:extLst>
-              <a:ext uri="{28A0092B-C50C-407E-A947-70E740481C1C}">
-                <a14:useLocalDpi xmlns:a14="http://schemas.microsoft.com/office/drawing/2010/main" val="0"/>
-              </a:ext>
-            </a:extLst>
-          </a:blip>
-          <a:srcRect b="2174"/>
-          <a:stretch/>
-        </p:blipFill>
-        <p:spPr>
-          <a:xfrm>
-            <a:off x="20" y="11704"/>
-            <a:ext cx="12191980" cy="6857999"/>
-          </a:xfrm>
-          <a:prstGeom prst="rect">
-            <a:avLst/>
-          </a:prstGeom>
-        </p:spPr>
-      </p:pic>
       <p:sp>
         <p:nvSpPr>
           <p:cNvPr id="5" name="Rectangle 4"/>
@@ -20219,7 +19411,7 @@
           <p:nvPr/>
         </p:nvPicPr>
         <p:blipFill>
-          <a:blip r:embed="rId3">
+          <a:blip r:embed="rId2">
             <a:extLst>
               <a:ext uri="{28A0092B-C50C-407E-A947-70E740481C1C}">
                 <a14:useLocalDpi xmlns:a14="http://schemas.microsoft.com/office/drawing/2010/main" val="0"/>
@@ -20775,8 +19967,8 @@
         </p:nvSpPr>
         <p:spPr>
           <a:xfrm>
-            <a:off x="1396139" y="257175"/>
-            <a:ext cx="9313768" cy="5909310"/>
+            <a:off x="1667602" y="728663"/>
+            <a:ext cx="7220246" cy="4031873"/>
           </a:xfrm>
           <a:prstGeom prst="rect">
             <a:avLst/>
@@ -20792,7 +19984,88 @@
           <a:lstStyle/>
           <a:p>
             <a:r>
-              <a:rPr lang="en-US" sz="1400" b="1" dirty="0">
+              <a:rPr lang="en-US" sz="1600" b="1" dirty="0">
+                <a:solidFill>
+                  <a:srgbClr val="C814C9"/>
+                </a:solidFill>
+                <a:latin typeface="Courier" charset="0"/>
+                <a:ea typeface="Courier" charset="0"/>
+                <a:cs typeface="Courier" charset="0"/>
+              </a:rPr>
+              <a:t>from</a:t>
+            </a:r>
+            <a:r>
+              <a:rPr lang="en-US" sz="1600" b="1" dirty="0">
+                <a:solidFill>
+                  <a:srgbClr val="000000"/>
+                </a:solidFill>
+                <a:latin typeface="Courier" charset="0"/>
+                <a:ea typeface="Courier" charset="0"/>
+                <a:cs typeface="Courier" charset="0"/>
+              </a:rPr>
+              <a:t> </a:t>
+            </a:r>
+            <a:r>
+              <a:rPr lang="en-US" sz="1600" b="1" dirty="0" err="1">
+                <a:solidFill>
+                  <a:srgbClr val="000000"/>
+                </a:solidFill>
+                <a:latin typeface="Courier" charset="0"/>
+                <a:ea typeface="Courier" charset="0"/>
+                <a:cs typeface="Courier" charset="0"/>
+              </a:rPr>
+              <a:t>django.db</a:t>
+            </a:r>
+            <a:r>
+              <a:rPr lang="en-US" sz="1600" b="1" dirty="0">
+                <a:solidFill>
+                  <a:srgbClr val="000000"/>
+                </a:solidFill>
+                <a:latin typeface="Courier" charset="0"/>
+                <a:ea typeface="Courier" charset="0"/>
+                <a:cs typeface="Courier" charset="0"/>
+              </a:rPr>
+              <a:t> </a:t>
+            </a:r>
+            <a:r>
+              <a:rPr lang="en-US" sz="1600" b="1" dirty="0">
+                <a:solidFill>
+                  <a:srgbClr val="C814C9"/>
+                </a:solidFill>
+                <a:latin typeface="Courier" charset="0"/>
+                <a:ea typeface="Courier" charset="0"/>
+                <a:cs typeface="Courier" charset="0"/>
+              </a:rPr>
+              <a:t>import</a:t>
+            </a:r>
+            <a:r>
+              <a:rPr lang="en-US" sz="1600" b="1" dirty="0">
+                <a:solidFill>
+                  <a:srgbClr val="000000"/>
+                </a:solidFill>
+                <a:latin typeface="Courier" charset="0"/>
+                <a:ea typeface="Courier" charset="0"/>
+                <a:cs typeface="Courier" charset="0"/>
+              </a:rPr>
+              <a:t> models</a:t>
+            </a:r>
+          </a:p>
+          <a:p>
+            <a:r>
+              <a:rPr lang="mr-IN" sz="1600" b="1" dirty="0">
+                <a:solidFill>
+                  <a:srgbClr val="000000"/>
+                </a:solidFill>
+                <a:latin typeface="Courier" charset="0"/>
+                <a:ea typeface="Courier" charset="0"/>
+                <a:cs typeface="Courier" charset="0"/>
+              </a:rPr>
+              <a:t>  </a:t>
+            </a:r>
+          </a:p>
+          <a:p>
+            <a:r>
+              <a:rPr lang="en-US" sz="1600" b="1" dirty="0">
                 <a:solidFill>
                   <a:srgbClr val="C1651C"/>
                 </a:solidFill>
@@ -20803,7 +20076,7 @@
               <a:t>class</a:t>
             </a:r>
             <a:r>
-              <a:rPr lang="en-US" sz="1400" b="1" dirty="0">
+              <a:rPr lang="en-US" sz="1600" b="1" dirty="0">
                 <a:solidFill>
                   <a:srgbClr val="000000"/>
                 </a:solidFill>
@@ -20814,7 +20087,7 @@
               <a:t> </a:t>
             </a:r>
             <a:r>
-              <a:rPr lang="en-US" sz="1400" b="1" dirty="0">
+              <a:rPr lang="en-US" sz="1600" b="1" dirty="0">
                 <a:solidFill>
                   <a:srgbClr val="2EAEBB"/>
                 </a:solidFill>
@@ -20822,10 +20095,10 @@
                 <a:ea typeface="Courier" charset="0"/>
                 <a:cs typeface="Courier" charset="0"/>
               </a:rPr>
-              <a:t>Membership</a:t>
-            </a:r>
-            <a:r>
-              <a:rPr lang="en-US" sz="1400" b="1" dirty="0">
+              <a:t>Person</a:t>
+            </a:r>
+            <a:r>
+              <a:rPr lang="en-US" sz="1600" b="1" dirty="0">
                 <a:solidFill>
                   <a:srgbClr val="000000"/>
                 </a:solidFill>
@@ -20836,7 +20109,7 @@
               <a:t>(</a:t>
             </a:r>
             <a:r>
-              <a:rPr lang="en-US" sz="1400" b="1" dirty="0" err="1">
+              <a:rPr lang="en-US" sz="1600" b="1" dirty="0" err="1">
                 <a:solidFill>
                   <a:srgbClr val="000000"/>
                 </a:solidFill>
@@ -20847,7 +20120,7 @@
               <a:t>models.Model</a:t>
             </a:r>
             <a:r>
-              <a:rPr lang="en-US" sz="1400" b="1" dirty="0">
+              <a:rPr lang="en-US" sz="1600" b="1" dirty="0">
                 <a:solidFill>
                   <a:srgbClr val="000000"/>
                 </a:solidFill>
@@ -20860,73 +20133,51 @@
           </a:p>
           <a:p>
             <a:r>
-              <a:rPr lang="en-US" sz="1400" b="1" dirty="0">
-                <a:solidFill>
-                  <a:srgbClr val="000000"/>
-                </a:solidFill>
-                <a:latin typeface="Courier" charset="0"/>
-                <a:ea typeface="Courier" charset="0"/>
-                <a:cs typeface="Courier" charset="0"/>
-              </a:rPr>
-              <a:t> </a:t>
-            </a:r>
-            <a:r>
-              <a:rPr lang="en-US" sz="1400" b="1" dirty="0" smtClean="0">
-                <a:solidFill>
-                  <a:srgbClr val="000000"/>
-                </a:solidFill>
-                <a:latin typeface="Courier" charset="0"/>
-                <a:ea typeface="Courier" charset="0"/>
-                <a:cs typeface="Courier" charset="0"/>
-              </a:rPr>
-              <a:t>   person </a:t>
-            </a:r>
-            <a:r>
-              <a:rPr lang="en-US" sz="1400" b="1" dirty="0">
-                <a:solidFill>
-                  <a:srgbClr val="000000"/>
-                </a:solidFill>
-                <a:latin typeface="Courier" charset="0"/>
-                <a:ea typeface="Courier" charset="0"/>
-                <a:cs typeface="Courier" charset="0"/>
-              </a:rPr>
-              <a:t>= </a:t>
-            </a:r>
-            <a:r>
-              <a:rPr lang="en-US" sz="1400" b="1" dirty="0" err="1">
-                <a:solidFill>
-                  <a:srgbClr val="000000"/>
-                </a:solidFill>
-                <a:latin typeface="Courier" charset="0"/>
-                <a:ea typeface="Courier" charset="0"/>
-                <a:cs typeface="Courier" charset="0"/>
-              </a:rPr>
-              <a:t>models.ForeignKey</a:t>
-            </a:r>
-            <a:r>
-              <a:rPr lang="en-US" sz="1400" b="1" dirty="0">
-                <a:solidFill>
-                  <a:srgbClr val="000000"/>
-                </a:solidFill>
-                <a:latin typeface="Courier" charset="0"/>
-                <a:ea typeface="Courier" charset="0"/>
-                <a:cs typeface="Courier" charset="0"/>
-              </a:rPr>
-              <a:t>(Person, </a:t>
-            </a:r>
-            <a:r>
-              <a:rPr lang="en-US" sz="1400" b="1" dirty="0" err="1">
-                <a:solidFill>
-                  <a:srgbClr val="000000"/>
-                </a:solidFill>
-                <a:latin typeface="Courier" charset="0"/>
-                <a:ea typeface="Courier" charset="0"/>
-                <a:cs typeface="Courier" charset="0"/>
-              </a:rPr>
-              <a:t>on_delete</a:t>
-            </a:r>
-            <a:r>
-              <a:rPr lang="en-US" sz="1400" b="1" dirty="0">
+              <a:rPr lang="en-US" sz="1600" b="1" dirty="0">
+                <a:solidFill>
+                  <a:srgbClr val="000000"/>
+                </a:solidFill>
+                <a:latin typeface="Courier" charset="0"/>
+                <a:ea typeface="Courier" charset="0"/>
+                <a:cs typeface="Courier" charset="0"/>
+              </a:rPr>
+              <a:t>    email = </a:t>
+            </a:r>
+            <a:r>
+              <a:rPr lang="en-US" sz="1600" b="1" dirty="0" err="1">
+                <a:solidFill>
+                  <a:srgbClr val="000000"/>
+                </a:solidFill>
+                <a:latin typeface="Courier" charset="0"/>
+                <a:ea typeface="Courier" charset="0"/>
+                <a:cs typeface="Courier" charset="0"/>
+              </a:rPr>
+              <a:t>models.CharField</a:t>
+            </a:r>
+            <a:r>
+              <a:rPr lang="en-US" sz="1600" b="1" dirty="0">
+                <a:solidFill>
+                  <a:srgbClr val="000000"/>
+                </a:solidFill>
+                <a:latin typeface="Courier" charset="0"/>
+                <a:ea typeface="Courier" charset="0"/>
+                <a:cs typeface="Courier" charset="0"/>
+              </a:rPr>
+              <a:t>(</a:t>
+            </a:r>
+            <a:r>
+              <a:rPr lang="en-US" sz="1600" b="1" dirty="0" err="1">
+                <a:solidFill>
+                  <a:srgbClr val="000000"/>
+                </a:solidFill>
+                <a:latin typeface="Courier" charset="0"/>
+                <a:ea typeface="Courier" charset="0"/>
+                <a:cs typeface="Courier" charset="0"/>
+              </a:rPr>
+              <a:t>max_length</a:t>
+            </a:r>
+            <a:r>
+              <a:rPr lang="en-US" sz="1600" b="1" dirty="0">
                 <a:solidFill>
                   <a:srgbClr val="000000"/>
                 </a:solidFill>
@@ -20937,18 +20188,40 @@
               <a:t>=</a:t>
             </a:r>
             <a:r>
-              <a:rPr lang="en-US" sz="1400" b="1" dirty="0" err="1">
-                <a:solidFill>
-                  <a:srgbClr val="000000"/>
-                </a:solidFill>
-                <a:latin typeface="Courier" charset="0"/>
-                <a:ea typeface="Courier" charset="0"/>
-                <a:cs typeface="Courier" charset="0"/>
-              </a:rPr>
-              <a:t>models.CASCADE</a:t>
-            </a:r>
-            <a:r>
-              <a:rPr lang="en-US" sz="1400" b="1" dirty="0">
+              <a:rPr lang="en-US" sz="1600" b="1" dirty="0">
+                <a:solidFill>
+                  <a:srgbClr val="B42419"/>
+                </a:solidFill>
+                <a:latin typeface="Courier" charset="0"/>
+                <a:ea typeface="Courier" charset="0"/>
+                <a:cs typeface="Courier" charset="0"/>
+              </a:rPr>
+              <a:t>128</a:t>
+            </a:r>
+            <a:r>
+              <a:rPr lang="en-US" sz="1600" b="1" dirty="0">
+                <a:solidFill>
+                  <a:srgbClr val="000000"/>
+                </a:solidFill>
+                <a:latin typeface="Courier" charset="0"/>
+                <a:ea typeface="Courier" charset="0"/>
+                <a:cs typeface="Courier" charset="0"/>
+              </a:rPr>
+              <a:t>, unique=</a:t>
+            </a:r>
+            <a:r>
+              <a:rPr lang="en-US" sz="1600" b="1" dirty="0">
+                <a:solidFill>
+                  <a:srgbClr val="2EAEBB"/>
+                </a:solidFill>
+                <a:latin typeface="Courier" charset="0"/>
+                <a:ea typeface="Courier" charset="0"/>
+                <a:cs typeface="Courier" charset="0"/>
+              </a:rPr>
+              <a:t>True</a:t>
+            </a:r>
+            <a:r>
+              <a:rPr lang="en-US" sz="1600" b="1" dirty="0">
                 <a:solidFill>
                   <a:srgbClr val="000000"/>
                 </a:solidFill>
@@ -20961,51 +20234,51 @@
           </a:p>
           <a:p>
             <a:r>
-              <a:rPr lang="en-US" sz="1400" b="1" dirty="0">
-                <a:solidFill>
-                  <a:srgbClr val="000000"/>
-                </a:solidFill>
-                <a:latin typeface="Courier" charset="0"/>
-                <a:ea typeface="Courier" charset="0"/>
-                <a:cs typeface="Courier" charset="0"/>
-              </a:rPr>
-              <a:t>    course = </a:t>
-            </a:r>
-            <a:r>
-              <a:rPr lang="en-US" sz="1400" b="1" dirty="0" err="1">
-                <a:solidFill>
-                  <a:srgbClr val="000000"/>
-                </a:solidFill>
-                <a:latin typeface="Courier" charset="0"/>
-                <a:ea typeface="Courier" charset="0"/>
-                <a:cs typeface="Courier" charset="0"/>
-              </a:rPr>
-              <a:t>models.ForeignKey</a:t>
-            </a:r>
-            <a:r>
-              <a:rPr lang="en-US" sz="1400" b="1" dirty="0">
-                <a:solidFill>
-                  <a:srgbClr val="000000"/>
-                </a:solidFill>
-                <a:latin typeface="Courier" charset="0"/>
-                <a:ea typeface="Courier" charset="0"/>
-                <a:cs typeface="Courier" charset="0"/>
-              </a:rPr>
-              <a:t>(Course, </a:t>
-            </a:r>
-            <a:r>
-              <a:rPr lang="en-US" sz="1400" b="1" dirty="0" err="1">
-                <a:solidFill>
-                  <a:srgbClr val="000000"/>
-                </a:solidFill>
-                <a:latin typeface="Courier" charset="0"/>
-                <a:ea typeface="Courier" charset="0"/>
-                <a:cs typeface="Courier" charset="0"/>
-              </a:rPr>
-              <a:t>on_delete</a:t>
-            </a:r>
-            <a:r>
-              <a:rPr lang="en-US" sz="1400" b="1" dirty="0">
+              <a:rPr lang="en-US" sz="1600" b="1" dirty="0">
+                <a:solidFill>
+                  <a:srgbClr val="000000"/>
+                </a:solidFill>
+                <a:latin typeface="Courier" charset="0"/>
+                <a:ea typeface="Courier" charset="0"/>
+                <a:cs typeface="Courier" charset="0"/>
+              </a:rPr>
+              <a:t>    name = </a:t>
+            </a:r>
+            <a:r>
+              <a:rPr lang="en-US" sz="1600" b="1" dirty="0" err="1">
+                <a:solidFill>
+                  <a:srgbClr val="000000"/>
+                </a:solidFill>
+                <a:latin typeface="Courier" charset="0"/>
+                <a:ea typeface="Courier" charset="0"/>
+                <a:cs typeface="Courier" charset="0"/>
+              </a:rPr>
+              <a:t>models.CharField</a:t>
+            </a:r>
+            <a:r>
+              <a:rPr lang="en-US" sz="1600" b="1" dirty="0">
+                <a:solidFill>
+                  <a:srgbClr val="000000"/>
+                </a:solidFill>
+                <a:latin typeface="Courier" charset="0"/>
+                <a:ea typeface="Courier" charset="0"/>
+                <a:cs typeface="Courier" charset="0"/>
+              </a:rPr>
+              <a:t>(</a:t>
+            </a:r>
+            <a:r>
+              <a:rPr lang="en-US" sz="1600" b="1" dirty="0" err="1">
+                <a:solidFill>
+                  <a:srgbClr val="000000"/>
+                </a:solidFill>
+                <a:latin typeface="Courier" charset="0"/>
+                <a:ea typeface="Courier" charset="0"/>
+                <a:cs typeface="Courier" charset="0"/>
+              </a:rPr>
+              <a:t>max_length</a:t>
+            </a:r>
+            <a:r>
+              <a:rPr lang="en-US" sz="1600" b="1" dirty="0">
                 <a:solidFill>
                   <a:srgbClr val="000000"/>
                 </a:solidFill>
@@ -21016,18 +20289,40 @@
               <a:t>=</a:t>
             </a:r>
             <a:r>
-              <a:rPr lang="en-US" sz="1400" b="1" dirty="0" err="1">
-                <a:solidFill>
-                  <a:srgbClr val="000000"/>
-                </a:solidFill>
-                <a:latin typeface="Courier" charset="0"/>
-                <a:ea typeface="Courier" charset="0"/>
-                <a:cs typeface="Courier" charset="0"/>
-              </a:rPr>
-              <a:t>models.CASCADE</a:t>
-            </a:r>
-            <a:r>
-              <a:rPr lang="en-US" sz="1400" b="1" dirty="0" smtClean="0">
+              <a:rPr lang="en-US" sz="1600" b="1" dirty="0">
+                <a:solidFill>
+                  <a:srgbClr val="B42419"/>
+                </a:solidFill>
+                <a:latin typeface="Courier" charset="0"/>
+                <a:ea typeface="Courier" charset="0"/>
+                <a:cs typeface="Courier" charset="0"/>
+              </a:rPr>
+              <a:t>128</a:t>
+            </a:r>
+            <a:r>
+              <a:rPr lang="en-US" sz="1600" b="1" dirty="0">
+                <a:solidFill>
+                  <a:srgbClr val="000000"/>
+                </a:solidFill>
+                <a:latin typeface="Courier" charset="0"/>
+                <a:ea typeface="Courier" charset="0"/>
+                <a:cs typeface="Courier" charset="0"/>
+              </a:rPr>
+              <a:t>, null=</a:t>
+            </a:r>
+            <a:r>
+              <a:rPr lang="en-US" sz="1600" b="1" dirty="0">
+                <a:solidFill>
+                  <a:srgbClr val="2EAEBB"/>
+                </a:solidFill>
+                <a:latin typeface="Courier" charset="0"/>
+                <a:ea typeface="Courier" charset="0"/>
+                <a:cs typeface="Courier" charset="0"/>
+              </a:rPr>
+              <a:t>True</a:t>
+            </a:r>
+            <a:r>
+              <a:rPr lang="en-US" sz="1600" b="1" dirty="0">
                 <a:solidFill>
                   <a:srgbClr val="000000"/>
                 </a:solidFill>
@@ -21037,7 +20332,9 @@
               </a:rPr>
               <a:t>)</a:t>
             </a:r>
-            <a:endParaRPr lang="de-DE" sz="1400" b="1" dirty="0" smtClean="0">
+          </a:p>
+          <a:p>
+            <a:endParaRPr lang="en-US" sz="1600" b="1" dirty="0">
               <a:solidFill>
                 <a:srgbClr val="000000"/>
               </a:solidFill>
@@ -21048,7 +20345,7 @@
           </a:p>
           <a:p>
             <a:r>
-              <a:rPr lang="en-US" sz="1400" b="1" dirty="0" smtClean="0">
+              <a:rPr lang="en-US" sz="1600" b="1" dirty="0">
                 <a:solidFill>
                   <a:srgbClr val="000000"/>
                 </a:solidFill>
@@ -21059,73 +20356,29 @@
               <a:t>    </a:t>
             </a:r>
             <a:r>
-              <a:rPr lang="en-US" sz="1400" b="1" dirty="0" err="1">
-                <a:solidFill>
-                  <a:srgbClr val="000000"/>
-                </a:solidFill>
-                <a:latin typeface="Courier" charset="0"/>
-                <a:ea typeface="Courier" charset="0"/>
-                <a:cs typeface="Courier" charset="0"/>
-              </a:rPr>
-              <a:t>created_at</a:t>
-            </a:r>
-            <a:r>
-              <a:rPr lang="en-US" sz="1400" b="1" dirty="0">
-                <a:solidFill>
-                  <a:srgbClr val="000000"/>
-                </a:solidFill>
-                <a:latin typeface="Courier" charset="0"/>
-                <a:ea typeface="Courier" charset="0"/>
-                <a:cs typeface="Courier" charset="0"/>
-              </a:rPr>
-              <a:t> = </a:t>
-            </a:r>
-            <a:r>
-              <a:rPr lang="en-US" sz="1400" b="1" dirty="0" err="1">
-                <a:solidFill>
-                  <a:srgbClr val="000000"/>
-                </a:solidFill>
-                <a:latin typeface="Courier" charset="0"/>
-                <a:ea typeface="Courier" charset="0"/>
-                <a:cs typeface="Courier" charset="0"/>
-              </a:rPr>
-              <a:t>models.DateTimeField</a:t>
-            </a:r>
-            <a:r>
-              <a:rPr lang="en-US" sz="1400" b="1" dirty="0">
-                <a:solidFill>
-                  <a:srgbClr val="000000"/>
-                </a:solidFill>
-                <a:latin typeface="Courier" charset="0"/>
-                <a:ea typeface="Courier" charset="0"/>
-                <a:cs typeface="Courier" charset="0"/>
-              </a:rPr>
-              <a:t>(</a:t>
-            </a:r>
-            <a:r>
-              <a:rPr lang="en-US" sz="1400" b="1" dirty="0" err="1">
-                <a:solidFill>
-                  <a:srgbClr val="000000"/>
-                </a:solidFill>
-                <a:latin typeface="Courier" charset="0"/>
-                <a:ea typeface="Courier" charset="0"/>
-                <a:cs typeface="Courier" charset="0"/>
-              </a:rPr>
-              <a:t>auto_now_add</a:t>
-            </a:r>
-            <a:r>
-              <a:rPr lang="en-US" sz="1400" b="1" dirty="0">
-                <a:solidFill>
-                  <a:srgbClr val="000000"/>
-                </a:solidFill>
-                <a:latin typeface="Courier" charset="0"/>
-                <a:ea typeface="Courier" charset="0"/>
-                <a:cs typeface="Courier" charset="0"/>
-              </a:rPr>
-              <a:t>=</a:t>
-            </a:r>
-            <a:r>
-              <a:rPr lang="en-US" sz="1400" b="1" dirty="0">
+              <a:rPr lang="en-US" sz="1600" b="1" dirty="0" err="1">
+                <a:solidFill>
+                  <a:srgbClr val="C1651C"/>
+                </a:solidFill>
+                <a:latin typeface="Courier" charset="0"/>
+                <a:ea typeface="Courier" charset="0"/>
+                <a:cs typeface="Courier" charset="0"/>
+              </a:rPr>
+              <a:t>def</a:t>
+            </a:r>
+            <a:r>
+              <a:rPr lang="en-US" sz="1600" b="1" dirty="0">
+                <a:solidFill>
+                  <a:srgbClr val="000000"/>
+                </a:solidFill>
+                <a:latin typeface="Courier" charset="0"/>
+                <a:ea typeface="Courier" charset="0"/>
+                <a:cs typeface="Courier" charset="0"/>
+              </a:rPr>
+              <a:t> </a:t>
+            </a:r>
+            <a:r>
+              <a:rPr lang="en-US" sz="1600" b="1" dirty="0">
                 <a:solidFill>
                   <a:srgbClr val="2EAEBB"/>
                 </a:solidFill>
@@ -21133,100 +20386,10 @@
                 <a:ea typeface="Courier" charset="0"/>
                 <a:cs typeface="Courier" charset="0"/>
               </a:rPr>
-              <a:t>True</a:t>
-            </a:r>
-            <a:r>
-              <a:rPr lang="en-US" sz="1400" b="1" dirty="0">
-                <a:solidFill>
-                  <a:srgbClr val="000000"/>
-                </a:solidFill>
-                <a:latin typeface="Courier" charset="0"/>
-                <a:ea typeface="Courier" charset="0"/>
-                <a:cs typeface="Courier" charset="0"/>
-              </a:rPr>
-              <a:t>)</a:t>
-            </a:r>
-          </a:p>
-          <a:p>
-            <a:r>
-              <a:rPr lang="en-US" sz="1400" b="1" dirty="0">
-                <a:solidFill>
-                  <a:srgbClr val="000000"/>
-                </a:solidFill>
-                <a:latin typeface="Courier" charset="0"/>
-                <a:ea typeface="Courier" charset="0"/>
-                <a:cs typeface="Courier" charset="0"/>
-              </a:rPr>
-              <a:t>    </a:t>
-            </a:r>
-            <a:r>
-              <a:rPr lang="en-US" sz="1400" b="1" dirty="0" err="1">
-                <a:solidFill>
-                  <a:srgbClr val="000000"/>
-                </a:solidFill>
-                <a:latin typeface="Courier" charset="0"/>
-                <a:ea typeface="Courier" charset="0"/>
-                <a:cs typeface="Courier" charset="0"/>
-              </a:rPr>
-              <a:t>updated_at</a:t>
-            </a:r>
-            <a:r>
-              <a:rPr lang="en-US" sz="1400" b="1" dirty="0">
-                <a:solidFill>
-                  <a:srgbClr val="000000"/>
-                </a:solidFill>
-                <a:latin typeface="Courier" charset="0"/>
-                <a:ea typeface="Courier" charset="0"/>
-                <a:cs typeface="Courier" charset="0"/>
-              </a:rPr>
-              <a:t> = </a:t>
-            </a:r>
-            <a:r>
-              <a:rPr lang="en-US" sz="1400" b="1" dirty="0" err="1">
-                <a:solidFill>
-                  <a:srgbClr val="000000"/>
-                </a:solidFill>
-                <a:latin typeface="Courier" charset="0"/>
-                <a:ea typeface="Courier" charset="0"/>
-                <a:cs typeface="Courier" charset="0"/>
-              </a:rPr>
-              <a:t>models.DateTimeField</a:t>
-            </a:r>
-            <a:r>
-              <a:rPr lang="en-US" sz="1400" b="1" dirty="0">
-                <a:solidFill>
-                  <a:srgbClr val="000000"/>
-                </a:solidFill>
-                <a:latin typeface="Courier" charset="0"/>
-                <a:ea typeface="Courier" charset="0"/>
-                <a:cs typeface="Courier" charset="0"/>
-              </a:rPr>
-              <a:t>(</a:t>
-            </a:r>
-            <a:r>
-              <a:rPr lang="en-US" sz="1400" b="1" dirty="0" err="1">
-                <a:solidFill>
-                  <a:srgbClr val="000000"/>
-                </a:solidFill>
-                <a:latin typeface="Courier" charset="0"/>
-                <a:ea typeface="Courier" charset="0"/>
-                <a:cs typeface="Courier" charset="0"/>
-              </a:rPr>
-              <a:t>auto_now</a:t>
-            </a:r>
-            <a:r>
-              <a:rPr lang="en-US" sz="1400" b="1" dirty="0">
-                <a:solidFill>
-                  <a:srgbClr val="000000"/>
-                </a:solidFill>
-                <a:latin typeface="Courier" charset="0"/>
-                <a:ea typeface="Courier" charset="0"/>
-                <a:cs typeface="Courier" charset="0"/>
-              </a:rPr>
-              <a:t>=</a:t>
-            </a:r>
-            <a:r>
-              <a:rPr lang="en-US" sz="1400" b="1" dirty="0">
+              <a:t>__</a:t>
+            </a:r>
+            <a:r>
+              <a:rPr lang="en-US" sz="1600" b="1" dirty="0" err="1">
                 <a:solidFill>
                   <a:srgbClr val="2EAEBB"/>
                 </a:solidFill>
@@ -21234,22 +20397,77 @@
                 <a:ea typeface="Courier" charset="0"/>
                 <a:cs typeface="Courier" charset="0"/>
               </a:rPr>
-              <a:t>True</a:t>
-            </a:r>
-            <a:r>
-              <a:rPr lang="en-US" sz="1400" b="1" dirty="0" smtClean="0">
-                <a:solidFill>
-                  <a:srgbClr val="000000"/>
-                </a:solidFill>
-                <a:latin typeface="Courier" charset="0"/>
-                <a:ea typeface="Courier" charset="0"/>
-                <a:cs typeface="Courier" charset="0"/>
-              </a:rPr>
-              <a:t>)</a:t>
-            </a:r>
-          </a:p>
-          <a:p>
-            <a:endParaRPr lang="de-DE" sz="1400" b="1" dirty="0" smtClean="0">
+              <a:t>str</a:t>
+            </a:r>
+            <a:r>
+              <a:rPr lang="en-US" sz="1600" b="1" dirty="0">
+                <a:solidFill>
+                  <a:srgbClr val="2EAEBB"/>
+                </a:solidFill>
+                <a:latin typeface="Courier" charset="0"/>
+                <a:ea typeface="Courier" charset="0"/>
+                <a:cs typeface="Courier" charset="0"/>
+              </a:rPr>
+              <a:t>__</a:t>
+            </a:r>
+            <a:r>
+              <a:rPr lang="en-US" sz="1600" b="1" dirty="0">
+                <a:solidFill>
+                  <a:srgbClr val="000000"/>
+                </a:solidFill>
+                <a:latin typeface="Courier" charset="0"/>
+                <a:ea typeface="Courier" charset="0"/>
+                <a:cs typeface="Courier" charset="0"/>
+              </a:rPr>
+              <a:t>(self):</a:t>
+            </a:r>
+          </a:p>
+          <a:p>
+            <a:r>
+              <a:rPr lang="en-US" sz="1600" b="1" dirty="0">
+                <a:solidFill>
+                  <a:srgbClr val="000000"/>
+                </a:solidFill>
+                <a:latin typeface="Courier" charset="0"/>
+                <a:ea typeface="Courier" charset="0"/>
+                <a:cs typeface="Courier" charset="0"/>
+              </a:rPr>
+              <a:t>        </a:t>
+            </a:r>
+            <a:r>
+              <a:rPr lang="en-US" sz="1600" b="1" dirty="0">
+                <a:solidFill>
+                  <a:srgbClr val="C1651C"/>
+                </a:solidFill>
+                <a:latin typeface="Courier" charset="0"/>
+                <a:ea typeface="Courier" charset="0"/>
+                <a:cs typeface="Courier" charset="0"/>
+              </a:rPr>
+              <a:t>return</a:t>
+            </a:r>
+            <a:r>
+              <a:rPr lang="en-US" sz="1600" b="1" dirty="0">
+                <a:solidFill>
+                  <a:srgbClr val="000000"/>
+                </a:solidFill>
+                <a:latin typeface="Courier" charset="0"/>
+                <a:ea typeface="Courier" charset="0"/>
+                <a:cs typeface="Courier" charset="0"/>
+              </a:rPr>
+              <a:t> </a:t>
+            </a:r>
+            <a:r>
+              <a:rPr lang="en-US" sz="1600" b="1" dirty="0" err="1">
+                <a:solidFill>
+                  <a:srgbClr val="000000"/>
+                </a:solidFill>
+                <a:latin typeface="Courier" charset="0"/>
+                <a:ea typeface="Courier" charset="0"/>
+                <a:cs typeface="Courier" charset="0"/>
+              </a:rPr>
+              <a:t>self.email</a:t>
+            </a:r>
+            <a:endParaRPr lang="en-US" sz="1600" b="1" dirty="0">
               <a:solidFill>
                 <a:srgbClr val="000000"/>
               </a:solidFill>
@@ -21259,40 +20477,7 @@
             </a:endParaRPr>
           </a:p>
           <a:p>
-            <a:r>
-              <a:rPr lang="de-DE" sz="1400" b="1" dirty="0" smtClean="0">
-                <a:solidFill>
-                  <a:srgbClr val="000000"/>
-                </a:solidFill>
-                <a:latin typeface="Courier" charset="0"/>
-                <a:ea typeface="Courier" charset="0"/>
-                <a:cs typeface="Courier" charset="0"/>
-              </a:rPr>
-              <a:t>    </a:t>
-            </a:r>
-            <a:r>
-              <a:rPr lang="de-DE" sz="1400" b="1" dirty="0">
-                <a:solidFill>
-                  <a:srgbClr val="000000"/>
-                </a:solidFill>
-                <a:latin typeface="Courier" charset="0"/>
-                <a:ea typeface="Courier" charset="0"/>
-                <a:cs typeface="Courier" charset="0"/>
-              </a:rPr>
-              <a:t>LEARNER = </a:t>
-            </a:r>
-            <a:r>
-              <a:rPr lang="de-DE" sz="1400" b="1" dirty="0">
-                <a:solidFill>
-                  <a:srgbClr val="B42419"/>
-                </a:solidFill>
-                <a:latin typeface="Courier" charset="0"/>
-                <a:ea typeface="Courier" charset="0"/>
-                <a:cs typeface="Courier" charset="0"/>
-              </a:rPr>
-              <a:t>1</a:t>
-            </a:r>
-            <a:endParaRPr lang="de-DE" sz="1400" b="1" dirty="0">
+            <a:endParaRPr lang="en-US" sz="1600" b="1" dirty="0">
               <a:solidFill>
                 <a:srgbClr val="000000"/>
               </a:solidFill>
@@ -21303,18 +20488,130 @@
           </a:p>
           <a:p>
             <a:r>
-              <a:rPr lang="mr-IN" sz="1400" b="1" dirty="0">
-                <a:solidFill>
-                  <a:srgbClr val="000000"/>
-                </a:solidFill>
-                <a:latin typeface="Courier" charset="0"/>
-                <a:ea typeface="Courier" charset="0"/>
-                <a:cs typeface="Courier" charset="0"/>
-              </a:rPr>
-              <a:t>    IA = </a:t>
-            </a:r>
-            <a:r>
-              <a:rPr lang="mr-IN" sz="1400" b="1" dirty="0">
+              <a:rPr lang="en-US" sz="1600" b="1" dirty="0">
+                <a:solidFill>
+                  <a:srgbClr val="C1651C"/>
+                </a:solidFill>
+                <a:latin typeface="Courier" charset="0"/>
+                <a:ea typeface="Courier" charset="0"/>
+                <a:cs typeface="Courier" charset="0"/>
+              </a:rPr>
+              <a:t>class</a:t>
+            </a:r>
+            <a:r>
+              <a:rPr lang="en-US" sz="1600" b="1" dirty="0">
+                <a:solidFill>
+                  <a:srgbClr val="000000"/>
+                </a:solidFill>
+                <a:latin typeface="Courier" charset="0"/>
+                <a:ea typeface="Courier" charset="0"/>
+                <a:cs typeface="Courier" charset="0"/>
+              </a:rPr>
+              <a:t> </a:t>
+            </a:r>
+            <a:r>
+              <a:rPr lang="en-US" sz="1600" b="1" dirty="0">
+                <a:solidFill>
+                  <a:srgbClr val="2EAEBB"/>
+                </a:solidFill>
+                <a:latin typeface="Courier" charset="0"/>
+                <a:ea typeface="Courier" charset="0"/>
+                <a:cs typeface="Courier" charset="0"/>
+              </a:rPr>
+              <a:t>Course</a:t>
+            </a:r>
+            <a:r>
+              <a:rPr lang="en-US" sz="1600" b="1" dirty="0">
+                <a:solidFill>
+                  <a:srgbClr val="000000"/>
+                </a:solidFill>
+                <a:latin typeface="Courier" charset="0"/>
+                <a:ea typeface="Courier" charset="0"/>
+                <a:cs typeface="Courier" charset="0"/>
+              </a:rPr>
+              <a:t>(</a:t>
+            </a:r>
+            <a:r>
+              <a:rPr lang="en-US" sz="1600" b="1" dirty="0" err="1">
+                <a:solidFill>
+                  <a:srgbClr val="000000"/>
+                </a:solidFill>
+                <a:latin typeface="Courier" charset="0"/>
+                <a:ea typeface="Courier" charset="0"/>
+                <a:cs typeface="Courier" charset="0"/>
+              </a:rPr>
+              <a:t>models.Model</a:t>
+            </a:r>
+            <a:r>
+              <a:rPr lang="en-US" sz="1600" b="1" dirty="0">
+                <a:solidFill>
+                  <a:srgbClr val="000000"/>
+                </a:solidFill>
+                <a:latin typeface="Courier" charset="0"/>
+                <a:ea typeface="Courier" charset="0"/>
+                <a:cs typeface="Courier" charset="0"/>
+              </a:rPr>
+              <a:t>):</a:t>
+            </a:r>
+          </a:p>
+          <a:p>
+            <a:r>
+              <a:rPr lang="en-US" sz="1600" b="1" dirty="0">
+                <a:solidFill>
+                  <a:srgbClr val="000000"/>
+                </a:solidFill>
+                <a:latin typeface="Courier" charset="0"/>
+                <a:ea typeface="Courier" charset="0"/>
+                <a:cs typeface="Courier" charset="0"/>
+              </a:rPr>
+              <a:t>    title = </a:t>
+            </a:r>
+            <a:r>
+              <a:rPr lang="en-US" sz="1600" b="1" dirty="0" err="1">
+                <a:solidFill>
+                  <a:srgbClr val="000000"/>
+                </a:solidFill>
+                <a:latin typeface="Courier" charset="0"/>
+                <a:ea typeface="Courier" charset="0"/>
+                <a:cs typeface="Courier" charset="0"/>
+              </a:rPr>
+              <a:t>models.CharField</a:t>
+            </a:r>
+            <a:r>
+              <a:rPr lang="en-US" sz="1600" b="1" dirty="0">
+                <a:solidFill>
+                  <a:srgbClr val="000000"/>
+                </a:solidFill>
+                <a:latin typeface="Courier" charset="0"/>
+                <a:ea typeface="Courier" charset="0"/>
+                <a:cs typeface="Courier" charset="0"/>
+              </a:rPr>
+              <a:t>(</a:t>
+            </a:r>
+            <a:r>
+              <a:rPr lang="en-US" sz="1600" b="1" dirty="0" err="1">
+                <a:solidFill>
+                  <a:srgbClr val="000000"/>
+                </a:solidFill>
+                <a:latin typeface="Courier" charset="0"/>
+                <a:ea typeface="Courier" charset="0"/>
+                <a:cs typeface="Courier" charset="0"/>
+              </a:rPr>
+              <a:t>max_length</a:t>
+            </a:r>
+            <a:r>
+              <a:rPr lang="en-US" sz="1600" b="1" dirty="0">
+                <a:solidFill>
+                  <a:srgbClr val="000000"/>
+                </a:solidFill>
+                <a:latin typeface="Courier" charset="0"/>
+                <a:ea typeface="Courier" charset="0"/>
+                <a:cs typeface="Courier" charset="0"/>
+              </a:rPr>
+              <a:t>=</a:t>
+            </a:r>
+            <a:r>
+              <a:rPr lang="en-US" sz="1600" b="1" dirty="0">
                 <a:solidFill>
                   <a:srgbClr val="B42419"/>
                 </a:solidFill>
@@ -21322,9 +20619,191 @@
                 <a:ea typeface="Courier" charset="0"/>
                 <a:cs typeface="Courier" charset="0"/>
               </a:rPr>
-              <a:t>1000</a:t>
-            </a:r>
-            <a:endParaRPr lang="mr-IN" sz="1400" b="1" dirty="0">
+              <a:t>128</a:t>
+            </a:r>
+            <a:r>
+              <a:rPr lang="en-US" sz="1600" b="1" dirty="0">
+                <a:solidFill>
+                  <a:srgbClr val="000000"/>
+                </a:solidFill>
+                <a:latin typeface="Courier" charset="0"/>
+                <a:ea typeface="Courier" charset="0"/>
+                <a:cs typeface="Courier" charset="0"/>
+              </a:rPr>
+              <a:t>, unique=</a:t>
+            </a:r>
+            <a:r>
+              <a:rPr lang="en-US" sz="1600" b="1" dirty="0">
+                <a:solidFill>
+                  <a:srgbClr val="2EAEBB"/>
+                </a:solidFill>
+                <a:latin typeface="Courier" charset="0"/>
+                <a:ea typeface="Courier" charset="0"/>
+                <a:cs typeface="Courier" charset="0"/>
+              </a:rPr>
+              <a:t>True</a:t>
+            </a:r>
+            <a:r>
+              <a:rPr lang="en-US" sz="1600" b="1" dirty="0">
+                <a:solidFill>
+                  <a:srgbClr val="000000"/>
+                </a:solidFill>
+                <a:latin typeface="Courier" charset="0"/>
+                <a:ea typeface="Courier" charset="0"/>
+                <a:cs typeface="Courier" charset="0"/>
+              </a:rPr>
+              <a:t>)</a:t>
+            </a:r>
+          </a:p>
+          <a:p>
+            <a:r>
+              <a:rPr lang="en-US" sz="1600" b="1" dirty="0">
+                <a:solidFill>
+                  <a:srgbClr val="000000"/>
+                </a:solidFill>
+                <a:latin typeface="Courier" charset="0"/>
+                <a:ea typeface="Courier" charset="0"/>
+                <a:cs typeface="Courier" charset="0"/>
+              </a:rPr>
+              <a:t> </a:t>
+            </a:r>
+            <a:r>
+              <a:rPr lang="en-US" sz="1600" b="1" dirty="0" smtClean="0">
+                <a:solidFill>
+                  <a:srgbClr val="000000"/>
+                </a:solidFill>
+                <a:latin typeface="Courier" charset="0"/>
+                <a:ea typeface="Courier" charset="0"/>
+                <a:cs typeface="Courier" charset="0"/>
+              </a:rPr>
+              <a:t>   members </a:t>
+            </a:r>
+            <a:r>
+              <a:rPr lang="en-US" sz="1600" b="1" dirty="0">
+                <a:solidFill>
+                  <a:srgbClr val="000000"/>
+                </a:solidFill>
+                <a:latin typeface="Courier" charset="0"/>
+                <a:ea typeface="Courier" charset="0"/>
+                <a:cs typeface="Courier" charset="0"/>
+              </a:rPr>
+              <a:t>= </a:t>
+            </a:r>
+            <a:r>
+              <a:rPr lang="en-US" sz="1600" b="1" dirty="0" err="1">
+                <a:solidFill>
+                  <a:srgbClr val="000000"/>
+                </a:solidFill>
+                <a:latin typeface="Courier" charset="0"/>
+                <a:ea typeface="Courier" charset="0"/>
+                <a:cs typeface="Courier" charset="0"/>
+              </a:rPr>
+              <a:t>models.ManyToManyField</a:t>
+            </a:r>
+            <a:r>
+              <a:rPr lang="en-US" sz="1600" b="1" dirty="0">
+                <a:solidFill>
+                  <a:srgbClr val="000000"/>
+                </a:solidFill>
+                <a:latin typeface="Courier" charset="0"/>
+                <a:ea typeface="Courier" charset="0"/>
+                <a:cs typeface="Courier" charset="0"/>
+              </a:rPr>
+              <a:t>(Person, </a:t>
+            </a:r>
+          </a:p>
+          <a:p>
+            <a:r>
+              <a:rPr lang="en-US" sz="1600" b="1" dirty="0">
+                <a:solidFill>
+                  <a:srgbClr val="000000"/>
+                </a:solidFill>
+                <a:latin typeface="Courier" charset="0"/>
+                <a:ea typeface="Courier" charset="0"/>
+                <a:cs typeface="Courier" charset="0"/>
+              </a:rPr>
+              <a:t>            through=</a:t>
+            </a:r>
+            <a:r>
+              <a:rPr lang="en-US" sz="1600" b="1" dirty="0">
+                <a:solidFill>
+                  <a:srgbClr val="B42419"/>
+                </a:solidFill>
+                <a:latin typeface="Courier" charset="0"/>
+                <a:ea typeface="Courier" charset="0"/>
+                <a:cs typeface="Courier" charset="0"/>
+              </a:rPr>
+              <a:t>'Membership'</a:t>
+            </a:r>
+            <a:r>
+              <a:rPr lang="en-US" sz="1600" b="1" dirty="0">
+                <a:solidFill>
+                  <a:srgbClr val="000000"/>
+                </a:solidFill>
+                <a:latin typeface="Courier" charset="0"/>
+                <a:ea typeface="Courier" charset="0"/>
+                <a:cs typeface="Courier" charset="0"/>
+              </a:rPr>
+              <a:t>, </a:t>
+            </a:r>
+            <a:r>
+              <a:rPr lang="en-US" sz="1600" b="1" dirty="0" err="1">
+                <a:solidFill>
+                  <a:srgbClr val="000000"/>
+                </a:solidFill>
+                <a:latin typeface="Courier" charset="0"/>
+                <a:ea typeface="Courier" charset="0"/>
+                <a:cs typeface="Courier" charset="0"/>
+              </a:rPr>
+              <a:t>related_name</a:t>
+            </a:r>
+            <a:r>
+              <a:rPr lang="en-US" sz="1600" b="1" dirty="0">
+                <a:solidFill>
+                  <a:srgbClr val="000000"/>
+                </a:solidFill>
+                <a:latin typeface="Courier" charset="0"/>
+                <a:ea typeface="Courier" charset="0"/>
+                <a:cs typeface="Courier" charset="0"/>
+              </a:rPr>
+              <a:t>=</a:t>
+            </a:r>
+            <a:r>
+              <a:rPr lang="en-US" sz="1600" b="1" dirty="0">
+                <a:solidFill>
+                  <a:srgbClr val="B42419"/>
+                </a:solidFill>
+                <a:latin typeface="Courier" charset="0"/>
+                <a:ea typeface="Courier" charset="0"/>
+                <a:cs typeface="Courier" charset="0"/>
+              </a:rPr>
+              <a:t>'courses</a:t>
+            </a:r>
+            <a:r>
+              <a:rPr lang="en-US" sz="1600" b="1" dirty="0" smtClean="0">
+                <a:solidFill>
+                  <a:srgbClr val="B42419"/>
+                </a:solidFill>
+                <a:latin typeface="Courier" charset="0"/>
+                <a:ea typeface="Courier" charset="0"/>
+                <a:cs typeface="Courier" charset="0"/>
+              </a:rPr>
+              <a:t>'</a:t>
+            </a:r>
+            <a:r>
+              <a:rPr lang="en-US" sz="1600" b="1" dirty="0" smtClean="0">
+                <a:solidFill>
+                  <a:srgbClr val="000000"/>
+                </a:solidFill>
+                <a:latin typeface="Courier" charset="0"/>
+                <a:ea typeface="Courier" charset="0"/>
+                <a:cs typeface="Courier" charset="0"/>
+              </a:rPr>
+              <a:t>)</a:t>
+            </a:r>
+          </a:p>
+          <a:p>
+            <a:endParaRPr lang="en-US" sz="1600" b="1" dirty="0">
               <a:solidFill>
                 <a:srgbClr val="000000"/>
               </a:solidFill>
@@ -21335,813 +20814,207 @@
           </a:p>
           <a:p>
             <a:r>
-              <a:rPr lang="mr-IN" sz="1400" b="1" dirty="0">
-                <a:solidFill>
-                  <a:srgbClr val="000000"/>
-                </a:solidFill>
-                <a:latin typeface="Courier" charset="0"/>
-                <a:ea typeface="Courier" charset="0"/>
-                <a:cs typeface="Courier" charset="0"/>
-              </a:rPr>
-              <a:t>    GSI = </a:t>
-            </a:r>
-            <a:r>
-              <a:rPr lang="mr-IN" sz="1400" b="1" dirty="0">
-                <a:solidFill>
-                  <a:srgbClr val="B42419"/>
-                </a:solidFill>
-                <a:latin typeface="Courier" charset="0"/>
-                <a:ea typeface="Courier" charset="0"/>
-                <a:cs typeface="Courier" charset="0"/>
-              </a:rPr>
-              <a:t>2000</a:t>
-            </a:r>
-            <a:endParaRPr lang="mr-IN" sz="1400" b="1" dirty="0">
-              <a:solidFill>
-                <a:srgbClr val="000000"/>
-              </a:solidFill>
+              <a:rPr lang="en-US" sz="1600" b="1" dirty="0">
+                <a:solidFill>
+                  <a:srgbClr val="000000"/>
+                </a:solidFill>
+                <a:latin typeface="Courier" charset="0"/>
+                <a:ea typeface="Courier" charset="0"/>
+                <a:cs typeface="Courier" charset="0"/>
+              </a:rPr>
+              <a:t>    </a:t>
+            </a:r>
+            <a:r>
+              <a:rPr lang="en-US" sz="1600" b="1" dirty="0" err="1">
+                <a:solidFill>
+                  <a:srgbClr val="C1651C"/>
+                </a:solidFill>
+                <a:latin typeface="Courier" charset="0"/>
+                <a:ea typeface="Courier" charset="0"/>
+                <a:cs typeface="Courier" charset="0"/>
+              </a:rPr>
+              <a:t>def</a:t>
+            </a:r>
+            <a:r>
+              <a:rPr lang="en-US" sz="1600" b="1" dirty="0">
+                <a:solidFill>
+                  <a:srgbClr val="000000"/>
+                </a:solidFill>
+                <a:latin typeface="Courier" charset="0"/>
+                <a:ea typeface="Courier" charset="0"/>
+                <a:cs typeface="Courier" charset="0"/>
+              </a:rPr>
+              <a:t> </a:t>
+            </a:r>
+            <a:r>
+              <a:rPr lang="en-US" sz="1600" b="1" dirty="0">
+                <a:solidFill>
+                  <a:srgbClr val="2EAEBB"/>
+                </a:solidFill>
+                <a:latin typeface="Courier" charset="0"/>
+                <a:ea typeface="Courier" charset="0"/>
+                <a:cs typeface="Courier" charset="0"/>
+              </a:rPr>
+              <a:t>__</a:t>
+            </a:r>
+            <a:r>
+              <a:rPr lang="en-US" sz="1600" b="1" dirty="0" err="1">
+                <a:solidFill>
+                  <a:srgbClr val="2EAEBB"/>
+                </a:solidFill>
+                <a:latin typeface="Courier" charset="0"/>
+                <a:ea typeface="Courier" charset="0"/>
+                <a:cs typeface="Courier" charset="0"/>
+              </a:rPr>
+              <a:t>str</a:t>
+            </a:r>
+            <a:r>
+              <a:rPr lang="en-US" sz="1600" b="1" dirty="0">
+                <a:solidFill>
+                  <a:srgbClr val="2EAEBB"/>
+                </a:solidFill>
+                <a:latin typeface="Courier" charset="0"/>
+                <a:ea typeface="Courier" charset="0"/>
+                <a:cs typeface="Courier" charset="0"/>
+              </a:rPr>
+              <a:t>__</a:t>
+            </a:r>
+            <a:r>
+              <a:rPr lang="en-US" sz="1600" b="1" dirty="0">
+                <a:solidFill>
+                  <a:srgbClr val="000000"/>
+                </a:solidFill>
+                <a:latin typeface="Courier" charset="0"/>
+                <a:ea typeface="Courier" charset="0"/>
+                <a:cs typeface="Courier" charset="0"/>
+              </a:rPr>
+              <a:t>(self):</a:t>
+            </a:r>
+          </a:p>
+          <a:p>
+            <a:r>
+              <a:rPr lang="en-US" sz="1600" b="1" dirty="0">
+                <a:solidFill>
+                  <a:srgbClr val="000000"/>
+                </a:solidFill>
+                <a:latin typeface="Courier" charset="0"/>
+                <a:ea typeface="Courier" charset="0"/>
+                <a:cs typeface="Courier" charset="0"/>
+              </a:rPr>
+              <a:t>        </a:t>
+            </a:r>
+            <a:r>
+              <a:rPr lang="en-US" sz="1600" b="1" dirty="0">
+                <a:solidFill>
+                  <a:srgbClr val="C1651C"/>
+                </a:solidFill>
+                <a:latin typeface="Courier" charset="0"/>
+                <a:ea typeface="Courier" charset="0"/>
+                <a:cs typeface="Courier" charset="0"/>
+              </a:rPr>
+              <a:t>return</a:t>
+            </a:r>
+            <a:r>
+              <a:rPr lang="en-US" sz="1600" b="1" dirty="0">
+                <a:solidFill>
+                  <a:srgbClr val="000000"/>
+                </a:solidFill>
+                <a:latin typeface="Courier" charset="0"/>
+                <a:ea typeface="Courier" charset="0"/>
+                <a:cs typeface="Courier" charset="0"/>
+              </a:rPr>
+              <a:t> </a:t>
+            </a:r>
+            <a:r>
+              <a:rPr lang="en-US" sz="1600" b="1" dirty="0" err="1">
+                <a:solidFill>
+                  <a:srgbClr val="000000"/>
+                </a:solidFill>
+                <a:latin typeface="Courier" charset="0"/>
+                <a:ea typeface="Courier" charset="0"/>
+                <a:cs typeface="Courier" charset="0"/>
+              </a:rPr>
+              <a:t>self.title</a:t>
+            </a:r>
+            <a:endParaRPr lang="en-US" sz="1600" b="1" dirty="0">
               <a:latin typeface="Courier" charset="0"/>
               <a:ea typeface="Courier" charset="0"/>
               <a:cs typeface="Courier" charset="0"/>
             </a:endParaRPr>
           </a:p>
-          <a:p>
-            <a:r>
-              <a:rPr lang="mr-IN" sz="1400" b="1" dirty="0">
-                <a:solidFill>
-                  <a:srgbClr val="000000"/>
-                </a:solidFill>
-                <a:latin typeface="Courier" charset="0"/>
-                <a:ea typeface="Courier" charset="0"/>
-                <a:cs typeface="Courier" charset="0"/>
-              </a:rPr>
-              <a:t>    INSTRUCTOR = </a:t>
-            </a:r>
-            <a:r>
-              <a:rPr lang="mr-IN" sz="1400" b="1" dirty="0">
-                <a:solidFill>
-                  <a:srgbClr val="B42419"/>
-                </a:solidFill>
-                <a:latin typeface="Courier" charset="0"/>
-                <a:ea typeface="Courier" charset="0"/>
-                <a:cs typeface="Courier" charset="0"/>
-              </a:rPr>
-              <a:t>5000</a:t>
-            </a:r>
-            <a:endParaRPr lang="mr-IN" sz="1400" b="1" dirty="0">
-              <a:solidFill>
-                <a:srgbClr val="000000"/>
-              </a:solidFill>
-              <a:latin typeface="Courier" charset="0"/>
-              <a:ea typeface="Courier" charset="0"/>
-              <a:cs typeface="Courier" charset="0"/>
-            </a:endParaRPr>
-          </a:p>
-          <a:p>
-            <a:r>
-              <a:rPr lang="mr-IN" sz="1400" b="1" dirty="0">
-                <a:solidFill>
-                  <a:srgbClr val="000000"/>
-                </a:solidFill>
-                <a:latin typeface="Courier" charset="0"/>
-                <a:ea typeface="Courier" charset="0"/>
-                <a:cs typeface="Courier" charset="0"/>
-              </a:rPr>
-              <a:t>    ADMIN = </a:t>
-            </a:r>
-            <a:r>
-              <a:rPr lang="mr-IN" sz="1400" b="1" dirty="0">
-                <a:solidFill>
-                  <a:srgbClr val="B42419"/>
-                </a:solidFill>
-                <a:latin typeface="Courier" charset="0"/>
-                <a:ea typeface="Courier" charset="0"/>
-                <a:cs typeface="Courier" charset="0"/>
-              </a:rPr>
-              <a:t>10000</a:t>
-            </a:r>
-            <a:endParaRPr lang="mr-IN" sz="1400" b="1" dirty="0">
-              <a:solidFill>
-                <a:srgbClr val="000000"/>
-              </a:solidFill>
-              <a:latin typeface="Courier" charset="0"/>
-              <a:ea typeface="Courier" charset="0"/>
-              <a:cs typeface="Courier" charset="0"/>
-            </a:endParaRPr>
-          </a:p>
-          <a:p>
-            <a:endParaRPr lang="mr-IN" sz="1400" b="1" dirty="0">
-              <a:solidFill>
-                <a:srgbClr val="000000"/>
-              </a:solidFill>
-              <a:latin typeface="Courier" charset="0"/>
-              <a:ea typeface="Courier" charset="0"/>
-              <a:cs typeface="Courier" charset="0"/>
-            </a:endParaRPr>
-          </a:p>
-          <a:p>
-            <a:r>
-              <a:rPr lang="en-US" sz="1400" b="1" dirty="0">
-                <a:solidFill>
-                  <a:srgbClr val="000000"/>
-                </a:solidFill>
-                <a:latin typeface="Courier" charset="0"/>
-                <a:ea typeface="Courier" charset="0"/>
-                <a:cs typeface="Courier" charset="0"/>
-              </a:rPr>
-              <a:t>    MEMBER_CHOICES = (</a:t>
-            </a:r>
-          </a:p>
-          <a:p>
-            <a:r>
-              <a:rPr lang="de-DE" sz="1400" b="1" dirty="0">
-                <a:solidFill>
-                  <a:srgbClr val="000000"/>
-                </a:solidFill>
-                <a:latin typeface="Courier" charset="0"/>
-                <a:ea typeface="Courier" charset="0"/>
-                <a:cs typeface="Courier" charset="0"/>
-              </a:rPr>
-              <a:t>        ( LEARNER, </a:t>
-            </a:r>
-            <a:r>
-              <a:rPr lang="de-DE" sz="1400" b="1" dirty="0">
-                <a:solidFill>
-                  <a:srgbClr val="B42419"/>
-                </a:solidFill>
-                <a:latin typeface="Courier" charset="0"/>
-                <a:ea typeface="Courier" charset="0"/>
-                <a:cs typeface="Courier" charset="0"/>
-              </a:rPr>
-              <a:t>'</a:t>
-            </a:r>
-            <a:r>
-              <a:rPr lang="de-DE" sz="1400" b="1" dirty="0" err="1">
-                <a:solidFill>
-                  <a:srgbClr val="B42419"/>
-                </a:solidFill>
-                <a:latin typeface="Courier" charset="0"/>
-                <a:ea typeface="Courier" charset="0"/>
-                <a:cs typeface="Courier" charset="0"/>
-              </a:rPr>
-              <a:t>Learner</a:t>
-            </a:r>
-            <a:r>
-              <a:rPr lang="de-DE" sz="1400" b="1" dirty="0">
-                <a:solidFill>
-                  <a:srgbClr val="B42419"/>
-                </a:solidFill>
-                <a:latin typeface="Courier" charset="0"/>
-                <a:ea typeface="Courier" charset="0"/>
-                <a:cs typeface="Courier" charset="0"/>
-              </a:rPr>
-              <a:t>'</a:t>
-            </a:r>
-            <a:r>
-              <a:rPr lang="de-DE" sz="1400" b="1" dirty="0">
-                <a:solidFill>
-                  <a:srgbClr val="000000"/>
-                </a:solidFill>
-                <a:latin typeface="Courier" charset="0"/>
-                <a:ea typeface="Courier" charset="0"/>
-                <a:cs typeface="Courier" charset="0"/>
-              </a:rPr>
-              <a:t>),</a:t>
-            </a:r>
-          </a:p>
-          <a:p>
-            <a:r>
-              <a:rPr lang="de-DE" sz="1400" b="1" dirty="0">
-                <a:solidFill>
-                  <a:srgbClr val="000000"/>
-                </a:solidFill>
-                <a:latin typeface="Courier" charset="0"/>
-                <a:ea typeface="Courier" charset="0"/>
-                <a:cs typeface="Courier" charset="0"/>
-              </a:rPr>
-              <a:t>        ( IA, </a:t>
-            </a:r>
-            <a:r>
-              <a:rPr lang="de-DE" sz="1400" b="1" dirty="0">
-                <a:solidFill>
-                  <a:srgbClr val="B42419"/>
-                </a:solidFill>
-                <a:latin typeface="Courier" charset="0"/>
-                <a:ea typeface="Courier" charset="0"/>
-                <a:cs typeface="Courier" charset="0"/>
-              </a:rPr>
-              <a:t>'</a:t>
-            </a:r>
-            <a:r>
-              <a:rPr lang="de-DE" sz="1400" b="1" dirty="0" err="1">
-                <a:solidFill>
-                  <a:srgbClr val="B42419"/>
-                </a:solidFill>
-                <a:latin typeface="Courier" charset="0"/>
-                <a:ea typeface="Courier" charset="0"/>
-                <a:cs typeface="Courier" charset="0"/>
-              </a:rPr>
-              <a:t>Instructional</a:t>
-            </a:r>
-            <a:r>
-              <a:rPr lang="de-DE" sz="1400" b="1" dirty="0">
-                <a:solidFill>
-                  <a:srgbClr val="B42419"/>
-                </a:solidFill>
-                <a:latin typeface="Courier" charset="0"/>
-                <a:ea typeface="Courier" charset="0"/>
-                <a:cs typeface="Courier" charset="0"/>
-              </a:rPr>
-              <a:t> </a:t>
-            </a:r>
-            <a:r>
-              <a:rPr lang="de-DE" sz="1400" b="1" dirty="0" err="1">
-                <a:solidFill>
-                  <a:srgbClr val="B42419"/>
-                </a:solidFill>
-                <a:latin typeface="Courier" charset="0"/>
-                <a:ea typeface="Courier" charset="0"/>
-                <a:cs typeface="Courier" charset="0"/>
-              </a:rPr>
-              <a:t>Assistant</a:t>
-            </a:r>
-            <a:r>
-              <a:rPr lang="de-DE" sz="1400" b="1" dirty="0">
-                <a:solidFill>
-                  <a:srgbClr val="B42419"/>
-                </a:solidFill>
-                <a:latin typeface="Courier" charset="0"/>
-                <a:ea typeface="Courier" charset="0"/>
-                <a:cs typeface="Courier" charset="0"/>
-              </a:rPr>
-              <a:t>'</a:t>
-            </a:r>
-            <a:r>
-              <a:rPr lang="de-DE" sz="1400" b="1" dirty="0">
-                <a:solidFill>
-                  <a:srgbClr val="000000"/>
-                </a:solidFill>
-                <a:latin typeface="Courier" charset="0"/>
-                <a:ea typeface="Courier" charset="0"/>
-                <a:cs typeface="Courier" charset="0"/>
-              </a:rPr>
-              <a:t> ),</a:t>
-            </a:r>
-          </a:p>
-          <a:p>
-            <a:r>
-              <a:rPr lang="de-DE" sz="1400" b="1" dirty="0">
-                <a:solidFill>
-                  <a:srgbClr val="000000"/>
-                </a:solidFill>
-                <a:latin typeface="Courier" charset="0"/>
-                <a:ea typeface="Courier" charset="0"/>
-                <a:cs typeface="Courier" charset="0"/>
-              </a:rPr>
-              <a:t>        ( GSI, </a:t>
-            </a:r>
-            <a:r>
-              <a:rPr lang="de-DE" sz="1400" b="1" dirty="0">
-                <a:solidFill>
-                  <a:srgbClr val="B42419"/>
-                </a:solidFill>
-                <a:latin typeface="Courier" charset="0"/>
-                <a:ea typeface="Courier" charset="0"/>
-                <a:cs typeface="Courier" charset="0"/>
-              </a:rPr>
-              <a:t>'Grad Student </a:t>
-            </a:r>
-            <a:r>
-              <a:rPr lang="de-DE" sz="1400" b="1" dirty="0" err="1">
-                <a:solidFill>
-                  <a:srgbClr val="B42419"/>
-                </a:solidFill>
-                <a:latin typeface="Courier" charset="0"/>
-                <a:ea typeface="Courier" charset="0"/>
-                <a:cs typeface="Courier" charset="0"/>
-              </a:rPr>
-              <a:t>Instructor</a:t>
-            </a:r>
-            <a:r>
-              <a:rPr lang="de-DE" sz="1400" b="1" dirty="0">
-                <a:solidFill>
-                  <a:srgbClr val="B42419"/>
-                </a:solidFill>
-                <a:latin typeface="Courier" charset="0"/>
-                <a:ea typeface="Courier" charset="0"/>
-                <a:cs typeface="Courier" charset="0"/>
-              </a:rPr>
-              <a:t>'</a:t>
-            </a:r>
-            <a:r>
-              <a:rPr lang="de-DE" sz="1400" b="1" dirty="0">
-                <a:solidFill>
-                  <a:srgbClr val="000000"/>
-                </a:solidFill>
-                <a:latin typeface="Courier" charset="0"/>
-                <a:ea typeface="Courier" charset="0"/>
-                <a:cs typeface="Courier" charset="0"/>
-              </a:rPr>
-              <a:t> ),</a:t>
-            </a:r>
-          </a:p>
-          <a:p>
-            <a:r>
-              <a:rPr lang="de-DE" sz="1400" b="1" dirty="0">
-                <a:solidFill>
-                  <a:srgbClr val="000000"/>
-                </a:solidFill>
-                <a:latin typeface="Courier" charset="0"/>
-                <a:ea typeface="Courier" charset="0"/>
-                <a:cs typeface="Courier" charset="0"/>
-              </a:rPr>
-              <a:t>        ( INSTRUCTOR, </a:t>
-            </a:r>
-            <a:r>
-              <a:rPr lang="de-DE" sz="1400" b="1" dirty="0">
-                <a:solidFill>
-                  <a:srgbClr val="B42419"/>
-                </a:solidFill>
-                <a:latin typeface="Courier" charset="0"/>
-                <a:ea typeface="Courier" charset="0"/>
-                <a:cs typeface="Courier" charset="0"/>
-              </a:rPr>
-              <a:t>'</a:t>
-            </a:r>
-            <a:r>
-              <a:rPr lang="de-DE" sz="1400" b="1" dirty="0" err="1">
-                <a:solidFill>
-                  <a:srgbClr val="B42419"/>
-                </a:solidFill>
-                <a:latin typeface="Courier" charset="0"/>
-                <a:ea typeface="Courier" charset="0"/>
-                <a:cs typeface="Courier" charset="0"/>
-              </a:rPr>
-              <a:t>Instructor</a:t>
-            </a:r>
-            <a:r>
-              <a:rPr lang="de-DE" sz="1400" b="1" dirty="0">
-                <a:solidFill>
-                  <a:srgbClr val="B42419"/>
-                </a:solidFill>
-                <a:latin typeface="Courier" charset="0"/>
-                <a:ea typeface="Courier" charset="0"/>
-                <a:cs typeface="Courier" charset="0"/>
-              </a:rPr>
-              <a:t>'</a:t>
-            </a:r>
-            <a:r>
-              <a:rPr lang="de-DE" sz="1400" b="1" dirty="0">
-                <a:solidFill>
-                  <a:srgbClr val="000000"/>
-                </a:solidFill>
-                <a:latin typeface="Courier" charset="0"/>
-                <a:ea typeface="Courier" charset="0"/>
-                <a:cs typeface="Courier" charset="0"/>
-              </a:rPr>
-              <a:t> ),</a:t>
-            </a:r>
-          </a:p>
-          <a:p>
-            <a:r>
-              <a:rPr lang="mr-IN" sz="1400" b="1" dirty="0">
-                <a:solidFill>
-                  <a:srgbClr val="000000"/>
-                </a:solidFill>
-                <a:latin typeface="Courier" charset="0"/>
-                <a:ea typeface="Courier" charset="0"/>
-                <a:cs typeface="Courier" charset="0"/>
-              </a:rPr>
-              <a:t>        ( ADMIN, </a:t>
-            </a:r>
-            <a:r>
-              <a:rPr lang="mr-IN" sz="1400" b="1" dirty="0">
-                <a:solidFill>
-                  <a:srgbClr val="B42419"/>
-                </a:solidFill>
-                <a:latin typeface="Courier" charset="0"/>
-                <a:ea typeface="Courier" charset="0"/>
-                <a:cs typeface="Courier" charset="0"/>
-              </a:rPr>
-              <a:t>'</a:t>
-            </a:r>
-            <a:r>
-              <a:rPr lang="mr-IN" sz="1400" b="1" dirty="0" err="1">
-                <a:solidFill>
-                  <a:srgbClr val="B42419"/>
-                </a:solidFill>
-                <a:latin typeface="Courier" charset="0"/>
-                <a:ea typeface="Courier" charset="0"/>
-                <a:cs typeface="Courier" charset="0"/>
-              </a:rPr>
-              <a:t>Administrator</a:t>
-            </a:r>
-            <a:r>
-              <a:rPr lang="mr-IN" sz="1400" b="1" dirty="0">
-                <a:solidFill>
-                  <a:srgbClr val="B42419"/>
-                </a:solidFill>
-                <a:latin typeface="Courier" charset="0"/>
-                <a:ea typeface="Courier" charset="0"/>
-                <a:cs typeface="Courier" charset="0"/>
-              </a:rPr>
-              <a:t>'</a:t>
-            </a:r>
-            <a:r>
-              <a:rPr lang="mr-IN" sz="1400" b="1" dirty="0">
-                <a:solidFill>
-                  <a:srgbClr val="000000"/>
-                </a:solidFill>
-                <a:latin typeface="Courier" charset="0"/>
-                <a:ea typeface="Courier" charset="0"/>
-                <a:cs typeface="Courier" charset="0"/>
-              </a:rPr>
-              <a:t> ),</a:t>
-            </a:r>
-          </a:p>
-          <a:p>
-            <a:r>
-              <a:rPr lang="mr-IN" sz="1400" b="1" dirty="0">
-                <a:solidFill>
-                  <a:srgbClr val="000000"/>
-                </a:solidFill>
-                <a:latin typeface="Courier" charset="0"/>
-                <a:ea typeface="Courier" charset="0"/>
-                <a:cs typeface="Courier" charset="0"/>
-              </a:rPr>
-              <a:t>    )</a:t>
-            </a:r>
-          </a:p>
-          <a:p>
-            <a:endParaRPr lang="en-US" sz="1400" b="1" dirty="0">
-              <a:solidFill>
-                <a:srgbClr val="000000"/>
-              </a:solidFill>
-              <a:latin typeface="Courier" charset="0"/>
-              <a:ea typeface="Courier" charset="0"/>
-              <a:cs typeface="Courier" charset="0"/>
-            </a:endParaRPr>
-          </a:p>
-          <a:p>
-            <a:r>
-              <a:rPr lang="en-US" sz="1400" b="1" dirty="0">
-                <a:solidFill>
-                  <a:srgbClr val="000000"/>
-                </a:solidFill>
-                <a:latin typeface="Courier" charset="0"/>
-                <a:ea typeface="Courier" charset="0"/>
-                <a:cs typeface="Courier" charset="0"/>
-              </a:rPr>
-              <a:t>    role = </a:t>
-            </a:r>
-            <a:r>
-              <a:rPr lang="en-US" sz="1400" b="1" dirty="0" err="1">
-                <a:solidFill>
-                  <a:srgbClr val="000000"/>
-                </a:solidFill>
-                <a:latin typeface="Courier" charset="0"/>
-                <a:ea typeface="Courier" charset="0"/>
-                <a:cs typeface="Courier" charset="0"/>
-              </a:rPr>
-              <a:t>models.IntegerField</a:t>
-            </a:r>
-            <a:r>
-              <a:rPr lang="en-US" sz="1400" b="1" dirty="0">
-                <a:solidFill>
-                  <a:srgbClr val="000000"/>
-                </a:solidFill>
-                <a:latin typeface="Courier" charset="0"/>
-                <a:ea typeface="Courier" charset="0"/>
-                <a:cs typeface="Courier" charset="0"/>
-              </a:rPr>
-              <a:t>(</a:t>
-            </a:r>
-          </a:p>
-          <a:p>
-            <a:r>
-              <a:rPr lang="en-US" sz="1400" b="1" dirty="0">
-                <a:solidFill>
-                  <a:srgbClr val="000000"/>
-                </a:solidFill>
-                <a:latin typeface="Courier" charset="0"/>
-                <a:ea typeface="Courier" charset="0"/>
-                <a:cs typeface="Courier" charset="0"/>
-              </a:rPr>
-              <a:t>        choices=MEMBER_CHOICES,</a:t>
-            </a:r>
-          </a:p>
-          <a:p>
-            <a:r>
-              <a:rPr lang="en-US" sz="1400" b="1" dirty="0">
-                <a:solidFill>
-                  <a:srgbClr val="000000"/>
-                </a:solidFill>
-                <a:latin typeface="Courier" charset="0"/>
-                <a:ea typeface="Courier" charset="0"/>
-                <a:cs typeface="Courier" charset="0"/>
-              </a:rPr>
-              <a:t>        default=LEARNER,</a:t>
-            </a:r>
-          </a:p>
-          <a:p>
-            <a:r>
-              <a:rPr lang="mr-IN" sz="1400" b="1" dirty="0">
-                <a:solidFill>
-                  <a:srgbClr val="000000"/>
-                </a:solidFill>
-                <a:latin typeface="Courier" charset="0"/>
-                <a:ea typeface="Courier" charset="0"/>
-                <a:cs typeface="Courier" charset="0"/>
-              </a:rPr>
-              <a:t>    </a:t>
-            </a:r>
-            <a:r>
-              <a:rPr lang="mr-IN" sz="1400" b="1" dirty="0" smtClean="0">
-                <a:solidFill>
-                  <a:srgbClr val="000000"/>
-                </a:solidFill>
-                <a:latin typeface="Courier" charset="0"/>
-                <a:ea typeface="Courier" charset="0"/>
-                <a:cs typeface="Courier" charset="0"/>
-              </a:rPr>
-              <a:t>)</a:t>
-            </a:r>
-            <a:endParaRPr lang="en-US" sz="1400" b="1" dirty="0" smtClean="0">
-              <a:solidFill>
-                <a:srgbClr val="000000"/>
-              </a:solidFill>
-              <a:latin typeface="Courier" charset="0"/>
-              <a:ea typeface="Courier" charset="0"/>
-              <a:cs typeface="Courier" charset="0"/>
-            </a:endParaRPr>
-          </a:p>
-          <a:p>
-            <a:endParaRPr lang="en-US" sz="1400" b="1" dirty="0">
-              <a:solidFill>
-                <a:srgbClr val="000000"/>
-              </a:solidFill>
-              <a:latin typeface="Courier" charset="0"/>
-              <a:ea typeface="Courier" charset="0"/>
-              <a:cs typeface="Courier" charset="0"/>
-            </a:endParaRPr>
-          </a:p>
-          <a:p>
-            <a:r>
-              <a:rPr lang="en-US" sz="1400" b="1" dirty="0">
-                <a:solidFill>
-                  <a:srgbClr val="000000"/>
-                </a:solidFill>
-                <a:latin typeface="Courier" charset="0"/>
-                <a:ea typeface="Courier" charset="0"/>
-                <a:cs typeface="Courier" charset="0"/>
-              </a:rPr>
-              <a:t>    </a:t>
-            </a:r>
-            <a:r>
-              <a:rPr lang="en-US" sz="1400" b="1" dirty="0" err="1">
-                <a:solidFill>
-                  <a:srgbClr val="C1651C"/>
-                </a:solidFill>
-                <a:latin typeface="Courier" charset="0"/>
-                <a:ea typeface="Courier" charset="0"/>
-                <a:cs typeface="Courier" charset="0"/>
-              </a:rPr>
-              <a:t>def</a:t>
-            </a:r>
-            <a:r>
-              <a:rPr lang="en-US" sz="1400" b="1" dirty="0">
-                <a:solidFill>
-                  <a:srgbClr val="000000"/>
-                </a:solidFill>
-                <a:latin typeface="Courier" charset="0"/>
-                <a:ea typeface="Courier" charset="0"/>
-                <a:cs typeface="Courier" charset="0"/>
-              </a:rPr>
-              <a:t> </a:t>
-            </a:r>
-            <a:r>
-              <a:rPr lang="en-US" sz="1400" b="1" dirty="0">
-                <a:solidFill>
-                  <a:srgbClr val="2EAEBB"/>
-                </a:solidFill>
-                <a:latin typeface="Courier" charset="0"/>
-                <a:ea typeface="Courier" charset="0"/>
-                <a:cs typeface="Courier" charset="0"/>
-              </a:rPr>
-              <a:t>__</a:t>
-            </a:r>
-            <a:r>
-              <a:rPr lang="en-US" sz="1400" b="1" dirty="0" err="1">
-                <a:solidFill>
-                  <a:srgbClr val="2EAEBB"/>
-                </a:solidFill>
-                <a:latin typeface="Courier" charset="0"/>
-                <a:ea typeface="Courier" charset="0"/>
-                <a:cs typeface="Courier" charset="0"/>
-              </a:rPr>
-              <a:t>str</a:t>
-            </a:r>
-            <a:r>
-              <a:rPr lang="en-US" sz="1400" b="1" dirty="0">
-                <a:solidFill>
-                  <a:srgbClr val="2EAEBB"/>
-                </a:solidFill>
-                <a:latin typeface="Courier" charset="0"/>
-                <a:ea typeface="Courier" charset="0"/>
-                <a:cs typeface="Courier" charset="0"/>
-              </a:rPr>
-              <a:t>__</a:t>
-            </a:r>
-            <a:r>
-              <a:rPr lang="en-US" sz="1400" b="1" dirty="0">
-                <a:solidFill>
-                  <a:srgbClr val="000000"/>
-                </a:solidFill>
-                <a:latin typeface="Courier" charset="0"/>
-                <a:ea typeface="Courier" charset="0"/>
-                <a:cs typeface="Courier" charset="0"/>
-              </a:rPr>
-              <a:t>(self):</a:t>
-            </a:r>
-          </a:p>
-          <a:p>
-            <a:r>
-              <a:rPr lang="en-US" sz="1400" b="1" dirty="0">
-                <a:solidFill>
-                  <a:srgbClr val="000000"/>
-                </a:solidFill>
-                <a:latin typeface="Courier" charset="0"/>
-                <a:ea typeface="Courier" charset="0"/>
-                <a:cs typeface="Courier" charset="0"/>
-              </a:rPr>
-              <a:t>        </a:t>
-            </a:r>
-            <a:r>
-              <a:rPr lang="en-US" sz="1400" b="1" dirty="0">
-                <a:solidFill>
-                  <a:srgbClr val="C1651C"/>
-                </a:solidFill>
-                <a:latin typeface="Courier" charset="0"/>
-                <a:ea typeface="Courier" charset="0"/>
-                <a:cs typeface="Courier" charset="0"/>
-              </a:rPr>
-              <a:t>return</a:t>
-            </a:r>
-            <a:r>
-              <a:rPr lang="en-US" sz="1400" b="1" dirty="0">
-                <a:solidFill>
-                  <a:srgbClr val="000000"/>
-                </a:solidFill>
-                <a:latin typeface="Courier" charset="0"/>
-                <a:ea typeface="Courier" charset="0"/>
-                <a:cs typeface="Courier" charset="0"/>
-              </a:rPr>
-              <a:t> </a:t>
-            </a:r>
-            <a:r>
-              <a:rPr lang="en-US" sz="1400" b="1" dirty="0">
-                <a:solidFill>
-                  <a:srgbClr val="B42419"/>
-                </a:solidFill>
-                <a:latin typeface="Courier" charset="0"/>
-                <a:ea typeface="Courier" charset="0"/>
-                <a:cs typeface="Courier" charset="0"/>
-              </a:rPr>
-              <a:t>"Person "</a:t>
-            </a:r>
-            <a:r>
-              <a:rPr lang="en-US" sz="1400" b="1" dirty="0">
-                <a:solidFill>
-                  <a:srgbClr val="000000"/>
-                </a:solidFill>
-                <a:latin typeface="Courier" charset="0"/>
-                <a:ea typeface="Courier" charset="0"/>
-                <a:cs typeface="Courier" charset="0"/>
-              </a:rPr>
-              <a:t>+ </a:t>
-            </a:r>
-            <a:r>
-              <a:rPr lang="en-US" sz="1400" b="1" dirty="0" err="1">
-                <a:solidFill>
-                  <a:srgbClr val="2EAEBB"/>
-                </a:solidFill>
-                <a:latin typeface="Courier" charset="0"/>
-                <a:ea typeface="Courier" charset="0"/>
-                <a:cs typeface="Courier" charset="0"/>
-              </a:rPr>
-              <a:t>str</a:t>
-            </a:r>
-            <a:r>
-              <a:rPr lang="en-US" sz="1400" b="1" dirty="0">
-                <a:solidFill>
-                  <a:srgbClr val="000000"/>
-                </a:solidFill>
-                <a:latin typeface="Courier" charset="0"/>
-                <a:ea typeface="Courier" charset="0"/>
-                <a:cs typeface="Courier" charset="0"/>
-              </a:rPr>
-              <a:t>(</a:t>
-            </a:r>
-            <a:r>
-              <a:rPr lang="en-US" sz="1400" b="1" dirty="0" err="1">
-                <a:solidFill>
-                  <a:srgbClr val="000000"/>
-                </a:solidFill>
-                <a:latin typeface="Courier" charset="0"/>
-                <a:ea typeface="Courier" charset="0"/>
-                <a:cs typeface="Courier" charset="0"/>
-              </a:rPr>
-              <a:t>self.person.id</a:t>
-            </a:r>
-            <a:r>
-              <a:rPr lang="en-US" sz="1400" b="1" dirty="0">
-                <a:solidFill>
-                  <a:srgbClr val="000000"/>
-                </a:solidFill>
-                <a:latin typeface="Courier" charset="0"/>
-                <a:ea typeface="Courier" charset="0"/>
-                <a:cs typeface="Courier" charset="0"/>
-              </a:rPr>
-              <a:t>) + </a:t>
-            </a:r>
-            <a:r>
-              <a:rPr lang="en-US" sz="1400" b="1" dirty="0">
-                <a:solidFill>
-                  <a:srgbClr val="B42419"/>
-                </a:solidFill>
-                <a:latin typeface="Courier" charset="0"/>
-                <a:ea typeface="Courier" charset="0"/>
-                <a:cs typeface="Courier" charset="0"/>
-              </a:rPr>
-              <a:t>" &lt;--&gt; Course "</a:t>
-            </a:r>
-            <a:r>
-              <a:rPr lang="en-US" sz="1400" b="1" dirty="0">
-                <a:solidFill>
-                  <a:srgbClr val="000000"/>
-                </a:solidFill>
-                <a:latin typeface="Courier" charset="0"/>
-                <a:ea typeface="Courier" charset="0"/>
-                <a:cs typeface="Courier" charset="0"/>
-              </a:rPr>
-              <a:t> + </a:t>
-            </a:r>
-            <a:r>
-              <a:rPr lang="en-US" sz="1400" b="1" dirty="0" err="1">
-                <a:solidFill>
-                  <a:srgbClr val="2EAEBB"/>
-                </a:solidFill>
-                <a:latin typeface="Courier" charset="0"/>
-                <a:ea typeface="Courier" charset="0"/>
-                <a:cs typeface="Courier" charset="0"/>
-              </a:rPr>
-              <a:t>str</a:t>
-            </a:r>
-            <a:r>
-              <a:rPr lang="en-US" sz="1400" b="1" dirty="0">
-                <a:solidFill>
-                  <a:srgbClr val="000000"/>
-                </a:solidFill>
-                <a:latin typeface="Courier" charset="0"/>
-                <a:ea typeface="Courier" charset="0"/>
-                <a:cs typeface="Courier" charset="0"/>
-              </a:rPr>
-              <a:t>(</a:t>
-            </a:r>
-            <a:r>
-              <a:rPr lang="en-US" sz="1400" b="1" dirty="0" err="1">
-                <a:solidFill>
-                  <a:srgbClr val="000000"/>
-                </a:solidFill>
-                <a:latin typeface="Courier" charset="0"/>
-                <a:ea typeface="Courier" charset="0"/>
-                <a:cs typeface="Courier" charset="0"/>
-              </a:rPr>
-              <a:t>self.course.id</a:t>
-            </a:r>
-            <a:r>
-              <a:rPr lang="en-US" sz="1400" b="1" dirty="0">
-                <a:solidFill>
-                  <a:srgbClr val="000000"/>
-                </a:solidFill>
-                <a:latin typeface="Courier" charset="0"/>
-                <a:ea typeface="Courier" charset="0"/>
-                <a:cs typeface="Courier" charset="0"/>
-              </a:rPr>
-              <a:t>)</a:t>
-            </a:r>
-            <a:endParaRPr lang="en-US" sz="1400" b="1" dirty="0">
-              <a:latin typeface="Courier" charset="0"/>
-              <a:ea typeface="Courier" charset="0"/>
-              <a:cs typeface="Courier" charset="0"/>
-            </a:endParaRPr>
+        </p:txBody>
+      </p:sp>
+      <p:sp>
+        <p:nvSpPr>
+          <p:cNvPr id="5" name="Rectangle 4"/>
+          <p:cNvSpPr/>
+          <p:nvPr/>
+        </p:nvSpPr>
+        <p:spPr>
+          <a:xfrm>
+            <a:off x="1490662" y="5362188"/>
+            <a:ext cx="9651068" cy="646331"/>
+          </a:xfrm>
+          <a:prstGeom prst="rect">
+            <a:avLst/>
+          </a:prstGeom>
+        </p:spPr>
+        <p:txBody>
+          <a:bodyPr wrap="square">
+            <a:spAutoFit/>
+          </a:bodyPr>
+          <a:lstStyle/>
+          <a:p>
+            <a:r>
+              <a:rPr lang="en-US" dirty="0"/>
+              <a:t>https://</a:t>
+            </a:r>
+            <a:r>
+              <a:rPr lang="en-US" dirty="0" err="1" smtClean="0"/>
+              <a:t>github.com</a:t>
+            </a:r>
+            <a:r>
+              <a:rPr lang="en-US" dirty="0" smtClean="0"/>
+              <a:t>/csev/dj4e-samples/blob/master/samples/many/</a:t>
+            </a:r>
+            <a:r>
+              <a:rPr lang="en-US" dirty="0" err="1" smtClean="0"/>
+              <a:t>models.py</a:t>
+            </a:r>
+            <a:endParaRPr lang="en-US" dirty="0" smtClean="0"/>
+          </a:p>
+          <a:p>
+            <a:r>
+              <a:rPr lang="en-US" dirty="0" smtClean="0"/>
+              <a:t>https</a:t>
+            </a:r>
+            <a:r>
+              <a:rPr lang="en-US" dirty="0"/>
+              <a:t>://</a:t>
+            </a:r>
+            <a:r>
+              <a:rPr lang="en-US" dirty="0" err="1"/>
+              <a:t>docs.djangoproject.com</a:t>
+            </a:r>
+            <a:r>
+              <a:rPr lang="en-US" dirty="0"/>
+              <a:t>/</a:t>
+            </a:r>
+            <a:r>
+              <a:rPr lang="en-US" dirty="0" err="1"/>
+              <a:t>en</a:t>
+            </a:r>
+            <a:r>
+              <a:rPr lang="en-US" dirty="0"/>
+              <a:t>/2.1/ref/models/fields/#choices</a:t>
+            </a:r>
           </a:p>
         </p:txBody>
       </p:sp>
     </p:spTree>
     <p:extLst>
       <p:ext uri="{BB962C8B-B14F-4D97-AF65-F5344CB8AC3E}">
-        <p14:creationId xmlns:p14="http://schemas.microsoft.com/office/powerpoint/2010/main" val="456202797"/>
+        <p14:creationId xmlns:p14="http://schemas.microsoft.com/office/powerpoint/2010/main" val="7560136"/>
       </p:ext>
     </p:extLst>
   </p:cSld>
@@ -22175,255 +21048,1387 @@
           <a:chExt cx="0" cy="0"/>
         </a:xfrm>
       </p:grpSpPr>
-      <p:grpSp>
-        <p:nvGrpSpPr>
-          <p:cNvPr id="97281" name="Group 1"/>
-          <p:cNvGrpSpPr>
-            <a:grpSpLocks/>
-          </p:cNvGrpSpPr>
+      <p:sp>
+        <p:nvSpPr>
+          <p:cNvPr id="4" name="TextBox 3"/>
+          <p:cNvSpPr txBox="1"/>
           <p:nvPr/>
-        </p:nvGrpSpPr>
-        <p:grpSpPr bwMode="auto">
+        </p:nvSpPr>
+        <p:spPr>
           <a:xfrm>
-            <a:off x="2457451" y="599018"/>
-            <a:ext cx="7277100" cy="5659967"/>
-            <a:chOff x="1400175" y="214313"/>
-            <a:chExt cx="6129338" cy="4848225"/>
+            <a:off x="1396139" y="257175"/>
+            <a:ext cx="9313768" cy="5909310"/>
           </a:xfrm>
-        </p:grpSpPr>
-        <p:pic>
-          <p:nvPicPr>
-            <p:cNvPr id="97282" name="Picture 3" descr="Untitled.png"/>
-            <p:cNvPicPr>
-              <a:picLocks noChangeAspect="1"/>
-            </p:cNvPicPr>
-            <p:nvPr/>
-          </p:nvPicPr>
-          <p:blipFill>
-            <a:blip r:embed="rId3">
-              <a:extLst>
-                <a:ext uri="{28A0092B-C50C-407E-A947-70E740481C1C}">
-                  <a14:useLocalDpi xmlns:a14="http://schemas.microsoft.com/office/drawing/2010/main" val="0"/>
-                </a:ext>
-              </a:extLst>
-            </a:blip>
-            <a:srcRect/>
-            <a:stretch>
-              <a:fillRect/>
-            </a:stretch>
-          </p:blipFill>
-          <p:spPr bwMode="auto">
-            <a:xfrm>
-              <a:off x="1400175" y="214313"/>
-              <a:ext cx="6129338" cy="4848225"/>
-            </a:xfrm>
-            <a:prstGeom prst="rect">
-              <a:avLst/>
-            </a:prstGeom>
-            <a:noFill/>
-            <a:ln>
-              <a:noFill/>
-            </a:ln>
-            <a:extLst>
-              <a:ext uri="{909E8E84-426E-40DD-AFC4-6F175D3DCCD1}">
-                <a14:hiddenFill xmlns:a14="http://schemas.microsoft.com/office/drawing/2010/main">
-                  <a:solidFill>
-                    <a:srgbClr val="FFFFFF"/>
-                  </a:solidFill>
-                </a14:hiddenFill>
-              </a:ext>
-              <a:ext uri="{91240B29-F687-4F45-9708-019B960494DF}">
-                <a14:hiddenLine xmlns:a14="http://schemas.microsoft.com/office/drawing/2010/main" w="9525">
-                  <a:solidFill>
-                    <a:srgbClr val="000000"/>
-                  </a:solidFill>
-                  <a:miter lim="800000"/>
-                  <a:headEnd/>
-                  <a:tailEnd/>
-                </a14:hiddenLine>
-              </a:ext>
-            </a:extLst>
-          </p:spPr>
-        </p:pic>
-        <p:sp>
-          <p:nvSpPr>
-            <p:cNvPr id="101378" name="TextBox 4"/>
-            <p:cNvSpPr txBox="1">
-              <a:spLocks noChangeArrowheads="1"/>
-            </p:cNvSpPr>
-            <p:nvPr/>
-          </p:nvSpPr>
-          <p:spPr bwMode="auto">
-            <a:xfrm>
-              <a:off x="2912771" y="4585693"/>
-              <a:ext cx="1836560" cy="434999"/>
-            </a:xfrm>
-            <a:prstGeom prst="rect">
-              <a:avLst/>
-            </a:prstGeom>
-            <a:noFill/>
-            <a:ln>
-              <a:noFill/>
-            </a:ln>
-            <a:extLst>
-              <a:ext uri="{909E8E84-426E-40dd-AFC4-6F175D3DCCD1}"/>
-              <a:ext uri="{91240B29-F687-4f45-9708-019B960494DF}"/>
-            </a:extLst>
-          </p:spPr>
-          <p:txBody>
-            <a:bodyPr wrap="none">
-              <a:spAutoFit/>
-            </a:bodyPr>
-            <a:lstStyle>
-              <a:lvl1pPr eaLnBrk="0" hangingPunct="0">
-                <a:defRPr sz="3600">
-                  <a:solidFill>
-                    <a:srgbClr val="FFFFFF"/>
-                  </a:solidFill>
-                  <a:latin typeface="Gill Sans" charset="0"/>
-                  <a:ea typeface="ヒラギノ角ゴ ProN W3" charset="-128"/>
-                  <a:sym typeface="Gill Sans" charset="0"/>
-                </a:defRPr>
-              </a:lvl1pPr>
-              <a:lvl2pPr marL="742950" indent="-285750" eaLnBrk="0" hangingPunct="0">
-                <a:defRPr sz="3600">
-                  <a:solidFill>
-                    <a:srgbClr val="FFFFFF"/>
-                  </a:solidFill>
-                  <a:latin typeface="Gill Sans" charset="0"/>
-                  <a:ea typeface="ヒラギノ角ゴ ProN W3" charset="-128"/>
-                  <a:sym typeface="Gill Sans" charset="0"/>
-                </a:defRPr>
-              </a:lvl2pPr>
-              <a:lvl3pPr marL="1143000" indent="-228600" eaLnBrk="0" hangingPunct="0">
-                <a:defRPr sz="3600">
-                  <a:solidFill>
-                    <a:srgbClr val="FFFFFF"/>
-                  </a:solidFill>
-                  <a:latin typeface="Gill Sans" charset="0"/>
-                  <a:ea typeface="ヒラギノ角ゴ ProN W3" charset="-128"/>
-                  <a:sym typeface="Gill Sans" charset="0"/>
-                </a:defRPr>
-              </a:lvl3pPr>
-              <a:lvl4pPr marL="1600200" indent="-228600" eaLnBrk="0" hangingPunct="0">
-                <a:defRPr sz="3600">
-                  <a:solidFill>
-                    <a:srgbClr val="FFFFFF"/>
-                  </a:solidFill>
-                  <a:latin typeface="Gill Sans" charset="0"/>
-                  <a:ea typeface="ヒラギノ角ゴ ProN W3" charset="-128"/>
-                  <a:sym typeface="Gill Sans" charset="0"/>
-                </a:defRPr>
-              </a:lvl4pPr>
-              <a:lvl5pPr marL="2057400" indent="-228600" eaLnBrk="0" hangingPunct="0">
-                <a:defRPr sz="3600">
-                  <a:solidFill>
-                    <a:srgbClr val="FFFFFF"/>
-                  </a:solidFill>
-                  <a:latin typeface="Gill Sans" charset="0"/>
-                  <a:ea typeface="ヒラギノ角ゴ ProN W3" charset="-128"/>
-                  <a:sym typeface="Gill Sans" charset="0"/>
-                </a:defRPr>
-              </a:lvl5pPr>
-              <a:lvl6pPr marL="2514600" indent="-228600" algn="ctr" eaLnBrk="0" fontAlgn="base" hangingPunct="0">
-                <a:spcBef>
-                  <a:spcPct val="0"/>
-                </a:spcBef>
-                <a:spcAft>
-                  <a:spcPct val="0"/>
-                </a:spcAft>
-                <a:defRPr sz="3600">
-                  <a:solidFill>
-                    <a:srgbClr val="FFFFFF"/>
-                  </a:solidFill>
-                  <a:latin typeface="Gill Sans" charset="0"/>
-                  <a:ea typeface="ヒラギノ角ゴ ProN W3" charset="-128"/>
-                  <a:sym typeface="Gill Sans" charset="0"/>
-                </a:defRPr>
-              </a:lvl6pPr>
-              <a:lvl7pPr marL="2971800" indent="-228600" algn="ctr" eaLnBrk="0" fontAlgn="base" hangingPunct="0">
-                <a:spcBef>
-                  <a:spcPct val="0"/>
-                </a:spcBef>
-                <a:spcAft>
-                  <a:spcPct val="0"/>
-                </a:spcAft>
-                <a:defRPr sz="3600">
-                  <a:solidFill>
-                    <a:srgbClr val="FFFFFF"/>
-                  </a:solidFill>
-                  <a:latin typeface="Gill Sans" charset="0"/>
-                  <a:ea typeface="ヒラギノ角ゴ ProN W3" charset="-128"/>
-                  <a:sym typeface="Gill Sans" charset="0"/>
-                </a:defRPr>
-              </a:lvl7pPr>
-              <a:lvl8pPr marL="3429000" indent="-228600" algn="ctr" eaLnBrk="0" fontAlgn="base" hangingPunct="0">
-                <a:spcBef>
-                  <a:spcPct val="0"/>
-                </a:spcBef>
-                <a:spcAft>
-                  <a:spcPct val="0"/>
-                </a:spcAft>
-                <a:defRPr sz="3600">
-                  <a:solidFill>
-                    <a:srgbClr val="FFFFFF"/>
-                  </a:solidFill>
-                  <a:latin typeface="Gill Sans" charset="0"/>
-                  <a:ea typeface="ヒラギノ角ゴ ProN W3" charset="-128"/>
-                  <a:sym typeface="Gill Sans" charset="0"/>
-                </a:defRPr>
-              </a:lvl8pPr>
-              <a:lvl9pPr marL="3886200" indent="-228600" algn="ctr" eaLnBrk="0" fontAlgn="base" hangingPunct="0">
-                <a:spcBef>
-                  <a:spcPct val="0"/>
-                </a:spcBef>
-                <a:spcAft>
-                  <a:spcPct val="0"/>
-                </a:spcAft>
-                <a:defRPr sz="3600">
-                  <a:solidFill>
-                    <a:srgbClr val="FFFFFF"/>
-                  </a:solidFill>
-                  <a:latin typeface="Gill Sans" charset="0"/>
-                  <a:ea typeface="ヒラギノ角ゴ ProN W3" charset="-128"/>
-                  <a:sym typeface="Gill Sans" charset="0"/>
-                </a:defRPr>
-              </a:lvl9pPr>
-            </a:lstStyle>
-            <a:p>
-              <a:pPr algn="ctr" eaLnBrk="1" hangingPunct="1">
-                <a:defRPr/>
-              </a:pPr>
-              <a:r>
-                <a:rPr lang="en-US" altLang="en-US" sz="2700">
-                  <a:solidFill>
-                    <a:schemeClr val="accent2"/>
-                  </a:solidFill>
-                </a:rPr>
-                <a:t>www.tsugi.org</a:t>
-              </a:r>
-            </a:p>
-          </p:txBody>
-        </p:sp>
-      </p:grpSp>
+          <a:prstGeom prst="rect">
+            <a:avLst/>
+          </a:prstGeom>
+          <a:solidFill>
+            <a:schemeClr val="tx1"/>
+          </a:solidFill>
+        </p:spPr>
+        <p:txBody>
+          <a:bodyPr wrap="none" rtlCol="0">
+            <a:spAutoFit/>
+          </a:bodyPr>
+          <a:lstStyle/>
+          <a:p>
+            <a:r>
+              <a:rPr lang="en-US" sz="1400" b="1" dirty="0">
+                <a:solidFill>
+                  <a:srgbClr val="C1651C"/>
+                </a:solidFill>
+                <a:latin typeface="Courier" charset="0"/>
+                <a:ea typeface="Courier" charset="0"/>
+                <a:cs typeface="Courier" charset="0"/>
+              </a:rPr>
+              <a:t>class</a:t>
+            </a:r>
+            <a:r>
+              <a:rPr lang="en-US" sz="1400" b="1" dirty="0">
+                <a:solidFill>
+                  <a:srgbClr val="000000"/>
+                </a:solidFill>
+                <a:latin typeface="Courier" charset="0"/>
+                <a:ea typeface="Courier" charset="0"/>
+                <a:cs typeface="Courier" charset="0"/>
+              </a:rPr>
+              <a:t> </a:t>
+            </a:r>
+            <a:r>
+              <a:rPr lang="en-US" sz="1400" b="1" dirty="0">
+                <a:solidFill>
+                  <a:srgbClr val="2EAEBB"/>
+                </a:solidFill>
+                <a:latin typeface="Courier" charset="0"/>
+                <a:ea typeface="Courier" charset="0"/>
+                <a:cs typeface="Courier" charset="0"/>
+              </a:rPr>
+              <a:t>Membership</a:t>
+            </a:r>
+            <a:r>
+              <a:rPr lang="en-US" sz="1400" b="1" dirty="0">
+                <a:solidFill>
+                  <a:srgbClr val="000000"/>
+                </a:solidFill>
+                <a:latin typeface="Courier" charset="0"/>
+                <a:ea typeface="Courier" charset="0"/>
+                <a:cs typeface="Courier" charset="0"/>
+              </a:rPr>
+              <a:t>(</a:t>
+            </a:r>
+            <a:r>
+              <a:rPr lang="en-US" sz="1400" b="1" dirty="0" err="1">
+                <a:solidFill>
+                  <a:srgbClr val="000000"/>
+                </a:solidFill>
+                <a:latin typeface="Courier" charset="0"/>
+                <a:ea typeface="Courier" charset="0"/>
+                <a:cs typeface="Courier" charset="0"/>
+              </a:rPr>
+              <a:t>models.Model</a:t>
+            </a:r>
+            <a:r>
+              <a:rPr lang="en-US" sz="1400" b="1" dirty="0">
+                <a:solidFill>
+                  <a:srgbClr val="000000"/>
+                </a:solidFill>
+                <a:latin typeface="Courier" charset="0"/>
+                <a:ea typeface="Courier" charset="0"/>
+                <a:cs typeface="Courier" charset="0"/>
+              </a:rPr>
+              <a:t>):</a:t>
+            </a:r>
+          </a:p>
+          <a:p>
+            <a:r>
+              <a:rPr lang="en-US" sz="1400" b="1" dirty="0">
+                <a:solidFill>
+                  <a:srgbClr val="000000"/>
+                </a:solidFill>
+                <a:latin typeface="Courier" charset="0"/>
+                <a:ea typeface="Courier" charset="0"/>
+                <a:cs typeface="Courier" charset="0"/>
+              </a:rPr>
+              <a:t> </a:t>
+            </a:r>
+            <a:r>
+              <a:rPr lang="en-US" sz="1400" b="1" dirty="0" smtClean="0">
+                <a:solidFill>
+                  <a:srgbClr val="000000"/>
+                </a:solidFill>
+                <a:latin typeface="Courier" charset="0"/>
+                <a:ea typeface="Courier" charset="0"/>
+                <a:cs typeface="Courier" charset="0"/>
+              </a:rPr>
+              <a:t>   person </a:t>
+            </a:r>
+            <a:r>
+              <a:rPr lang="en-US" sz="1400" b="1" dirty="0">
+                <a:solidFill>
+                  <a:srgbClr val="000000"/>
+                </a:solidFill>
+                <a:latin typeface="Courier" charset="0"/>
+                <a:ea typeface="Courier" charset="0"/>
+                <a:cs typeface="Courier" charset="0"/>
+              </a:rPr>
+              <a:t>= </a:t>
+            </a:r>
+            <a:r>
+              <a:rPr lang="en-US" sz="1400" b="1" dirty="0" err="1">
+                <a:solidFill>
+                  <a:srgbClr val="000000"/>
+                </a:solidFill>
+                <a:latin typeface="Courier" charset="0"/>
+                <a:ea typeface="Courier" charset="0"/>
+                <a:cs typeface="Courier" charset="0"/>
+              </a:rPr>
+              <a:t>models.ForeignKey</a:t>
+            </a:r>
+            <a:r>
+              <a:rPr lang="en-US" sz="1400" b="1" dirty="0">
+                <a:solidFill>
+                  <a:srgbClr val="000000"/>
+                </a:solidFill>
+                <a:latin typeface="Courier" charset="0"/>
+                <a:ea typeface="Courier" charset="0"/>
+                <a:cs typeface="Courier" charset="0"/>
+              </a:rPr>
+              <a:t>(Person, </a:t>
+            </a:r>
+            <a:r>
+              <a:rPr lang="en-US" sz="1400" b="1" dirty="0" err="1">
+                <a:solidFill>
+                  <a:srgbClr val="000000"/>
+                </a:solidFill>
+                <a:latin typeface="Courier" charset="0"/>
+                <a:ea typeface="Courier" charset="0"/>
+                <a:cs typeface="Courier" charset="0"/>
+              </a:rPr>
+              <a:t>on_delete</a:t>
+            </a:r>
+            <a:r>
+              <a:rPr lang="en-US" sz="1400" b="1" dirty="0">
+                <a:solidFill>
+                  <a:srgbClr val="000000"/>
+                </a:solidFill>
+                <a:latin typeface="Courier" charset="0"/>
+                <a:ea typeface="Courier" charset="0"/>
+                <a:cs typeface="Courier" charset="0"/>
+              </a:rPr>
+              <a:t>=</a:t>
+            </a:r>
+            <a:r>
+              <a:rPr lang="en-US" sz="1400" b="1" dirty="0" err="1">
+                <a:solidFill>
+                  <a:srgbClr val="000000"/>
+                </a:solidFill>
+                <a:latin typeface="Courier" charset="0"/>
+                <a:ea typeface="Courier" charset="0"/>
+                <a:cs typeface="Courier" charset="0"/>
+              </a:rPr>
+              <a:t>models.CASCADE</a:t>
+            </a:r>
+            <a:r>
+              <a:rPr lang="en-US" sz="1400" b="1" dirty="0">
+                <a:solidFill>
+                  <a:srgbClr val="000000"/>
+                </a:solidFill>
+                <a:latin typeface="Courier" charset="0"/>
+                <a:ea typeface="Courier" charset="0"/>
+                <a:cs typeface="Courier" charset="0"/>
+              </a:rPr>
+              <a:t>)</a:t>
+            </a:r>
+          </a:p>
+          <a:p>
+            <a:r>
+              <a:rPr lang="en-US" sz="1400" b="1" dirty="0">
+                <a:solidFill>
+                  <a:srgbClr val="000000"/>
+                </a:solidFill>
+                <a:latin typeface="Courier" charset="0"/>
+                <a:ea typeface="Courier" charset="0"/>
+                <a:cs typeface="Courier" charset="0"/>
+              </a:rPr>
+              <a:t>    course = </a:t>
+            </a:r>
+            <a:r>
+              <a:rPr lang="en-US" sz="1400" b="1" dirty="0" err="1">
+                <a:solidFill>
+                  <a:srgbClr val="000000"/>
+                </a:solidFill>
+                <a:latin typeface="Courier" charset="0"/>
+                <a:ea typeface="Courier" charset="0"/>
+                <a:cs typeface="Courier" charset="0"/>
+              </a:rPr>
+              <a:t>models.ForeignKey</a:t>
+            </a:r>
+            <a:r>
+              <a:rPr lang="en-US" sz="1400" b="1" dirty="0">
+                <a:solidFill>
+                  <a:srgbClr val="000000"/>
+                </a:solidFill>
+                <a:latin typeface="Courier" charset="0"/>
+                <a:ea typeface="Courier" charset="0"/>
+                <a:cs typeface="Courier" charset="0"/>
+              </a:rPr>
+              <a:t>(Course, </a:t>
+            </a:r>
+            <a:r>
+              <a:rPr lang="en-US" sz="1400" b="1" dirty="0" err="1">
+                <a:solidFill>
+                  <a:srgbClr val="000000"/>
+                </a:solidFill>
+                <a:latin typeface="Courier" charset="0"/>
+                <a:ea typeface="Courier" charset="0"/>
+                <a:cs typeface="Courier" charset="0"/>
+              </a:rPr>
+              <a:t>on_delete</a:t>
+            </a:r>
+            <a:r>
+              <a:rPr lang="en-US" sz="1400" b="1" dirty="0">
+                <a:solidFill>
+                  <a:srgbClr val="000000"/>
+                </a:solidFill>
+                <a:latin typeface="Courier" charset="0"/>
+                <a:ea typeface="Courier" charset="0"/>
+                <a:cs typeface="Courier" charset="0"/>
+              </a:rPr>
+              <a:t>=</a:t>
+            </a:r>
+            <a:r>
+              <a:rPr lang="en-US" sz="1400" b="1" dirty="0" err="1">
+                <a:solidFill>
+                  <a:srgbClr val="000000"/>
+                </a:solidFill>
+                <a:latin typeface="Courier" charset="0"/>
+                <a:ea typeface="Courier" charset="0"/>
+                <a:cs typeface="Courier" charset="0"/>
+              </a:rPr>
+              <a:t>models.CASCADE</a:t>
+            </a:r>
+            <a:r>
+              <a:rPr lang="en-US" sz="1400" b="1" dirty="0" smtClean="0">
+                <a:solidFill>
+                  <a:srgbClr val="000000"/>
+                </a:solidFill>
+                <a:latin typeface="Courier" charset="0"/>
+                <a:ea typeface="Courier" charset="0"/>
+                <a:cs typeface="Courier" charset="0"/>
+              </a:rPr>
+              <a:t>)</a:t>
+            </a:r>
+            <a:endParaRPr lang="de-DE" sz="1400" b="1" dirty="0" smtClean="0">
+              <a:solidFill>
+                <a:srgbClr val="000000"/>
+              </a:solidFill>
+              <a:latin typeface="Courier" charset="0"/>
+              <a:ea typeface="Courier" charset="0"/>
+              <a:cs typeface="Courier" charset="0"/>
+            </a:endParaRPr>
+          </a:p>
+          <a:p>
+            <a:r>
+              <a:rPr lang="en-US" sz="1400" b="1" dirty="0" smtClean="0">
+                <a:solidFill>
+                  <a:srgbClr val="000000"/>
+                </a:solidFill>
+                <a:latin typeface="Courier" charset="0"/>
+                <a:ea typeface="Courier" charset="0"/>
+                <a:cs typeface="Courier" charset="0"/>
+              </a:rPr>
+              <a:t>    </a:t>
+            </a:r>
+            <a:r>
+              <a:rPr lang="en-US" sz="1400" b="1" dirty="0" err="1">
+                <a:solidFill>
+                  <a:srgbClr val="000000"/>
+                </a:solidFill>
+                <a:latin typeface="Courier" charset="0"/>
+                <a:ea typeface="Courier" charset="0"/>
+                <a:cs typeface="Courier" charset="0"/>
+              </a:rPr>
+              <a:t>created_at</a:t>
+            </a:r>
+            <a:r>
+              <a:rPr lang="en-US" sz="1400" b="1" dirty="0">
+                <a:solidFill>
+                  <a:srgbClr val="000000"/>
+                </a:solidFill>
+                <a:latin typeface="Courier" charset="0"/>
+                <a:ea typeface="Courier" charset="0"/>
+                <a:cs typeface="Courier" charset="0"/>
+              </a:rPr>
+              <a:t> = </a:t>
+            </a:r>
+            <a:r>
+              <a:rPr lang="en-US" sz="1400" b="1" dirty="0" err="1">
+                <a:solidFill>
+                  <a:srgbClr val="000000"/>
+                </a:solidFill>
+                <a:latin typeface="Courier" charset="0"/>
+                <a:ea typeface="Courier" charset="0"/>
+                <a:cs typeface="Courier" charset="0"/>
+              </a:rPr>
+              <a:t>models.DateTimeField</a:t>
+            </a:r>
+            <a:r>
+              <a:rPr lang="en-US" sz="1400" b="1" dirty="0">
+                <a:solidFill>
+                  <a:srgbClr val="000000"/>
+                </a:solidFill>
+                <a:latin typeface="Courier" charset="0"/>
+                <a:ea typeface="Courier" charset="0"/>
+                <a:cs typeface="Courier" charset="0"/>
+              </a:rPr>
+              <a:t>(</a:t>
+            </a:r>
+            <a:r>
+              <a:rPr lang="en-US" sz="1400" b="1" dirty="0" err="1">
+                <a:solidFill>
+                  <a:srgbClr val="000000"/>
+                </a:solidFill>
+                <a:latin typeface="Courier" charset="0"/>
+                <a:ea typeface="Courier" charset="0"/>
+                <a:cs typeface="Courier" charset="0"/>
+              </a:rPr>
+              <a:t>auto_now_add</a:t>
+            </a:r>
+            <a:r>
+              <a:rPr lang="en-US" sz="1400" b="1" dirty="0">
+                <a:solidFill>
+                  <a:srgbClr val="000000"/>
+                </a:solidFill>
+                <a:latin typeface="Courier" charset="0"/>
+                <a:ea typeface="Courier" charset="0"/>
+                <a:cs typeface="Courier" charset="0"/>
+              </a:rPr>
+              <a:t>=</a:t>
+            </a:r>
+            <a:r>
+              <a:rPr lang="en-US" sz="1400" b="1" dirty="0">
+                <a:solidFill>
+                  <a:srgbClr val="2EAEBB"/>
+                </a:solidFill>
+                <a:latin typeface="Courier" charset="0"/>
+                <a:ea typeface="Courier" charset="0"/>
+                <a:cs typeface="Courier" charset="0"/>
+              </a:rPr>
+              <a:t>True</a:t>
+            </a:r>
+            <a:r>
+              <a:rPr lang="en-US" sz="1400" b="1" dirty="0">
+                <a:solidFill>
+                  <a:srgbClr val="000000"/>
+                </a:solidFill>
+                <a:latin typeface="Courier" charset="0"/>
+                <a:ea typeface="Courier" charset="0"/>
+                <a:cs typeface="Courier" charset="0"/>
+              </a:rPr>
+              <a:t>)</a:t>
+            </a:r>
+          </a:p>
+          <a:p>
+            <a:r>
+              <a:rPr lang="en-US" sz="1400" b="1" dirty="0">
+                <a:solidFill>
+                  <a:srgbClr val="000000"/>
+                </a:solidFill>
+                <a:latin typeface="Courier" charset="0"/>
+                <a:ea typeface="Courier" charset="0"/>
+                <a:cs typeface="Courier" charset="0"/>
+              </a:rPr>
+              <a:t>    </a:t>
+            </a:r>
+            <a:r>
+              <a:rPr lang="en-US" sz="1400" b="1" dirty="0" err="1">
+                <a:solidFill>
+                  <a:srgbClr val="000000"/>
+                </a:solidFill>
+                <a:latin typeface="Courier" charset="0"/>
+                <a:ea typeface="Courier" charset="0"/>
+                <a:cs typeface="Courier" charset="0"/>
+              </a:rPr>
+              <a:t>updated_at</a:t>
+            </a:r>
+            <a:r>
+              <a:rPr lang="en-US" sz="1400" b="1" dirty="0">
+                <a:solidFill>
+                  <a:srgbClr val="000000"/>
+                </a:solidFill>
+                <a:latin typeface="Courier" charset="0"/>
+                <a:ea typeface="Courier" charset="0"/>
+                <a:cs typeface="Courier" charset="0"/>
+              </a:rPr>
+              <a:t> = </a:t>
+            </a:r>
+            <a:r>
+              <a:rPr lang="en-US" sz="1400" b="1" dirty="0" err="1">
+                <a:solidFill>
+                  <a:srgbClr val="000000"/>
+                </a:solidFill>
+                <a:latin typeface="Courier" charset="0"/>
+                <a:ea typeface="Courier" charset="0"/>
+                <a:cs typeface="Courier" charset="0"/>
+              </a:rPr>
+              <a:t>models.DateTimeField</a:t>
+            </a:r>
+            <a:r>
+              <a:rPr lang="en-US" sz="1400" b="1" dirty="0">
+                <a:solidFill>
+                  <a:srgbClr val="000000"/>
+                </a:solidFill>
+                <a:latin typeface="Courier" charset="0"/>
+                <a:ea typeface="Courier" charset="0"/>
+                <a:cs typeface="Courier" charset="0"/>
+              </a:rPr>
+              <a:t>(</a:t>
+            </a:r>
+            <a:r>
+              <a:rPr lang="en-US" sz="1400" b="1" dirty="0" err="1">
+                <a:solidFill>
+                  <a:srgbClr val="000000"/>
+                </a:solidFill>
+                <a:latin typeface="Courier" charset="0"/>
+                <a:ea typeface="Courier" charset="0"/>
+                <a:cs typeface="Courier" charset="0"/>
+              </a:rPr>
+              <a:t>auto_now</a:t>
+            </a:r>
+            <a:r>
+              <a:rPr lang="en-US" sz="1400" b="1" dirty="0">
+                <a:solidFill>
+                  <a:srgbClr val="000000"/>
+                </a:solidFill>
+                <a:latin typeface="Courier" charset="0"/>
+                <a:ea typeface="Courier" charset="0"/>
+                <a:cs typeface="Courier" charset="0"/>
+              </a:rPr>
+              <a:t>=</a:t>
+            </a:r>
+            <a:r>
+              <a:rPr lang="en-US" sz="1400" b="1" dirty="0">
+                <a:solidFill>
+                  <a:srgbClr val="2EAEBB"/>
+                </a:solidFill>
+                <a:latin typeface="Courier" charset="0"/>
+                <a:ea typeface="Courier" charset="0"/>
+                <a:cs typeface="Courier" charset="0"/>
+              </a:rPr>
+              <a:t>True</a:t>
+            </a:r>
+            <a:r>
+              <a:rPr lang="en-US" sz="1400" b="1" dirty="0" smtClean="0">
+                <a:solidFill>
+                  <a:srgbClr val="000000"/>
+                </a:solidFill>
+                <a:latin typeface="Courier" charset="0"/>
+                <a:ea typeface="Courier" charset="0"/>
+                <a:cs typeface="Courier" charset="0"/>
+              </a:rPr>
+              <a:t>)</a:t>
+            </a:r>
+          </a:p>
+          <a:p>
+            <a:endParaRPr lang="de-DE" sz="1400" b="1" dirty="0" smtClean="0">
+              <a:solidFill>
+                <a:srgbClr val="000000"/>
+              </a:solidFill>
+              <a:latin typeface="Courier" charset="0"/>
+              <a:ea typeface="Courier" charset="0"/>
+              <a:cs typeface="Courier" charset="0"/>
+            </a:endParaRPr>
+          </a:p>
+          <a:p>
+            <a:r>
+              <a:rPr lang="de-DE" sz="1400" b="1" dirty="0" smtClean="0">
+                <a:solidFill>
+                  <a:srgbClr val="000000"/>
+                </a:solidFill>
+                <a:latin typeface="Courier" charset="0"/>
+                <a:ea typeface="Courier" charset="0"/>
+                <a:cs typeface="Courier" charset="0"/>
+              </a:rPr>
+              <a:t>    </a:t>
+            </a:r>
+            <a:r>
+              <a:rPr lang="de-DE" sz="1400" b="1" dirty="0">
+                <a:solidFill>
+                  <a:srgbClr val="000000"/>
+                </a:solidFill>
+                <a:latin typeface="Courier" charset="0"/>
+                <a:ea typeface="Courier" charset="0"/>
+                <a:cs typeface="Courier" charset="0"/>
+              </a:rPr>
+              <a:t>LEARNER = </a:t>
+            </a:r>
+            <a:r>
+              <a:rPr lang="de-DE" sz="1400" b="1" dirty="0">
+                <a:solidFill>
+                  <a:srgbClr val="B42419"/>
+                </a:solidFill>
+                <a:latin typeface="Courier" charset="0"/>
+                <a:ea typeface="Courier" charset="0"/>
+                <a:cs typeface="Courier" charset="0"/>
+              </a:rPr>
+              <a:t>1</a:t>
+            </a:r>
+            <a:endParaRPr lang="de-DE" sz="1400" b="1" dirty="0">
+              <a:solidFill>
+                <a:srgbClr val="000000"/>
+              </a:solidFill>
+              <a:latin typeface="Courier" charset="0"/>
+              <a:ea typeface="Courier" charset="0"/>
+              <a:cs typeface="Courier" charset="0"/>
+            </a:endParaRPr>
+          </a:p>
+          <a:p>
+            <a:r>
+              <a:rPr lang="mr-IN" sz="1400" b="1" dirty="0">
+                <a:solidFill>
+                  <a:srgbClr val="000000"/>
+                </a:solidFill>
+                <a:latin typeface="Courier" charset="0"/>
+                <a:ea typeface="Courier" charset="0"/>
+                <a:cs typeface="Courier" charset="0"/>
+              </a:rPr>
+              <a:t>    IA = </a:t>
+            </a:r>
+            <a:r>
+              <a:rPr lang="mr-IN" sz="1400" b="1" dirty="0">
+                <a:solidFill>
+                  <a:srgbClr val="B42419"/>
+                </a:solidFill>
+                <a:latin typeface="Courier" charset="0"/>
+                <a:ea typeface="Courier" charset="0"/>
+                <a:cs typeface="Courier" charset="0"/>
+              </a:rPr>
+              <a:t>1000</a:t>
+            </a:r>
+            <a:endParaRPr lang="mr-IN" sz="1400" b="1" dirty="0">
+              <a:solidFill>
+                <a:srgbClr val="000000"/>
+              </a:solidFill>
+              <a:latin typeface="Courier" charset="0"/>
+              <a:ea typeface="Courier" charset="0"/>
+              <a:cs typeface="Courier" charset="0"/>
+            </a:endParaRPr>
+          </a:p>
+          <a:p>
+            <a:r>
+              <a:rPr lang="mr-IN" sz="1400" b="1" dirty="0">
+                <a:solidFill>
+                  <a:srgbClr val="000000"/>
+                </a:solidFill>
+                <a:latin typeface="Courier" charset="0"/>
+                <a:ea typeface="Courier" charset="0"/>
+                <a:cs typeface="Courier" charset="0"/>
+              </a:rPr>
+              <a:t>    GSI = </a:t>
+            </a:r>
+            <a:r>
+              <a:rPr lang="mr-IN" sz="1400" b="1" dirty="0">
+                <a:solidFill>
+                  <a:srgbClr val="B42419"/>
+                </a:solidFill>
+                <a:latin typeface="Courier" charset="0"/>
+                <a:ea typeface="Courier" charset="0"/>
+                <a:cs typeface="Courier" charset="0"/>
+              </a:rPr>
+              <a:t>2000</a:t>
+            </a:r>
+            <a:endParaRPr lang="mr-IN" sz="1400" b="1" dirty="0">
+              <a:solidFill>
+                <a:srgbClr val="000000"/>
+              </a:solidFill>
+              <a:latin typeface="Courier" charset="0"/>
+              <a:ea typeface="Courier" charset="0"/>
+              <a:cs typeface="Courier" charset="0"/>
+            </a:endParaRPr>
+          </a:p>
+          <a:p>
+            <a:r>
+              <a:rPr lang="mr-IN" sz="1400" b="1" dirty="0">
+                <a:solidFill>
+                  <a:srgbClr val="000000"/>
+                </a:solidFill>
+                <a:latin typeface="Courier" charset="0"/>
+                <a:ea typeface="Courier" charset="0"/>
+                <a:cs typeface="Courier" charset="0"/>
+              </a:rPr>
+              <a:t>    INSTRUCTOR = </a:t>
+            </a:r>
+            <a:r>
+              <a:rPr lang="mr-IN" sz="1400" b="1" dirty="0">
+                <a:solidFill>
+                  <a:srgbClr val="B42419"/>
+                </a:solidFill>
+                <a:latin typeface="Courier" charset="0"/>
+                <a:ea typeface="Courier" charset="0"/>
+                <a:cs typeface="Courier" charset="0"/>
+              </a:rPr>
+              <a:t>5000</a:t>
+            </a:r>
+            <a:endParaRPr lang="mr-IN" sz="1400" b="1" dirty="0">
+              <a:solidFill>
+                <a:srgbClr val="000000"/>
+              </a:solidFill>
+              <a:latin typeface="Courier" charset="0"/>
+              <a:ea typeface="Courier" charset="0"/>
+              <a:cs typeface="Courier" charset="0"/>
+            </a:endParaRPr>
+          </a:p>
+          <a:p>
+            <a:r>
+              <a:rPr lang="mr-IN" sz="1400" b="1" dirty="0">
+                <a:solidFill>
+                  <a:srgbClr val="000000"/>
+                </a:solidFill>
+                <a:latin typeface="Courier" charset="0"/>
+                <a:ea typeface="Courier" charset="0"/>
+                <a:cs typeface="Courier" charset="0"/>
+              </a:rPr>
+              <a:t>    ADMIN = </a:t>
+            </a:r>
+            <a:r>
+              <a:rPr lang="mr-IN" sz="1400" b="1" dirty="0">
+                <a:solidFill>
+                  <a:srgbClr val="B42419"/>
+                </a:solidFill>
+                <a:latin typeface="Courier" charset="0"/>
+                <a:ea typeface="Courier" charset="0"/>
+                <a:cs typeface="Courier" charset="0"/>
+              </a:rPr>
+              <a:t>10000</a:t>
+            </a:r>
+            <a:endParaRPr lang="mr-IN" sz="1400" b="1" dirty="0">
+              <a:solidFill>
+                <a:srgbClr val="000000"/>
+              </a:solidFill>
+              <a:latin typeface="Courier" charset="0"/>
+              <a:ea typeface="Courier" charset="0"/>
+              <a:cs typeface="Courier" charset="0"/>
+            </a:endParaRPr>
+          </a:p>
+          <a:p>
+            <a:endParaRPr lang="mr-IN" sz="1400" b="1" dirty="0">
+              <a:solidFill>
+                <a:srgbClr val="000000"/>
+              </a:solidFill>
+              <a:latin typeface="Courier" charset="0"/>
+              <a:ea typeface="Courier" charset="0"/>
+              <a:cs typeface="Courier" charset="0"/>
+            </a:endParaRPr>
+          </a:p>
+          <a:p>
+            <a:r>
+              <a:rPr lang="en-US" sz="1400" b="1" dirty="0">
+                <a:solidFill>
+                  <a:srgbClr val="000000"/>
+                </a:solidFill>
+                <a:latin typeface="Courier" charset="0"/>
+                <a:ea typeface="Courier" charset="0"/>
+                <a:cs typeface="Courier" charset="0"/>
+              </a:rPr>
+              <a:t>    MEMBER_CHOICES = (</a:t>
+            </a:r>
+          </a:p>
+          <a:p>
+            <a:r>
+              <a:rPr lang="de-DE" sz="1400" b="1" dirty="0">
+                <a:solidFill>
+                  <a:srgbClr val="000000"/>
+                </a:solidFill>
+                <a:latin typeface="Courier" charset="0"/>
+                <a:ea typeface="Courier" charset="0"/>
+                <a:cs typeface="Courier" charset="0"/>
+              </a:rPr>
+              <a:t>        ( LEARNER, </a:t>
+            </a:r>
+            <a:r>
+              <a:rPr lang="de-DE" sz="1400" b="1" dirty="0">
+                <a:solidFill>
+                  <a:srgbClr val="B42419"/>
+                </a:solidFill>
+                <a:latin typeface="Courier" charset="0"/>
+                <a:ea typeface="Courier" charset="0"/>
+                <a:cs typeface="Courier" charset="0"/>
+              </a:rPr>
+              <a:t>'</a:t>
+            </a:r>
+            <a:r>
+              <a:rPr lang="de-DE" sz="1400" b="1" dirty="0" err="1">
+                <a:solidFill>
+                  <a:srgbClr val="B42419"/>
+                </a:solidFill>
+                <a:latin typeface="Courier" charset="0"/>
+                <a:ea typeface="Courier" charset="0"/>
+                <a:cs typeface="Courier" charset="0"/>
+              </a:rPr>
+              <a:t>Learner</a:t>
+            </a:r>
+            <a:r>
+              <a:rPr lang="de-DE" sz="1400" b="1" dirty="0">
+                <a:solidFill>
+                  <a:srgbClr val="B42419"/>
+                </a:solidFill>
+                <a:latin typeface="Courier" charset="0"/>
+                <a:ea typeface="Courier" charset="0"/>
+                <a:cs typeface="Courier" charset="0"/>
+              </a:rPr>
+              <a:t>'</a:t>
+            </a:r>
+            <a:r>
+              <a:rPr lang="de-DE" sz="1400" b="1" dirty="0">
+                <a:solidFill>
+                  <a:srgbClr val="000000"/>
+                </a:solidFill>
+                <a:latin typeface="Courier" charset="0"/>
+                <a:ea typeface="Courier" charset="0"/>
+                <a:cs typeface="Courier" charset="0"/>
+              </a:rPr>
+              <a:t>),</a:t>
+            </a:r>
+          </a:p>
+          <a:p>
+            <a:r>
+              <a:rPr lang="de-DE" sz="1400" b="1" dirty="0">
+                <a:solidFill>
+                  <a:srgbClr val="000000"/>
+                </a:solidFill>
+                <a:latin typeface="Courier" charset="0"/>
+                <a:ea typeface="Courier" charset="0"/>
+                <a:cs typeface="Courier" charset="0"/>
+              </a:rPr>
+              <a:t>        ( IA, </a:t>
+            </a:r>
+            <a:r>
+              <a:rPr lang="de-DE" sz="1400" b="1" dirty="0">
+                <a:solidFill>
+                  <a:srgbClr val="B42419"/>
+                </a:solidFill>
+                <a:latin typeface="Courier" charset="0"/>
+                <a:ea typeface="Courier" charset="0"/>
+                <a:cs typeface="Courier" charset="0"/>
+              </a:rPr>
+              <a:t>'</a:t>
+            </a:r>
+            <a:r>
+              <a:rPr lang="de-DE" sz="1400" b="1" dirty="0" err="1">
+                <a:solidFill>
+                  <a:srgbClr val="B42419"/>
+                </a:solidFill>
+                <a:latin typeface="Courier" charset="0"/>
+                <a:ea typeface="Courier" charset="0"/>
+                <a:cs typeface="Courier" charset="0"/>
+              </a:rPr>
+              <a:t>Instructional</a:t>
+            </a:r>
+            <a:r>
+              <a:rPr lang="de-DE" sz="1400" b="1" dirty="0">
+                <a:solidFill>
+                  <a:srgbClr val="B42419"/>
+                </a:solidFill>
+                <a:latin typeface="Courier" charset="0"/>
+                <a:ea typeface="Courier" charset="0"/>
+                <a:cs typeface="Courier" charset="0"/>
+              </a:rPr>
+              <a:t> </a:t>
+            </a:r>
+            <a:r>
+              <a:rPr lang="de-DE" sz="1400" b="1" dirty="0" err="1">
+                <a:solidFill>
+                  <a:srgbClr val="B42419"/>
+                </a:solidFill>
+                <a:latin typeface="Courier" charset="0"/>
+                <a:ea typeface="Courier" charset="0"/>
+                <a:cs typeface="Courier" charset="0"/>
+              </a:rPr>
+              <a:t>Assistant</a:t>
+            </a:r>
+            <a:r>
+              <a:rPr lang="de-DE" sz="1400" b="1" dirty="0">
+                <a:solidFill>
+                  <a:srgbClr val="B42419"/>
+                </a:solidFill>
+                <a:latin typeface="Courier" charset="0"/>
+                <a:ea typeface="Courier" charset="0"/>
+                <a:cs typeface="Courier" charset="0"/>
+              </a:rPr>
+              <a:t>'</a:t>
+            </a:r>
+            <a:r>
+              <a:rPr lang="de-DE" sz="1400" b="1" dirty="0">
+                <a:solidFill>
+                  <a:srgbClr val="000000"/>
+                </a:solidFill>
+                <a:latin typeface="Courier" charset="0"/>
+                <a:ea typeface="Courier" charset="0"/>
+                <a:cs typeface="Courier" charset="0"/>
+              </a:rPr>
+              <a:t> ),</a:t>
+            </a:r>
+          </a:p>
+          <a:p>
+            <a:r>
+              <a:rPr lang="de-DE" sz="1400" b="1" dirty="0">
+                <a:solidFill>
+                  <a:srgbClr val="000000"/>
+                </a:solidFill>
+                <a:latin typeface="Courier" charset="0"/>
+                <a:ea typeface="Courier" charset="0"/>
+                <a:cs typeface="Courier" charset="0"/>
+              </a:rPr>
+              <a:t>        ( GSI, </a:t>
+            </a:r>
+            <a:r>
+              <a:rPr lang="de-DE" sz="1400" b="1" dirty="0">
+                <a:solidFill>
+                  <a:srgbClr val="B42419"/>
+                </a:solidFill>
+                <a:latin typeface="Courier" charset="0"/>
+                <a:ea typeface="Courier" charset="0"/>
+                <a:cs typeface="Courier" charset="0"/>
+              </a:rPr>
+              <a:t>'Grad Student </a:t>
+            </a:r>
+            <a:r>
+              <a:rPr lang="de-DE" sz="1400" b="1" dirty="0" err="1">
+                <a:solidFill>
+                  <a:srgbClr val="B42419"/>
+                </a:solidFill>
+                <a:latin typeface="Courier" charset="0"/>
+                <a:ea typeface="Courier" charset="0"/>
+                <a:cs typeface="Courier" charset="0"/>
+              </a:rPr>
+              <a:t>Instructor</a:t>
+            </a:r>
+            <a:r>
+              <a:rPr lang="de-DE" sz="1400" b="1" dirty="0">
+                <a:solidFill>
+                  <a:srgbClr val="B42419"/>
+                </a:solidFill>
+                <a:latin typeface="Courier" charset="0"/>
+                <a:ea typeface="Courier" charset="0"/>
+                <a:cs typeface="Courier" charset="0"/>
+              </a:rPr>
+              <a:t>'</a:t>
+            </a:r>
+            <a:r>
+              <a:rPr lang="de-DE" sz="1400" b="1" dirty="0">
+                <a:solidFill>
+                  <a:srgbClr val="000000"/>
+                </a:solidFill>
+                <a:latin typeface="Courier" charset="0"/>
+                <a:ea typeface="Courier" charset="0"/>
+                <a:cs typeface="Courier" charset="0"/>
+              </a:rPr>
+              <a:t> ),</a:t>
+            </a:r>
+          </a:p>
+          <a:p>
+            <a:r>
+              <a:rPr lang="de-DE" sz="1400" b="1" dirty="0">
+                <a:solidFill>
+                  <a:srgbClr val="000000"/>
+                </a:solidFill>
+                <a:latin typeface="Courier" charset="0"/>
+                <a:ea typeface="Courier" charset="0"/>
+                <a:cs typeface="Courier" charset="0"/>
+              </a:rPr>
+              <a:t>        ( INSTRUCTOR, </a:t>
+            </a:r>
+            <a:r>
+              <a:rPr lang="de-DE" sz="1400" b="1" dirty="0">
+                <a:solidFill>
+                  <a:srgbClr val="B42419"/>
+                </a:solidFill>
+                <a:latin typeface="Courier" charset="0"/>
+                <a:ea typeface="Courier" charset="0"/>
+                <a:cs typeface="Courier" charset="0"/>
+              </a:rPr>
+              <a:t>'</a:t>
+            </a:r>
+            <a:r>
+              <a:rPr lang="de-DE" sz="1400" b="1" dirty="0" err="1">
+                <a:solidFill>
+                  <a:srgbClr val="B42419"/>
+                </a:solidFill>
+                <a:latin typeface="Courier" charset="0"/>
+                <a:ea typeface="Courier" charset="0"/>
+                <a:cs typeface="Courier" charset="0"/>
+              </a:rPr>
+              <a:t>Instructor</a:t>
+            </a:r>
+            <a:r>
+              <a:rPr lang="de-DE" sz="1400" b="1" dirty="0">
+                <a:solidFill>
+                  <a:srgbClr val="B42419"/>
+                </a:solidFill>
+                <a:latin typeface="Courier" charset="0"/>
+                <a:ea typeface="Courier" charset="0"/>
+                <a:cs typeface="Courier" charset="0"/>
+              </a:rPr>
+              <a:t>'</a:t>
+            </a:r>
+            <a:r>
+              <a:rPr lang="de-DE" sz="1400" b="1" dirty="0">
+                <a:solidFill>
+                  <a:srgbClr val="000000"/>
+                </a:solidFill>
+                <a:latin typeface="Courier" charset="0"/>
+                <a:ea typeface="Courier" charset="0"/>
+                <a:cs typeface="Courier" charset="0"/>
+              </a:rPr>
+              <a:t> ),</a:t>
+            </a:r>
+          </a:p>
+          <a:p>
+            <a:r>
+              <a:rPr lang="mr-IN" sz="1400" b="1" dirty="0">
+                <a:solidFill>
+                  <a:srgbClr val="000000"/>
+                </a:solidFill>
+                <a:latin typeface="Courier" charset="0"/>
+                <a:ea typeface="Courier" charset="0"/>
+                <a:cs typeface="Courier" charset="0"/>
+              </a:rPr>
+              <a:t>        ( ADMIN, </a:t>
+            </a:r>
+            <a:r>
+              <a:rPr lang="mr-IN" sz="1400" b="1" dirty="0">
+                <a:solidFill>
+                  <a:srgbClr val="B42419"/>
+                </a:solidFill>
+                <a:latin typeface="Courier" charset="0"/>
+                <a:ea typeface="Courier" charset="0"/>
+                <a:cs typeface="Courier" charset="0"/>
+              </a:rPr>
+              <a:t>'</a:t>
+            </a:r>
+            <a:r>
+              <a:rPr lang="mr-IN" sz="1400" b="1" dirty="0" err="1">
+                <a:solidFill>
+                  <a:srgbClr val="B42419"/>
+                </a:solidFill>
+                <a:latin typeface="Courier" charset="0"/>
+                <a:ea typeface="Courier" charset="0"/>
+                <a:cs typeface="Courier" charset="0"/>
+              </a:rPr>
+              <a:t>Administrator</a:t>
+            </a:r>
+            <a:r>
+              <a:rPr lang="mr-IN" sz="1400" b="1" dirty="0">
+                <a:solidFill>
+                  <a:srgbClr val="B42419"/>
+                </a:solidFill>
+                <a:latin typeface="Courier" charset="0"/>
+                <a:ea typeface="Courier" charset="0"/>
+                <a:cs typeface="Courier" charset="0"/>
+              </a:rPr>
+              <a:t>'</a:t>
+            </a:r>
+            <a:r>
+              <a:rPr lang="mr-IN" sz="1400" b="1" dirty="0">
+                <a:solidFill>
+                  <a:srgbClr val="000000"/>
+                </a:solidFill>
+                <a:latin typeface="Courier" charset="0"/>
+                <a:ea typeface="Courier" charset="0"/>
+                <a:cs typeface="Courier" charset="0"/>
+              </a:rPr>
+              <a:t> ),</a:t>
+            </a:r>
+          </a:p>
+          <a:p>
+            <a:r>
+              <a:rPr lang="mr-IN" sz="1400" b="1" dirty="0">
+                <a:solidFill>
+                  <a:srgbClr val="000000"/>
+                </a:solidFill>
+                <a:latin typeface="Courier" charset="0"/>
+                <a:ea typeface="Courier" charset="0"/>
+                <a:cs typeface="Courier" charset="0"/>
+              </a:rPr>
+              <a:t>    )</a:t>
+            </a:r>
+          </a:p>
+          <a:p>
+            <a:endParaRPr lang="en-US" sz="1400" b="1" dirty="0">
+              <a:solidFill>
+                <a:srgbClr val="000000"/>
+              </a:solidFill>
+              <a:latin typeface="Courier" charset="0"/>
+              <a:ea typeface="Courier" charset="0"/>
+              <a:cs typeface="Courier" charset="0"/>
+            </a:endParaRPr>
+          </a:p>
+          <a:p>
+            <a:r>
+              <a:rPr lang="en-US" sz="1400" b="1" dirty="0">
+                <a:solidFill>
+                  <a:srgbClr val="000000"/>
+                </a:solidFill>
+                <a:latin typeface="Courier" charset="0"/>
+                <a:ea typeface="Courier" charset="0"/>
+                <a:cs typeface="Courier" charset="0"/>
+              </a:rPr>
+              <a:t>    role = </a:t>
+            </a:r>
+            <a:r>
+              <a:rPr lang="en-US" sz="1400" b="1" dirty="0" err="1">
+                <a:solidFill>
+                  <a:srgbClr val="000000"/>
+                </a:solidFill>
+                <a:latin typeface="Courier" charset="0"/>
+                <a:ea typeface="Courier" charset="0"/>
+                <a:cs typeface="Courier" charset="0"/>
+              </a:rPr>
+              <a:t>models.IntegerField</a:t>
+            </a:r>
+            <a:r>
+              <a:rPr lang="en-US" sz="1400" b="1" dirty="0">
+                <a:solidFill>
+                  <a:srgbClr val="000000"/>
+                </a:solidFill>
+                <a:latin typeface="Courier" charset="0"/>
+                <a:ea typeface="Courier" charset="0"/>
+                <a:cs typeface="Courier" charset="0"/>
+              </a:rPr>
+              <a:t>(</a:t>
+            </a:r>
+          </a:p>
+          <a:p>
+            <a:r>
+              <a:rPr lang="en-US" sz="1400" b="1" dirty="0">
+                <a:solidFill>
+                  <a:srgbClr val="000000"/>
+                </a:solidFill>
+                <a:latin typeface="Courier" charset="0"/>
+                <a:ea typeface="Courier" charset="0"/>
+                <a:cs typeface="Courier" charset="0"/>
+              </a:rPr>
+              <a:t>        choices=MEMBER_CHOICES,</a:t>
+            </a:r>
+          </a:p>
+          <a:p>
+            <a:r>
+              <a:rPr lang="en-US" sz="1400" b="1" dirty="0">
+                <a:solidFill>
+                  <a:srgbClr val="000000"/>
+                </a:solidFill>
+                <a:latin typeface="Courier" charset="0"/>
+                <a:ea typeface="Courier" charset="0"/>
+                <a:cs typeface="Courier" charset="0"/>
+              </a:rPr>
+              <a:t>        default=LEARNER,</a:t>
+            </a:r>
+          </a:p>
+          <a:p>
+            <a:r>
+              <a:rPr lang="mr-IN" sz="1400" b="1" dirty="0">
+                <a:solidFill>
+                  <a:srgbClr val="000000"/>
+                </a:solidFill>
+                <a:latin typeface="Courier" charset="0"/>
+                <a:ea typeface="Courier" charset="0"/>
+                <a:cs typeface="Courier" charset="0"/>
+              </a:rPr>
+              <a:t>    </a:t>
+            </a:r>
+            <a:r>
+              <a:rPr lang="mr-IN" sz="1400" b="1" dirty="0" smtClean="0">
+                <a:solidFill>
+                  <a:srgbClr val="000000"/>
+                </a:solidFill>
+                <a:latin typeface="Courier" charset="0"/>
+                <a:ea typeface="Courier" charset="0"/>
+                <a:cs typeface="Courier" charset="0"/>
+              </a:rPr>
+              <a:t>)</a:t>
+            </a:r>
+            <a:endParaRPr lang="en-US" sz="1400" b="1" dirty="0" smtClean="0">
+              <a:solidFill>
+                <a:srgbClr val="000000"/>
+              </a:solidFill>
+              <a:latin typeface="Courier" charset="0"/>
+              <a:ea typeface="Courier" charset="0"/>
+              <a:cs typeface="Courier" charset="0"/>
+            </a:endParaRPr>
+          </a:p>
+          <a:p>
+            <a:endParaRPr lang="en-US" sz="1400" b="1" dirty="0">
+              <a:solidFill>
+                <a:srgbClr val="000000"/>
+              </a:solidFill>
+              <a:latin typeface="Courier" charset="0"/>
+              <a:ea typeface="Courier" charset="0"/>
+              <a:cs typeface="Courier" charset="0"/>
+            </a:endParaRPr>
+          </a:p>
+          <a:p>
+            <a:r>
+              <a:rPr lang="en-US" sz="1400" b="1" dirty="0">
+                <a:solidFill>
+                  <a:srgbClr val="000000"/>
+                </a:solidFill>
+                <a:latin typeface="Courier" charset="0"/>
+                <a:ea typeface="Courier" charset="0"/>
+                <a:cs typeface="Courier" charset="0"/>
+              </a:rPr>
+              <a:t>    </a:t>
+            </a:r>
+            <a:r>
+              <a:rPr lang="en-US" sz="1400" b="1" dirty="0" err="1">
+                <a:solidFill>
+                  <a:srgbClr val="C1651C"/>
+                </a:solidFill>
+                <a:latin typeface="Courier" charset="0"/>
+                <a:ea typeface="Courier" charset="0"/>
+                <a:cs typeface="Courier" charset="0"/>
+              </a:rPr>
+              <a:t>def</a:t>
+            </a:r>
+            <a:r>
+              <a:rPr lang="en-US" sz="1400" b="1" dirty="0">
+                <a:solidFill>
+                  <a:srgbClr val="000000"/>
+                </a:solidFill>
+                <a:latin typeface="Courier" charset="0"/>
+                <a:ea typeface="Courier" charset="0"/>
+                <a:cs typeface="Courier" charset="0"/>
+              </a:rPr>
+              <a:t> </a:t>
+            </a:r>
+            <a:r>
+              <a:rPr lang="en-US" sz="1400" b="1" dirty="0">
+                <a:solidFill>
+                  <a:srgbClr val="2EAEBB"/>
+                </a:solidFill>
+                <a:latin typeface="Courier" charset="0"/>
+                <a:ea typeface="Courier" charset="0"/>
+                <a:cs typeface="Courier" charset="0"/>
+              </a:rPr>
+              <a:t>__</a:t>
+            </a:r>
+            <a:r>
+              <a:rPr lang="en-US" sz="1400" b="1" dirty="0" err="1">
+                <a:solidFill>
+                  <a:srgbClr val="2EAEBB"/>
+                </a:solidFill>
+                <a:latin typeface="Courier" charset="0"/>
+                <a:ea typeface="Courier" charset="0"/>
+                <a:cs typeface="Courier" charset="0"/>
+              </a:rPr>
+              <a:t>str</a:t>
+            </a:r>
+            <a:r>
+              <a:rPr lang="en-US" sz="1400" b="1" dirty="0">
+                <a:solidFill>
+                  <a:srgbClr val="2EAEBB"/>
+                </a:solidFill>
+                <a:latin typeface="Courier" charset="0"/>
+                <a:ea typeface="Courier" charset="0"/>
+                <a:cs typeface="Courier" charset="0"/>
+              </a:rPr>
+              <a:t>__</a:t>
+            </a:r>
+            <a:r>
+              <a:rPr lang="en-US" sz="1400" b="1" dirty="0">
+                <a:solidFill>
+                  <a:srgbClr val="000000"/>
+                </a:solidFill>
+                <a:latin typeface="Courier" charset="0"/>
+                <a:ea typeface="Courier" charset="0"/>
+                <a:cs typeface="Courier" charset="0"/>
+              </a:rPr>
+              <a:t>(self):</a:t>
+            </a:r>
+          </a:p>
+          <a:p>
+            <a:r>
+              <a:rPr lang="en-US" sz="1400" b="1" dirty="0">
+                <a:solidFill>
+                  <a:srgbClr val="000000"/>
+                </a:solidFill>
+                <a:latin typeface="Courier" charset="0"/>
+                <a:ea typeface="Courier" charset="0"/>
+                <a:cs typeface="Courier" charset="0"/>
+              </a:rPr>
+              <a:t>        </a:t>
+            </a:r>
+            <a:r>
+              <a:rPr lang="en-US" sz="1400" b="1" dirty="0">
+                <a:solidFill>
+                  <a:srgbClr val="C1651C"/>
+                </a:solidFill>
+                <a:latin typeface="Courier" charset="0"/>
+                <a:ea typeface="Courier" charset="0"/>
+                <a:cs typeface="Courier" charset="0"/>
+              </a:rPr>
+              <a:t>return</a:t>
+            </a:r>
+            <a:r>
+              <a:rPr lang="en-US" sz="1400" b="1" dirty="0">
+                <a:solidFill>
+                  <a:srgbClr val="000000"/>
+                </a:solidFill>
+                <a:latin typeface="Courier" charset="0"/>
+                <a:ea typeface="Courier" charset="0"/>
+                <a:cs typeface="Courier" charset="0"/>
+              </a:rPr>
+              <a:t> </a:t>
+            </a:r>
+            <a:r>
+              <a:rPr lang="en-US" sz="1400" b="1" dirty="0">
+                <a:solidFill>
+                  <a:srgbClr val="B42419"/>
+                </a:solidFill>
+                <a:latin typeface="Courier" charset="0"/>
+                <a:ea typeface="Courier" charset="0"/>
+                <a:cs typeface="Courier" charset="0"/>
+              </a:rPr>
+              <a:t>"Person "</a:t>
+            </a:r>
+            <a:r>
+              <a:rPr lang="en-US" sz="1400" b="1" dirty="0">
+                <a:solidFill>
+                  <a:srgbClr val="000000"/>
+                </a:solidFill>
+                <a:latin typeface="Courier" charset="0"/>
+                <a:ea typeface="Courier" charset="0"/>
+                <a:cs typeface="Courier" charset="0"/>
+              </a:rPr>
+              <a:t>+ </a:t>
+            </a:r>
+            <a:r>
+              <a:rPr lang="en-US" sz="1400" b="1" dirty="0" err="1">
+                <a:solidFill>
+                  <a:srgbClr val="2EAEBB"/>
+                </a:solidFill>
+                <a:latin typeface="Courier" charset="0"/>
+                <a:ea typeface="Courier" charset="0"/>
+                <a:cs typeface="Courier" charset="0"/>
+              </a:rPr>
+              <a:t>str</a:t>
+            </a:r>
+            <a:r>
+              <a:rPr lang="en-US" sz="1400" b="1" dirty="0">
+                <a:solidFill>
+                  <a:srgbClr val="000000"/>
+                </a:solidFill>
+                <a:latin typeface="Courier" charset="0"/>
+                <a:ea typeface="Courier" charset="0"/>
+                <a:cs typeface="Courier" charset="0"/>
+              </a:rPr>
+              <a:t>(</a:t>
+            </a:r>
+            <a:r>
+              <a:rPr lang="en-US" sz="1400" b="1" dirty="0" err="1">
+                <a:solidFill>
+                  <a:srgbClr val="000000"/>
+                </a:solidFill>
+                <a:latin typeface="Courier" charset="0"/>
+                <a:ea typeface="Courier" charset="0"/>
+                <a:cs typeface="Courier" charset="0"/>
+              </a:rPr>
+              <a:t>self.person.id</a:t>
+            </a:r>
+            <a:r>
+              <a:rPr lang="en-US" sz="1400" b="1" dirty="0">
+                <a:solidFill>
+                  <a:srgbClr val="000000"/>
+                </a:solidFill>
+                <a:latin typeface="Courier" charset="0"/>
+                <a:ea typeface="Courier" charset="0"/>
+                <a:cs typeface="Courier" charset="0"/>
+              </a:rPr>
+              <a:t>) + </a:t>
+            </a:r>
+            <a:r>
+              <a:rPr lang="en-US" sz="1400" b="1" dirty="0">
+                <a:solidFill>
+                  <a:srgbClr val="B42419"/>
+                </a:solidFill>
+                <a:latin typeface="Courier" charset="0"/>
+                <a:ea typeface="Courier" charset="0"/>
+                <a:cs typeface="Courier" charset="0"/>
+              </a:rPr>
+              <a:t>" &lt;--&gt; Course "</a:t>
+            </a:r>
+            <a:r>
+              <a:rPr lang="en-US" sz="1400" b="1" dirty="0">
+                <a:solidFill>
+                  <a:srgbClr val="000000"/>
+                </a:solidFill>
+                <a:latin typeface="Courier" charset="0"/>
+                <a:ea typeface="Courier" charset="0"/>
+                <a:cs typeface="Courier" charset="0"/>
+              </a:rPr>
+              <a:t> + </a:t>
+            </a:r>
+            <a:r>
+              <a:rPr lang="en-US" sz="1400" b="1" dirty="0" err="1">
+                <a:solidFill>
+                  <a:srgbClr val="2EAEBB"/>
+                </a:solidFill>
+                <a:latin typeface="Courier" charset="0"/>
+                <a:ea typeface="Courier" charset="0"/>
+                <a:cs typeface="Courier" charset="0"/>
+              </a:rPr>
+              <a:t>str</a:t>
+            </a:r>
+            <a:r>
+              <a:rPr lang="en-US" sz="1400" b="1" dirty="0">
+                <a:solidFill>
+                  <a:srgbClr val="000000"/>
+                </a:solidFill>
+                <a:latin typeface="Courier" charset="0"/>
+                <a:ea typeface="Courier" charset="0"/>
+                <a:cs typeface="Courier" charset="0"/>
+              </a:rPr>
+              <a:t>(</a:t>
+            </a:r>
+            <a:r>
+              <a:rPr lang="en-US" sz="1400" b="1" dirty="0" err="1">
+                <a:solidFill>
+                  <a:srgbClr val="000000"/>
+                </a:solidFill>
+                <a:latin typeface="Courier" charset="0"/>
+                <a:ea typeface="Courier" charset="0"/>
+                <a:cs typeface="Courier" charset="0"/>
+              </a:rPr>
+              <a:t>self.course.id</a:t>
+            </a:r>
+            <a:r>
+              <a:rPr lang="en-US" sz="1400" b="1" dirty="0">
+                <a:solidFill>
+                  <a:srgbClr val="000000"/>
+                </a:solidFill>
+                <a:latin typeface="Courier" charset="0"/>
+                <a:ea typeface="Courier" charset="0"/>
+                <a:cs typeface="Courier" charset="0"/>
+              </a:rPr>
+              <a:t>)</a:t>
+            </a:r>
+            <a:endParaRPr lang="en-US" sz="1400" b="1" dirty="0">
+              <a:latin typeface="Courier" charset="0"/>
+              <a:ea typeface="Courier" charset="0"/>
+              <a:cs typeface="Courier" charset="0"/>
+            </a:endParaRPr>
+          </a:p>
+        </p:txBody>
+      </p:sp>
     </p:spTree>
     <p:extLst>
       <p:ext uri="{BB962C8B-B14F-4D97-AF65-F5344CB8AC3E}">
-        <p14:creationId xmlns:p14="http://schemas.microsoft.com/office/powerpoint/2010/main" val="996938162"/>
+        <p14:creationId xmlns:p14="http://schemas.microsoft.com/office/powerpoint/2010/main" val="456202797"/>
       </p:ext>
     </p:extLst>
   </p:cSld>
   <p:clrMapOvr>
     <a:masterClrMapping/>
   </p:clrMapOvr>
-  <mc:AlternateContent xmlns:mc="http://schemas.openxmlformats.org/markup-compatibility/2006" xmlns:p14="http://schemas.microsoft.com/office/powerpoint/2010/main">
-    <mc:Choice Requires="p14">
-      <p:transition spd="slow" p14:dur="2000"/>
-    </mc:Choice>
-    <mc:Fallback xmlns="">
-      <p:transition spd="slow"/>
-    </mc:Fallback>
-  </mc:AlternateContent>
   <p:timing>
     <p:tnLst>
       <p:par>
@@ -22565,16 +22570,7 @@
                 </a:solidFill>
                 <a:latin typeface="Menlo-Regular" charset="0"/>
               </a:rPr>
-              <a:t>p</a:t>
-            </a:r>
-            <a:r>
-              <a:rPr lang="en-US" dirty="0" err="1" smtClean="0">
-                <a:solidFill>
-                  <a:srgbClr val="FF7F00"/>
-                </a:solidFill>
-                <a:latin typeface="Menlo-Regular" charset="0"/>
-              </a:rPr>
-              <a:t>.save</a:t>
+              <a:t>p.save</a:t>
             </a:r>
             <a:r>
               <a:rPr lang="en-US" dirty="0" smtClean="0">
@@ -22650,16 +22646,7 @@
                 </a:solidFill>
                 <a:latin typeface="Menlo-Regular" charset="0"/>
               </a:rPr>
-              <a:t>c</a:t>
-            </a:r>
-            <a:r>
-              <a:rPr lang="en-US" dirty="0" err="1" smtClean="0">
-                <a:solidFill>
-                  <a:srgbClr val="FF7F00"/>
-                </a:solidFill>
-                <a:latin typeface="Menlo-Regular" charset="0"/>
-              </a:rPr>
-              <a:t>.save</a:t>
+              <a:t>c.save</a:t>
             </a:r>
             <a:r>
               <a:rPr lang="en-US" dirty="0" smtClean="0">
@@ -31802,6 +31789,13 @@
   <p:clrMapOvr>
     <a:masterClrMapping/>
   </p:clrMapOvr>
+  <p:timing>
+    <p:tnLst>
+      <p:par>
+        <p:cTn id="1" dur="indefinite" restart="never" nodeType="tmRoot"/>
+      </p:par>
+    </p:tnLst>
+  </p:timing>
 </p:sld>
 </file>
 
@@ -32707,6 +32701,13 @@
   <p:clrMapOvr>
     <a:masterClrMapping/>
   </p:clrMapOvr>
+  <p:timing>
+    <p:tnLst>
+      <p:par>
+        <p:cTn id="1" dur="indefinite" restart="never" nodeType="tmRoot"/>
+      </p:par>
+    </p:tnLst>
+  </p:timing>
 </p:sld>
 </file>
 
@@ -33332,10 +33333,10 @@
           <a:lstStyle/>
           <a:p>
             <a:r>
-              <a:rPr lang="en-US" smtClean="0"/>
-              <a:t>One-To-One?</a:t>
-            </a:r>
-            <a:endParaRPr lang="en-US"/>
+              <a:rPr lang="en-US" dirty="0" smtClean="0"/>
+              <a:t>One-To-Many?</a:t>
+            </a:r>
+            <a:endParaRPr lang="en-US" dirty="0"/>
           </a:p>
         </p:txBody>
       </p:sp>

--- a/lectures/DJ-04-Many-To-Many.pptx
+++ b/lectures/DJ-04-Many-To-Many.pptx
@@ -231,7 +231,7 @@
           <a:p>
             <a:fld id="{C97B56FC-7D2E-F343-9D09-0D14B00AA564}" type="datetimeFigureOut">
               <a:rPr lang="en-US" smtClean="0"/>
-              <a:t>9/19/19</a:t>
+              <a:t>9/20/19</a:t>
             </a:fld>
             <a:endParaRPr lang="en-US"/>
           </a:p>
@@ -2247,7 +2247,7 @@
           <a:p>
             <a:fld id="{EEE7C04C-7AF8-1445-A186-502B631B934F}" type="datetimeFigureOut">
               <a:rPr lang="en-US" smtClean="0"/>
-              <a:t>9/19/19</a:t>
+              <a:t>9/20/19</a:t>
             </a:fld>
             <a:endParaRPr lang="en-US"/>
           </a:p>
@@ -2412,7 +2412,7 @@
           <a:p>
             <a:fld id="{EEE7C04C-7AF8-1445-A186-502B631B934F}" type="datetimeFigureOut">
               <a:rPr lang="en-US" smtClean="0"/>
-              <a:t>9/19/19</a:t>
+              <a:t>9/20/19</a:t>
             </a:fld>
             <a:endParaRPr lang="en-US"/>
           </a:p>
@@ -2587,7 +2587,7 @@
           <a:p>
             <a:fld id="{EEE7C04C-7AF8-1445-A186-502B631B934F}" type="datetimeFigureOut">
               <a:rPr lang="en-US" smtClean="0"/>
-              <a:t>9/19/19</a:t>
+              <a:t>9/20/19</a:t>
             </a:fld>
             <a:endParaRPr lang="en-US"/>
           </a:p>
@@ -2752,7 +2752,7 @@
           <a:p>
             <a:fld id="{EEE7C04C-7AF8-1445-A186-502B631B934F}" type="datetimeFigureOut">
               <a:rPr lang="en-US" smtClean="0"/>
-              <a:t>9/19/19</a:t>
+              <a:t>9/20/19</a:t>
             </a:fld>
             <a:endParaRPr lang="en-US"/>
           </a:p>
@@ -2993,7 +2993,7 @@
           <a:p>
             <a:fld id="{EEE7C04C-7AF8-1445-A186-502B631B934F}" type="datetimeFigureOut">
               <a:rPr lang="en-US" smtClean="0"/>
-              <a:t>9/19/19</a:t>
+              <a:t>9/20/19</a:t>
             </a:fld>
             <a:endParaRPr lang="en-US"/>
           </a:p>
@@ -3220,7 +3220,7 @@
           <a:p>
             <a:fld id="{EEE7C04C-7AF8-1445-A186-502B631B934F}" type="datetimeFigureOut">
               <a:rPr lang="en-US" smtClean="0"/>
-              <a:t>9/19/19</a:t>
+              <a:t>9/20/19</a:t>
             </a:fld>
             <a:endParaRPr lang="en-US"/>
           </a:p>
@@ -3582,7 +3582,7 @@
           <a:p>
             <a:fld id="{EEE7C04C-7AF8-1445-A186-502B631B934F}" type="datetimeFigureOut">
               <a:rPr lang="en-US" smtClean="0"/>
-              <a:t>9/19/19</a:t>
+              <a:t>9/20/19</a:t>
             </a:fld>
             <a:endParaRPr lang="en-US"/>
           </a:p>
@@ -3695,7 +3695,7 @@
           <a:p>
             <a:fld id="{EEE7C04C-7AF8-1445-A186-502B631B934F}" type="datetimeFigureOut">
               <a:rPr lang="en-US" smtClean="0"/>
-              <a:t>9/19/19</a:t>
+              <a:t>9/20/19</a:t>
             </a:fld>
             <a:endParaRPr lang="en-US"/>
           </a:p>
@@ -3785,7 +3785,7 @@
           <a:p>
             <a:fld id="{EEE7C04C-7AF8-1445-A186-502B631B934F}" type="datetimeFigureOut">
               <a:rPr lang="en-US" smtClean="0"/>
-              <a:t>9/19/19</a:t>
+              <a:t>9/20/19</a:t>
             </a:fld>
             <a:endParaRPr lang="en-US"/>
           </a:p>
@@ -4057,7 +4057,7 @@
           <a:p>
             <a:fld id="{EEE7C04C-7AF8-1445-A186-502B631B934F}" type="datetimeFigureOut">
               <a:rPr lang="en-US" smtClean="0"/>
-              <a:t>9/19/19</a:t>
+              <a:t>9/20/19</a:t>
             </a:fld>
             <a:endParaRPr lang="en-US"/>
           </a:p>
@@ -4309,7 +4309,7 @@
           <a:p>
             <a:fld id="{EEE7C04C-7AF8-1445-A186-502B631B934F}" type="datetimeFigureOut">
               <a:rPr lang="en-US" smtClean="0"/>
-              <a:t>9/19/19</a:t>
+              <a:t>9/20/19</a:t>
             </a:fld>
             <a:endParaRPr lang="en-US"/>
           </a:p>
@@ -4517,7 +4517,7 @@
           <a:p>
             <a:fld id="{EEE7C04C-7AF8-1445-A186-502B631B934F}" type="datetimeFigureOut">
               <a:rPr lang="en-US" smtClean="0"/>
-              <a:t>9/19/19</a:t>
+              <a:t>9/20/19</a:t>
             </a:fld>
             <a:endParaRPr lang="en-US"/>
           </a:p>
@@ -4935,10 +4935,10 @@
           <p:cNvPr id="10" name="Rectangle 9">
             <a:extLst>
               <a:ext uri="{FF2B5EF4-FFF2-40B4-BE49-F238E27FC236}">
-                <a16:creationId xmlns="" xmlns:a16="http://schemas.microsoft.com/office/drawing/2014/main" id="{E20EB187-900F-4AF5-813B-101456D9FD39}"/>
+                <a16:creationId xmlns:a16="http://schemas.microsoft.com/office/drawing/2014/main" xmlns="" id="{E20EB187-900F-4AF5-813B-101456D9FD39}"/>
               </a:ext>
               <a:ext uri="{C183D7F6-B498-43B3-948B-1728B52AA6E4}">
-                <adec:decorative xmlns="" xmlns:adec="http://schemas.microsoft.com/office/drawing/2017/decorative" val="1"/>
+                <adec:decorative xmlns:adec="http://schemas.microsoft.com/office/drawing/2017/decorative" xmlns="" val="1"/>
               </a:ext>
             </a:extLst>
           </p:cNvPr>
@@ -5089,10 +5089,10 @@
           <p:cNvPr id="12" name="Straight Connector 11">
             <a:extLst>
               <a:ext uri="{FF2B5EF4-FFF2-40B4-BE49-F238E27FC236}">
-                <a16:creationId xmlns="" xmlns:a16="http://schemas.microsoft.com/office/drawing/2014/main" id="{624D17C8-E9C2-48A4-AA36-D7048A6CCC41}"/>
+                <a16:creationId xmlns:a16="http://schemas.microsoft.com/office/drawing/2014/main" xmlns="" id="{624D17C8-E9C2-48A4-AA36-D7048A6CCC41}"/>
               </a:ext>
               <a:ext uri="{C183D7F6-B498-43B3-948B-1728B52AA6E4}">
-                <adec:decorative xmlns="" xmlns:adec="http://schemas.microsoft.com/office/drawing/2017/decorative" val="1"/>
+                <adec:decorative xmlns:adec="http://schemas.microsoft.com/office/drawing/2017/decorative" xmlns="" val="1"/>
               </a:ext>
             </a:extLst>
           </p:cNvPr>
@@ -19207,7 +19207,7 @@
             <a:pPr algn="ctr"/>
             <a:r>
               <a:rPr lang="en-US" dirty="0" err="1" smtClean="0"/>
-              <a:t>model.py</a:t>
+              <a:t>models.py</a:t>
             </a:r>
             <a:endParaRPr lang="en-US" dirty="0"/>
           </a:p>
@@ -19968,7 +19968,7 @@
         <p:spPr>
           <a:xfrm>
             <a:off x="1667602" y="728663"/>
-            <a:ext cx="7220246" cy="4031873"/>
+            <a:ext cx="7220246" cy="2800767"/>
           </a:xfrm>
           <a:prstGeom prst="rect">
             <a:avLst/>
@@ -20347,24 +20347,57 @@
             <a:r>
               <a:rPr lang="en-US" sz="1600" b="1" dirty="0">
                 <a:solidFill>
+                  <a:srgbClr val="C1651C"/>
+                </a:solidFill>
+                <a:latin typeface="Courier" charset="0"/>
+                <a:ea typeface="Courier" charset="0"/>
+                <a:cs typeface="Courier" charset="0"/>
+              </a:rPr>
+              <a:t>class</a:t>
+            </a:r>
+            <a:r>
+              <a:rPr lang="en-US" sz="1600" b="1" dirty="0">
+                <a:solidFill>
                   <a:srgbClr val="000000"/>
                 </a:solidFill>
                 <a:latin typeface="Courier" charset="0"/>
                 <a:ea typeface="Courier" charset="0"/>
                 <a:cs typeface="Courier" charset="0"/>
               </a:rPr>
-              <a:t>    </a:t>
+              <a:t> </a:t>
+            </a:r>
+            <a:r>
+              <a:rPr lang="en-US" sz="1600" b="1" dirty="0">
+                <a:solidFill>
+                  <a:srgbClr val="2EAEBB"/>
+                </a:solidFill>
+                <a:latin typeface="Courier" charset="0"/>
+                <a:ea typeface="Courier" charset="0"/>
+                <a:cs typeface="Courier" charset="0"/>
+              </a:rPr>
+              <a:t>Course</a:t>
+            </a:r>
+            <a:r>
+              <a:rPr lang="en-US" sz="1600" b="1" dirty="0">
+                <a:solidFill>
+                  <a:srgbClr val="000000"/>
+                </a:solidFill>
+                <a:latin typeface="Courier" charset="0"/>
+                <a:ea typeface="Courier" charset="0"/>
+                <a:cs typeface="Courier" charset="0"/>
+              </a:rPr>
+              <a:t>(</a:t>
             </a:r>
             <a:r>
               <a:rPr lang="en-US" sz="1600" b="1" dirty="0" err="1">
                 <a:solidFill>
-                  <a:srgbClr val="C1651C"/>
-                </a:solidFill>
-                <a:latin typeface="Courier" charset="0"/>
-                <a:ea typeface="Courier" charset="0"/>
-                <a:cs typeface="Courier" charset="0"/>
-              </a:rPr>
-              <a:t>def</a:t>
+                  <a:srgbClr val="000000"/>
+                </a:solidFill>
+                <a:latin typeface="Courier" charset="0"/>
+                <a:ea typeface="Courier" charset="0"/>
+                <a:cs typeface="Courier" charset="0"/>
+              </a:rPr>
+              <a:t>models.Model</a:t>
             </a:r>
             <a:r>
               <a:rPr lang="en-US" sz="1600" b="1" dirty="0">
@@ -20375,56 +20408,146 @@
                 <a:ea typeface="Courier" charset="0"/>
                 <a:cs typeface="Courier" charset="0"/>
               </a:rPr>
+              <a:t>):</a:t>
+            </a:r>
+          </a:p>
+          <a:p>
+            <a:r>
+              <a:rPr lang="en-US" sz="1600" b="1" dirty="0">
+                <a:solidFill>
+                  <a:srgbClr val="000000"/>
+                </a:solidFill>
+                <a:latin typeface="Courier" charset="0"/>
+                <a:ea typeface="Courier" charset="0"/>
+                <a:cs typeface="Courier" charset="0"/>
+              </a:rPr>
+              <a:t>    title = </a:t>
+            </a:r>
+            <a:r>
+              <a:rPr lang="en-US" sz="1600" b="1" dirty="0" err="1">
+                <a:solidFill>
+                  <a:srgbClr val="000000"/>
+                </a:solidFill>
+                <a:latin typeface="Courier" charset="0"/>
+                <a:ea typeface="Courier" charset="0"/>
+                <a:cs typeface="Courier" charset="0"/>
+              </a:rPr>
+              <a:t>models.CharField</a:t>
+            </a:r>
+            <a:r>
+              <a:rPr lang="en-US" sz="1600" b="1" dirty="0">
+                <a:solidFill>
+                  <a:srgbClr val="000000"/>
+                </a:solidFill>
+                <a:latin typeface="Courier" charset="0"/>
+                <a:ea typeface="Courier" charset="0"/>
+                <a:cs typeface="Courier" charset="0"/>
+              </a:rPr>
+              <a:t>(</a:t>
+            </a:r>
+            <a:r>
+              <a:rPr lang="en-US" sz="1600" b="1" dirty="0" err="1">
+                <a:solidFill>
+                  <a:srgbClr val="000000"/>
+                </a:solidFill>
+                <a:latin typeface="Courier" charset="0"/>
+                <a:ea typeface="Courier" charset="0"/>
+                <a:cs typeface="Courier" charset="0"/>
+              </a:rPr>
+              <a:t>max_length</a:t>
+            </a:r>
+            <a:r>
+              <a:rPr lang="en-US" sz="1600" b="1" dirty="0">
+                <a:solidFill>
+                  <a:srgbClr val="000000"/>
+                </a:solidFill>
+                <a:latin typeface="Courier" charset="0"/>
+                <a:ea typeface="Courier" charset="0"/>
+                <a:cs typeface="Courier" charset="0"/>
+              </a:rPr>
+              <a:t>=</a:t>
+            </a:r>
+            <a:r>
+              <a:rPr lang="en-US" sz="1600" b="1" dirty="0">
+                <a:solidFill>
+                  <a:srgbClr val="B42419"/>
+                </a:solidFill>
+                <a:latin typeface="Courier" charset="0"/>
+                <a:ea typeface="Courier" charset="0"/>
+                <a:cs typeface="Courier" charset="0"/>
+              </a:rPr>
+              <a:t>128</a:t>
+            </a:r>
+            <a:r>
+              <a:rPr lang="en-US" sz="1600" b="1" dirty="0">
+                <a:solidFill>
+                  <a:srgbClr val="000000"/>
+                </a:solidFill>
+                <a:latin typeface="Courier" charset="0"/>
+                <a:ea typeface="Courier" charset="0"/>
+                <a:cs typeface="Courier" charset="0"/>
+              </a:rPr>
+              <a:t>, unique=</a:t>
+            </a:r>
+            <a:r>
+              <a:rPr lang="en-US" sz="1600" b="1" dirty="0">
+                <a:solidFill>
+                  <a:srgbClr val="2EAEBB"/>
+                </a:solidFill>
+                <a:latin typeface="Courier" charset="0"/>
+                <a:ea typeface="Courier" charset="0"/>
+                <a:cs typeface="Courier" charset="0"/>
+              </a:rPr>
+              <a:t>True</a:t>
+            </a:r>
+            <a:r>
+              <a:rPr lang="en-US" sz="1600" b="1" dirty="0">
+                <a:solidFill>
+                  <a:srgbClr val="000000"/>
+                </a:solidFill>
+                <a:latin typeface="Courier" charset="0"/>
+                <a:ea typeface="Courier" charset="0"/>
+                <a:cs typeface="Courier" charset="0"/>
+              </a:rPr>
+              <a:t>)</a:t>
+            </a:r>
+          </a:p>
+          <a:p>
+            <a:r>
+              <a:rPr lang="en-US" sz="1600" b="1" dirty="0">
+                <a:solidFill>
+                  <a:srgbClr val="000000"/>
+                </a:solidFill>
+                <a:latin typeface="Courier" charset="0"/>
+                <a:ea typeface="Courier" charset="0"/>
+                <a:cs typeface="Courier" charset="0"/>
+              </a:rPr>
               <a:t> </a:t>
             </a:r>
             <a:r>
+              <a:rPr lang="en-US" sz="1600" b="1" dirty="0" smtClean="0">
+                <a:solidFill>
+                  <a:srgbClr val="000000"/>
+                </a:solidFill>
+                <a:latin typeface="Courier" charset="0"/>
+                <a:ea typeface="Courier" charset="0"/>
+                <a:cs typeface="Courier" charset="0"/>
+              </a:rPr>
+              <a:t>   members </a:t>
+            </a:r>
+            <a:r>
               <a:rPr lang="en-US" sz="1600" b="1" dirty="0">
                 <a:solidFill>
-                  <a:srgbClr val="2EAEBB"/>
-                </a:solidFill>
-                <a:latin typeface="Courier" charset="0"/>
-                <a:ea typeface="Courier" charset="0"/>
-                <a:cs typeface="Courier" charset="0"/>
-              </a:rPr>
-              <a:t>__</a:t>
-            </a:r>
-            <a:r>
-              <a:rPr lang="en-US" sz="1600" b="1" dirty="0" err="1">
-                <a:solidFill>
-                  <a:srgbClr val="2EAEBB"/>
-                </a:solidFill>
-                <a:latin typeface="Courier" charset="0"/>
-                <a:ea typeface="Courier" charset="0"/>
-                <a:cs typeface="Courier" charset="0"/>
-              </a:rPr>
-              <a:t>str</a:t>
-            </a:r>
-            <a:r>
-              <a:rPr lang="en-US" sz="1600" b="1" dirty="0">
-                <a:solidFill>
-                  <a:srgbClr val="2EAEBB"/>
-                </a:solidFill>
-                <a:latin typeface="Courier" charset="0"/>
-                <a:ea typeface="Courier" charset="0"/>
-                <a:cs typeface="Courier" charset="0"/>
-              </a:rPr>
-              <a:t>__</a:t>
-            </a:r>
-            <a:r>
-              <a:rPr lang="en-US" sz="1600" b="1" dirty="0">
-                <a:solidFill>
                   <a:srgbClr val="000000"/>
                 </a:solidFill>
                 <a:latin typeface="Courier" charset="0"/>
                 <a:ea typeface="Courier" charset="0"/>
                 <a:cs typeface="Courier" charset="0"/>
               </a:rPr>
-              <a:t>(self):</a:t>
-            </a:r>
-          </a:p>
-          <a:p>
-            <a:r>
-              <a:rPr lang="en-US" sz="1600" b="1" dirty="0">
+              <a:t>= </a:t>
+            </a:r>
+            <a:r>
+              <a:rPr lang="en-US" sz="1600" b="1" dirty="0" err="1" smtClean="0">
                 <a:solidFill>
                   <a:srgbClr val="000000"/>
                 </a:solidFill>
@@ -20432,21 +20555,10 @@
                 <a:ea typeface="Courier" charset="0"/>
                 <a:cs typeface="Courier" charset="0"/>
               </a:rPr>
-              <a:t>        </a:t>
-            </a:r>
-            <a:r>
-              <a:rPr lang="en-US" sz="1600" b="1" dirty="0">
-                <a:solidFill>
-                  <a:srgbClr val="C1651C"/>
-                </a:solidFill>
-                <a:latin typeface="Courier" charset="0"/>
-                <a:ea typeface="Courier" charset="0"/>
-                <a:cs typeface="Courier" charset="0"/>
-              </a:rPr>
-              <a:t>return</a:t>
-            </a:r>
-            <a:r>
-              <a:rPr lang="en-US" sz="1600" b="1" dirty="0">
+              <a:t>models.ManyToManyField</a:t>
+            </a:r>
+            <a:r>
+              <a:rPr lang="en-US" sz="1600" b="1" dirty="0" smtClean="0">
                 <a:solidFill>
                   <a:srgbClr val="000000"/>
                 </a:solidFill>
@@ -20454,18 +20566,7 @@
                 <a:ea typeface="Courier" charset="0"/>
                 <a:cs typeface="Courier" charset="0"/>
               </a:rPr>
-              <a:t> </a:t>
-            </a:r>
-            <a:r>
-              <a:rPr lang="en-US" sz="1600" b="1" dirty="0" err="1">
-                <a:solidFill>
-                  <a:srgbClr val="000000"/>
-                </a:solidFill>
-                <a:latin typeface="Courier" charset="0"/>
-                <a:ea typeface="Courier" charset="0"/>
-                <a:cs typeface="Courier" charset="0"/>
-              </a:rPr>
-              <a:t>self.email</a:t>
+              <a:t>(Person, </a:t>
             </a:r>
             <a:endParaRPr lang="en-US" sz="1600" b="1" dirty="0">
               <a:solidFill>
@@ -20477,466 +20578,100 @@
             </a:endParaRPr>
           </a:p>
           <a:p>
-            <a:endParaRPr lang="en-US" sz="1600" b="1" dirty="0">
+            <a:r>
+              <a:rPr lang="en-US" sz="1600" b="1" dirty="0">
+                <a:solidFill>
+                  <a:srgbClr val="000000"/>
+                </a:solidFill>
+                <a:latin typeface="Courier" charset="0"/>
+                <a:ea typeface="Courier" charset="0"/>
+                <a:cs typeface="Courier" charset="0"/>
+              </a:rPr>
+              <a:t>            through=</a:t>
+            </a:r>
+            <a:r>
+              <a:rPr lang="en-US" sz="1600" b="1" dirty="0">
+                <a:solidFill>
+                  <a:srgbClr val="B42419"/>
+                </a:solidFill>
+                <a:latin typeface="Courier" charset="0"/>
+                <a:ea typeface="Courier" charset="0"/>
+                <a:cs typeface="Courier" charset="0"/>
+              </a:rPr>
+              <a:t>'Membership'</a:t>
+            </a:r>
+            <a:r>
+              <a:rPr lang="en-US" sz="1600" b="1" dirty="0">
+                <a:solidFill>
+                  <a:srgbClr val="000000"/>
+                </a:solidFill>
+                <a:latin typeface="Courier" charset="0"/>
+                <a:ea typeface="Courier" charset="0"/>
+                <a:cs typeface="Courier" charset="0"/>
+              </a:rPr>
+              <a:t>, </a:t>
+            </a:r>
+            <a:r>
+              <a:rPr lang="en-US" sz="1600" b="1" dirty="0" err="1">
+                <a:solidFill>
+                  <a:srgbClr val="000000"/>
+                </a:solidFill>
+                <a:latin typeface="Courier" charset="0"/>
+                <a:ea typeface="Courier" charset="0"/>
+                <a:cs typeface="Courier" charset="0"/>
+              </a:rPr>
+              <a:t>related_name</a:t>
+            </a:r>
+            <a:r>
+              <a:rPr lang="en-US" sz="1600" b="1" dirty="0">
+                <a:solidFill>
+                  <a:srgbClr val="000000"/>
+                </a:solidFill>
+                <a:latin typeface="Courier" charset="0"/>
+                <a:ea typeface="Courier" charset="0"/>
+                <a:cs typeface="Courier" charset="0"/>
+              </a:rPr>
+              <a:t>=</a:t>
+            </a:r>
+            <a:r>
+              <a:rPr lang="en-US" sz="1600" b="1" dirty="0">
+                <a:solidFill>
+                  <a:srgbClr val="B42419"/>
+                </a:solidFill>
+                <a:latin typeface="Courier" charset="0"/>
+                <a:ea typeface="Courier" charset="0"/>
+                <a:cs typeface="Courier" charset="0"/>
+              </a:rPr>
+              <a:t>'courses</a:t>
+            </a:r>
+            <a:r>
+              <a:rPr lang="en-US" sz="1600" b="1" dirty="0" smtClean="0">
+                <a:solidFill>
+                  <a:srgbClr val="B42419"/>
+                </a:solidFill>
+                <a:latin typeface="Courier" charset="0"/>
+                <a:ea typeface="Courier" charset="0"/>
+                <a:cs typeface="Courier" charset="0"/>
+              </a:rPr>
+              <a:t>'</a:t>
+            </a:r>
+            <a:r>
+              <a:rPr lang="en-US" sz="1600" b="1" dirty="0" smtClean="0">
+                <a:solidFill>
+                  <a:srgbClr val="000000"/>
+                </a:solidFill>
+                <a:latin typeface="Courier" charset="0"/>
+                <a:ea typeface="Courier" charset="0"/>
+                <a:cs typeface="Courier" charset="0"/>
+              </a:rPr>
+              <a:t>)</a:t>
+            </a:r>
+          </a:p>
+          <a:p>
+            <a:endParaRPr lang="en-US" sz="1600" b="1" dirty="0" smtClean="0">
               <a:solidFill>
                 <a:srgbClr val="000000"/>
               </a:solidFill>
-              <a:latin typeface="Courier" charset="0"/>
-              <a:ea typeface="Courier" charset="0"/>
-              <a:cs typeface="Courier" charset="0"/>
-            </a:endParaRPr>
-          </a:p>
-          <a:p>
-            <a:r>
-              <a:rPr lang="en-US" sz="1600" b="1" dirty="0">
-                <a:solidFill>
-                  <a:srgbClr val="C1651C"/>
-                </a:solidFill>
-                <a:latin typeface="Courier" charset="0"/>
-                <a:ea typeface="Courier" charset="0"/>
-                <a:cs typeface="Courier" charset="0"/>
-              </a:rPr>
-              <a:t>class</a:t>
-            </a:r>
-            <a:r>
-              <a:rPr lang="en-US" sz="1600" b="1" dirty="0">
-                <a:solidFill>
-                  <a:srgbClr val="000000"/>
-                </a:solidFill>
-                <a:latin typeface="Courier" charset="0"/>
-                <a:ea typeface="Courier" charset="0"/>
-                <a:cs typeface="Courier" charset="0"/>
-              </a:rPr>
-              <a:t> </a:t>
-            </a:r>
-            <a:r>
-              <a:rPr lang="en-US" sz="1600" b="1" dirty="0">
-                <a:solidFill>
-                  <a:srgbClr val="2EAEBB"/>
-                </a:solidFill>
-                <a:latin typeface="Courier" charset="0"/>
-                <a:ea typeface="Courier" charset="0"/>
-                <a:cs typeface="Courier" charset="0"/>
-              </a:rPr>
-              <a:t>Course</a:t>
-            </a:r>
-            <a:r>
-              <a:rPr lang="en-US" sz="1600" b="1" dirty="0">
-                <a:solidFill>
-                  <a:srgbClr val="000000"/>
-                </a:solidFill>
-                <a:latin typeface="Courier" charset="0"/>
-                <a:ea typeface="Courier" charset="0"/>
-                <a:cs typeface="Courier" charset="0"/>
-              </a:rPr>
-              <a:t>(</a:t>
-            </a:r>
-            <a:r>
-              <a:rPr lang="en-US" sz="1600" b="1" dirty="0" err="1">
-                <a:solidFill>
-                  <a:srgbClr val="000000"/>
-                </a:solidFill>
-                <a:latin typeface="Courier" charset="0"/>
-                <a:ea typeface="Courier" charset="0"/>
-                <a:cs typeface="Courier" charset="0"/>
-              </a:rPr>
-              <a:t>models.Model</a:t>
-            </a:r>
-            <a:r>
-              <a:rPr lang="en-US" sz="1600" b="1" dirty="0">
-                <a:solidFill>
-                  <a:srgbClr val="000000"/>
-                </a:solidFill>
-                <a:latin typeface="Courier" charset="0"/>
-                <a:ea typeface="Courier" charset="0"/>
-                <a:cs typeface="Courier" charset="0"/>
-              </a:rPr>
-              <a:t>):</a:t>
-            </a:r>
-          </a:p>
-          <a:p>
-            <a:r>
-              <a:rPr lang="en-US" sz="1600" b="1" dirty="0">
-                <a:solidFill>
-                  <a:srgbClr val="000000"/>
-                </a:solidFill>
-                <a:latin typeface="Courier" charset="0"/>
-                <a:ea typeface="Courier" charset="0"/>
-                <a:cs typeface="Courier" charset="0"/>
-              </a:rPr>
-              <a:t>    title = </a:t>
-            </a:r>
-            <a:r>
-              <a:rPr lang="en-US" sz="1600" b="1" dirty="0" err="1">
-                <a:solidFill>
-                  <a:srgbClr val="000000"/>
-                </a:solidFill>
-                <a:latin typeface="Courier" charset="0"/>
-                <a:ea typeface="Courier" charset="0"/>
-                <a:cs typeface="Courier" charset="0"/>
-              </a:rPr>
-              <a:t>models.CharField</a:t>
-            </a:r>
-            <a:r>
-              <a:rPr lang="en-US" sz="1600" b="1" dirty="0">
-                <a:solidFill>
-                  <a:srgbClr val="000000"/>
-                </a:solidFill>
-                <a:latin typeface="Courier" charset="0"/>
-                <a:ea typeface="Courier" charset="0"/>
-                <a:cs typeface="Courier" charset="0"/>
-              </a:rPr>
-              <a:t>(</a:t>
-            </a:r>
-            <a:r>
-              <a:rPr lang="en-US" sz="1600" b="1" dirty="0" err="1">
-                <a:solidFill>
-                  <a:srgbClr val="000000"/>
-                </a:solidFill>
-                <a:latin typeface="Courier" charset="0"/>
-                <a:ea typeface="Courier" charset="0"/>
-                <a:cs typeface="Courier" charset="0"/>
-              </a:rPr>
-              <a:t>max_length</a:t>
-            </a:r>
-            <a:r>
-              <a:rPr lang="en-US" sz="1600" b="1" dirty="0">
-                <a:solidFill>
-                  <a:srgbClr val="000000"/>
-                </a:solidFill>
-                <a:latin typeface="Courier" charset="0"/>
-                <a:ea typeface="Courier" charset="0"/>
-                <a:cs typeface="Courier" charset="0"/>
-              </a:rPr>
-              <a:t>=</a:t>
-            </a:r>
-            <a:r>
-              <a:rPr lang="en-US" sz="1600" b="1" dirty="0">
-                <a:solidFill>
-                  <a:srgbClr val="B42419"/>
-                </a:solidFill>
-                <a:latin typeface="Courier" charset="0"/>
-                <a:ea typeface="Courier" charset="0"/>
-                <a:cs typeface="Courier" charset="0"/>
-              </a:rPr>
-              <a:t>128</a:t>
-            </a:r>
-            <a:r>
-              <a:rPr lang="en-US" sz="1600" b="1" dirty="0">
-                <a:solidFill>
-                  <a:srgbClr val="000000"/>
-                </a:solidFill>
-                <a:latin typeface="Courier" charset="0"/>
-                <a:ea typeface="Courier" charset="0"/>
-                <a:cs typeface="Courier" charset="0"/>
-              </a:rPr>
-              <a:t>, unique=</a:t>
-            </a:r>
-            <a:r>
-              <a:rPr lang="en-US" sz="1600" b="1" dirty="0">
-                <a:solidFill>
-                  <a:srgbClr val="2EAEBB"/>
-                </a:solidFill>
-                <a:latin typeface="Courier" charset="0"/>
-                <a:ea typeface="Courier" charset="0"/>
-                <a:cs typeface="Courier" charset="0"/>
-              </a:rPr>
-              <a:t>True</a:t>
-            </a:r>
-            <a:r>
-              <a:rPr lang="en-US" sz="1600" b="1" dirty="0">
-                <a:solidFill>
-                  <a:srgbClr val="000000"/>
-                </a:solidFill>
-                <a:latin typeface="Courier" charset="0"/>
-                <a:ea typeface="Courier" charset="0"/>
-                <a:cs typeface="Courier" charset="0"/>
-              </a:rPr>
-              <a:t>)</a:t>
-            </a:r>
-          </a:p>
-          <a:p>
-            <a:r>
-              <a:rPr lang="en-US" sz="1600" b="1" dirty="0">
-                <a:solidFill>
-                  <a:srgbClr val="000000"/>
-                </a:solidFill>
-                <a:latin typeface="Courier" charset="0"/>
-                <a:ea typeface="Courier" charset="0"/>
-                <a:cs typeface="Courier" charset="0"/>
-              </a:rPr>
-              <a:t> </a:t>
-            </a:r>
-            <a:r>
-              <a:rPr lang="en-US" sz="1600" b="1" dirty="0" smtClean="0">
-                <a:solidFill>
-                  <a:srgbClr val="000000"/>
-                </a:solidFill>
-                <a:latin typeface="Courier" charset="0"/>
-                <a:ea typeface="Courier" charset="0"/>
-                <a:cs typeface="Courier" charset="0"/>
-              </a:rPr>
-              <a:t>   members </a:t>
-            </a:r>
-            <a:r>
-              <a:rPr lang="en-US" sz="1600" b="1" dirty="0">
-                <a:solidFill>
-                  <a:srgbClr val="000000"/>
-                </a:solidFill>
-                <a:latin typeface="Courier" charset="0"/>
-                <a:ea typeface="Courier" charset="0"/>
-                <a:cs typeface="Courier" charset="0"/>
-              </a:rPr>
-              <a:t>= </a:t>
-            </a:r>
-            <a:r>
-              <a:rPr lang="en-US" sz="1600" b="1" dirty="0" err="1">
-                <a:solidFill>
-                  <a:srgbClr val="000000"/>
-                </a:solidFill>
-                <a:latin typeface="Courier" charset="0"/>
-                <a:ea typeface="Courier" charset="0"/>
-                <a:cs typeface="Courier" charset="0"/>
-              </a:rPr>
-              <a:t>models.ManyToManyField</a:t>
-            </a:r>
-            <a:r>
-              <a:rPr lang="en-US" sz="1600" b="1" dirty="0">
-                <a:solidFill>
-                  <a:srgbClr val="000000"/>
-                </a:solidFill>
-                <a:latin typeface="Courier" charset="0"/>
-                <a:ea typeface="Courier" charset="0"/>
-                <a:cs typeface="Courier" charset="0"/>
-              </a:rPr>
-              <a:t>(Person, </a:t>
-            </a:r>
-          </a:p>
-          <a:p>
-            <a:r>
-              <a:rPr lang="en-US" sz="1600" b="1" dirty="0">
-                <a:solidFill>
-                  <a:srgbClr val="000000"/>
-                </a:solidFill>
-                <a:latin typeface="Courier" charset="0"/>
-                <a:ea typeface="Courier" charset="0"/>
-                <a:cs typeface="Courier" charset="0"/>
-              </a:rPr>
-              <a:t>            through=</a:t>
-            </a:r>
-            <a:r>
-              <a:rPr lang="en-US" sz="1600" b="1" dirty="0">
-                <a:solidFill>
-                  <a:srgbClr val="B42419"/>
-                </a:solidFill>
-                <a:latin typeface="Courier" charset="0"/>
-                <a:ea typeface="Courier" charset="0"/>
-                <a:cs typeface="Courier" charset="0"/>
-              </a:rPr>
-              <a:t>'Membership'</a:t>
-            </a:r>
-            <a:r>
-              <a:rPr lang="en-US" sz="1600" b="1" dirty="0">
-                <a:solidFill>
-                  <a:srgbClr val="000000"/>
-                </a:solidFill>
-                <a:latin typeface="Courier" charset="0"/>
-                <a:ea typeface="Courier" charset="0"/>
-                <a:cs typeface="Courier" charset="0"/>
-              </a:rPr>
-              <a:t>, </a:t>
-            </a:r>
-            <a:r>
-              <a:rPr lang="en-US" sz="1600" b="1" dirty="0" err="1">
-                <a:solidFill>
-                  <a:srgbClr val="000000"/>
-                </a:solidFill>
-                <a:latin typeface="Courier" charset="0"/>
-                <a:ea typeface="Courier" charset="0"/>
-                <a:cs typeface="Courier" charset="0"/>
-              </a:rPr>
-              <a:t>related_name</a:t>
-            </a:r>
-            <a:r>
-              <a:rPr lang="en-US" sz="1600" b="1" dirty="0">
-                <a:solidFill>
-                  <a:srgbClr val="000000"/>
-                </a:solidFill>
-                <a:latin typeface="Courier" charset="0"/>
-                <a:ea typeface="Courier" charset="0"/>
-                <a:cs typeface="Courier" charset="0"/>
-              </a:rPr>
-              <a:t>=</a:t>
-            </a:r>
-            <a:r>
-              <a:rPr lang="en-US" sz="1600" b="1" dirty="0">
-                <a:solidFill>
-                  <a:srgbClr val="B42419"/>
-                </a:solidFill>
-                <a:latin typeface="Courier" charset="0"/>
-                <a:ea typeface="Courier" charset="0"/>
-                <a:cs typeface="Courier" charset="0"/>
-              </a:rPr>
-              <a:t>'courses</a:t>
-            </a:r>
-            <a:r>
-              <a:rPr lang="en-US" sz="1600" b="1" dirty="0" smtClean="0">
-                <a:solidFill>
-                  <a:srgbClr val="B42419"/>
-                </a:solidFill>
-                <a:latin typeface="Courier" charset="0"/>
-                <a:ea typeface="Courier" charset="0"/>
-                <a:cs typeface="Courier" charset="0"/>
-              </a:rPr>
-              <a:t>'</a:t>
-            </a:r>
-            <a:r>
-              <a:rPr lang="en-US" sz="1600" b="1" dirty="0" smtClean="0">
-                <a:solidFill>
-                  <a:srgbClr val="000000"/>
-                </a:solidFill>
-                <a:latin typeface="Courier" charset="0"/>
-                <a:ea typeface="Courier" charset="0"/>
-                <a:cs typeface="Courier" charset="0"/>
-              </a:rPr>
-              <a:t>)</a:t>
-            </a:r>
-          </a:p>
-          <a:p>
-            <a:endParaRPr lang="en-US" sz="1600" b="1" dirty="0">
-              <a:solidFill>
-                <a:srgbClr val="000000"/>
-              </a:solidFill>
-              <a:latin typeface="Courier" charset="0"/>
-              <a:ea typeface="Courier" charset="0"/>
-              <a:cs typeface="Courier" charset="0"/>
-            </a:endParaRPr>
-          </a:p>
-          <a:p>
-            <a:r>
-              <a:rPr lang="en-US" sz="1600" b="1" dirty="0">
-                <a:solidFill>
-                  <a:srgbClr val="000000"/>
-                </a:solidFill>
-                <a:latin typeface="Courier" charset="0"/>
-                <a:ea typeface="Courier" charset="0"/>
-                <a:cs typeface="Courier" charset="0"/>
-              </a:rPr>
-              <a:t>    </a:t>
-            </a:r>
-            <a:r>
-              <a:rPr lang="en-US" sz="1600" b="1" dirty="0" err="1">
-                <a:solidFill>
-                  <a:srgbClr val="C1651C"/>
-                </a:solidFill>
-                <a:latin typeface="Courier" charset="0"/>
-                <a:ea typeface="Courier" charset="0"/>
-                <a:cs typeface="Courier" charset="0"/>
-              </a:rPr>
-              <a:t>def</a:t>
-            </a:r>
-            <a:r>
-              <a:rPr lang="en-US" sz="1600" b="1" dirty="0">
-                <a:solidFill>
-                  <a:srgbClr val="000000"/>
-                </a:solidFill>
-                <a:latin typeface="Courier" charset="0"/>
-                <a:ea typeface="Courier" charset="0"/>
-                <a:cs typeface="Courier" charset="0"/>
-              </a:rPr>
-              <a:t> </a:t>
-            </a:r>
-            <a:r>
-              <a:rPr lang="en-US" sz="1600" b="1" dirty="0">
-                <a:solidFill>
-                  <a:srgbClr val="2EAEBB"/>
-                </a:solidFill>
-                <a:latin typeface="Courier" charset="0"/>
-                <a:ea typeface="Courier" charset="0"/>
-                <a:cs typeface="Courier" charset="0"/>
-              </a:rPr>
-              <a:t>__</a:t>
-            </a:r>
-            <a:r>
-              <a:rPr lang="en-US" sz="1600" b="1" dirty="0" err="1">
-                <a:solidFill>
-                  <a:srgbClr val="2EAEBB"/>
-                </a:solidFill>
-                <a:latin typeface="Courier" charset="0"/>
-                <a:ea typeface="Courier" charset="0"/>
-                <a:cs typeface="Courier" charset="0"/>
-              </a:rPr>
-              <a:t>str</a:t>
-            </a:r>
-            <a:r>
-              <a:rPr lang="en-US" sz="1600" b="1" dirty="0">
-                <a:solidFill>
-                  <a:srgbClr val="2EAEBB"/>
-                </a:solidFill>
-                <a:latin typeface="Courier" charset="0"/>
-                <a:ea typeface="Courier" charset="0"/>
-                <a:cs typeface="Courier" charset="0"/>
-              </a:rPr>
-              <a:t>__</a:t>
-            </a:r>
-            <a:r>
-              <a:rPr lang="en-US" sz="1600" b="1" dirty="0">
-                <a:solidFill>
-                  <a:srgbClr val="000000"/>
-                </a:solidFill>
-                <a:latin typeface="Courier" charset="0"/>
-                <a:ea typeface="Courier" charset="0"/>
-                <a:cs typeface="Courier" charset="0"/>
-              </a:rPr>
-              <a:t>(self):</a:t>
-            </a:r>
-          </a:p>
-          <a:p>
-            <a:r>
-              <a:rPr lang="en-US" sz="1600" b="1" dirty="0">
-                <a:solidFill>
-                  <a:srgbClr val="000000"/>
-                </a:solidFill>
-                <a:latin typeface="Courier" charset="0"/>
-                <a:ea typeface="Courier" charset="0"/>
-                <a:cs typeface="Courier" charset="0"/>
-              </a:rPr>
-              <a:t>        </a:t>
-            </a:r>
-            <a:r>
-              <a:rPr lang="en-US" sz="1600" b="1" dirty="0">
-                <a:solidFill>
-                  <a:srgbClr val="C1651C"/>
-                </a:solidFill>
-                <a:latin typeface="Courier" charset="0"/>
-                <a:ea typeface="Courier" charset="0"/>
-                <a:cs typeface="Courier" charset="0"/>
-              </a:rPr>
-              <a:t>return</a:t>
-            </a:r>
-            <a:r>
-              <a:rPr lang="en-US" sz="1600" b="1" dirty="0">
-                <a:solidFill>
-                  <a:srgbClr val="000000"/>
-                </a:solidFill>
-                <a:latin typeface="Courier" charset="0"/>
-                <a:ea typeface="Courier" charset="0"/>
-                <a:cs typeface="Courier" charset="0"/>
-              </a:rPr>
-              <a:t> </a:t>
-            </a:r>
-            <a:r>
-              <a:rPr lang="en-US" sz="1600" b="1" dirty="0" err="1">
-                <a:solidFill>
-                  <a:srgbClr val="000000"/>
-                </a:solidFill>
-                <a:latin typeface="Courier" charset="0"/>
-                <a:ea typeface="Courier" charset="0"/>
-                <a:cs typeface="Courier" charset="0"/>
-              </a:rPr>
-              <a:t>self.title</a:t>
-            </a:r>
-            <a:endParaRPr lang="en-US" sz="1600" b="1" dirty="0">
               <a:latin typeface="Courier" charset="0"/>
               <a:ea typeface="Courier" charset="0"/>
               <a:cs typeface="Courier" charset="0"/>
@@ -21056,8 +20791,8 @@
         </p:nvSpPr>
         <p:spPr>
           <a:xfrm>
-            <a:off x="1396139" y="257175"/>
-            <a:ext cx="9313768" cy="5909310"/>
+            <a:off x="2153377" y="514350"/>
+            <a:ext cx="7058343" cy="4832092"/>
           </a:xfrm>
           <a:prstGeom prst="rect">
             <a:avLst/>
@@ -21328,208 +21063,6 @@
             </a:endParaRPr>
           </a:p>
           <a:p>
-            <a:r>
-              <a:rPr lang="en-US" sz="1400" b="1" dirty="0" smtClean="0">
-                <a:solidFill>
-                  <a:srgbClr val="000000"/>
-                </a:solidFill>
-                <a:latin typeface="Courier" charset="0"/>
-                <a:ea typeface="Courier" charset="0"/>
-                <a:cs typeface="Courier" charset="0"/>
-              </a:rPr>
-              <a:t>    </a:t>
-            </a:r>
-            <a:r>
-              <a:rPr lang="en-US" sz="1400" b="1" dirty="0" err="1">
-                <a:solidFill>
-                  <a:srgbClr val="000000"/>
-                </a:solidFill>
-                <a:latin typeface="Courier" charset="0"/>
-                <a:ea typeface="Courier" charset="0"/>
-                <a:cs typeface="Courier" charset="0"/>
-              </a:rPr>
-              <a:t>created_at</a:t>
-            </a:r>
-            <a:r>
-              <a:rPr lang="en-US" sz="1400" b="1" dirty="0">
-                <a:solidFill>
-                  <a:srgbClr val="000000"/>
-                </a:solidFill>
-                <a:latin typeface="Courier" charset="0"/>
-                <a:ea typeface="Courier" charset="0"/>
-                <a:cs typeface="Courier" charset="0"/>
-              </a:rPr>
-              <a:t> = </a:t>
-            </a:r>
-            <a:r>
-              <a:rPr lang="en-US" sz="1400" b="1" dirty="0" err="1">
-                <a:solidFill>
-                  <a:srgbClr val="000000"/>
-                </a:solidFill>
-                <a:latin typeface="Courier" charset="0"/>
-                <a:ea typeface="Courier" charset="0"/>
-                <a:cs typeface="Courier" charset="0"/>
-              </a:rPr>
-              <a:t>models.DateTimeField</a:t>
-            </a:r>
-            <a:r>
-              <a:rPr lang="en-US" sz="1400" b="1" dirty="0">
-                <a:solidFill>
-                  <a:srgbClr val="000000"/>
-                </a:solidFill>
-                <a:latin typeface="Courier" charset="0"/>
-                <a:ea typeface="Courier" charset="0"/>
-                <a:cs typeface="Courier" charset="0"/>
-              </a:rPr>
-              <a:t>(</a:t>
-            </a:r>
-            <a:r>
-              <a:rPr lang="en-US" sz="1400" b="1" dirty="0" err="1">
-                <a:solidFill>
-                  <a:srgbClr val="000000"/>
-                </a:solidFill>
-                <a:latin typeface="Courier" charset="0"/>
-                <a:ea typeface="Courier" charset="0"/>
-                <a:cs typeface="Courier" charset="0"/>
-              </a:rPr>
-              <a:t>auto_now_add</a:t>
-            </a:r>
-            <a:r>
-              <a:rPr lang="en-US" sz="1400" b="1" dirty="0">
-                <a:solidFill>
-                  <a:srgbClr val="000000"/>
-                </a:solidFill>
-                <a:latin typeface="Courier" charset="0"/>
-                <a:ea typeface="Courier" charset="0"/>
-                <a:cs typeface="Courier" charset="0"/>
-              </a:rPr>
-              <a:t>=</a:t>
-            </a:r>
-            <a:r>
-              <a:rPr lang="en-US" sz="1400" b="1" dirty="0">
-                <a:solidFill>
-                  <a:srgbClr val="2EAEBB"/>
-                </a:solidFill>
-                <a:latin typeface="Courier" charset="0"/>
-                <a:ea typeface="Courier" charset="0"/>
-                <a:cs typeface="Courier" charset="0"/>
-              </a:rPr>
-              <a:t>True</a:t>
-            </a:r>
-            <a:r>
-              <a:rPr lang="en-US" sz="1400" b="1" dirty="0">
-                <a:solidFill>
-                  <a:srgbClr val="000000"/>
-                </a:solidFill>
-                <a:latin typeface="Courier" charset="0"/>
-                <a:ea typeface="Courier" charset="0"/>
-                <a:cs typeface="Courier" charset="0"/>
-              </a:rPr>
-              <a:t>)</a:t>
-            </a:r>
-          </a:p>
-          <a:p>
-            <a:r>
-              <a:rPr lang="en-US" sz="1400" b="1" dirty="0">
-                <a:solidFill>
-                  <a:srgbClr val="000000"/>
-                </a:solidFill>
-                <a:latin typeface="Courier" charset="0"/>
-                <a:ea typeface="Courier" charset="0"/>
-                <a:cs typeface="Courier" charset="0"/>
-              </a:rPr>
-              <a:t>    </a:t>
-            </a:r>
-            <a:r>
-              <a:rPr lang="en-US" sz="1400" b="1" dirty="0" err="1">
-                <a:solidFill>
-                  <a:srgbClr val="000000"/>
-                </a:solidFill>
-                <a:latin typeface="Courier" charset="0"/>
-                <a:ea typeface="Courier" charset="0"/>
-                <a:cs typeface="Courier" charset="0"/>
-              </a:rPr>
-              <a:t>updated_at</a:t>
-            </a:r>
-            <a:r>
-              <a:rPr lang="en-US" sz="1400" b="1" dirty="0">
-                <a:solidFill>
-                  <a:srgbClr val="000000"/>
-                </a:solidFill>
-                <a:latin typeface="Courier" charset="0"/>
-                <a:ea typeface="Courier" charset="0"/>
-                <a:cs typeface="Courier" charset="0"/>
-              </a:rPr>
-              <a:t> = </a:t>
-            </a:r>
-            <a:r>
-              <a:rPr lang="en-US" sz="1400" b="1" dirty="0" err="1">
-                <a:solidFill>
-                  <a:srgbClr val="000000"/>
-                </a:solidFill>
-                <a:latin typeface="Courier" charset="0"/>
-                <a:ea typeface="Courier" charset="0"/>
-                <a:cs typeface="Courier" charset="0"/>
-              </a:rPr>
-              <a:t>models.DateTimeField</a:t>
-            </a:r>
-            <a:r>
-              <a:rPr lang="en-US" sz="1400" b="1" dirty="0">
-                <a:solidFill>
-                  <a:srgbClr val="000000"/>
-                </a:solidFill>
-                <a:latin typeface="Courier" charset="0"/>
-                <a:ea typeface="Courier" charset="0"/>
-                <a:cs typeface="Courier" charset="0"/>
-              </a:rPr>
-              <a:t>(</a:t>
-            </a:r>
-            <a:r>
-              <a:rPr lang="en-US" sz="1400" b="1" dirty="0" err="1">
-                <a:solidFill>
-                  <a:srgbClr val="000000"/>
-                </a:solidFill>
-                <a:latin typeface="Courier" charset="0"/>
-                <a:ea typeface="Courier" charset="0"/>
-                <a:cs typeface="Courier" charset="0"/>
-              </a:rPr>
-              <a:t>auto_now</a:t>
-            </a:r>
-            <a:r>
-              <a:rPr lang="en-US" sz="1400" b="1" dirty="0">
-                <a:solidFill>
-                  <a:srgbClr val="000000"/>
-                </a:solidFill>
-                <a:latin typeface="Courier" charset="0"/>
-                <a:ea typeface="Courier" charset="0"/>
-                <a:cs typeface="Courier" charset="0"/>
-              </a:rPr>
-              <a:t>=</a:t>
-            </a:r>
-            <a:r>
-              <a:rPr lang="en-US" sz="1400" b="1" dirty="0">
-                <a:solidFill>
-                  <a:srgbClr val="2EAEBB"/>
-                </a:solidFill>
-                <a:latin typeface="Courier" charset="0"/>
-                <a:ea typeface="Courier" charset="0"/>
-                <a:cs typeface="Courier" charset="0"/>
-              </a:rPr>
-              <a:t>True</a:t>
-            </a:r>
-            <a:r>
-              <a:rPr lang="en-US" sz="1400" b="1" dirty="0" smtClean="0">
-                <a:solidFill>
-                  <a:srgbClr val="000000"/>
-                </a:solidFill>
-                <a:latin typeface="Courier" charset="0"/>
-                <a:ea typeface="Courier" charset="0"/>
-                <a:cs typeface="Courier" charset="0"/>
-              </a:rPr>
-              <a:t>)</a:t>
-            </a:r>
-          </a:p>
-          <a:p>
             <a:endParaRPr lang="de-DE" sz="1400" b="1" dirty="0" smtClean="0">
               <a:solidFill>
                 <a:srgbClr val="000000"/>
@@ -22151,267 +21684,6 @@
               <a:solidFill>
                 <a:srgbClr val="000000"/>
               </a:solidFill>
-              <a:latin typeface="Courier" charset="0"/>
-              <a:ea typeface="Courier" charset="0"/>
-              <a:cs typeface="Courier" charset="0"/>
-            </a:endParaRPr>
-          </a:p>
-          <a:p>
-            <a:endParaRPr lang="en-US" sz="1400" b="1" dirty="0">
-              <a:solidFill>
-                <a:srgbClr val="000000"/>
-              </a:solidFill>
-              <a:latin typeface="Courier" charset="0"/>
-              <a:ea typeface="Courier" charset="0"/>
-              <a:cs typeface="Courier" charset="0"/>
-            </a:endParaRPr>
-          </a:p>
-          <a:p>
-            <a:r>
-              <a:rPr lang="en-US" sz="1400" b="1" dirty="0">
-                <a:solidFill>
-                  <a:srgbClr val="000000"/>
-                </a:solidFill>
-                <a:latin typeface="Courier" charset="0"/>
-                <a:ea typeface="Courier" charset="0"/>
-                <a:cs typeface="Courier" charset="0"/>
-              </a:rPr>
-              <a:t>    </a:t>
-            </a:r>
-            <a:r>
-              <a:rPr lang="en-US" sz="1400" b="1" dirty="0" err="1">
-                <a:solidFill>
-                  <a:srgbClr val="C1651C"/>
-                </a:solidFill>
-                <a:latin typeface="Courier" charset="0"/>
-                <a:ea typeface="Courier" charset="0"/>
-                <a:cs typeface="Courier" charset="0"/>
-              </a:rPr>
-              <a:t>def</a:t>
-            </a:r>
-            <a:r>
-              <a:rPr lang="en-US" sz="1400" b="1" dirty="0">
-                <a:solidFill>
-                  <a:srgbClr val="000000"/>
-                </a:solidFill>
-                <a:latin typeface="Courier" charset="0"/>
-                <a:ea typeface="Courier" charset="0"/>
-                <a:cs typeface="Courier" charset="0"/>
-              </a:rPr>
-              <a:t> </a:t>
-            </a:r>
-            <a:r>
-              <a:rPr lang="en-US" sz="1400" b="1" dirty="0">
-                <a:solidFill>
-                  <a:srgbClr val="2EAEBB"/>
-                </a:solidFill>
-                <a:latin typeface="Courier" charset="0"/>
-                <a:ea typeface="Courier" charset="0"/>
-                <a:cs typeface="Courier" charset="0"/>
-              </a:rPr>
-              <a:t>__</a:t>
-            </a:r>
-            <a:r>
-              <a:rPr lang="en-US" sz="1400" b="1" dirty="0" err="1">
-                <a:solidFill>
-                  <a:srgbClr val="2EAEBB"/>
-                </a:solidFill>
-                <a:latin typeface="Courier" charset="0"/>
-                <a:ea typeface="Courier" charset="0"/>
-                <a:cs typeface="Courier" charset="0"/>
-              </a:rPr>
-              <a:t>str</a:t>
-            </a:r>
-            <a:r>
-              <a:rPr lang="en-US" sz="1400" b="1" dirty="0">
-                <a:solidFill>
-                  <a:srgbClr val="2EAEBB"/>
-                </a:solidFill>
-                <a:latin typeface="Courier" charset="0"/>
-                <a:ea typeface="Courier" charset="0"/>
-                <a:cs typeface="Courier" charset="0"/>
-              </a:rPr>
-              <a:t>__</a:t>
-            </a:r>
-            <a:r>
-              <a:rPr lang="en-US" sz="1400" b="1" dirty="0">
-                <a:solidFill>
-                  <a:srgbClr val="000000"/>
-                </a:solidFill>
-                <a:latin typeface="Courier" charset="0"/>
-                <a:ea typeface="Courier" charset="0"/>
-                <a:cs typeface="Courier" charset="0"/>
-              </a:rPr>
-              <a:t>(self):</a:t>
-            </a:r>
-          </a:p>
-          <a:p>
-            <a:r>
-              <a:rPr lang="en-US" sz="1400" b="1" dirty="0">
-                <a:solidFill>
-                  <a:srgbClr val="000000"/>
-                </a:solidFill>
-                <a:latin typeface="Courier" charset="0"/>
-                <a:ea typeface="Courier" charset="0"/>
-                <a:cs typeface="Courier" charset="0"/>
-              </a:rPr>
-              <a:t>        </a:t>
-            </a:r>
-            <a:r>
-              <a:rPr lang="en-US" sz="1400" b="1" dirty="0">
-                <a:solidFill>
-                  <a:srgbClr val="C1651C"/>
-                </a:solidFill>
-                <a:latin typeface="Courier" charset="0"/>
-                <a:ea typeface="Courier" charset="0"/>
-                <a:cs typeface="Courier" charset="0"/>
-              </a:rPr>
-              <a:t>return</a:t>
-            </a:r>
-            <a:r>
-              <a:rPr lang="en-US" sz="1400" b="1" dirty="0">
-                <a:solidFill>
-                  <a:srgbClr val="000000"/>
-                </a:solidFill>
-                <a:latin typeface="Courier" charset="0"/>
-                <a:ea typeface="Courier" charset="0"/>
-                <a:cs typeface="Courier" charset="0"/>
-              </a:rPr>
-              <a:t> </a:t>
-            </a:r>
-            <a:r>
-              <a:rPr lang="en-US" sz="1400" b="1" dirty="0">
-                <a:solidFill>
-                  <a:srgbClr val="B42419"/>
-                </a:solidFill>
-                <a:latin typeface="Courier" charset="0"/>
-                <a:ea typeface="Courier" charset="0"/>
-                <a:cs typeface="Courier" charset="0"/>
-              </a:rPr>
-              <a:t>"Person "</a:t>
-            </a:r>
-            <a:r>
-              <a:rPr lang="en-US" sz="1400" b="1" dirty="0">
-                <a:solidFill>
-                  <a:srgbClr val="000000"/>
-                </a:solidFill>
-                <a:latin typeface="Courier" charset="0"/>
-                <a:ea typeface="Courier" charset="0"/>
-                <a:cs typeface="Courier" charset="0"/>
-              </a:rPr>
-              <a:t>+ </a:t>
-            </a:r>
-            <a:r>
-              <a:rPr lang="en-US" sz="1400" b="1" dirty="0" err="1">
-                <a:solidFill>
-                  <a:srgbClr val="2EAEBB"/>
-                </a:solidFill>
-                <a:latin typeface="Courier" charset="0"/>
-                <a:ea typeface="Courier" charset="0"/>
-                <a:cs typeface="Courier" charset="0"/>
-              </a:rPr>
-              <a:t>str</a:t>
-            </a:r>
-            <a:r>
-              <a:rPr lang="en-US" sz="1400" b="1" dirty="0">
-                <a:solidFill>
-                  <a:srgbClr val="000000"/>
-                </a:solidFill>
-                <a:latin typeface="Courier" charset="0"/>
-                <a:ea typeface="Courier" charset="0"/>
-                <a:cs typeface="Courier" charset="0"/>
-              </a:rPr>
-              <a:t>(</a:t>
-            </a:r>
-            <a:r>
-              <a:rPr lang="en-US" sz="1400" b="1" dirty="0" err="1">
-                <a:solidFill>
-                  <a:srgbClr val="000000"/>
-                </a:solidFill>
-                <a:latin typeface="Courier" charset="0"/>
-                <a:ea typeface="Courier" charset="0"/>
-                <a:cs typeface="Courier" charset="0"/>
-              </a:rPr>
-              <a:t>self.person.id</a:t>
-            </a:r>
-            <a:r>
-              <a:rPr lang="en-US" sz="1400" b="1" dirty="0">
-                <a:solidFill>
-                  <a:srgbClr val="000000"/>
-                </a:solidFill>
-                <a:latin typeface="Courier" charset="0"/>
-                <a:ea typeface="Courier" charset="0"/>
-                <a:cs typeface="Courier" charset="0"/>
-              </a:rPr>
-              <a:t>) + </a:t>
-            </a:r>
-            <a:r>
-              <a:rPr lang="en-US" sz="1400" b="1" dirty="0">
-                <a:solidFill>
-                  <a:srgbClr val="B42419"/>
-                </a:solidFill>
-                <a:latin typeface="Courier" charset="0"/>
-                <a:ea typeface="Courier" charset="0"/>
-                <a:cs typeface="Courier" charset="0"/>
-              </a:rPr>
-              <a:t>" &lt;--&gt; Course "</a:t>
-            </a:r>
-            <a:r>
-              <a:rPr lang="en-US" sz="1400" b="1" dirty="0">
-                <a:solidFill>
-                  <a:srgbClr val="000000"/>
-                </a:solidFill>
-                <a:latin typeface="Courier" charset="0"/>
-                <a:ea typeface="Courier" charset="0"/>
-                <a:cs typeface="Courier" charset="0"/>
-              </a:rPr>
-              <a:t> + </a:t>
-            </a:r>
-            <a:r>
-              <a:rPr lang="en-US" sz="1400" b="1" dirty="0" err="1">
-                <a:solidFill>
-                  <a:srgbClr val="2EAEBB"/>
-                </a:solidFill>
-                <a:latin typeface="Courier" charset="0"/>
-                <a:ea typeface="Courier" charset="0"/>
-                <a:cs typeface="Courier" charset="0"/>
-              </a:rPr>
-              <a:t>str</a:t>
-            </a:r>
-            <a:r>
-              <a:rPr lang="en-US" sz="1400" b="1" dirty="0">
-                <a:solidFill>
-                  <a:srgbClr val="000000"/>
-                </a:solidFill>
-                <a:latin typeface="Courier" charset="0"/>
-                <a:ea typeface="Courier" charset="0"/>
-                <a:cs typeface="Courier" charset="0"/>
-              </a:rPr>
-              <a:t>(</a:t>
-            </a:r>
-            <a:r>
-              <a:rPr lang="en-US" sz="1400" b="1" dirty="0" err="1">
-                <a:solidFill>
-                  <a:srgbClr val="000000"/>
-                </a:solidFill>
-                <a:latin typeface="Courier" charset="0"/>
-                <a:ea typeface="Courier" charset="0"/>
-                <a:cs typeface="Courier" charset="0"/>
-              </a:rPr>
-              <a:t>self.course.id</a:t>
-            </a:r>
-            <a:r>
-              <a:rPr lang="en-US" sz="1400" b="1" dirty="0">
-                <a:solidFill>
-                  <a:srgbClr val="000000"/>
-                </a:solidFill>
-                <a:latin typeface="Courier" charset="0"/>
-                <a:ea typeface="Courier" charset="0"/>
-                <a:cs typeface="Courier" charset="0"/>
-              </a:rPr>
-              <a:t>)</a:t>
-            </a:r>
-            <a:endParaRPr lang="en-US" sz="1400" b="1" dirty="0">
               <a:latin typeface="Courier" charset="0"/>
               <a:ea typeface="Courier" charset="0"/>
               <a:cs typeface="Courier" charset="0"/>
@@ -26972,7 +26244,7 @@
         <p:spPr>
           <a:xfrm>
             <a:off x="1396139" y="257175"/>
-            <a:ext cx="9313768" cy="5909310"/>
+            <a:ext cx="9313768" cy="5478423"/>
           </a:xfrm>
           <a:prstGeom prst="rect">
             <a:avLst/>
@@ -27241,208 +26513,6 @@
               <a:ea typeface="Courier" charset="0"/>
               <a:cs typeface="Courier" charset="0"/>
             </a:endParaRPr>
-          </a:p>
-          <a:p>
-            <a:r>
-              <a:rPr lang="en-US" sz="1400" b="1" dirty="0" smtClean="0">
-                <a:solidFill>
-                  <a:srgbClr val="000000"/>
-                </a:solidFill>
-                <a:latin typeface="Courier" charset="0"/>
-                <a:ea typeface="Courier" charset="0"/>
-                <a:cs typeface="Courier" charset="0"/>
-              </a:rPr>
-              <a:t>    </a:t>
-            </a:r>
-            <a:r>
-              <a:rPr lang="en-US" sz="1400" b="1" dirty="0" err="1">
-                <a:solidFill>
-                  <a:srgbClr val="000000"/>
-                </a:solidFill>
-                <a:latin typeface="Courier" charset="0"/>
-                <a:ea typeface="Courier" charset="0"/>
-                <a:cs typeface="Courier" charset="0"/>
-              </a:rPr>
-              <a:t>created_at</a:t>
-            </a:r>
-            <a:r>
-              <a:rPr lang="en-US" sz="1400" b="1" dirty="0">
-                <a:solidFill>
-                  <a:srgbClr val="000000"/>
-                </a:solidFill>
-                <a:latin typeface="Courier" charset="0"/>
-                <a:ea typeface="Courier" charset="0"/>
-                <a:cs typeface="Courier" charset="0"/>
-              </a:rPr>
-              <a:t> = </a:t>
-            </a:r>
-            <a:r>
-              <a:rPr lang="en-US" sz="1400" b="1" dirty="0" err="1">
-                <a:solidFill>
-                  <a:srgbClr val="000000"/>
-                </a:solidFill>
-                <a:latin typeface="Courier" charset="0"/>
-                <a:ea typeface="Courier" charset="0"/>
-                <a:cs typeface="Courier" charset="0"/>
-              </a:rPr>
-              <a:t>models.DateTimeField</a:t>
-            </a:r>
-            <a:r>
-              <a:rPr lang="en-US" sz="1400" b="1" dirty="0">
-                <a:solidFill>
-                  <a:srgbClr val="000000"/>
-                </a:solidFill>
-                <a:latin typeface="Courier" charset="0"/>
-                <a:ea typeface="Courier" charset="0"/>
-                <a:cs typeface="Courier" charset="0"/>
-              </a:rPr>
-              <a:t>(</a:t>
-            </a:r>
-            <a:r>
-              <a:rPr lang="en-US" sz="1400" b="1" dirty="0" err="1">
-                <a:solidFill>
-                  <a:srgbClr val="000000"/>
-                </a:solidFill>
-                <a:latin typeface="Courier" charset="0"/>
-                <a:ea typeface="Courier" charset="0"/>
-                <a:cs typeface="Courier" charset="0"/>
-              </a:rPr>
-              <a:t>auto_now_add</a:t>
-            </a:r>
-            <a:r>
-              <a:rPr lang="en-US" sz="1400" b="1" dirty="0">
-                <a:solidFill>
-                  <a:srgbClr val="000000"/>
-                </a:solidFill>
-                <a:latin typeface="Courier" charset="0"/>
-                <a:ea typeface="Courier" charset="0"/>
-                <a:cs typeface="Courier" charset="0"/>
-              </a:rPr>
-              <a:t>=</a:t>
-            </a:r>
-            <a:r>
-              <a:rPr lang="en-US" sz="1400" b="1" dirty="0">
-                <a:solidFill>
-                  <a:srgbClr val="2EAEBB"/>
-                </a:solidFill>
-                <a:latin typeface="Courier" charset="0"/>
-                <a:ea typeface="Courier" charset="0"/>
-                <a:cs typeface="Courier" charset="0"/>
-              </a:rPr>
-              <a:t>True</a:t>
-            </a:r>
-            <a:r>
-              <a:rPr lang="en-US" sz="1400" b="1" dirty="0">
-                <a:solidFill>
-                  <a:srgbClr val="000000"/>
-                </a:solidFill>
-                <a:latin typeface="Courier" charset="0"/>
-                <a:ea typeface="Courier" charset="0"/>
-                <a:cs typeface="Courier" charset="0"/>
-              </a:rPr>
-              <a:t>)</a:t>
-            </a:r>
-          </a:p>
-          <a:p>
-            <a:r>
-              <a:rPr lang="en-US" sz="1400" b="1" dirty="0">
-                <a:solidFill>
-                  <a:srgbClr val="000000"/>
-                </a:solidFill>
-                <a:latin typeface="Courier" charset="0"/>
-                <a:ea typeface="Courier" charset="0"/>
-                <a:cs typeface="Courier" charset="0"/>
-              </a:rPr>
-              <a:t>    </a:t>
-            </a:r>
-            <a:r>
-              <a:rPr lang="en-US" sz="1400" b="1" dirty="0" err="1">
-                <a:solidFill>
-                  <a:srgbClr val="000000"/>
-                </a:solidFill>
-                <a:latin typeface="Courier" charset="0"/>
-                <a:ea typeface="Courier" charset="0"/>
-                <a:cs typeface="Courier" charset="0"/>
-              </a:rPr>
-              <a:t>updated_at</a:t>
-            </a:r>
-            <a:r>
-              <a:rPr lang="en-US" sz="1400" b="1" dirty="0">
-                <a:solidFill>
-                  <a:srgbClr val="000000"/>
-                </a:solidFill>
-                <a:latin typeface="Courier" charset="0"/>
-                <a:ea typeface="Courier" charset="0"/>
-                <a:cs typeface="Courier" charset="0"/>
-              </a:rPr>
-              <a:t> = </a:t>
-            </a:r>
-            <a:r>
-              <a:rPr lang="en-US" sz="1400" b="1" dirty="0" err="1">
-                <a:solidFill>
-                  <a:srgbClr val="000000"/>
-                </a:solidFill>
-                <a:latin typeface="Courier" charset="0"/>
-                <a:ea typeface="Courier" charset="0"/>
-                <a:cs typeface="Courier" charset="0"/>
-              </a:rPr>
-              <a:t>models.DateTimeField</a:t>
-            </a:r>
-            <a:r>
-              <a:rPr lang="en-US" sz="1400" b="1" dirty="0">
-                <a:solidFill>
-                  <a:srgbClr val="000000"/>
-                </a:solidFill>
-                <a:latin typeface="Courier" charset="0"/>
-                <a:ea typeface="Courier" charset="0"/>
-                <a:cs typeface="Courier" charset="0"/>
-              </a:rPr>
-              <a:t>(</a:t>
-            </a:r>
-            <a:r>
-              <a:rPr lang="en-US" sz="1400" b="1" dirty="0" err="1">
-                <a:solidFill>
-                  <a:srgbClr val="000000"/>
-                </a:solidFill>
-                <a:latin typeface="Courier" charset="0"/>
-                <a:ea typeface="Courier" charset="0"/>
-                <a:cs typeface="Courier" charset="0"/>
-              </a:rPr>
-              <a:t>auto_now</a:t>
-            </a:r>
-            <a:r>
-              <a:rPr lang="en-US" sz="1400" b="1" dirty="0">
-                <a:solidFill>
-                  <a:srgbClr val="000000"/>
-                </a:solidFill>
-                <a:latin typeface="Courier" charset="0"/>
-                <a:ea typeface="Courier" charset="0"/>
-                <a:cs typeface="Courier" charset="0"/>
-              </a:rPr>
-              <a:t>=</a:t>
-            </a:r>
-            <a:r>
-              <a:rPr lang="en-US" sz="1400" b="1" dirty="0">
-                <a:solidFill>
-                  <a:srgbClr val="2EAEBB"/>
-                </a:solidFill>
-                <a:latin typeface="Courier" charset="0"/>
-                <a:ea typeface="Courier" charset="0"/>
-                <a:cs typeface="Courier" charset="0"/>
-              </a:rPr>
-              <a:t>True</a:t>
-            </a:r>
-            <a:r>
-              <a:rPr lang="en-US" sz="1400" b="1" dirty="0" smtClean="0">
-                <a:solidFill>
-                  <a:srgbClr val="000000"/>
-                </a:solidFill>
-                <a:latin typeface="Courier" charset="0"/>
-                <a:ea typeface="Courier" charset="0"/>
-                <a:cs typeface="Courier" charset="0"/>
-              </a:rPr>
-              <a:t>)</a:t>
-            </a:r>
           </a:p>
           <a:p>
             <a:endParaRPr lang="de-DE" sz="1400" b="1" dirty="0" smtClean="0">
@@ -30069,7 +29139,7 @@
         <p:spPr>
           <a:xfrm>
             <a:off x="1990723" y="1864102"/>
-            <a:ext cx="8824913" cy="3293209"/>
+            <a:ext cx="8824913" cy="1815882"/>
           </a:xfrm>
           <a:prstGeom prst="rect">
             <a:avLst/>
@@ -30274,7 +29344,33 @@
                 <a:ea typeface="Courier" charset="0"/>
                 <a:cs typeface="Courier" charset="0"/>
               </a:rPr>
-              <a:t>': 2, '</a:t>
+              <a:t>': 2, </a:t>
+            </a:r>
+            <a:r>
+              <a:rPr lang="en-US" sz="1600" dirty="0" smtClean="0">
+                <a:latin typeface="Courier" charset="0"/>
+                <a:ea typeface="Courier" charset="0"/>
+                <a:cs typeface="Courier" charset="0"/>
+              </a:rPr>
+              <a:t>'role': 5000},</a:t>
+            </a:r>
+          </a:p>
+          <a:p>
+            <a:r>
+              <a:rPr lang="en-US" sz="1600" dirty="0" smtClean="0">
+                <a:latin typeface="Courier" charset="0"/>
+                <a:ea typeface="Courier" charset="0"/>
+                <a:cs typeface="Courier" charset="0"/>
+              </a:rPr>
+              <a:t>{</a:t>
+            </a:r>
+            <a:r>
+              <a:rPr lang="en-US" sz="1600" dirty="0">
+                <a:latin typeface="Courier" charset="0"/>
+                <a:ea typeface="Courier" charset="0"/>
+                <a:cs typeface="Courier" charset="0"/>
+              </a:rPr>
+              <a:t>'id': 5, '</a:t>
             </a:r>
             <a:r>
               <a:rPr lang="en-US" sz="1600" dirty="0" err="1">
@@ -30282,41 +29378,7 @@
                 <a:ea typeface="Courier" charset="0"/>
                 <a:cs typeface="Courier" charset="0"/>
               </a:rPr>
-              <a:t>created_at</a:t>
-            </a:r>
-            <a:r>
-              <a:rPr lang="en-US" sz="1600" dirty="0" smtClean="0">
-                <a:latin typeface="Courier" charset="0"/>
-                <a:ea typeface="Courier" charset="0"/>
-                <a:cs typeface="Courier" charset="0"/>
-              </a:rPr>
-              <a:t>':</a:t>
-            </a:r>
-          </a:p>
-          <a:p>
-            <a:r>
-              <a:rPr lang="en-US" sz="1600" dirty="0" smtClean="0">
-                <a:latin typeface="Courier" charset="0"/>
-                <a:ea typeface="Courier" charset="0"/>
-                <a:cs typeface="Courier" charset="0"/>
-              </a:rPr>
-              <a:t>   </a:t>
-            </a:r>
-            <a:r>
-              <a:rPr lang="en-US" sz="1600" dirty="0" err="1" smtClean="0">
-                <a:latin typeface="Courier" charset="0"/>
-                <a:ea typeface="Courier" charset="0"/>
-                <a:cs typeface="Courier" charset="0"/>
-              </a:rPr>
-              <a:t>datetime.datetime</a:t>
-            </a:r>
-            <a:r>
-              <a:rPr lang="en-US" sz="1600" dirty="0" smtClean="0">
-                <a:latin typeface="Courier" charset="0"/>
-                <a:ea typeface="Courier" charset="0"/>
-                <a:cs typeface="Courier" charset="0"/>
-              </a:rPr>
-              <a:t>(2019</a:t>
+              <a:t>person_id</a:t>
             </a:r>
             <a:r>
               <a:rPr lang="en-US" sz="1600" dirty="0">
@@ -30324,7 +29386,7 @@
                 <a:ea typeface="Courier" charset="0"/>
                 <a:cs typeface="Courier" charset="0"/>
               </a:rPr>
-              <a:t>, 9, 19, 11, 23, 25, 539243, </a:t>
+              <a:t>': 3, '</a:t>
             </a:r>
             <a:r>
               <a:rPr lang="en-US" sz="1600" dirty="0" err="1">
@@ -30332,7 +29394,7 @@
                 <a:ea typeface="Courier" charset="0"/>
                 <a:cs typeface="Courier" charset="0"/>
               </a:rPr>
-              <a:t>tzinfo</a:t>
+              <a:t>course_id</a:t>
             </a:r>
             <a:r>
               <a:rPr lang="en-US" sz="1600" dirty="0">
@@ -30340,33 +29402,23 @@
                 <a:ea typeface="Courier" charset="0"/>
                 <a:cs typeface="Courier" charset="0"/>
               </a:rPr>
-              <a:t>=&lt;UTC</a:t>
-            </a:r>
-            <a:r>
-              <a:rPr lang="en-US" sz="1600" dirty="0" smtClean="0">
-                <a:latin typeface="Courier" charset="0"/>
-                <a:ea typeface="Courier" charset="0"/>
-                <a:cs typeface="Courier" charset="0"/>
-              </a:rPr>
-              <a:t>&gt;),</a:t>
-            </a:r>
-          </a:p>
-          <a:p>
-            <a:r>
-              <a:rPr lang="en-US" sz="1600" dirty="0" smtClean="0">
-                <a:latin typeface="Courier" charset="0"/>
-                <a:ea typeface="Courier" charset="0"/>
-                <a:cs typeface="Courier" charset="0"/>
-              </a:rPr>
-              <a:t>   '</a:t>
-            </a:r>
-            <a:r>
-              <a:rPr lang="en-US" sz="1600" dirty="0" err="1" smtClean="0">
-                <a:latin typeface="Courier" charset="0"/>
-                <a:ea typeface="Courier" charset="0"/>
-                <a:cs typeface="Courier" charset="0"/>
-              </a:rPr>
-              <a:t>updated_at</a:t>
+              <a:t>': 2</a:t>
+            </a:r>
+            <a:r>
+              <a:rPr lang="en-US" sz="1600">
+                <a:latin typeface="Courier" charset="0"/>
+                <a:ea typeface="Courier" charset="0"/>
+                <a:cs typeface="Courier" charset="0"/>
+              </a:rPr>
+              <a:t>, </a:t>
+            </a:r>
+            <a:r>
+              <a:rPr lang="en-US" sz="1600" smtClean="0">
+                <a:latin typeface="Courier" charset="0"/>
+                <a:ea typeface="Courier" charset="0"/>
+                <a:cs typeface="Courier" charset="0"/>
+              </a:rPr>
+              <a:t>'role</a:t>
             </a:r>
             <a:r>
               <a:rPr lang="en-US" sz="1600" dirty="0">
@@ -30374,286 +29426,7 @@
                 <a:ea typeface="Courier" charset="0"/>
                 <a:cs typeface="Courier" charset="0"/>
               </a:rPr>
-              <a:t>': </a:t>
-            </a:r>
-            <a:r>
-              <a:rPr lang="en-US" sz="1600" dirty="0" err="1">
-                <a:latin typeface="Courier" charset="0"/>
-                <a:ea typeface="Courier" charset="0"/>
-                <a:cs typeface="Courier" charset="0"/>
-              </a:rPr>
-              <a:t>datetime.datetime</a:t>
-            </a:r>
-            <a:r>
-              <a:rPr lang="en-US" sz="1600" dirty="0">
-                <a:latin typeface="Courier" charset="0"/>
-                <a:ea typeface="Courier" charset="0"/>
-                <a:cs typeface="Courier" charset="0"/>
-              </a:rPr>
-              <a:t>(2019, 9, 19, 11, 23, 25, 539267</a:t>
-            </a:r>
-            <a:r>
-              <a:rPr lang="en-US" sz="1600" dirty="0" smtClean="0">
-                <a:latin typeface="Courier" charset="0"/>
-                <a:ea typeface="Courier" charset="0"/>
-                <a:cs typeface="Courier" charset="0"/>
-              </a:rPr>
-              <a:t>,</a:t>
-            </a:r>
-          </a:p>
-          <a:p>
-            <a:r>
-              <a:rPr lang="en-US" sz="1600" dirty="0">
-                <a:latin typeface="Courier" charset="0"/>
-                <a:ea typeface="Courier" charset="0"/>
-                <a:cs typeface="Courier" charset="0"/>
-              </a:rPr>
-              <a:t> </a:t>
-            </a:r>
-            <a:r>
-              <a:rPr lang="en-US" sz="1600" dirty="0" smtClean="0">
-                <a:latin typeface="Courier" charset="0"/>
-                <a:ea typeface="Courier" charset="0"/>
-                <a:cs typeface="Courier" charset="0"/>
-              </a:rPr>
-              <a:t>  </a:t>
-            </a:r>
-            <a:r>
-              <a:rPr lang="en-US" sz="1600" dirty="0" err="1">
-                <a:latin typeface="Courier" charset="0"/>
-                <a:ea typeface="Courier" charset="0"/>
-                <a:cs typeface="Courier" charset="0"/>
-              </a:rPr>
-              <a:t>tzinfo</a:t>
-            </a:r>
-            <a:r>
-              <a:rPr lang="en-US" sz="1600" dirty="0">
-                <a:latin typeface="Courier" charset="0"/>
-                <a:ea typeface="Courier" charset="0"/>
-                <a:cs typeface="Courier" charset="0"/>
-              </a:rPr>
-              <a:t>=&lt;UTC&gt;), 'role': 5000</a:t>
-            </a:r>
-            <a:r>
-              <a:rPr lang="en-US" sz="1600" dirty="0" smtClean="0">
-                <a:latin typeface="Courier" charset="0"/>
-                <a:ea typeface="Courier" charset="0"/>
-                <a:cs typeface="Courier" charset="0"/>
-              </a:rPr>
-              <a:t>},</a:t>
-            </a:r>
-          </a:p>
-          <a:p>
-            <a:r>
-              <a:rPr lang="en-US" sz="1600" dirty="0" smtClean="0">
-                <a:latin typeface="Courier" charset="0"/>
-                <a:ea typeface="Courier" charset="0"/>
-                <a:cs typeface="Courier" charset="0"/>
-              </a:rPr>
-              <a:t>{</a:t>
-            </a:r>
-            <a:r>
-              <a:rPr lang="en-US" sz="1600" dirty="0">
-                <a:latin typeface="Courier" charset="0"/>
-                <a:ea typeface="Courier" charset="0"/>
-                <a:cs typeface="Courier" charset="0"/>
-              </a:rPr>
-              <a:t>'id': 5, '</a:t>
-            </a:r>
-            <a:r>
-              <a:rPr lang="en-US" sz="1600" dirty="0" err="1">
-                <a:latin typeface="Courier" charset="0"/>
-                <a:ea typeface="Courier" charset="0"/>
-                <a:cs typeface="Courier" charset="0"/>
-              </a:rPr>
-              <a:t>person_id</a:t>
-            </a:r>
-            <a:r>
-              <a:rPr lang="en-US" sz="1600" dirty="0">
-                <a:latin typeface="Courier" charset="0"/>
-                <a:ea typeface="Courier" charset="0"/>
-                <a:cs typeface="Courier" charset="0"/>
-              </a:rPr>
-              <a:t>': 3, '</a:t>
-            </a:r>
-            <a:r>
-              <a:rPr lang="en-US" sz="1600" dirty="0" err="1">
-                <a:latin typeface="Courier" charset="0"/>
-                <a:ea typeface="Courier" charset="0"/>
-                <a:cs typeface="Courier" charset="0"/>
-              </a:rPr>
-              <a:t>course_id</a:t>
-            </a:r>
-            <a:r>
-              <a:rPr lang="en-US" sz="1600" dirty="0">
-                <a:latin typeface="Courier" charset="0"/>
-                <a:ea typeface="Courier" charset="0"/>
-                <a:cs typeface="Courier" charset="0"/>
-              </a:rPr>
-              <a:t>': 2, '</a:t>
-            </a:r>
-            <a:r>
-              <a:rPr lang="en-US" sz="1600" dirty="0" err="1">
-                <a:latin typeface="Courier" charset="0"/>
-                <a:ea typeface="Courier" charset="0"/>
-                <a:cs typeface="Courier" charset="0"/>
-              </a:rPr>
-              <a:t>created_at</a:t>
-            </a:r>
-            <a:r>
-              <a:rPr lang="en-US" sz="1600" dirty="0">
-                <a:latin typeface="Courier" charset="0"/>
-                <a:ea typeface="Courier" charset="0"/>
-                <a:cs typeface="Courier" charset="0"/>
-              </a:rPr>
-              <a:t>': </a:t>
-            </a:r>
-            <a:endParaRPr lang="en-US" sz="1600" dirty="0" smtClean="0">
-              <a:latin typeface="Courier" charset="0"/>
-              <a:ea typeface="Courier" charset="0"/>
-              <a:cs typeface="Courier" charset="0"/>
-            </a:endParaRPr>
-          </a:p>
-          <a:p>
-            <a:r>
-              <a:rPr lang="en-US" sz="1600" dirty="0" smtClean="0">
-                <a:latin typeface="Courier" charset="0"/>
-                <a:ea typeface="Courier" charset="0"/>
-                <a:cs typeface="Courier" charset="0"/>
-              </a:rPr>
-              <a:t>   </a:t>
-            </a:r>
-            <a:r>
-              <a:rPr lang="en-US" sz="1600" dirty="0" err="1" smtClean="0">
-                <a:latin typeface="Courier" charset="0"/>
-                <a:ea typeface="Courier" charset="0"/>
-                <a:cs typeface="Courier" charset="0"/>
-              </a:rPr>
-              <a:t>datetime.datetime</a:t>
-            </a:r>
-            <a:r>
-              <a:rPr lang="en-US" sz="1600" dirty="0" smtClean="0">
-                <a:latin typeface="Courier" charset="0"/>
-                <a:ea typeface="Courier" charset="0"/>
-                <a:cs typeface="Courier" charset="0"/>
-              </a:rPr>
-              <a:t>(2019</a:t>
-            </a:r>
-            <a:r>
-              <a:rPr lang="en-US" sz="1600" dirty="0">
-                <a:latin typeface="Courier" charset="0"/>
-                <a:ea typeface="Courier" charset="0"/>
-                <a:cs typeface="Courier" charset="0"/>
-              </a:rPr>
-              <a:t>, 9, 19, 11, 23, 25, 541351, </a:t>
-            </a:r>
-            <a:r>
-              <a:rPr lang="en-US" sz="1600" dirty="0" err="1">
-                <a:latin typeface="Courier" charset="0"/>
-                <a:ea typeface="Courier" charset="0"/>
-                <a:cs typeface="Courier" charset="0"/>
-              </a:rPr>
-              <a:t>tzinfo</a:t>
-            </a:r>
-            <a:r>
-              <a:rPr lang="en-US" sz="1600" dirty="0">
-                <a:latin typeface="Courier" charset="0"/>
-                <a:ea typeface="Courier" charset="0"/>
-                <a:cs typeface="Courier" charset="0"/>
-              </a:rPr>
-              <a:t>=&lt;UTC</a:t>
-            </a:r>
-            <a:r>
-              <a:rPr lang="en-US" sz="1600" dirty="0" smtClean="0">
-                <a:latin typeface="Courier" charset="0"/>
-                <a:ea typeface="Courier" charset="0"/>
-                <a:cs typeface="Courier" charset="0"/>
-              </a:rPr>
-              <a:t>&gt;),</a:t>
-            </a:r>
-          </a:p>
-          <a:p>
-            <a:r>
-              <a:rPr lang="en-US" sz="1600" dirty="0" smtClean="0">
-                <a:latin typeface="Courier" charset="0"/>
-                <a:ea typeface="Courier" charset="0"/>
-                <a:cs typeface="Courier" charset="0"/>
-              </a:rPr>
-              <a:t>   '</a:t>
-            </a:r>
-            <a:r>
-              <a:rPr lang="en-US" sz="1600" dirty="0" err="1" smtClean="0">
-                <a:latin typeface="Courier" charset="0"/>
-                <a:ea typeface="Courier" charset="0"/>
-                <a:cs typeface="Courier" charset="0"/>
-              </a:rPr>
-              <a:t>updated_at</a:t>
-            </a:r>
-            <a:r>
-              <a:rPr lang="en-US" sz="1600" dirty="0">
-                <a:latin typeface="Courier" charset="0"/>
-                <a:ea typeface="Courier" charset="0"/>
-                <a:cs typeface="Courier" charset="0"/>
-              </a:rPr>
-              <a:t>': </a:t>
-            </a:r>
-            <a:r>
-              <a:rPr lang="en-US" sz="1600" dirty="0" err="1">
-                <a:latin typeface="Courier" charset="0"/>
-                <a:ea typeface="Courier" charset="0"/>
-                <a:cs typeface="Courier" charset="0"/>
-              </a:rPr>
-              <a:t>datetime.datetime</a:t>
-            </a:r>
-            <a:r>
-              <a:rPr lang="en-US" sz="1600" dirty="0">
-                <a:latin typeface="Courier" charset="0"/>
-                <a:ea typeface="Courier" charset="0"/>
-                <a:cs typeface="Courier" charset="0"/>
-              </a:rPr>
-              <a:t>(2019, 9, 19, 11, 23, 25, 541373</a:t>
-            </a:r>
-            <a:r>
-              <a:rPr lang="en-US" sz="1600" dirty="0" smtClean="0">
-                <a:latin typeface="Courier" charset="0"/>
-                <a:ea typeface="Courier" charset="0"/>
-                <a:cs typeface="Courier" charset="0"/>
-              </a:rPr>
-              <a:t>,</a:t>
-            </a:r>
-          </a:p>
-          <a:p>
-            <a:r>
-              <a:rPr lang="en-US" sz="1600" dirty="0">
-                <a:latin typeface="Courier" charset="0"/>
-                <a:ea typeface="Courier" charset="0"/>
-                <a:cs typeface="Courier" charset="0"/>
-              </a:rPr>
-              <a:t> </a:t>
-            </a:r>
-            <a:r>
-              <a:rPr lang="en-US" sz="1600" dirty="0" smtClean="0">
-                <a:latin typeface="Courier" charset="0"/>
-                <a:ea typeface="Courier" charset="0"/>
-                <a:cs typeface="Courier" charset="0"/>
-              </a:rPr>
-              <a:t>  </a:t>
-            </a:r>
-            <a:r>
-              <a:rPr lang="en-US" sz="1600" dirty="0" err="1" smtClean="0">
-                <a:latin typeface="Courier" charset="0"/>
-                <a:ea typeface="Courier" charset="0"/>
-                <a:cs typeface="Courier" charset="0"/>
-              </a:rPr>
-              <a:t>tzinfo</a:t>
-            </a:r>
-            <a:r>
-              <a:rPr lang="en-US" sz="1600" dirty="0">
-                <a:latin typeface="Courier" charset="0"/>
-                <a:ea typeface="Courier" charset="0"/>
-                <a:cs typeface="Courier" charset="0"/>
-              </a:rPr>
-              <a:t>=&lt;UTC&gt;), 'role': 1</a:t>
+              <a:t>': 1</a:t>
             </a:r>
             <a:r>
               <a:rPr lang="en-US" sz="1600" dirty="0" smtClean="0">
@@ -30757,10 +29530,10 @@
           <p:cNvPr id="10" name="Rectangle 9">
             <a:extLst>
               <a:ext uri="{FF2B5EF4-FFF2-40B4-BE49-F238E27FC236}">
-                <a16:creationId xmlns:a16="http://schemas.microsoft.com/office/drawing/2014/main" xmlns="" id="{867D4867-5BA7-4462-B2F6-A23F4A622AA7}"/>
+                <a16:creationId xmlns="" xmlns:a16="http://schemas.microsoft.com/office/drawing/2014/main" id="{867D4867-5BA7-4462-B2F6-A23F4A622AA7}"/>
               </a:ext>
               <a:ext uri="{C183D7F6-B498-43B3-948B-1728B52AA6E4}">
-                <adec:decorative xmlns:adec="http://schemas.microsoft.com/office/drawing/2017/decorative" xmlns="" val="1"/>
+                <adec:decorative xmlns="" xmlns:adec="http://schemas.microsoft.com/office/drawing/2017/decorative" val="1"/>
               </a:ext>
             </a:extLst>
           </p:cNvPr>

--- a/lectures/DJ-04-Many-To-Many.pptx
+++ b/lectures/DJ-04-Many-To-Many.pptx
@@ -231,7 +231,7 @@
           <a:p>
             <a:fld id="{C97B56FC-7D2E-F343-9D09-0D14B00AA564}" type="datetimeFigureOut">
               <a:rPr lang="en-US" smtClean="0"/>
-              <a:t>9/20/19</a:t>
+              <a:t>9/25/19</a:t>
             </a:fld>
             <a:endParaRPr lang="en-US"/>
           </a:p>
@@ -2247,7 +2247,7 @@
           <a:p>
             <a:fld id="{EEE7C04C-7AF8-1445-A186-502B631B934F}" type="datetimeFigureOut">
               <a:rPr lang="en-US" smtClean="0"/>
-              <a:t>9/20/19</a:t>
+              <a:t>9/25/19</a:t>
             </a:fld>
             <a:endParaRPr lang="en-US"/>
           </a:p>
@@ -2412,7 +2412,7 @@
           <a:p>
             <a:fld id="{EEE7C04C-7AF8-1445-A186-502B631B934F}" type="datetimeFigureOut">
               <a:rPr lang="en-US" smtClean="0"/>
-              <a:t>9/20/19</a:t>
+              <a:t>9/25/19</a:t>
             </a:fld>
             <a:endParaRPr lang="en-US"/>
           </a:p>
@@ -2587,7 +2587,7 @@
           <a:p>
             <a:fld id="{EEE7C04C-7AF8-1445-A186-502B631B934F}" type="datetimeFigureOut">
               <a:rPr lang="en-US" smtClean="0"/>
-              <a:t>9/20/19</a:t>
+              <a:t>9/25/19</a:t>
             </a:fld>
             <a:endParaRPr lang="en-US"/>
           </a:p>
@@ -2752,7 +2752,7 @@
           <a:p>
             <a:fld id="{EEE7C04C-7AF8-1445-A186-502B631B934F}" type="datetimeFigureOut">
               <a:rPr lang="en-US" smtClean="0"/>
-              <a:t>9/20/19</a:t>
+              <a:t>9/25/19</a:t>
             </a:fld>
             <a:endParaRPr lang="en-US"/>
           </a:p>
@@ -2993,7 +2993,7 @@
           <a:p>
             <a:fld id="{EEE7C04C-7AF8-1445-A186-502B631B934F}" type="datetimeFigureOut">
               <a:rPr lang="en-US" smtClean="0"/>
-              <a:t>9/20/19</a:t>
+              <a:t>9/25/19</a:t>
             </a:fld>
             <a:endParaRPr lang="en-US"/>
           </a:p>
@@ -3220,7 +3220,7 @@
           <a:p>
             <a:fld id="{EEE7C04C-7AF8-1445-A186-502B631B934F}" type="datetimeFigureOut">
               <a:rPr lang="en-US" smtClean="0"/>
-              <a:t>9/20/19</a:t>
+              <a:t>9/25/19</a:t>
             </a:fld>
             <a:endParaRPr lang="en-US"/>
           </a:p>
@@ -3582,7 +3582,7 @@
           <a:p>
             <a:fld id="{EEE7C04C-7AF8-1445-A186-502B631B934F}" type="datetimeFigureOut">
               <a:rPr lang="en-US" smtClean="0"/>
-              <a:t>9/20/19</a:t>
+              <a:t>9/25/19</a:t>
             </a:fld>
             <a:endParaRPr lang="en-US"/>
           </a:p>
@@ -3695,7 +3695,7 @@
           <a:p>
             <a:fld id="{EEE7C04C-7AF8-1445-A186-502B631B934F}" type="datetimeFigureOut">
               <a:rPr lang="en-US" smtClean="0"/>
-              <a:t>9/20/19</a:t>
+              <a:t>9/25/19</a:t>
             </a:fld>
             <a:endParaRPr lang="en-US"/>
           </a:p>
@@ -3785,7 +3785,7 @@
           <a:p>
             <a:fld id="{EEE7C04C-7AF8-1445-A186-502B631B934F}" type="datetimeFigureOut">
               <a:rPr lang="en-US" smtClean="0"/>
-              <a:t>9/20/19</a:t>
+              <a:t>9/25/19</a:t>
             </a:fld>
             <a:endParaRPr lang="en-US"/>
           </a:p>
@@ -4057,7 +4057,7 @@
           <a:p>
             <a:fld id="{EEE7C04C-7AF8-1445-A186-502B631B934F}" type="datetimeFigureOut">
               <a:rPr lang="en-US" smtClean="0"/>
-              <a:t>9/20/19</a:t>
+              <a:t>9/25/19</a:t>
             </a:fld>
             <a:endParaRPr lang="en-US"/>
           </a:p>
@@ -4309,7 +4309,7 @@
           <a:p>
             <a:fld id="{EEE7C04C-7AF8-1445-A186-502B631B934F}" type="datetimeFigureOut">
               <a:rPr lang="en-US" smtClean="0"/>
-              <a:t>9/20/19</a:t>
+              <a:t>9/25/19</a:t>
             </a:fld>
             <a:endParaRPr lang="en-US"/>
           </a:p>
@@ -4517,7 +4517,7 @@
           <a:p>
             <a:fld id="{EEE7C04C-7AF8-1445-A186-502B631B934F}" type="datetimeFigureOut">
               <a:rPr lang="en-US" smtClean="0"/>
-              <a:t>9/20/19</a:t>
+              <a:t>9/25/19</a:t>
             </a:fld>
             <a:endParaRPr lang="en-US"/>
           </a:p>
@@ -4935,10 +4935,10 @@
           <p:cNvPr id="10" name="Rectangle 9">
             <a:extLst>
               <a:ext uri="{FF2B5EF4-FFF2-40B4-BE49-F238E27FC236}">
-                <a16:creationId xmlns:a16="http://schemas.microsoft.com/office/drawing/2014/main" xmlns="" id="{E20EB187-900F-4AF5-813B-101456D9FD39}"/>
+                <a16:creationId xmlns="" xmlns:a16="http://schemas.microsoft.com/office/drawing/2014/main" id="{E20EB187-900F-4AF5-813B-101456D9FD39}"/>
               </a:ext>
               <a:ext uri="{C183D7F6-B498-43B3-948B-1728B52AA6E4}">
-                <adec:decorative xmlns:adec="http://schemas.microsoft.com/office/drawing/2017/decorative" xmlns="" val="1"/>
+                <adec:decorative xmlns="" xmlns:adec="http://schemas.microsoft.com/office/drawing/2017/decorative" val="1"/>
               </a:ext>
             </a:extLst>
           </p:cNvPr>
@@ -5089,10 +5089,10 @@
           <p:cNvPr id="12" name="Straight Connector 11">
             <a:extLst>
               <a:ext uri="{FF2B5EF4-FFF2-40B4-BE49-F238E27FC236}">
-                <a16:creationId xmlns:a16="http://schemas.microsoft.com/office/drawing/2014/main" xmlns="" id="{624D17C8-E9C2-48A4-AA36-D7048A6CCC41}"/>
+                <a16:creationId xmlns="" xmlns:a16="http://schemas.microsoft.com/office/drawing/2014/main" id="{624D17C8-E9C2-48A4-AA36-D7048A6CCC41}"/>
               </a:ext>
               <a:ext uri="{C183D7F6-B498-43B3-948B-1728B52AA6E4}">
-                <adec:decorative xmlns:adec="http://schemas.microsoft.com/office/drawing/2017/decorative" xmlns="" val="1"/>
+                <adec:decorative xmlns="" xmlns:adec="http://schemas.microsoft.com/office/drawing/2017/decorative" val="1"/>
               </a:ext>
             </a:extLst>
           </p:cNvPr>
@@ -19922,6 +19922,83 @@
           </a:fontRef>
         </p:style>
       </p:cxnSp>
+      <p:cxnSp>
+        <p:nvCxnSpPr>
+          <p:cNvPr id="48" name="Straight Arrow Connector 47"/>
+          <p:cNvCxnSpPr>
+            <a:stCxn id="14" idx="3"/>
+            <a:endCxn id="13" idx="2"/>
+          </p:cNvCxnSpPr>
+          <p:nvPr/>
+        </p:nvCxnSpPr>
+        <p:spPr>
+          <a:xfrm flipV="1">
+            <a:off x="9815644" y="3421029"/>
+            <a:ext cx="957940" cy="294921"/>
+          </a:xfrm>
+          <a:prstGeom prst="straightConnector1">
+            <a:avLst/>
+          </a:prstGeom>
+          <a:ln w="38100">
+            <a:solidFill>
+              <a:schemeClr val="tx1"/>
+            </a:solidFill>
+            <a:tailEnd type="triangle"/>
+          </a:ln>
+        </p:spPr>
+        <p:style>
+          <a:lnRef idx="1">
+            <a:schemeClr val="accent1"/>
+          </a:lnRef>
+          <a:fillRef idx="0">
+            <a:schemeClr val="accent1"/>
+          </a:fillRef>
+          <a:effectRef idx="0">
+            <a:schemeClr val="accent1"/>
+          </a:effectRef>
+          <a:fontRef idx="minor">
+            <a:schemeClr val="tx1"/>
+          </a:fontRef>
+        </p:style>
+      </p:cxnSp>
+      <p:cxnSp>
+        <p:nvCxnSpPr>
+          <p:cNvPr id="52" name="Straight Arrow Connector 51"/>
+          <p:cNvCxnSpPr>
+            <a:endCxn id="14" idx="2"/>
+          </p:cNvCxnSpPr>
+          <p:nvPr/>
+        </p:nvCxnSpPr>
+        <p:spPr>
+          <a:xfrm flipV="1">
+            <a:off x="8664626" y="3966793"/>
+            <a:ext cx="473108" cy="433623"/>
+          </a:xfrm>
+          <a:prstGeom prst="straightConnector1">
+            <a:avLst/>
+          </a:prstGeom>
+          <a:ln w="38100">
+            <a:solidFill>
+              <a:schemeClr val="tx1"/>
+            </a:solidFill>
+            <a:tailEnd type="triangle"/>
+          </a:ln>
+        </p:spPr>
+        <p:style>
+          <a:lnRef idx="1">
+            <a:schemeClr val="accent1"/>
+          </a:lnRef>
+          <a:fillRef idx="0">
+            <a:schemeClr val="accent1"/>
+          </a:fillRef>
+          <a:effectRef idx="0">
+            <a:schemeClr val="accent1"/>
+          </a:effectRef>
+          <a:fontRef idx="minor">
+            <a:schemeClr val="tx1"/>
+          </a:fontRef>
+        </p:style>
+      </p:cxnSp>
     </p:spTree>
     <p:extLst>
       <p:ext uri="{BB962C8B-B14F-4D97-AF65-F5344CB8AC3E}">
@@ -29530,10 +29607,10 @@
           <p:cNvPr id="10" name="Rectangle 9">
             <a:extLst>
               <a:ext uri="{FF2B5EF4-FFF2-40B4-BE49-F238E27FC236}">
-                <a16:creationId xmlns="" xmlns:a16="http://schemas.microsoft.com/office/drawing/2014/main" id="{867D4867-5BA7-4462-B2F6-A23F4A622AA7}"/>
+                <a16:creationId xmlns:a16="http://schemas.microsoft.com/office/drawing/2014/main" xmlns="" id="{867D4867-5BA7-4462-B2F6-A23F4A622AA7}"/>
               </a:ext>
               <a:ext uri="{C183D7F6-B498-43B3-948B-1728B52AA6E4}">
-                <adec:decorative xmlns="" xmlns:adec="http://schemas.microsoft.com/office/drawing/2017/decorative" val="1"/>
+                <adec:decorative xmlns:adec="http://schemas.microsoft.com/office/drawing/2017/decorative" xmlns="" val="1"/>
               </a:ext>
             </a:extLst>
           </p:cNvPr>

--- a/lectures/DJ-04-Many-To-Many.pptx
+++ b/lectures/DJ-04-Many-To-Many.pptx
@@ -231,7 +231,7 @@
           <a:p>
             <a:fld id="{C97B56FC-7D2E-F343-9D09-0D14B00AA564}" type="datetimeFigureOut">
               <a:rPr lang="en-US" smtClean="0"/>
-              <a:t>9/25/19</a:t>
+              <a:t>10/4/19</a:t>
             </a:fld>
             <a:endParaRPr lang="en-US"/>
           </a:p>
@@ -2247,7 +2247,7 @@
           <a:p>
             <a:fld id="{EEE7C04C-7AF8-1445-A186-502B631B934F}" type="datetimeFigureOut">
               <a:rPr lang="en-US" smtClean="0"/>
-              <a:t>9/25/19</a:t>
+              <a:t>10/4/19</a:t>
             </a:fld>
             <a:endParaRPr lang="en-US"/>
           </a:p>
@@ -2412,7 +2412,7 @@
           <a:p>
             <a:fld id="{EEE7C04C-7AF8-1445-A186-502B631B934F}" type="datetimeFigureOut">
               <a:rPr lang="en-US" smtClean="0"/>
-              <a:t>9/25/19</a:t>
+              <a:t>10/4/19</a:t>
             </a:fld>
             <a:endParaRPr lang="en-US"/>
           </a:p>
@@ -2587,7 +2587,7 @@
           <a:p>
             <a:fld id="{EEE7C04C-7AF8-1445-A186-502B631B934F}" type="datetimeFigureOut">
               <a:rPr lang="en-US" smtClean="0"/>
-              <a:t>9/25/19</a:t>
+              <a:t>10/4/19</a:t>
             </a:fld>
             <a:endParaRPr lang="en-US"/>
           </a:p>
@@ -2752,7 +2752,7 @@
           <a:p>
             <a:fld id="{EEE7C04C-7AF8-1445-A186-502B631B934F}" type="datetimeFigureOut">
               <a:rPr lang="en-US" smtClean="0"/>
-              <a:t>9/25/19</a:t>
+              <a:t>10/4/19</a:t>
             </a:fld>
             <a:endParaRPr lang="en-US"/>
           </a:p>
@@ -2993,7 +2993,7 @@
           <a:p>
             <a:fld id="{EEE7C04C-7AF8-1445-A186-502B631B934F}" type="datetimeFigureOut">
               <a:rPr lang="en-US" smtClean="0"/>
-              <a:t>9/25/19</a:t>
+              <a:t>10/4/19</a:t>
             </a:fld>
             <a:endParaRPr lang="en-US"/>
           </a:p>
@@ -3220,7 +3220,7 @@
           <a:p>
             <a:fld id="{EEE7C04C-7AF8-1445-A186-502B631B934F}" type="datetimeFigureOut">
               <a:rPr lang="en-US" smtClean="0"/>
-              <a:t>9/25/19</a:t>
+              <a:t>10/4/19</a:t>
             </a:fld>
             <a:endParaRPr lang="en-US"/>
           </a:p>
@@ -3582,7 +3582,7 @@
           <a:p>
             <a:fld id="{EEE7C04C-7AF8-1445-A186-502B631B934F}" type="datetimeFigureOut">
               <a:rPr lang="en-US" smtClean="0"/>
-              <a:t>9/25/19</a:t>
+              <a:t>10/4/19</a:t>
             </a:fld>
             <a:endParaRPr lang="en-US"/>
           </a:p>
@@ -3695,7 +3695,7 @@
           <a:p>
             <a:fld id="{EEE7C04C-7AF8-1445-A186-502B631B934F}" type="datetimeFigureOut">
               <a:rPr lang="en-US" smtClean="0"/>
-              <a:t>9/25/19</a:t>
+              <a:t>10/4/19</a:t>
             </a:fld>
             <a:endParaRPr lang="en-US"/>
           </a:p>
@@ -3785,7 +3785,7 @@
           <a:p>
             <a:fld id="{EEE7C04C-7AF8-1445-A186-502B631B934F}" type="datetimeFigureOut">
               <a:rPr lang="en-US" smtClean="0"/>
-              <a:t>9/25/19</a:t>
+              <a:t>10/4/19</a:t>
             </a:fld>
             <a:endParaRPr lang="en-US"/>
           </a:p>
@@ -4057,7 +4057,7 @@
           <a:p>
             <a:fld id="{EEE7C04C-7AF8-1445-A186-502B631B934F}" type="datetimeFigureOut">
               <a:rPr lang="en-US" smtClean="0"/>
-              <a:t>9/25/19</a:t>
+              <a:t>10/4/19</a:t>
             </a:fld>
             <a:endParaRPr lang="en-US"/>
           </a:p>
@@ -4309,7 +4309,7 @@
           <a:p>
             <a:fld id="{EEE7C04C-7AF8-1445-A186-502B631B934F}" type="datetimeFigureOut">
               <a:rPr lang="en-US" smtClean="0"/>
-              <a:t>9/25/19</a:t>
+              <a:t>10/4/19</a:t>
             </a:fld>
             <a:endParaRPr lang="en-US"/>
           </a:p>
@@ -4517,7 +4517,7 @@
           <a:p>
             <a:fld id="{EEE7C04C-7AF8-1445-A186-502B631B934F}" type="datetimeFigureOut">
               <a:rPr lang="en-US" smtClean="0"/>
-              <a:t>9/25/19</a:t>
+              <a:t>10/4/19</a:t>
             </a:fld>
             <a:endParaRPr lang="en-US"/>
           </a:p>
@@ -4935,10 +4935,10 @@
           <p:cNvPr id="10" name="Rectangle 9">
             <a:extLst>
               <a:ext uri="{FF2B5EF4-FFF2-40B4-BE49-F238E27FC236}">
-                <a16:creationId xmlns="" xmlns:a16="http://schemas.microsoft.com/office/drawing/2014/main" id="{E20EB187-900F-4AF5-813B-101456D9FD39}"/>
+                <a16:creationId xmlns:a16="http://schemas.microsoft.com/office/drawing/2014/main" xmlns="" id="{E20EB187-900F-4AF5-813B-101456D9FD39}"/>
               </a:ext>
               <a:ext uri="{C183D7F6-B498-43B3-948B-1728B52AA6E4}">
-                <adec:decorative xmlns="" xmlns:adec="http://schemas.microsoft.com/office/drawing/2017/decorative" val="1"/>
+                <adec:decorative xmlns:adec="http://schemas.microsoft.com/office/drawing/2017/decorative" xmlns="" val="1"/>
               </a:ext>
             </a:extLst>
           </p:cNvPr>
@@ -5089,10 +5089,10 @@
           <p:cNvPr id="12" name="Straight Connector 11">
             <a:extLst>
               <a:ext uri="{FF2B5EF4-FFF2-40B4-BE49-F238E27FC236}">
-                <a16:creationId xmlns="" xmlns:a16="http://schemas.microsoft.com/office/drawing/2014/main" id="{624D17C8-E9C2-48A4-AA36-D7048A6CCC41}"/>
+                <a16:creationId xmlns:a16="http://schemas.microsoft.com/office/drawing/2014/main" xmlns="" id="{624D17C8-E9C2-48A4-AA36-D7048A6CCC41}"/>
               </a:ext>
               <a:ext uri="{C183D7F6-B498-43B3-948B-1728B52AA6E4}">
-                <adec:decorative xmlns="" xmlns:adec="http://schemas.microsoft.com/office/drawing/2017/decorative" val="1"/>
+                <adec:decorative xmlns:adec="http://schemas.microsoft.com/office/drawing/2017/decorative" xmlns="" val="1"/>
               </a:ext>
             </a:extLst>
           </p:cNvPr>
@@ -11957,7 +11957,71 @@
                 <a:ea typeface="Courier" charset="0"/>
                 <a:cs typeface="Courier" charset="0"/>
               </a:rPr>
-              <a:t> b1 = Book(title='Networking')</a:t>
+              <a:t> </a:t>
+            </a:r>
+            <a:r>
+              <a:rPr lang="en-US" sz="1600" dirty="0" smtClean="0">
+                <a:solidFill>
+                  <a:srgbClr val="FFFF00"/>
+                </a:solidFill>
+                <a:latin typeface="Courier" charset="0"/>
+                <a:ea typeface="Courier" charset="0"/>
+                <a:cs typeface="Courier" charset="0"/>
+              </a:rPr>
+              <a:t>b1 = Book(title='Networking')</a:t>
+            </a:r>
+          </a:p>
+          <a:p>
+            <a:r>
+              <a:rPr lang="mr-IN" sz="1600" dirty="0" smtClean="0">
+                <a:latin typeface="Courier" charset="0"/>
+                <a:ea typeface="Courier" charset="0"/>
+                <a:cs typeface="Courier" charset="0"/>
+              </a:rPr>
+              <a:t>&gt;&gt;&gt; </a:t>
+            </a:r>
+            <a:r>
+              <a:rPr lang="mr-IN" sz="1600" dirty="0" smtClean="0">
+                <a:solidFill>
+                  <a:srgbClr val="FFFF00"/>
+                </a:solidFill>
+                <a:latin typeface="Courier" charset="0"/>
+                <a:ea typeface="Courier" charset="0"/>
+                <a:cs typeface="Courier" charset="0"/>
+              </a:rPr>
+              <a:t>b1.save()</a:t>
+            </a:r>
+          </a:p>
+          <a:p>
+            <a:r>
+              <a:rPr lang="en-US" sz="1600" dirty="0" smtClean="0">
+                <a:latin typeface="Courier" charset="0"/>
+                <a:ea typeface="Courier" charset="0"/>
+                <a:cs typeface="Courier" charset="0"/>
+              </a:rPr>
+              <a:t>&gt;&gt;&gt;</a:t>
+            </a:r>
+            <a:r>
+              <a:rPr lang="en-US" sz="1600" dirty="0" smtClean="0">
+                <a:solidFill>
+                  <a:srgbClr val="FFFF00"/>
+                </a:solidFill>
+                <a:latin typeface="Courier" charset="0"/>
+                <a:ea typeface="Courier" charset="0"/>
+                <a:cs typeface="Courier" charset="0"/>
+              </a:rPr>
+              <a:t> </a:t>
+            </a:r>
+            <a:r>
+              <a:rPr lang="en-US" sz="1600" dirty="0">
+                <a:solidFill>
+                  <a:srgbClr val="FFFF00"/>
+                </a:solidFill>
+                <a:latin typeface="Courier" charset="0"/>
+                <a:ea typeface="Courier" charset="0"/>
+                <a:cs typeface="Courier" charset="0"/>
+              </a:rPr>
+              <a:t>b2 = Book(title='Raspberry')</a:t>
             </a:r>
           </a:p>
           <a:p>
@@ -11967,10 +12031,247 @@
                 <a:ea typeface="Courier" charset="0"/>
                 <a:cs typeface="Courier" charset="0"/>
               </a:rPr>
+              <a:t>&gt;&gt;&gt;</a:t>
+            </a:r>
+            <a:r>
+              <a:rPr lang="mr-IN" sz="1600" dirty="0">
+                <a:solidFill>
+                  <a:srgbClr val="FFFF00"/>
+                </a:solidFill>
+                <a:latin typeface="Courier" charset="0"/>
+                <a:ea typeface="Courier" charset="0"/>
+                <a:cs typeface="Courier" charset="0"/>
+              </a:rPr>
+              <a:t> b2.save()</a:t>
+            </a:r>
+          </a:p>
+          <a:p>
+            <a:r>
+              <a:rPr lang="en-US" sz="1600" dirty="0">
+                <a:latin typeface="Courier" charset="0"/>
+                <a:ea typeface="Courier" charset="0"/>
+                <a:cs typeface="Courier" charset="0"/>
+              </a:rPr>
+              <a:t>&gt;&gt;&gt;</a:t>
+            </a:r>
+            <a:r>
+              <a:rPr lang="en-US" sz="1600" dirty="0">
+                <a:solidFill>
+                  <a:srgbClr val="FFFF00"/>
+                </a:solidFill>
+                <a:latin typeface="Courier" charset="0"/>
+                <a:ea typeface="Courier" charset="0"/>
+                <a:cs typeface="Courier" charset="0"/>
+              </a:rPr>
+              <a:t> a1 = Author(name='</a:t>
+            </a:r>
+            <a:r>
+              <a:rPr lang="en-US" sz="1600" dirty="0" err="1">
+                <a:solidFill>
+                  <a:srgbClr val="FFFF00"/>
+                </a:solidFill>
+                <a:latin typeface="Courier" charset="0"/>
+                <a:ea typeface="Courier" charset="0"/>
+                <a:cs typeface="Courier" charset="0"/>
+              </a:rPr>
+              <a:t>Fontichiaro</a:t>
+            </a:r>
+            <a:r>
+              <a:rPr lang="en-US" sz="1600" dirty="0">
+                <a:solidFill>
+                  <a:srgbClr val="FFFF00"/>
+                </a:solidFill>
+                <a:latin typeface="Courier" charset="0"/>
+                <a:ea typeface="Courier" charset="0"/>
+                <a:cs typeface="Courier" charset="0"/>
+              </a:rPr>
+              <a:t>')</a:t>
+            </a:r>
+          </a:p>
+          <a:p>
+            <a:r>
+              <a:rPr lang="mr-IN" sz="1600" dirty="0">
+                <a:latin typeface="Courier" charset="0"/>
+                <a:ea typeface="Courier" charset="0"/>
+                <a:cs typeface="Courier" charset="0"/>
+              </a:rPr>
+              <a:t>&gt;&gt;&gt;</a:t>
+            </a:r>
+            <a:r>
+              <a:rPr lang="mr-IN" sz="1600" dirty="0">
+                <a:solidFill>
+                  <a:srgbClr val="FFFF00"/>
+                </a:solidFill>
+                <a:latin typeface="Courier" charset="0"/>
+                <a:ea typeface="Courier" charset="0"/>
+                <a:cs typeface="Courier" charset="0"/>
+              </a:rPr>
+              <a:t> a1.save()</a:t>
+            </a:r>
+          </a:p>
+          <a:p>
+            <a:r>
+              <a:rPr lang="en-US" sz="1600" dirty="0">
+                <a:latin typeface="Courier" charset="0"/>
+                <a:ea typeface="Courier" charset="0"/>
+                <a:cs typeface="Courier" charset="0"/>
+              </a:rPr>
+              <a:t>&gt;&gt;&gt;</a:t>
+            </a:r>
+            <a:r>
+              <a:rPr lang="en-US" sz="1600" dirty="0">
+                <a:solidFill>
+                  <a:srgbClr val="FFFF00"/>
+                </a:solidFill>
+                <a:latin typeface="Courier" charset="0"/>
+                <a:ea typeface="Courier" charset="0"/>
+                <a:cs typeface="Courier" charset="0"/>
+              </a:rPr>
+              <a:t> a2 = Author(name='Severance')</a:t>
+            </a:r>
+          </a:p>
+          <a:p>
+            <a:r>
+              <a:rPr lang="mr-IN" sz="1600" dirty="0">
+                <a:latin typeface="Courier" charset="0"/>
+                <a:ea typeface="Courier" charset="0"/>
+                <a:cs typeface="Courier" charset="0"/>
+              </a:rPr>
+              <a:t>&gt;&gt;&gt;</a:t>
+            </a:r>
+            <a:r>
+              <a:rPr lang="mr-IN" sz="1600" dirty="0">
+                <a:solidFill>
+                  <a:srgbClr val="FFFF00"/>
+                </a:solidFill>
+                <a:latin typeface="Courier" charset="0"/>
+                <a:ea typeface="Courier" charset="0"/>
+                <a:cs typeface="Courier" charset="0"/>
+              </a:rPr>
+              <a:t> a2.save()</a:t>
+            </a:r>
+          </a:p>
+          <a:p>
+            <a:r>
+              <a:rPr lang="en-US" sz="1600" dirty="0">
+                <a:latin typeface="Courier" charset="0"/>
+                <a:ea typeface="Courier" charset="0"/>
+                <a:cs typeface="Courier" charset="0"/>
+              </a:rPr>
+              <a:t>&gt;&gt;&gt;</a:t>
+            </a:r>
+            <a:r>
+              <a:rPr lang="en-US" sz="1600" dirty="0">
+                <a:solidFill>
+                  <a:srgbClr val="FFFF00"/>
+                </a:solidFill>
+                <a:latin typeface="Courier" charset="0"/>
+                <a:ea typeface="Courier" charset="0"/>
+                <a:cs typeface="Courier" charset="0"/>
+              </a:rPr>
+              <a:t> Authored(book=b1, author=a2).save()</a:t>
+            </a:r>
+          </a:p>
+          <a:p>
+            <a:r>
+              <a:rPr lang="en-US" sz="1600" dirty="0">
+                <a:latin typeface="Courier" charset="0"/>
+                <a:ea typeface="Courier" charset="0"/>
+                <a:cs typeface="Courier" charset="0"/>
+              </a:rPr>
+              <a:t>&gt;&gt;&gt;</a:t>
+            </a:r>
+            <a:r>
+              <a:rPr lang="en-US" sz="1600" dirty="0">
+                <a:solidFill>
+                  <a:srgbClr val="FFFF00"/>
+                </a:solidFill>
+                <a:latin typeface="Courier" charset="0"/>
+                <a:ea typeface="Courier" charset="0"/>
+                <a:cs typeface="Courier" charset="0"/>
+              </a:rPr>
+              <a:t> Authored(book=b2, author=a1).save()</a:t>
+            </a:r>
+          </a:p>
+          <a:p>
+            <a:r>
+              <a:rPr lang="en-US" sz="1600" dirty="0">
+                <a:latin typeface="Courier" charset="0"/>
+                <a:ea typeface="Courier" charset="0"/>
+                <a:cs typeface="Courier" charset="0"/>
+              </a:rPr>
+              <a:t>&gt;&gt;&gt;</a:t>
+            </a:r>
+            <a:r>
+              <a:rPr lang="en-US" sz="1600" dirty="0">
+                <a:solidFill>
+                  <a:srgbClr val="FFFF00"/>
+                </a:solidFill>
+                <a:latin typeface="Courier" charset="0"/>
+                <a:ea typeface="Courier" charset="0"/>
+                <a:cs typeface="Courier" charset="0"/>
+              </a:rPr>
+              <a:t> Authored(book=b2, author=a2).save()</a:t>
+            </a:r>
+          </a:p>
+          <a:p>
+            <a:r>
+              <a:rPr lang="en-US" sz="1600" dirty="0">
+                <a:latin typeface="Courier" charset="0"/>
+                <a:ea typeface="Courier" charset="0"/>
+                <a:cs typeface="Courier" charset="0"/>
+              </a:rPr>
+              <a:t>&gt;&gt;&gt;</a:t>
+            </a:r>
+            <a:r>
+              <a:rPr lang="en-US" sz="1600" dirty="0">
+                <a:solidFill>
+                  <a:srgbClr val="FFFF00"/>
+                </a:solidFill>
+                <a:latin typeface="Courier" charset="0"/>
+                <a:ea typeface="Courier" charset="0"/>
+                <a:cs typeface="Courier" charset="0"/>
+              </a:rPr>
+              <a:t> b1.authors.values()</a:t>
+            </a:r>
+          </a:p>
+          <a:p>
+            <a:r>
+              <a:rPr lang="en-US" sz="1600" dirty="0">
+                <a:latin typeface="Courier" charset="0"/>
+                <a:ea typeface="Courier" charset="0"/>
+                <a:cs typeface="Courier" charset="0"/>
+              </a:rPr>
+              <a:t>&lt;</a:t>
+            </a:r>
+            <a:r>
+              <a:rPr lang="en-US" sz="1600" dirty="0" err="1">
+                <a:latin typeface="Courier" charset="0"/>
+                <a:ea typeface="Courier" charset="0"/>
+                <a:cs typeface="Courier" charset="0"/>
+              </a:rPr>
+              <a:t>QuerySet</a:t>
+            </a:r>
+            <a:r>
+              <a:rPr lang="en-US" sz="1600" dirty="0">
+                <a:latin typeface="Courier" charset="0"/>
+                <a:ea typeface="Courier" charset="0"/>
+                <a:cs typeface="Courier" charset="0"/>
+              </a:rPr>
+              <a:t> [{'id': 2, 'name': 'Severance'}]&gt;</a:t>
+            </a:r>
+          </a:p>
+          <a:p>
+            <a:r>
+              <a:rPr lang="en-US" sz="1600" dirty="0">
+                <a:latin typeface="Courier" charset="0"/>
+                <a:ea typeface="Courier" charset="0"/>
+                <a:cs typeface="Courier" charset="0"/>
+              </a:rPr>
               <a:t>&gt;&gt;&gt; </a:t>
             </a:r>
             <a:r>
-              <a:rPr lang="mr-IN" sz="1600" dirty="0">
+              <a:rPr lang="en-US" sz="1600" dirty="0" smtClean="0">
                 <a:solidFill>
                   <a:srgbClr val="FFFF00"/>
                 </a:solidFill>
@@ -11978,20 +12279,73 @@
                 <a:ea typeface="Courier" charset="0"/>
                 <a:cs typeface="Courier" charset="0"/>
               </a:rPr>
-              <a:t>b1.save()</a:t>
-            </a:r>
-          </a:p>
-          <a:p>
+              <a:t>b2.author_set.values</a:t>
+            </a:r>
             <a:r>
               <a:rPr lang="en-US" sz="1600" dirty="0">
-                <a:latin typeface="Courier" charset="0"/>
-                <a:ea typeface="Courier" charset="0"/>
-                <a:cs typeface="Courier" charset="0"/>
-              </a:rPr>
-              <a:t>&gt;&gt;&gt;</a:t>
-            </a:r>
+                <a:solidFill>
+                  <a:srgbClr val="FFFF00"/>
+                </a:solidFill>
+                <a:latin typeface="Courier" charset="0"/>
+                <a:ea typeface="Courier" charset="0"/>
+                <a:cs typeface="Courier" charset="0"/>
+              </a:rPr>
+              <a:t>()</a:t>
+            </a:r>
+          </a:p>
+          <a:p>
             <a:r>
               <a:rPr lang="en-US" sz="1600" dirty="0">
+                <a:latin typeface="Courier" charset="0"/>
+                <a:ea typeface="Courier" charset="0"/>
+                <a:cs typeface="Courier" charset="0"/>
+              </a:rPr>
+              <a:t>&lt;</a:t>
+            </a:r>
+            <a:r>
+              <a:rPr lang="en-US" sz="1600" dirty="0" err="1">
+                <a:latin typeface="Courier" charset="0"/>
+                <a:ea typeface="Courier" charset="0"/>
+                <a:cs typeface="Courier" charset="0"/>
+              </a:rPr>
+              <a:t>QuerySet</a:t>
+            </a:r>
+            <a:r>
+              <a:rPr lang="en-US" sz="1600" dirty="0">
+                <a:latin typeface="Courier" charset="0"/>
+                <a:ea typeface="Courier" charset="0"/>
+                <a:cs typeface="Courier" charset="0"/>
+              </a:rPr>
+              <a:t> [{'id': 1, 'name': '</a:t>
+            </a:r>
+            <a:r>
+              <a:rPr lang="en-US" sz="1600" dirty="0" err="1">
+                <a:latin typeface="Courier" charset="0"/>
+                <a:ea typeface="Courier" charset="0"/>
+                <a:cs typeface="Courier" charset="0"/>
+              </a:rPr>
+              <a:t>Fontichiaro</a:t>
+            </a:r>
+            <a:r>
+              <a:rPr lang="en-US" sz="1600" dirty="0">
+                <a:latin typeface="Courier" charset="0"/>
+                <a:ea typeface="Courier" charset="0"/>
+                <a:cs typeface="Courier" charset="0"/>
+              </a:rPr>
+              <a:t>'}, {'id': 2, 'name': 'Severance'}]&gt;</a:t>
+            </a:r>
+          </a:p>
+          <a:p>
+            <a:r>
+              <a:rPr lang="en-US" sz="1600" dirty="0">
+                <a:latin typeface="Courier" charset="0"/>
+                <a:ea typeface="Courier" charset="0"/>
+                <a:cs typeface="Courier" charset="0"/>
+              </a:rPr>
+              <a:t>&gt;&gt;&gt; </a:t>
+            </a:r>
+            <a:r>
+              <a:rPr lang="en-US" sz="1600" dirty="0">
                 <a:solidFill>
                   <a:srgbClr val="FFFF00"/>
                 </a:solidFill>
@@ -11999,20 +12353,46 @@
                 <a:ea typeface="Courier" charset="0"/>
                 <a:cs typeface="Courier" charset="0"/>
               </a:rPr>
-              <a:t> b2 = Book(title='Raspberry')</a:t>
-            </a:r>
-          </a:p>
-          <a:p>
-            <a:r>
-              <a:rPr lang="mr-IN" sz="1600" dirty="0">
-                <a:latin typeface="Courier" charset="0"/>
-                <a:ea typeface="Courier" charset="0"/>
-                <a:cs typeface="Courier" charset="0"/>
-              </a:rPr>
-              <a:t>&gt;&gt;&gt;</a:t>
-            </a:r>
-            <a:r>
-              <a:rPr lang="mr-IN" sz="1600" dirty="0">
+              <a:t>a1.books.values()</a:t>
+            </a:r>
+          </a:p>
+          <a:p>
+            <a:r>
+              <a:rPr lang="en-US" sz="1600" dirty="0">
+                <a:latin typeface="Courier" charset="0"/>
+                <a:ea typeface="Courier" charset="0"/>
+                <a:cs typeface="Courier" charset="0"/>
+              </a:rPr>
+              <a:t>&lt;</a:t>
+            </a:r>
+            <a:r>
+              <a:rPr lang="en-US" sz="1600" dirty="0" err="1">
+                <a:latin typeface="Courier" charset="0"/>
+                <a:ea typeface="Courier" charset="0"/>
+                <a:cs typeface="Courier" charset="0"/>
+              </a:rPr>
+              <a:t>QuerySet</a:t>
+            </a:r>
+            <a:r>
+              <a:rPr lang="en-US" sz="1600" dirty="0">
+                <a:latin typeface="Courier" charset="0"/>
+                <a:ea typeface="Courier" charset="0"/>
+                <a:cs typeface="Courier" charset="0"/>
+              </a:rPr>
+              <a:t> [{'id': 2, 'title': 'Raspberry'}]&gt;</a:t>
+            </a:r>
+          </a:p>
+          <a:p>
+            <a:r>
+              <a:rPr lang="en-US" sz="1600" dirty="0">
+                <a:latin typeface="Courier" charset="0"/>
+                <a:ea typeface="Courier" charset="0"/>
+                <a:cs typeface="Courier" charset="0"/>
+              </a:rPr>
+              <a:t>&gt;&gt;&gt; </a:t>
+            </a:r>
+            <a:r>
+              <a:rPr lang="en-US" sz="1600" dirty="0" smtClean="0">
                 <a:solidFill>
                   <a:srgbClr val="FFFF00"/>
                 </a:solidFill>
@@ -12020,20 +12400,10 @@
                 <a:ea typeface="Courier" charset="0"/>
                 <a:cs typeface="Courier" charset="0"/>
               </a:rPr>
-              <a:t> b2.save()</a:t>
-            </a:r>
-          </a:p>
-          <a:p>
+              <a:t>a2.book_set.values</a:t>
+            </a:r>
             <a:r>
               <a:rPr lang="en-US" sz="1600" dirty="0">
-                <a:latin typeface="Courier" charset="0"/>
-                <a:ea typeface="Courier" charset="0"/>
-                <a:cs typeface="Courier" charset="0"/>
-              </a:rPr>
-              <a:t>&gt;&gt;&gt;</a:t>
-            </a:r>
-            <a:r>
-              <a:rPr lang="en-US" sz="1600" dirty="0">
                 <a:solidFill>
                   <a:srgbClr val="FFFF00"/>
                 </a:solidFill>
@@ -12041,333 +12411,7 @@
                 <a:ea typeface="Courier" charset="0"/>
                 <a:cs typeface="Courier" charset="0"/>
               </a:rPr>
-              <a:t> a1 = Author(name='</a:t>
-            </a:r>
-            <a:r>
-              <a:rPr lang="en-US" sz="1600" dirty="0" err="1">
-                <a:solidFill>
-                  <a:srgbClr val="FFFF00"/>
-                </a:solidFill>
-                <a:latin typeface="Courier" charset="0"/>
-                <a:ea typeface="Courier" charset="0"/>
-                <a:cs typeface="Courier" charset="0"/>
-              </a:rPr>
-              <a:t>Fontichiaro</a:t>
-            </a:r>
-            <a:r>
-              <a:rPr lang="en-US" sz="1600" dirty="0">
-                <a:solidFill>
-                  <a:srgbClr val="FFFF00"/>
-                </a:solidFill>
-                <a:latin typeface="Courier" charset="0"/>
-                <a:ea typeface="Courier" charset="0"/>
-                <a:cs typeface="Courier" charset="0"/>
-              </a:rPr>
-              <a:t>')</a:t>
-            </a:r>
-          </a:p>
-          <a:p>
-            <a:r>
-              <a:rPr lang="mr-IN" sz="1600" dirty="0">
-                <a:latin typeface="Courier" charset="0"/>
-                <a:ea typeface="Courier" charset="0"/>
-                <a:cs typeface="Courier" charset="0"/>
-              </a:rPr>
-              <a:t>&gt;&gt;&gt;</a:t>
-            </a:r>
-            <a:r>
-              <a:rPr lang="mr-IN" sz="1600" dirty="0">
-                <a:solidFill>
-                  <a:srgbClr val="FFFF00"/>
-                </a:solidFill>
-                <a:latin typeface="Courier" charset="0"/>
-                <a:ea typeface="Courier" charset="0"/>
-                <a:cs typeface="Courier" charset="0"/>
-              </a:rPr>
-              <a:t> a1.save()</a:t>
-            </a:r>
-          </a:p>
-          <a:p>
-            <a:r>
-              <a:rPr lang="en-US" sz="1600" dirty="0">
-                <a:latin typeface="Courier" charset="0"/>
-                <a:ea typeface="Courier" charset="0"/>
-                <a:cs typeface="Courier" charset="0"/>
-              </a:rPr>
-              <a:t>&gt;&gt;&gt;</a:t>
-            </a:r>
-            <a:r>
-              <a:rPr lang="en-US" sz="1600" dirty="0">
-                <a:solidFill>
-                  <a:srgbClr val="FFFF00"/>
-                </a:solidFill>
-                <a:latin typeface="Courier" charset="0"/>
-                <a:ea typeface="Courier" charset="0"/>
-                <a:cs typeface="Courier" charset="0"/>
-              </a:rPr>
-              <a:t> a2 = Author(name='Severance')</a:t>
-            </a:r>
-          </a:p>
-          <a:p>
-            <a:r>
-              <a:rPr lang="mr-IN" sz="1600" dirty="0">
-                <a:latin typeface="Courier" charset="0"/>
-                <a:ea typeface="Courier" charset="0"/>
-                <a:cs typeface="Courier" charset="0"/>
-              </a:rPr>
-              <a:t>&gt;&gt;&gt;</a:t>
-            </a:r>
-            <a:r>
-              <a:rPr lang="mr-IN" sz="1600" dirty="0">
-                <a:solidFill>
-                  <a:srgbClr val="FFFF00"/>
-                </a:solidFill>
-                <a:latin typeface="Courier" charset="0"/>
-                <a:ea typeface="Courier" charset="0"/>
-                <a:cs typeface="Courier" charset="0"/>
-              </a:rPr>
-              <a:t> a2.save()</a:t>
-            </a:r>
-          </a:p>
-          <a:p>
-            <a:r>
-              <a:rPr lang="en-US" sz="1600" dirty="0">
-                <a:latin typeface="Courier" charset="0"/>
-                <a:ea typeface="Courier" charset="0"/>
-                <a:cs typeface="Courier" charset="0"/>
-              </a:rPr>
-              <a:t>&gt;&gt;&gt;</a:t>
-            </a:r>
-            <a:r>
-              <a:rPr lang="en-US" sz="1600" dirty="0">
-                <a:solidFill>
-                  <a:srgbClr val="FFFF00"/>
-                </a:solidFill>
-                <a:latin typeface="Courier" charset="0"/>
-                <a:ea typeface="Courier" charset="0"/>
-                <a:cs typeface="Courier" charset="0"/>
-              </a:rPr>
-              <a:t> Authored(book=b1, author=a2).save()</a:t>
-            </a:r>
-          </a:p>
-          <a:p>
-            <a:r>
-              <a:rPr lang="en-US" sz="1600" dirty="0">
-                <a:latin typeface="Courier" charset="0"/>
-                <a:ea typeface="Courier" charset="0"/>
-                <a:cs typeface="Courier" charset="0"/>
-              </a:rPr>
-              <a:t>&gt;&gt;&gt;</a:t>
-            </a:r>
-            <a:r>
-              <a:rPr lang="en-US" sz="1600" dirty="0">
-                <a:solidFill>
-                  <a:srgbClr val="FFFF00"/>
-                </a:solidFill>
-                <a:latin typeface="Courier" charset="0"/>
-                <a:ea typeface="Courier" charset="0"/>
-                <a:cs typeface="Courier" charset="0"/>
-              </a:rPr>
-              <a:t> Authored(book=b2, author=a1).save()</a:t>
-            </a:r>
-          </a:p>
-          <a:p>
-            <a:r>
-              <a:rPr lang="en-US" sz="1600" dirty="0">
-                <a:latin typeface="Courier" charset="0"/>
-                <a:ea typeface="Courier" charset="0"/>
-                <a:cs typeface="Courier" charset="0"/>
-              </a:rPr>
-              <a:t>&gt;&gt;&gt;</a:t>
-            </a:r>
-            <a:r>
-              <a:rPr lang="en-US" sz="1600" dirty="0">
-                <a:solidFill>
-                  <a:srgbClr val="FFFF00"/>
-                </a:solidFill>
-                <a:latin typeface="Courier" charset="0"/>
-                <a:ea typeface="Courier" charset="0"/>
-                <a:cs typeface="Courier" charset="0"/>
-              </a:rPr>
-              <a:t> Authored(book=b2, author=a2).save()</a:t>
-            </a:r>
-          </a:p>
-          <a:p>
-            <a:r>
-              <a:rPr lang="en-US" sz="1600" dirty="0">
-                <a:latin typeface="Courier" charset="0"/>
-                <a:ea typeface="Courier" charset="0"/>
-                <a:cs typeface="Courier" charset="0"/>
-              </a:rPr>
-              <a:t>&gt;&gt;&gt;</a:t>
-            </a:r>
-            <a:r>
-              <a:rPr lang="en-US" sz="1600" dirty="0">
-                <a:solidFill>
-                  <a:srgbClr val="FFFF00"/>
-                </a:solidFill>
-                <a:latin typeface="Courier" charset="0"/>
-                <a:ea typeface="Courier" charset="0"/>
-                <a:cs typeface="Courier" charset="0"/>
-              </a:rPr>
-              <a:t> b1.authors.values()</a:t>
-            </a:r>
-          </a:p>
-          <a:p>
-            <a:r>
-              <a:rPr lang="en-US" sz="1600" dirty="0">
-                <a:latin typeface="Courier" charset="0"/>
-                <a:ea typeface="Courier" charset="0"/>
-                <a:cs typeface="Courier" charset="0"/>
-              </a:rPr>
-              <a:t>&lt;</a:t>
-            </a:r>
-            <a:r>
-              <a:rPr lang="en-US" sz="1600" dirty="0" err="1">
-                <a:latin typeface="Courier" charset="0"/>
-                <a:ea typeface="Courier" charset="0"/>
-                <a:cs typeface="Courier" charset="0"/>
-              </a:rPr>
-              <a:t>QuerySet</a:t>
-            </a:r>
-            <a:r>
-              <a:rPr lang="en-US" sz="1600" dirty="0">
-                <a:latin typeface="Courier" charset="0"/>
-                <a:ea typeface="Courier" charset="0"/>
-                <a:cs typeface="Courier" charset="0"/>
-              </a:rPr>
-              <a:t> [{'id': 2, 'name': 'Severance'}]&gt;</a:t>
-            </a:r>
-          </a:p>
-          <a:p>
-            <a:r>
-              <a:rPr lang="en-US" sz="1600" dirty="0">
-                <a:latin typeface="Courier" charset="0"/>
-                <a:ea typeface="Courier" charset="0"/>
-                <a:cs typeface="Courier" charset="0"/>
-              </a:rPr>
-              <a:t>&gt;&gt;&gt; </a:t>
-            </a:r>
-            <a:r>
-              <a:rPr lang="en-US" sz="1600" dirty="0">
-                <a:solidFill>
-                  <a:srgbClr val="FFFF00"/>
-                </a:solidFill>
-                <a:latin typeface="Courier" charset="0"/>
-                <a:ea typeface="Courier" charset="0"/>
-                <a:cs typeface="Courier" charset="0"/>
-              </a:rPr>
-              <a:t>b2.authors.values()</a:t>
-            </a:r>
-          </a:p>
-          <a:p>
-            <a:r>
-              <a:rPr lang="en-US" sz="1600" dirty="0">
-                <a:latin typeface="Courier" charset="0"/>
-                <a:ea typeface="Courier" charset="0"/>
-                <a:cs typeface="Courier" charset="0"/>
-              </a:rPr>
-              <a:t>&lt;</a:t>
-            </a:r>
-            <a:r>
-              <a:rPr lang="en-US" sz="1600" dirty="0" err="1">
-                <a:latin typeface="Courier" charset="0"/>
-                <a:ea typeface="Courier" charset="0"/>
-                <a:cs typeface="Courier" charset="0"/>
-              </a:rPr>
-              <a:t>QuerySet</a:t>
-            </a:r>
-            <a:r>
-              <a:rPr lang="en-US" sz="1600" dirty="0">
-                <a:latin typeface="Courier" charset="0"/>
-                <a:ea typeface="Courier" charset="0"/>
-                <a:cs typeface="Courier" charset="0"/>
-              </a:rPr>
-              <a:t> [{'id': 1, 'name': '</a:t>
-            </a:r>
-            <a:r>
-              <a:rPr lang="en-US" sz="1600" dirty="0" err="1">
-                <a:latin typeface="Courier" charset="0"/>
-                <a:ea typeface="Courier" charset="0"/>
-                <a:cs typeface="Courier" charset="0"/>
-              </a:rPr>
-              <a:t>Fontichiaro</a:t>
-            </a:r>
-            <a:r>
-              <a:rPr lang="en-US" sz="1600" dirty="0">
-                <a:latin typeface="Courier" charset="0"/>
-                <a:ea typeface="Courier" charset="0"/>
-                <a:cs typeface="Courier" charset="0"/>
-              </a:rPr>
-              <a:t>'}, {'id': 2, 'name': 'Severance'}]&gt;</a:t>
-            </a:r>
-          </a:p>
-          <a:p>
-            <a:r>
-              <a:rPr lang="en-US" sz="1600" dirty="0">
-                <a:latin typeface="Courier" charset="0"/>
-                <a:ea typeface="Courier" charset="0"/>
-                <a:cs typeface="Courier" charset="0"/>
-              </a:rPr>
-              <a:t>&gt;&gt;&gt; </a:t>
-            </a:r>
-            <a:r>
-              <a:rPr lang="en-US" sz="1600" dirty="0">
-                <a:solidFill>
-                  <a:srgbClr val="FFFF00"/>
-                </a:solidFill>
-                <a:latin typeface="Courier" charset="0"/>
-                <a:ea typeface="Courier" charset="0"/>
-                <a:cs typeface="Courier" charset="0"/>
-              </a:rPr>
-              <a:t>a1.books.values()</a:t>
-            </a:r>
-          </a:p>
-          <a:p>
-            <a:r>
-              <a:rPr lang="en-US" sz="1600" dirty="0">
-                <a:latin typeface="Courier" charset="0"/>
-                <a:ea typeface="Courier" charset="0"/>
-                <a:cs typeface="Courier" charset="0"/>
-              </a:rPr>
-              <a:t>&lt;</a:t>
-            </a:r>
-            <a:r>
-              <a:rPr lang="en-US" sz="1600" dirty="0" err="1">
-                <a:latin typeface="Courier" charset="0"/>
-                <a:ea typeface="Courier" charset="0"/>
-                <a:cs typeface="Courier" charset="0"/>
-              </a:rPr>
-              <a:t>QuerySet</a:t>
-            </a:r>
-            <a:r>
-              <a:rPr lang="en-US" sz="1600" dirty="0">
-                <a:latin typeface="Courier" charset="0"/>
-                <a:ea typeface="Courier" charset="0"/>
-                <a:cs typeface="Courier" charset="0"/>
-              </a:rPr>
-              <a:t> [{'id': 2, 'title': 'Raspberry'}]&gt;</a:t>
-            </a:r>
-          </a:p>
-          <a:p>
-            <a:r>
-              <a:rPr lang="en-US" sz="1600" dirty="0">
-                <a:latin typeface="Courier" charset="0"/>
-                <a:ea typeface="Courier" charset="0"/>
-                <a:cs typeface="Courier" charset="0"/>
-              </a:rPr>
-              <a:t>&gt;&gt;&gt; </a:t>
-            </a:r>
-            <a:r>
-              <a:rPr lang="en-US" sz="1600" dirty="0">
-                <a:solidFill>
-                  <a:srgbClr val="FFFF00"/>
-                </a:solidFill>
-                <a:latin typeface="Courier" charset="0"/>
-                <a:ea typeface="Courier" charset="0"/>
-                <a:cs typeface="Courier" charset="0"/>
-              </a:rPr>
-              <a:t>a2.books.values()</a:t>
+              <a:t>()</a:t>
             </a:r>
           </a:p>
           <a:p>
@@ -29607,10 +29651,10 @@
           <p:cNvPr id="10" name="Rectangle 9">
             <a:extLst>
               <a:ext uri="{FF2B5EF4-FFF2-40B4-BE49-F238E27FC236}">
-                <a16:creationId xmlns:a16="http://schemas.microsoft.com/office/drawing/2014/main" xmlns="" id="{867D4867-5BA7-4462-B2F6-A23F4A622AA7}"/>
+                <a16:creationId xmlns="" xmlns:a16="http://schemas.microsoft.com/office/drawing/2014/main" id="{867D4867-5BA7-4462-B2F6-A23F4A622AA7}"/>
               </a:ext>
               <a:ext uri="{C183D7F6-B498-43B3-948B-1728B52AA6E4}">
-                <adec:decorative xmlns:adec="http://schemas.microsoft.com/office/drawing/2017/decorative" xmlns="" val="1"/>
+                <adec:decorative xmlns="" xmlns:adec="http://schemas.microsoft.com/office/drawing/2017/decorative" val="1"/>
               </a:ext>
             </a:extLst>
           </p:cNvPr>

--- a/lectures/DJ-04-Many-To-Many.pptx
+++ b/lectures/DJ-04-Many-To-Many.pptx
@@ -231,7 +231,7 @@
           <a:p>
             <a:fld id="{C97B56FC-7D2E-F343-9D09-0D14B00AA564}" type="datetimeFigureOut">
               <a:rPr lang="en-US" smtClean="0"/>
-              <a:t>10/4/19</a:t>
+              <a:t>2/21/20</a:t>
             </a:fld>
             <a:endParaRPr lang="en-US"/>
           </a:p>
@@ -2247,7 +2247,7 @@
           <a:p>
             <a:fld id="{EEE7C04C-7AF8-1445-A186-502B631B934F}" type="datetimeFigureOut">
               <a:rPr lang="en-US" smtClean="0"/>
-              <a:t>10/4/19</a:t>
+              <a:t>2/21/20</a:t>
             </a:fld>
             <a:endParaRPr lang="en-US"/>
           </a:p>
@@ -2412,7 +2412,7 @@
           <a:p>
             <a:fld id="{EEE7C04C-7AF8-1445-A186-502B631B934F}" type="datetimeFigureOut">
               <a:rPr lang="en-US" smtClean="0"/>
-              <a:t>10/4/19</a:t>
+              <a:t>2/21/20</a:t>
             </a:fld>
             <a:endParaRPr lang="en-US"/>
           </a:p>
@@ -2587,7 +2587,7 @@
           <a:p>
             <a:fld id="{EEE7C04C-7AF8-1445-A186-502B631B934F}" type="datetimeFigureOut">
               <a:rPr lang="en-US" smtClean="0"/>
-              <a:t>10/4/19</a:t>
+              <a:t>2/21/20</a:t>
             </a:fld>
             <a:endParaRPr lang="en-US"/>
           </a:p>
@@ -2752,7 +2752,7 @@
           <a:p>
             <a:fld id="{EEE7C04C-7AF8-1445-A186-502B631B934F}" type="datetimeFigureOut">
               <a:rPr lang="en-US" smtClean="0"/>
-              <a:t>10/4/19</a:t>
+              <a:t>2/21/20</a:t>
             </a:fld>
             <a:endParaRPr lang="en-US"/>
           </a:p>
@@ -2993,7 +2993,7 @@
           <a:p>
             <a:fld id="{EEE7C04C-7AF8-1445-A186-502B631B934F}" type="datetimeFigureOut">
               <a:rPr lang="en-US" smtClean="0"/>
-              <a:t>10/4/19</a:t>
+              <a:t>2/21/20</a:t>
             </a:fld>
             <a:endParaRPr lang="en-US"/>
           </a:p>
@@ -3220,7 +3220,7 @@
           <a:p>
             <a:fld id="{EEE7C04C-7AF8-1445-A186-502B631B934F}" type="datetimeFigureOut">
               <a:rPr lang="en-US" smtClean="0"/>
-              <a:t>10/4/19</a:t>
+              <a:t>2/21/20</a:t>
             </a:fld>
             <a:endParaRPr lang="en-US"/>
           </a:p>
@@ -3582,7 +3582,7 @@
           <a:p>
             <a:fld id="{EEE7C04C-7AF8-1445-A186-502B631B934F}" type="datetimeFigureOut">
               <a:rPr lang="en-US" smtClean="0"/>
-              <a:t>10/4/19</a:t>
+              <a:t>2/21/20</a:t>
             </a:fld>
             <a:endParaRPr lang="en-US"/>
           </a:p>
@@ -3695,7 +3695,7 @@
           <a:p>
             <a:fld id="{EEE7C04C-7AF8-1445-A186-502B631B934F}" type="datetimeFigureOut">
               <a:rPr lang="en-US" smtClean="0"/>
-              <a:t>10/4/19</a:t>
+              <a:t>2/21/20</a:t>
             </a:fld>
             <a:endParaRPr lang="en-US"/>
           </a:p>
@@ -3785,7 +3785,7 @@
           <a:p>
             <a:fld id="{EEE7C04C-7AF8-1445-A186-502B631B934F}" type="datetimeFigureOut">
               <a:rPr lang="en-US" smtClean="0"/>
-              <a:t>10/4/19</a:t>
+              <a:t>2/21/20</a:t>
             </a:fld>
             <a:endParaRPr lang="en-US"/>
           </a:p>
@@ -4057,7 +4057,7 @@
           <a:p>
             <a:fld id="{EEE7C04C-7AF8-1445-A186-502B631B934F}" type="datetimeFigureOut">
               <a:rPr lang="en-US" smtClean="0"/>
-              <a:t>10/4/19</a:t>
+              <a:t>2/21/20</a:t>
             </a:fld>
             <a:endParaRPr lang="en-US"/>
           </a:p>
@@ -4309,7 +4309,7 @@
           <a:p>
             <a:fld id="{EEE7C04C-7AF8-1445-A186-502B631B934F}" type="datetimeFigureOut">
               <a:rPr lang="en-US" smtClean="0"/>
-              <a:t>10/4/19</a:t>
+              <a:t>2/21/20</a:t>
             </a:fld>
             <a:endParaRPr lang="en-US"/>
           </a:p>
@@ -4517,7 +4517,7 @@
           <a:p>
             <a:fld id="{EEE7C04C-7AF8-1445-A186-502B631B934F}" type="datetimeFigureOut">
               <a:rPr lang="en-US" smtClean="0"/>
-              <a:t>10/4/19</a:t>
+              <a:t>2/21/20</a:t>
             </a:fld>
             <a:endParaRPr lang="en-US"/>
           </a:p>
@@ -4935,10 +4935,10 @@
           <p:cNvPr id="10" name="Rectangle 9">
             <a:extLst>
               <a:ext uri="{FF2B5EF4-FFF2-40B4-BE49-F238E27FC236}">
-                <a16:creationId xmlns:a16="http://schemas.microsoft.com/office/drawing/2014/main" xmlns="" id="{E20EB187-900F-4AF5-813B-101456D9FD39}"/>
+                <a16:creationId xmlns="" xmlns:a16="http://schemas.microsoft.com/office/drawing/2014/main" id="{E20EB187-900F-4AF5-813B-101456D9FD39}"/>
               </a:ext>
               <a:ext uri="{C183D7F6-B498-43B3-948B-1728B52AA6E4}">
-                <adec:decorative xmlns:adec="http://schemas.microsoft.com/office/drawing/2017/decorative" xmlns="" val="1"/>
+                <adec:decorative xmlns="" xmlns:adec="http://schemas.microsoft.com/office/drawing/2017/decorative" val="1"/>
               </a:ext>
             </a:extLst>
           </p:cNvPr>
@@ -5089,10 +5089,10 @@
           <p:cNvPr id="12" name="Straight Connector 11">
             <a:extLst>
               <a:ext uri="{FF2B5EF4-FFF2-40B4-BE49-F238E27FC236}">
-                <a16:creationId xmlns:a16="http://schemas.microsoft.com/office/drawing/2014/main" xmlns="" id="{624D17C8-E9C2-48A4-AA36-D7048A6CCC41}"/>
+                <a16:creationId xmlns="" xmlns:a16="http://schemas.microsoft.com/office/drawing/2014/main" id="{624D17C8-E9C2-48A4-AA36-D7048A6CCC41}"/>
               </a:ext>
               <a:ext uri="{C183D7F6-B498-43B3-948B-1728B52AA6E4}">
-                <adec:decorative xmlns:adec="http://schemas.microsoft.com/office/drawing/2017/decorative" xmlns="" val="1"/>
+                <adec:decorative xmlns="" xmlns:adec="http://schemas.microsoft.com/office/drawing/2017/decorative" val="1"/>
               </a:ext>
             </a:extLst>
           </p:cNvPr>
@@ -20849,20 +20849,32 @@
               <a:t>://</a:t>
             </a:r>
             <a:r>
-              <a:rPr lang="en-US" dirty="0" err="1"/>
+              <a:rPr lang="en-US" dirty="0" err="1" smtClean="0"/>
               <a:t>docs.djangoproject.com</a:t>
             </a:r>
             <a:r>
+              <a:rPr lang="en-US" dirty="0" smtClean="0"/>
+              <a:t>/</a:t>
+            </a:r>
+            <a:r>
+              <a:rPr lang="en-US" dirty="0" err="1" smtClean="0"/>
+              <a:t>en</a:t>
+            </a:r>
+            <a:r>
+              <a:rPr lang="en-US" dirty="0" smtClean="0"/>
+              <a:t>/</a:t>
+            </a:r>
+            <a:r>
+              <a:rPr lang="hr-HR" smtClean="0"/>
+              <a:t>3.0</a:t>
+            </a:r>
+            <a:r>
+              <a:rPr lang="en-US" smtClean="0"/>
+              <a:t>/ref/models/fields</a:t>
+            </a:r>
+            <a:r>
               <a:rPr lang="en-US" dirty="0"/>
-              <a:t>/</a:t>
-            </a:r>
-            <a:r>
-              <a:rPr lang="en-US" dirty="0" err="1"/>
-              <a:t>en</a:t>
-            </a:r>
-            <a:r>
-              <a:rPr lang="en-US" dirty="0"/>
-              <a:t>/2.1/ref/models/fields/#choices</a:t>
+              <a:t>/#choices</a:t>
             </a:r>
           </a:p>
         </p:txBody>
@@ -29651,10 +29663,10 @@
           <p:cNvPr id="10" name="Rectangle 9">
             <a:extLst>
               <a:ext uri="{FF2B5EF4-FFF2-40B4-BE49-F238E27FC236}">
-                <a16:creationId xmlns="" xmlns:a16="http://schemas.microsoft.com/office/drawing/2014/main" id="{867D4867-5BA7-4462-B2F6-A23F4A622AA7}"/>
+                <a16:creationId xmlns:a16="http://schemas.microsoft.com/office/drawing/2014/main" xmlns="" id="{867D4867-5BA7-4462-B2F6-A23F4A622AA7}"/>
               </a:ext>
               <a:ext uri="{C183D7F6-B498-43B3-948B-1728B52AA6E4}">
-                <adec:decorative xmlns="" xmlns:adec="http://schemas.microsoft.com/office/drawing/2017/decorative" val="1"/>
+                <adec:decorative xmlns:adec="http://schemas.microsoft.com/office/drawing/2017/decorative" xmlns="" val="1"/>
               </a:ext>
             </a:extLst>
           </p:cNvPr>

--- a/lectures/DJ-04-Many-To-Many.pptx
+++ b/lectures/DJ-04-Many-To-Many.pptx
@@ -231,7 +231,7 @@
           <a:p>
             <a:fld id="{C97B56FC-7D2E-F343-9D09-0D14B00AA564}" type="datetimeFigureOut">
               <a:rPr lang="en-US" smtClean="0"/>
-              <a:t>2/21/20</a:t>
+              <a:t>9/16/22</a:t>
             </a:fld>
             <a:endParaRPr lang="en-US"/>
           </a:p>
@@ -295,38 +295,37 @@
           <a:p>
             <a:pPr lvl="0"/>
             <a:r>
-              <a:rPr lang="en-US" smtClean="0"/>
+              <a:rPr lang="en-US"/>
               <a:t>Click to edit Master text styles</a:t>
             </a:r>
           </a:p>
           <a:p>
             <a:pPr lvl="1"/>
             <a:r>
-              <a:rPr lang="en-US" smtClean="0"/>
+              <a:rPr lang="en-US"/>
               <a:t>Second level</a:t>
             </a:r>
           </a:p>
           <a:p>
             <a:pPr lvl="2"/>
             <a:r>
-              <a:rPr lang="en-US" smtClean="0"/>
+              <a:rPr lang="en-US"/>
               <a:t>Third level</a:t>
             </a:r>
           </a:p>
           <a:p>
             <a:pPr lvl="3"/>
             <a:r>
-              <a:rPr lang="en-US" smtClean="0"/>
+              <a:rPr lang="en-US"/>
               <a:t>Fourth level</a:t>
             </a:r>
           </a:p>
           <a:p>
             <a:pPr lvl="4"/>
             <a:r>
-              <a:rPr lang="en-US" smtClean="0"/>
+              <a:rPr lang="en-US"/>
               <a:t>Fifth level</a:t>
             </a:r>
-            <a:endParaRPr lang="en-US"/>
           </a:p>
         </p:txBody>
       </p:sp>
@@ -545,7 +544,7 @@
               </a14:hiddenFill>
             </a:ext>
             <a:ext uri="{FAA26D3D-D897-4be2-8F04-BA451C77F1D7}">
-              <ma14:placeholderFlag xmlns:ma14="http://schemas.microsoft.com/office/mac/drawingml/2011/main" val="1"/>
+              <ma14:placeholderFlag xmlns="" xmlns:ma14="http://schemas.microsoft.com/office/mac/drawingml/2011/main" val="1"/>
             </a:ext>
           </a:extLst>
         </p:spPr>
@@ -581,7 +580,7 @@
               </a14:hiddenLine>
             </a:ext>
             <a:ext uri="{FAA26D3D-D897-4be2-8F04-BA451C77F1D7}">
-              <ma14:placeholderFlag xmlns:ma14="http://schemas.microsoft.com/office/mac/drawingml/2011/main" val="1"/>
+              <ma14:placeholderFlag xmlns="" xmlns:ma14="http://schemas.microsoft.com/office/mac/drawingml/2011/main" val="1"/>
             </a:ext>
           </a:extLst>
         </p:spPr>
@@ -1348,7 +1347,7 @@
               </a14:hiddenLine>
             </a:ext>
             <a:ext uri="{FAA26D3D-D897-4be2-8F04-BA451C77F1D7}">
-              <ma14:placeholderFlag xmlns:ma14="http://schemas.microsoft.com/office/mac/drawingml/2011/main" val="1"/>
+              <ma14:placeholderFlag xmlns="" xmlns:ma14="http://schemas.microsoft.com/office/mac/drawingml/2011/main" val="1"/>
             </a:ext>
           </a:extLst>
         </p:spPr>
@@ -1463,7 +1462,7 @@
               </a14:hiddenFill>
             </a:ext>
             <a:ext uri="{FAA26D3D-D897-4be2-8F04-BA451C77F1D7}">
-              <ma14:placeholderFlag xmlns:ma14="http://schemas.microsoft.com/office/mac/drawingml/2011/main" val="1"/>
+              <ma14:placeholderFlag xmlns="" xmlns:ma14="http://schemas.microsoft.com/office/mac/drawingml/2011/main" val="1"/>
             </a:ext>
           </a:extLst>
         </p:spPr>
@@ -1529,7 +1528,7 @@
               </a14:hiddenLine>
             </a:ext>
             <a:ext uri="{FAA26D3D-D897-4be2-8F04-BA451C77F1D7}">
-              <ma14:placeholderFlag xmlns:ma14="http://schemas.microsoft.com/office/mac/drawingml/2011/main" val="1"/>
+              <ma14:placeholderFlag xmlns="" xmlns:ma14="http://schemas.microsoft.com/office/mac/drawingml/2011/main" val="1"/>
             </a:ext>
           </a:extLst>
         </p:spPr>
@@ -1644,7 +1643,7 @@
               </a14:hiddenFill>
             </a:ext>
             <a:ext uri="{FAA26D3D-D897-4be2-8F04-BA451C77F1D7}">
-              <ma14:placeholderFlag xmlns:ma14="http://schemas.microsoft.com/office/mac/drawingml/2011/main" val="1"/>
+              <ma14:placeholderFlag xmlns="" xmlns:ma14="http://schemas.microsoft.com/office/mac/drawingml/2011/main" val="1"/>
             </a:ext>
           </a:extLst>
         </p:spPr>
@@ -1708,7 +1707,7 @@
               </a14:hiddenFill>
             </a:ext>
             <a:ext uri="{FAA26D3D-D897-4be2-8F04-BA451C77F1D7}">
-              <ma14:placeholderFlag xmlns:ma14="http://schemas.microsoft.com/office/mac/drawingml/2011/main" val="1"/>
+              <ma14:placeholderFlag xmlns="" xmlns:ma14="http://schemas.microsoft.com/office/mac/drawingml/2011/main" val="1"/>
             </a:ext>
           </a:extLst>
         </p:spPr>
@@ -1744,7 +1743,7 @@
               </a14:hiddenLine>
             </a:ext>
             <a:ext uri="{FAA26D3D-D897-4be2-8F04-BA451C77F1D7}">
-              <ma14:placeholderFlag xmlns:ma14="http://schemas.microsoft.com/office/mac/drawingml/2011/main" val="1"/>
+              <ma14:placeholderFlag xmlns="" xmlns:ma14="http://schemas.microsoft.com/office/mac/drawingml/2011/main" val="1"/>
             </a:ext>
           </a:extLst>
         </p:spPr>
@@ -1983,7 +1982,7 @@
               </a14:hiddenLine>
             </a:ext>
             <a:ext uri="{FAA26D3D-D897-4be2-8F04-BA451C77F1D7}">
-              <ma14:placeholderFlag xmlns:ma14="http://schemas.microsoft.com/office/mac/drawingml/2011/main" val="1"/>
+              <ma14:placeholderFlag xmlns="" xmlns:ma14="http://schemas.microsoft.com/office/mac/drawingml/2011/main" val="1"/>
             </a:ext>
           </a:extLst>
         </p:spPr>
@@ -2098,7 +2097,7 @@
               </a14:hiddenFill>
             </a:ext>
             <a:ext uri="{FAA26D3D-D897-4be2-8F04-BA451C77F1D7}">
-              <ma14:placeholderFlag xmlns:ma14="http://schemas.microsoft.com/office/mac/drawingml/2011/main" val="1"/>
+              <ma14:placeholderFlag xmlns="" xmlns:ma14="http://schemas.microsoft.com/office/mac/drawingml/2011/main" val="1"/>
             </a:ext>
           </a:extLst>
         </p:spPr>
@@ -2158,10 +2157,9 @@
           </a:lstStyle>
           <a:p>
             <a:r>
-              <a:rPr lang="en-US" dirty="0" smtClean="0"/>
+              <a:rPr lang="en-US" dirty="0"/>
               <a:t>Click to edit Master title style</a:t>
             </a:r>
-            <a:endParaRPr lang="en-US" dirty="0"/>
           </a:p>
         </p:txBody>
       </p:sp>
@@ -2223,7 +2221,7 @@
           </a:lstStyle>
           <a:p>
             <a:r>
-              <a:rPr lang="en-US" smtClean="0"/>
+              <a:rPr lang="en-US"/>
               <a:t>Click to edit Master subtitle style</a:t>
             </a:r>
             <a:endParaRPr lang="en-US" dirty="0"/>
@@ -2247,7 +2245,7 @@
           <a:p>
             <a:fld id="{EEE7C04C-7AF8-1445-A186-502B631B934F}" type="datetimeFigureOut">
               <a:rPr lang="en-US" smtClean="0"/>
-              <a:t>2/21/20</a:t>
+              <a:t>9/16/22</a:t>
             </a:fld>
             <a:endParaRPr lang="en-US"/>
           </a:p>
@@ -2336,7 +2334,7 @@
           <a:lstStyle/>
           <a:p>
             <a:r>
-              <a:rPr lang="en-US" smtClean="0"/>
+              <a:rPr lang="en-US"/>
               <a:t>Click to edit Master title style</a:t>
             </a:r>
             <a:endParaRPr lang="en-US" dirty="0"/>
@@ -2360,35 +2358,35 @@
           <a:p>
             <a:pPr lvl="0"/>
             <a:r>
-              <a:rPr lang="en-US" smtClean="0"/>
+              <a:rPr lang="en-US"/>
               <a:t>Click to edit Master text styles</a:t>
             </a:r>
           </a:p>
           <a:p>
             <a:pPr lvl="1"/>
             <a:r>
-              <a:rPr lang="en-US" smtClean="0"/>
+              <a:rPr lang="en-US"/>
               <a:t>Second level</a:t>
             </a:r>
           </a:p>
           <a:p>
             <a:pPr lvl="2"/>
             <a:r>
-              <a:rPr lang="en-US" smtClean="0"/>
+              <a:rPr lang="en-US"/>
               <a:t>Third level</a:t>
             </a:r>
           </a:p>
           <a:p>
             <a:pPr lvl="3"/>
             <a:r>
-              <a:rPr lang="en-US" smtClean="0"/>
+              <a:rPr lang="en-US"/>
               <a:t>Fourth level</a:t>
             </a:r>
           </a:p>
           <a:p>
             <a:pPr lvl="4"/>
             <a:r>
-              <a:rPr lang="en-US" smtClean="0"/>
+              <a:rPr lang="en-US"/>
               <a:t>Fifth level</a:t>
             </a:r>
             <a:endParaRPr lang="en-US" dirty="0"/>
@@ -2412,7 +2410,7 @@
           <a:p>
             <a:fld id="{EEE7C04C-7AF8-1445-A186-502B631B934F}" type="datetimeFigureOut">
               <a:rPr lang="en-US" smtClean="0"/>
-              <a:t>2/21/20</a:t>
+              <a:t>9/16/22</a:t>
             </a:fld>
             <a:endParaRPr lang="en-US"/>
           </a:p>
@@ -2506,7 +2504,7 @@
           <a:lstStyle/>
           <a:p>
             <a:r>
-              <a:rPr lang="en-US" smtClean="0"/>
+              <a:rPr lang="en-US"/>
               <a:t>Click to edit Master title style</a:t>
             </a:r>
             <a:endParaRPr lang="en-US" dirty="0"/>
@@ -2535,35 +2533,35 @@
           <a:p>
             <a:pPr lvl="0"/>
             <a:r>
-              <a:rPr lang="en-US" smtClean="0"/>
+              <a:rPr lang="en-US"/>
               <a:t>Click to edit Master text styles</a:t>
             </a:r>
           </a:p>
           <a:p>
             <a:pPr lvl="1"/>
             <a:r>
-              <a:rPr lang="en-US" smtClean="0"/>
+              <a:rPr lang="en-US"/>
               <a:t>Second level</a:t>
             </a:r>
           </a:p>
           <a:p>
             <a:pPr lvl="2"/>
             <a:r>
-              <a:rPr lang="en-US" smtClean="0"/>
+              <a:rPr lang="en-US"/>
               <a:t>Third level</a:t>
             </a:r>
           </a:p>
           <a:p>
             <a:pPr lvl="3"/>
             <a:r>
-              <a:rPr lang="en-US" smtClean="0"/>
+              <a:rPr lang="en-US"/>
               <a:t>Fourth level</a:t>
             </a:r>
           </a:p>
           <a:p>
             <a:pPr lvl="4"/>
             <a:r>
-              <a:rPr lang="en-US" smtClean="0"/>
+              <a:rPr lang="en-US"/>
               <a:t>Fifth level</a:t>
             </a:r>
             <a:endParaRPr lang="en-US" dirty="0"/>
@@ -2587,7 +2585,7 @@
           <a:p>
             <a:fld id="{EEE7C04C-7AF8-1445-A186-502B631B934F}" type="datetimeFigureOut">
               <a:rPr lang="en-US" smtClean="0"/>
-              <a:t>2/21/20</a:t>
+              <a:t>9/16/22</a:t>
             </a:fld>
             <a:endParaRPr lang="en-US"/>
           </a:p>
@@ -2676,7 +2674,7 @@
           <a:lstStyle/>
           <a:p>
             <a:r>
-              <a:rPr lang="en-US" smtClean="0"/>
+              <a:rPr lang="en-US"/>
               <a:t>Click to edit Master title style</a:t>
             </a:r>
             <a:endParaRPr lang="en-US" dirty="0"/>
@@ -2700,35 +2698,35 @@
           <a:p>
             <a:pPr lvl="0"/>
             <a:r>
-              <a:rPr lang="en-US" smtClean="0"/>
+              <a:rPr lang="en-US"/>
               <a:t>Click to edit Master text styles</a:t>
             </a:r>
           </a:p>
           <a:p>
             <a:pPr lvl="1"/>
             <a:r>
-              <a:rPr lang="en-US" smtClean="0"/>
+              <a:rPr lang="en-US"/>
               <a:t>Second level</a:t>
             </a:r>
           </a:p>
           <a:p>
             <a:pPr lvl="2"/>
             <a:r>
-              <a:rPr lang="en-US" smtClean="0"/>
+              <a:rPr lang="en-US"/>
               <a:t>Third level</a:t>
             </a:r>
           </a:p>
           <a:p>
             <a:pPr lvl="3"/>
             <a:r>
-              <a:rPr lang="en-US" smtClean="0"/>
+              <a:rPr lang="en-US"/>
               <a:t>Fourth level</a:t>
             </a:r>
           </a:p>
           <a:p>
             <a:pPr lvl="4"/>
             <a:r>
-              <a:rPr lang="en-US" smtClean="0"/>
+              <a:rPr lang="en-US"/>
               <a:t>Fifth level</a:t>
             </a:r>
             <a:endParaRPr lang="en-US" dirty="0"/>
@@ -2752,7 +2750,7 @@
           <a:p>
             <a:fld id="{EEE7C04C-7AF8-1445-A186-502B631B934F}" type="datetimeFigureOut">
               <a:rPr lang="en-US" smtClean="0"/>
-              <a:t>2/21/20</a:t>
+              <a:t>9/16/22</a:t>
             </a:fld>
             <a:endParaRPr lang="en-US"/>
           </a:p>
@@ -2850,7 +2848,7 @@
           </a:lstStyle>
           <a:p>
             <a:r>
-              <a:rPr lang="en-US" smtClean="0"/>
+              <a:rPr lang="en-US"/>
               <a:t>Click to edit Master title style</a:t>
             </a:r>
             <a:endParaRPr lang="en-US" dirty="0"/>
@@ -2970,7 +2968,7 @@
           <a:p>
             <a:pPr lvl="0"/>
             <a:r>
-              <a:rPr lang="en-US" smtClean="0"/>
+              <a:rPr lang="en-US"/>
               <a:t>Click to edit Master text styles</a:t>
             </a:r>
           </a:p>
@@ -2993,7 +2991,7 @@
           <a:p>
             <a:fld id="{EEE7C04C-7AF8-1445-A186-502B631B934F}" type="datetimeFigureOut">
               <a:rPr lang="en-US" smtClean="0"/>
-              <a:t>2/21/20</a:t>
+              <a:t>9/16/22</a:t>
             </a:fld>
             <a:endParaRPr lang="en-US"/>
           </a:p>
@@ -3082,7 +3080,7 @@
           <a:lstStyle/>
           <a:p>
             <a:r>
-              <a:rPr lang="en-US" smtClean="0"/>
+              <a:rPr lang="en-US"/>
               <a:t>Click to edit Master title style</a:t>
             </a:r>
             <a:endParaRPr lang="en-US" dirty="0"/>
@@ -3111,35 +3109,35 @@
           <a:p>
             <a:pPr lvl="0"/>
             <a:r>
-              <a:rPr lang="en-US" smtClean="0"/>
+              <a:rPr lang="en-US"/>
               <a:t>Click to edit Master text styles</a:t>
             </a:r>
           </a:p>
           <a:p>
             <a:pPr lvl="1"/>
             <a:r>
-              <a:rPr lang="en-US" smtClean="0"/>
+              <a:rPr lang="en-US"/>
               <a:t>Second level</a:t>
             </a:r>
           </a:p>
           <a:p>
             <a:pPr lvl="2"/>
             <a:r>
-              <a:rPr lang="en-US" smtClean="0"/>
+              <a:rPr lang="en-US"/>
               <a:t>Third level</a:t>
             </a:r>
           </a:p>
           <a:p>
             <a:pPr lvl="3"/>
             <a:r>
-              <a:rPr lang="en-US" smtClean="0"/>
+              <a:rPr lang="en-US"/>
               <a:t>Fourth level</a:t>
             </a:r>
           </a:p>
           <a:p>
             <a:pPr lvl="4"/>
             <a:r>
-              <a:rPr lang="en-US" smtClean="0"/>
+              <a:rPr lang="en-US"/>
               <a:t>Fifth level</a:t>
             </a:r>
             <a:endParaRPr lang="en-US" dirty="0"/>
@@ -3168,35 +3166,35 @@
           <a:p>
             <a:pPr lvl="0"/>
             <a:r>
-              <a:rPr lang="en-US" smtClean="0"/>
+              <a:rPr lang="en-US"/>
               <a:t>Click to edit Master text styles</a:t>
             </a:r>
           </a:p>
           <a:p>
             <a:pPr lvl="1"/>
             <a:r>
-              <a:rPr lang="en-US" smtClean="0"/>
+              <a:rPr lang="en-US"/>
               <a:t>Second level</a:t>
             </a:r>
           </a:p>
           <a:p>
             <a:pPr lvl="2"/>
             <a:r>
-              <a:rPr lang="en-US" smtClean="0"/>
+              <a:rPr lang="en-US"/>
               <a:t>Third level</a:t>
             </a:r>
           </a:p>
           <a:p>
             <a:pPr lvl="3"/>
             <a:r>
-              <a:rPr lang="en-US" smtClean="0"/>
+              <a:rPr lang="en-US"/>
               <a:t>Fourth level</a:t>
             </a:r>
           </a:p>
           <a:p>
             <a:pPr lvl="4"/>
             <a:r>
-              <a:rPr lang="en-US" smtClean="0"/>
+              <a:rPr lang="en-US"/>
               <a:t>Fifth level</a:t>
             </a:r>
             <a:endParaRPr lang="en-US" dirty="0"/>
@@ -3220,7 +3218,7 @@
           <a:p>
             <a:fld id="{EEE7C04C-7AF8-1445-A186-502B631B934F}" type="datetimeFigureOut">
               <a:rPr lang="en-US" smtClean="0"/>
-              <a:t>2/21/20</a:t>
+              <a:t>9/16/22</a:t>
             </a:fld>
             <a:endParaRPr lang="en-US"/>
           </a:p>
@@ -3314,7 +3312,7 @@
           <a:lstStyle/>
           <a:p>
             <a:r>
-              <a:rPr lang="en-US" smtClean="0"/>
+              <a:rPr lang="en-US"/>
               <a:t>Click to edit Master title style</a:t>
             </a:r>
             <a:endParaRPr lang="en-US" dirty="0"/>
@@ -3380,7 +3378,7 @@
           <a:p>
             <a:pPr lvl="0"/>
             <a:r>
-              <a:rPr lang="en-US" smtClean="0"/>
+              <a:rPr lang="en-US"/>
               <a:t>Click to edit Master text styles</a:t>
             </a:r>
           </a:p>
@@ -3408,35 +3406,35 @@
           <a:p>
             <a:pPr lvl="0"/>
             <a:r>
-              <a:rPr lang="en-US" smtClean="0"/>
+              <a:rPr lang="en-US"/>
               <a:t>Click to edit Master text styles</a:t>
             </a:r>
           </a:p>
           <a:p>
             <a:pPr lvl="1"/>
             <a:r>
-              <a:rPr lang="en-US" smtClean="0"/>
+              <a:rPr lang="en-US"/>
               <a:t>Second level</a:t>
             </a:r>
           </a:p>
           <a:p>
             <a:pPr lvl="2"/>
             <a:r>
-              <a:rPr lang="en-US" smtClean="0"/>
+              <a:rPr lang="en-US"/>
               <a:t>Third level</a:t>
             </a:r>
           </a:p>
           <a:p>
             <a:pPr lvl="3"/>
             <a:r>
-              <a:rPr lang="en-US" smtClean="0"/>
+              <a:rPr lang="en-US"/>
               <a:t>Fourth level</a:t>
             </a:r>
           </a:p>
           <a:p>
             <a:pPr lvl="4"/>
             <a:r>
-              <a:rPr lang="en-US" smtClean="0"/>
+              <a:rPr lang="en-US"/>
               <a:t>Fifth level</a:t>
             </a:r>
             <a:endParaRPr lang="en-US" dirty="0"/>
@@ -3502,7 +3500,7 @@
           <a:p>
             <a:pPr lvl="0"/>
             <a:r>
-              <a:rPr lang="en-US" smtClean="0"/>
+              <a:rPr lang="en-US"/>
               <a:t>Click to edit Master text styles</a:t>
             </a:r>
           </a:p>
@@ -3530,35 +3528,35 @@
           <a:p>
             <a:pPr lvl="0"/>
             <a:r>
-              <a:rPr lang="en-US" smtClean="0"/>
+              <a:rPr lang="en-US"/>
               <a:t>Click to edit Master text styles</a:t>
             </a:r>
           </a:p>
           <a:p>
             <a:pPr lvl="1"/>
             <a:r>
-              <a:rPr lang="en-US" smtClean="0"/>
+              <a:rPr lang="en-US"/>
               <a:t>Second level</a:t>
             </a:r>
           </a:p>
           <a:p>
             <a:pPr lvl="2"/>
             <a:r>
-              <a:rPr lang="en-US" smtClean="0"/>
+              <a:rPr lang="en-US"/>
               <a:t>Third level</a:t>
             </a:r>
           </a:p>
           <a:p>
             <a:pPr lvl="3"/>
             <a:r>
-              <a:rPr lang="en-US" smtClean="0"/>
+              <a:rPr lang="en-US"/>
               <a:t>Fourth level</a:t>
             </a:r>
           </a:p>
           <a:p>
             <a:pPr lvl="4"/>
             <a:r>
-              <a:rPr lang="en-US" smtClean="0"/>
+              <a:rPr lang="en-US"/>
               <a:t>Fifth level</a:t>
             </a:r>
             <a:endParaRPr lang="en-US" dirty="0"/>
@@ -3582,7 +3580,7 @@
           <a:p>
             <a:fld id="{EEE7C04C-7AF8-1445-A186-502B631B934F}" type="datetimeFigureOut">
               <a:rPr lang="en-US" smtClean="0"/>
-              <a:t>2/21/20</a:t>
+              <a:t>9/16/22</a:t>
             </a:fld>
             <a:endParaRPr lang="en-US"/>
           </a:p>
@@ -3671,7 +3669,7 @@
           <a:lstStyle/>
           <a:p>
             <a:r>
-              <a:rPr lang="en-US" smtClean="0"/>
+              <a:rPr lang="en-US"/>
               <a:t>Click to edit Master title style</a:t>
             </a:r>
             <a:endParaRPr lang="en-US" dirty="0"/>
@@ -3695,7 +3693,7 @@
           <a:p>
             <a:fld id="{EEE7C04C-7AF8-1445-A186-502B631B934F}" type="datetimeFigureOut">
               <a:rPr lang="en-US" smtClean="0"/>
-              <a:t>2/21/20</a:t>
+              <a:t>9/16/22</a:t>
             </a:fld>
             <a:endParaRPr lang="en-US"/>
           </a:p>
@@ -3785,7 +3783,7 @@
           <a:p>
             <a:fld id="{EEE7C04C-7AF8-1445-A186-502B631B934F}" type="datetimeFigureOut">
               <a:rPr lang="en-US" smtClean="0"/>
-              <a:t>2/21/20</a:t>
+              <a:t>9/16/22</a:t>
             </a:fld>
             <a:endParaRPr lang="en-US"/>
           </a:p>
@@ -3883,7 +3881,7 @@
           </a:lstStyle>
           <a:p>
             <a:r>
-              <a:rPr lang="en-US" smtClean="0"/>
+              <a:rPr lang="en-US"/>
               <a:t>Click to edit Master title style</a:t>
             </a:r>
             <a:endParaRPr lang="en-US" dirty="0"/>
@@ -3940,35 +3938,35 @@
           <a:p>
             <a:pPr lvl="0"/>
             <a:r>
-              <a:rPr lang="en-US" smtClean="0"/>
+              <a:rPr lang="en-US"/>
               <a:t>Click to edit Master text styles</a:t>
             </a:r>
           </a:p>
           <a:p>
             <a:pPr lvl="1"/>
             <a:r>
-              <a:rPr lang="en-US" smtClean="0"/>
+              <a:rPr lang="en-US"/>
               <a:t>Second level</a:t>
             </a:r>
           </a:p>
           <a:p>
             <a:pPr lvl="2"/>
             <a:r>
-              <a:rPr lang="en-US" smtClean="0"/>
+              <a:rPr lang="en-US"/>
               <a:t>Third level</a:t>
             </a:r>
           </a:p>
           <a:p>
             <a:pPr lvl="3"/>
             <a:r>
-              <a:rPr lang="en-US" smtClean="0"/>
+              <a:rPr lang="en-US"/>
               <a:t>Fourth level</a:t>
             </a:r>
           </a:p>
           <a:p>
             <a:pPr lvl="4"/>
             <a:r>
-              <a:rPr lang="en-US" smtClean="0"/>
+              <a:rPr lang="en-US"/>
               <a:t>Fifth level</a:t>
             </a:r>
             <a:endParaRPr lang="en-US" dirty="0"/>
@@ -4034,7 +4032,7 @@
           <a:p>
             <a:pPr lvl="0"/>
             <a:r>
-              <a:rPr lang="en-US" smtClean="0"/>
+              <a:rPr lang="en-US"/>
               <a:t>Click to edit Master text styles</a:t>
             </a:r>
           </a:p>
@@ -4057,7 +4055,7 @@
           <a:p>
             <a:fld id="{EEE7C04C-7AF8-1445-A186-502B631B934F}" type="datetimeFigureOut">
               <a:rPr lang="en-US" smtClean="0"/>
-              <a:t>2/21/20</a:t>
+              <a:t>9/16/22</a:t>
             </a:fld>
             <a:endParaRPr lang="en-US"/>
           </a:p>
@@ -4155,7 +4153,7 @@
           </a:lstStyle>
           <a:p>
             <a:r>
-              <a:rPr lang="en-US" smtClean="0"/>
+              <a:rPr lang="en-US"/>
               <a:t>Click to edit Master title style</a:t>
             </a:r>
             <a:endParaRPr lang="en-US" dirty="0"/>
@@ -4220,7 +4218,7 @@
           </a:lstStyle>
           <a:p>
             <a:r>
-              <a:rPr lang="en-US" smtClean="0"/>
+              <a:rPr lang="en-US"/>
               <a:t>Drag picture to placeholder or click icon to add</a:t>
             </a:r>
             <a:endParaRPr lang="en-US" dirty="0"/>
@@ -4286,7 +4284,7 @@
           <a:p>
             <a:pPr lvl="0"/>
             <a:r>
-              <a:rPr lang="en-US" smtClean="0"/>
+              <a:rPr lang="en-US"/>
               <a:t>Click to edit Master text styles</a:t>
             </a:r>
           </a:p>
@@ -4309,7 +4307,7 @@
           <a:p>
             <a:fld id="{EEE7C04C-7AF8-1445-A186-502B631B934F}" type="datetimeFigureOut">
               <a:rPr lang="en-US" smtClean="0"/>
-              <a:t>2/21/20</a:t>
+              <a:t>9/16/22</a:t>
             </a:fld>
             <a:endParaRPr lang="en-US"/>
           </a:p>
@@ -4413,10 +4411,9 @@
           <a:lstStyle/>
           <a:p>
             <a:r>
-              <a:rPr lang="en-US" dirty="0" smtClean="0"/>
+              <a:rPr lang="en-US" dirty="0"/>
               <a:t>Click to edit Master title style</a:t>
             </a:r>
-            <a:endParaRPr lang="en-US" dirty="0"/>
           </a:p>
         </p:txBody>
       </p:sp>
@@ -4447,35 +4444,35 @@
           <a:p>
             <a:pPr lvl="0"/>
             <a:r>
-              <a:rPr lang="en-US" smtClean="0"/>
+              <a:rPr lang="en-US"/>
               <a:t>Click to edit Master text styles</a:t>
             </a:r>
           </a:p>
           <a:p>
             <a:pPr lvl="1"/>
             <a:r>
-              <a:rPr lang="en-US" smtClean="0"/>
+              <a:rPr lang="en-US"/>
               <a:t>Second level</a:t>
             </a:r>
           </a:p>
           <a:p>
             <a:pPr lvl="2"/>
             <a:r>
-              <a:rPr lang="en-US" smtClean="0"/>
+              <a:rPr lang="en-US"/>
               <a:t>Third level</a:t>
             </a:r>
           </a:p>
           <a:p>
             <a:pPr lvl="3"/>
             <a:r>
-              <a:rPr lang="en-US" smtClean="0"/>
+              <a:rPr lang="en-US"/>
               <a:t>Fourth level</a:t>
             </a:r>
           </a:p>
           <a:p>
             <a:pPr lvl="4"/>
             <a:r>
-              <a:rPr lang="en-US" smtClean="0"/>
+              <a:rPr lang="en-US"/>
               <a:t>Fifth level</a:t>
             </a:r>
             <a:endParaRPr lang="en-US" dirty="0"/>
@@ -4517,7 +4514,7 @@
           <a:p>
             <a:fld id="{EEE7C04C-7AF8-1445-A186-502B631B934F}" type="datetimeFigureOut">
               <a:rPr lang="en-US" smtClean="0"/>
-              <a:t>2/21/20</a:t>
+              <a:t>9/16/22</a:t>
             </a:fld>
             <a:endParaRPr lang="en-US"/>
           </a:p>
@@ -4935,10 +4932,10 @@
           <p:cNvPr id="10" name="Rectangle 9">
             <a:extLst>
               <a:ext uri="{FF2B5EF4-FFF2-40B4-BE49-F238E27FC236}">
-                <a16:creationId xmlns="" xmlns:a16="http://schemas.microsoft.com/office/drawing/2014/main" id="{E20EB187-900F-4AF5-813B-101456D9FD39}"/>
+                <a16:creationId xmlns:a16="http://schemas.microsoft.com/office/drawing/2014/main" id="{E20EB187-900F-4AF5-813B-101456D9FD39}"/>
               </a:ext>
               <a:ext uri="{C183D7F6-B498-43B3-948B-1728B52AA6E4}">
-                <adec:decorative xmlns="" xmlns:adec="http://schemas.microsoft.com/office/drawing/2017/decorative" val="1"/>
+                <adec:decorative xmlns:adec="http://schemas.microsoft.com/office/drawing/2017/decorative" val="1"/>
               </a:ext>
             </a:extLst>
           </p:cNvPr>
@@ -5017,17 +5014,16 @@
           <a:p>
             <a:pPr algn="l"/>
             <a:r>
-              <a:rPr lang="en-US" sz="8000" dirty="0" smtClean="0"/>
+              <a:rPr lang="en-US" sz="8000" dirty="0"/>
               <a:t>Data Modelling</a:t>
             </a:r>
             <a:br>
-              <a:rPr lang="en-US" sz="8000" dirty="0" smtClean="0"/>
+              <a:rPr lang="en-US" sz="8000" dirty="0"/>
             </a:br>
             <a:r>
-              <a:rPr lang="en-US" sz="8000" dirty="0" smtClean="0"/>
+              <a:rPr lang="en-US" sz="8000" dirty="0"/>
               <a:t>Many to Many</a:t>
             </a:r>
-            <a:endParaRPr lang="en-US" sz="8000" dirty="0"/>
           </a:p>
         </p:txBody>
       </p:sp>
@@ -5089,10 +5085,10 @@
           <p:cNvPr id="12" name="Straight Connector 11">
             <a:extLst>
               <a:ext uri="{FF2B5EF4-FFF2-40B4-BE49-F238E27FC236}">
-                <a16:creationId xmlns="" xmlns:a16="http://schemas.microsoft.com/office/drawing/2014/main" id="{624D17C8-E9C2-48A4-AA36-D7048A6CCC41}"/>
+                <a16:creationId xmlns:a16="http://schemas.microsoft.com/office/drawing/2014/main" id="{624D17C8-E9C2-48A4-AA36-D7048A6CCC41}"/>
               </a:ext>
               <a:ext uri="{C183D7F6-B498-43B3-948B-1728B52AA6E4}">
-                <adec:decorative xmlns="" xmlns:adec="http://schemas.microsoft.com/office/drawing/2017/decorative" val="1"/>
+                <adec:decorative xmlns:adec="http://schemas.microsoft.com/office/drawing/2017/decorative" val="1"/>
               </a:ext>
             </a:extLst>
           </p:cNvPr>
@@ -5200,13 +5196,6 @@
   <p:clrMapOvr>
     <a:masterClrMapping/>
   </p:clrMapOvr>
-  <p:timing>
-    <p:tnLst>
-      <p:par>
-        <p:cTn id="1" dur="indefinite" restart="never" nodeType="tmRoot"/>
-      </p:par>
-    </p:tnLst>
-  </p:timing>
 </p:sld>
 </file>
 
@@ -5243,10 +5232,9 @@
           <a:lstStyle/>
           <a:p>
             <a:r>
-              <a:rPr lang="en-US" dirty="0" smtClean="0"/>
+              <a:rPr lang="en-US" dirty="0"/>
               <a:t>Many-To-Many</a:t>
             </a:r>
-            <a:endParaRPr lang="en-US" dirty="0"/>
           </a:p>
         </p:txBody>
       </p:sp>
@@ -5266,23 +5254,23 @@
           <a:lstStyle/>
           <a:p>
             <a:r>
-              <a:rPr lang="en-US" dirty="0" err="1" smtClean="0"/>
+              <a:rPr lang="en-US" dirty="0" err="1"/>
               <a:t>one_to_many</a:t>
             </a:r>
             <a:r>
-              <a:rPr lang="en-US" dirty="0" smtClean="0"/>
+              <a:rPr lang="en-US" dirty="0"/>
               <a:t> + </a:t>
             </a:r>
             <a:r>
-              <a:rPr lang="en-US" dirty="0" err="1" smtClean="0"/>
+              <a:rPr lang="en-US" dirty="0" err="1"/>
               <a:t>one_to_many</a:t>
             </a:r>
             <a:r>
-              <a:rPr lang="en-US" dirty="0" smtClean="0"/>
+              <a:rPr lang="en-US" dirty="0"/>
               <a:t> = </a:t>
             </a:r>
             <a:r>
-              <a:rPr lang="en-US" dirty="0" err="1" smtClean="0"/>
+              <a:rPr lang="en-US" dirty="0" err="1"/>
               <a:t>many_to_many</a:t>
             </a:r>
             <a:endParaRPr lang="en-US" dirty="0"/>
@@ -5299,13 +5287,6 @@
   <p:clrMapOvr>
     <a:masterClrMapping/>
   </p:clrMapOvr>
-  <p:timing>
-    <p:tnLst>
-      <p:par>
-        <p:cTn id="1" dur="indefinite" restart="never" nodeType="tmRoot"/>
-      </p:par>
-    </p:tnLst>
-  </p:timing>
 </p:sld>
 </file>
 
@@ -5501,17 +5482,7 @@
                 <a:latin typeface="Gill Sans Regular" charset="0"/>
                 <a:sym typeface="Cabin" charset="0"/>
               </a:rPr>
-              <a:t>There is usually no separate primary key</a:t>
-            </a:r>
-            <a:r>
-              <a:rPr lang="en-US" altLang="x-none" dirty="0" smtClean="0">
-                <a:solidFill>
-                  <a:srgbClr val="FFFFFF"/>
-                </a:solidFill>
-                <a:latin typeface="Gill Sans Regular" charset="0"/>
-                <a:sym typeface="Cabin" charset="0"/>
-              </a:rPr>
-              <a:t>.</a:t>
+              <a:t>There is usually no separate primary key.</a:t>
             </a:r>
           </a:p>
           <a:p>
@@ -5530,7 +5501,7 @@
               <a:buChar char="•"/>
             </a:pPr>
             <a:r>
-              <a:rPr lang="en-US" altLang="x-none" dirty="0" smtClean="0">
+              <a:rPr lang="en-US" altLang="x-none" dirty="0">
                 <a:solidFill>
                   <a:srgbClr val="FFFFFF"/>
                 </a:solidFill>
@@ -5539,13 +5510,6 @@
               </a:rPr>
               <a:t>We need two one-to-many relationships to capture a many-to-many</a:t>
             </a:r>
-            <a:endParaRPr lang="en-US" altLang="x-none" dirty="0">
-              <a:solidFill>
-                <a:srgbClr val="FFFFFF"/>
-              </a:solidFill>
-              <a:latin typeface="Gill Sans Regular" charset="0"/>
-              <a:sym typeface="Cabin" charset="0"/>
-            </a:endParaRPr>
           </a:p>
         </p:txBody>
       </p:sp>
@@ -5919,13 +5883,6 @@
   <p:transition spd="slow">
     <p:cut/>
   </p:transition>
-  <p:timing>
-    <p:tnLst>
-      <p:par>
-        <p:cTn id="1" dur="indefinite" restart="never" nodeType="tmRoot"/>
-      </p:par>
-    </p:tnLst>
-  </p:timing>
 </p:sld>
 </file>
 
@@ -5962,11 +5919,11 @@
           <a:lstStyle/>
           <a:p>
             <a:r>
-              <a:rPr lang="en-US" dirty="0" smtClean="0"/>
+              <a:rPr lang="en-US" dirty="0"/>
               <a:t>Many-to-Many in </a:t>
             </a:r>
             <a:r>
-              <a:rPr lang="en-US" dirty="0" err="1" smtClean="0"/>
+              <a:rPr lang="en-US" dirty="0" err="1"/>
               <a:t>Locallibrary</a:t>
             </a:r>
             <a:endParaRPr lang="en-US" dirty="0"/>
@@ -6035,7 +5992,7 @@
           <a:lstStyle/>
           <a:p>
             <a:r>
-              <a:rPr lang="en-US" dirty="0" smtClean="0">
+              <a:rPr lang="en-US" dirty="0">
                 <a:latin typeface="Courier" charset="0"/>
                 <a:ea typeface="Courier" charset="0"/>
                 <a:cs typeface="Courier" charset="0"/>
@@ -6045,44 +6002,23 @@
           </a:p>
           <a:p>
             <a:r>
-              <a:rPr lang="en-US" dirty="0" smtClean="0">
-                <a:latin typeface="Courier" charset="0"/>
-                <a:ea typeface="Courier" charset="0"/>
-                <a:cs typeface="Courier" charset="0"/>
-              </a:rPr>
-              <a:t>1</a:t>
-            </a:r>
-            <a:r>
               <a:rPr lang="en-US" dirty="0">
                 <a:latin typeface="Courier" charset="0"/>
                 <a:ea typeface="Courier" charset="0"/>
                 <a:cs typeface="Courier" charset="0"/>
               </a:rPr>
-              <a:t>..*  Many with a minimum of </a:t>
-            </a:r>
-            <a:r>
-              <a:rPr lang="en-US" dirty="0" smtClean="0">
-                <a:latin typeface="Courier" charset="0"/>
-                <a:ea typeface="Courier" charset="0"/>
-                <a:cs typeface="Courier" charset="0"/>
-              </a:rPr>
-              <a:t>1</a:t>
-            </a:r>
-          </a:p>
-          <a:p>
-            <a:r>
-              <a:rPr lang="en-US" dirty="0" smtClean="0">
+              <a:t>1..*  Many with a minimum of 1</a:t>
+            </a:r>
+          </a:p>
+          <a:p>
+            <a:r>
+              <a:rPr lang="en-US" dirty="0">
                 <a:latin typeface="Courier" charset="0"/>
                 <a:ea typeface="Courier" charset="0"/>
                 <a:cs typeface="Courier" charset="0"/>
               </a:rPr>
               <a:t>0..*  Many with a minimum of 0</a:t>
             </a:r>
-            <a:endParaRPr lang="en-US" dirty="0">
-              <a:latin typeface="Courier" charset="0"/>
-              <a:ea typeface="Courier" charset="0"/>
-              <a:cs typeface="Courier" charset="0"/>
-            </a:endParaRPr>
           </a:p>
         </p:txBody>
       </p:sp>
@@ -6096,13 +6032,6 @@
   <p:clrMapOvr>
     <a:masterClrMapping/>
   </p:clrMapOvr>
-  <p:timing>
-    <p:tnLst>
-      <p:par>
-        <p:cTn id="1" dur="indefinite" restart="never" nodeType="tmRoot"/>
-      </p:par>
-    </p:tnLst>
-  </p:timing>
 </p:sld>
 </file>
 
@@ -6595,16 +6524,12 @@
               <a:defRPr/>
             </a:pPr>
             <a:r>
-              <a:rPr lang="en-US" altLang="en-US" sz="2700" dirty="0" smtClean="0">
+              <a:rPr lang="en-US" altLang="en-US" sz="2700" dirty="0">
                 <a:latin typeface="Gill Sans Regular" charset="0"/>
                 <a:sym typeface="Cabin" charset="0"/>
               </a:rPr>
               <a:t>Book</a:t>
             </a:r>
-            <a:endParaRPr lang="en-US" altLang="en-US" sz="2700" dirty="0">
-              <a:latin typeface="Gill Sans Regular" charset="0"/>
-              <a:sym typeface="Cabin" charset="0"/>
-            </a:endParaRPr>
           </a:p>
           <a:p>
             <a:pPr algn="ctr" eaLnBrk="1" hangingPunct="1">
@@ -6617,16 +6542,12 @@
               <a:defRPr/>
             </a:pPr>
             <a:r>
-              <a:rPr lang="en-US" altLang="en-US" sz="2700" dirty="0" smtClean="0">
+              <a:rPr lang="en-US" altLang="en-US" sz="2700" dirty="0">
                 <a:latin typeface="Gill Sans Regular" charset="0"/>
                 <a:sym typeface="Cabin" charset="0"/>
               </a:rPr>
               <a:t>title</a:t>
             </a:r>
-            <a:endParaRPr lang="en-US" altLang="en-US" sz="2700" dirty="0">
-              <a:latin typeface="Gill Sans Regular" charset="0"/>
-              <a:sym typeface="Cabin" charset="0"/>
-            </a:endParaRPr>
           </a:p>
         </p:txBody>
       </p:sp>
@@ -6821,7 +6742,7 @@
               <a:defRPr/>
             </a:pPr>
             <a:r>
-              <a:rPr lang="en-US" altLang="en-US" sz="3000" dirty="0" smtClean="0">
+              <a:rPr lang="en-US" altLang="en-US" sz="3000" dirty="0">
                 <a:solidFill>
                   <a:srgbClr val="000000"/>
                 </a:solidFill>
@@ -6830,13 +6751,6 @@
               </a:rPr>
               <a:t>Authored</a:t>
             </a:r>
-            <a:endParaRPr lang="en-US" altLang="en-US" sz="3000" dirty="0">
-              <a:solidFill>
-                <a:srgbClr val="000000"/>
-              </a:solidFill>
-              <a:latin typeface="Gill Sans Regular" charset="0"/>
-              <a:sym typeface="Cabin" charset="0"/>
-            </a:endParaRPr>
           </a:p>
         </p:txBody>
       </p:sp>
@@ -6998,7 +6912,7 @@
               <a:defRPr/>
             </a:pPr>
             <a:r>
-              <a:rPr lang="en-US" altLang="en-US" sz="3000" dirty="0" smtClean="0">
+              <a:rPr lang="en-US" altLang="en-US" sz="3000" dirty="0">
                 <a:solidFill>
                   <a:srgbClr val="FF00FF"/>
                 </a:solidFill>
@@ -7007,13 +6921,6 @@
               </a:rPr>
               <a:t>book</a:t>
             </a:r>
-            <a:endParaRPr lang="en-US" altLang="en-US" sz="3000" dirty="0">
-              <a:solidFill>
-                <a:srgbClr val="FF00FF"/>
-              </a:solidFill>
-              <a:latin typeface="Gill Sans Regular" charset="0"/>
-              <a:sym typeface="Cabin" charset="0"/>
-            </a:endParaRPr>
           </a:p>
         </p:txBody>
       </p:sp>
@@ -7175,7 +7082,7 @@
               <a:defRPr/>
             </a:pPr>
             <a:r>
-              <a:rPr lang="en-US" altLang="en-US" sz="3000" dirty="0" smtClean="0">
+              <a:rPr lang="en-US" altLang="en-US" sz="3000" dirty="0">
                 <a:solidFill>
                   <a:srgbClr val="FF00FF"/>
                 </a:solidFill>
@@ -7184,13 +7091,6 @@
               </a:rPr>
               <a:t>author</a:t>
             </a:r>
-            <a:endParaRPr lang="en-US" altLang="en-US" sz="3000" dirty="0">
-              <a:solidFill>
-                <a:srgbClr val="FF00FF"/>
-              </a:solidFill>
-              <a:latin typeface="Gill Sans Regular" charset="0"/>
-              <a:sym typeface="Cabin" charset="0"/>
-            </a:endParaRPr>
           </a:p>
         </p:txBody>
       </p:sp>
@@ -7351,7 +7251,7 @@
               <a:defRPr/>
             </a:pPr>
             <a:r>
-              <a:rPr lang="en-US" altLang="en-US" sz="3000" dirty="0" smtClean="0">
+              <a:rPr lang="en-US" altLang="en-US" sz="3000" dirty="0">
                 <a:solidFill>
                   <a:srgbClr val="000000"/>
                 </a:solidFill>
@@ -7360,13 +7260,6 @@
               </a:rPr>
               <a:t>Author</a:t>
             </a:r>
-            <a:endParaRPr lang="en-US" altLang="en-US" sz="3000" dirty="0">
-              <a:solidFill>
-                <a:srgbClr val="000000"/>
-              </a:solidFill>
-              <a:latin typeface="Gill Sans Regular" charset="0"/>
-              <a:sym typeface="Cabin" charset="0"/>
-            </a:endParaRPr>
           </a:p>
         </p:txBody>
       </p:sp>
@@ -7528,7 +7421,7 @@
               <a:defRPr/>
             </a:pPr>
             <a:r>
-              <a:rPr lang="en-US" altLang="en-US" sz="3000" dirty="0" smtClean="0">
+              <a:rPr lang="en-US" altLang="en-US" sz="3000" dirty="0">
                 <a:solidFill>
                   <a:srgbClr val="FF7F00"/>
                 </a:solidFill>
@@ -7537,13 +7430,6 @@
               </a:rPr>
               <a:t>id</a:t>
             </a:r>
-            <a:endParaRPr lang="en-US" altLang="en-US" sz="3000" dirty="0">
-              <a:solidFill>
-                <a:srgbClr val="FF7F00"/>
-              </a:solidFill>
-              <a:latin typeface="Gill Sans Regular" charset="0"/>
-              <a:sym typeface="Cabin" charset="0"/>
-            </a:endParaRPr>
           </a:p>
         </p:txBody>
       </p:sp>
@@ -7737,16 +7623,12 @@
               <a:defRPr/>
             </a:pPr>
             <a:r>
-              <a:rPr lang="en-US" altLang="en-US" sz="2700" dirty="0" smtClean="0">
+              <a:rPr lang="en-US" altLang="en-US" sz="2700" dirty="0">
                 <a:latin typeface="Gill Sans Regular" charset="0"/>
                 <a:sym typeface="Cabin" charset="0"/>
               </a:rPr>
               <a:t>Author</a:t>
             </a:r>
-            <a:endParaRPr lang="en-US" altLang="en-US" sz="2700" dirty="0">
-              <a:latin typeface="Gill Sans Regular" charset="0"/>
-              <a:sym typeface="Cabin" charset="0"/>
-            </a:endParaRPr>
           </a:p>
         </p:txBody>
       </p:sp>
@@ -8694,7 +8576,7 @@
               <a:defRPr/>
             </a:pPr>
             <a:r>
-              <a:rPr lang="en-US" altLang="en-US" sz="3000" dirty="0" smtClean="0">
+              <a:rPr lang="en-US" altLang="en-US" sz="3000" dirty="0">
                 <a:solidFill>
                   <a:srgbClr val="000000"/>
                 </a:solidFill>
@@ -8703,13 +8585,6 @@
               </a:rPr>
               <a:t>Book</a:t>
             </a:r>
-            <a:endParaRPr lang="en-US" altLang="en-US" sz="3000" dirty="0">
-              <a:solidFill>
-                <a:srgbClr val="000000"/>
-              </a:solidFill>
-              <a:latin typeface="Gill Sans Regular" charset="0"/>
-              <a:sym typeface="Cabin" charset="0"/>
-            </a:endParaRPr>
           </a:p>
         </p:txBody>
       </p:sp>
@@ -8871,7 +8746,7 @@
               <a:defRPr/>
             </a:pPr>
             <a:r>
-              <a:rPr lang="en-US" altLang="en-US" sz="3000" dirty="0" smtClean="0">
+              <a:rPr lang="en-US" altLang="en-US" sz="3000" dirty="0">
                 <a:solidFill>
                   <a:srgbClr val="FF7F00"/>
                 </a:solidFill>
@@ -8880,13 +8755,6 @@
               </a:rPr>
               <a:t>id</a:t>
             </a:r>
-            <a:endParaRPr lang="en-US" altLang="en-US" sz="3000" dirty="0">
-              <a:solidFill>
-                <a:srgbClr val="FF7F00"/>
-              </a:solidFill>
-              <a:latin typeface="Gill Sans Regular" charset="0"/>
-              <a:sym typeface="Cabin" charset="0"/>
-            </a:endParaRPr>
           </a:p>
         </p:txBody>
       </p:sp>
@@ -9048,7 +8916,7 @@
               <a:defRPr/>
             </a:pPr>
             <a:r>
-              <a:rPr lang="en-US" altLang="en-US" sz="3000" dirty="0" smtClean="0">
+              <a:rPr lang="en-US" altLang="en-US" sz="3000" dirty="0">
                 <a:solidFill>
                   <a:srgbClr val="00FF00"/>
                 </a:solidFill>
@@ -9057,13 +8925,6 @@
               </a:rPr>
               <a:t>title</a:t>
             </a:r>
-            <a:endParaRPr lang="en-US" altLang="en-US" sz="3000" dirty="0">
-              <a:solidFill>
-                <a:srgbClr val="00FF00"/>
-              </a:solidFill>
-              <a:latin typeface="Gill Sans Regular" charset="0"/>
-              <a:sym typeface="Cabin" charset="0"/>
-            </a:endParaRPr>
           </a:p>
         </p:txBody>
       </p:sp>
@@ -9573,7 +9434,7 @@
               <a:defRPr/>
             </a:pPr>
             <a:r>
-              <a:rPr lang="en-US" altLang="en-US" sz="3000" dirty="0" smtClean="0">
+              <a:rPr lang="en-US" altLang="en-US" sz="3000" dirty="0">
                 <a:solidFill>
                   <a:schemeClr val="tx1"/>
                 </a:solidFill>
@@ -9582,13 +9443,6 @@
               </a:rPr>
               <a:t>name</a:t>
             </a:r>
-            <a:endParaRPr lang="en-US" altLang="en-US" sz="3000" dirty="0">
-              <a:solidFill>
-                <a:schemeClr val="tx1"/>
-              </a:solidFill>
-              <a:latin typeface="Gill Sans Regular" charset="0"/>
-              <a:sym typeface="Cabin" charset="0"/>
-            </a:endParaRPr>
           </a:p>
         </p:txBody>
       </p:sp>
@@ -9750,7 +9604,7 @@
               <a:defRPr/>
             </a:pPr>
             <a:r>
-              <a:rPr lang="en-US" altLang="en-US" sz="3000" dirty="0" smtClean="0">
+              <a:rPr lang="en-US" altLang="en-US" sz="3000" dirty="0">
                 <a:solidFill>
                   <a:srgbClr val="FF7F00"/>
                 </a:solidFill>
@@ -9759,13 +9613,6 @@
               </a:rPr>
               <a:t>id</a:t>
             </a:r>
-            <a:endParaRPr lang="en-US" altLang="en-US" sz="3000" dirty="0">
-              <a:solidFill>
-                <a:srgbClr val="FF7F00"/>
-              </a:solidFill>
-              <a:latin typeface="Gill Sans Regular" charset="0"/>
-              <a:sym typeface="Cabin" charset="0"/>
-            </a:endParaRPr>
           </a:p>
         </p:txBody>
       </p:sp>
@@ -9927,7 +9774,7 @@
               <a:defRPr/>
             </a:pPr>
             <a:r>
-              <a:rPr lang="en-US" altLang="en-US" sz="2400" i="1" dirty="0" smtClean="0">
+              <a:rPr lang="en-US" altLang="en-US" sz="2400" i="1" dirty="0">
                 <a:solidFill>
                   <a:srgbClr val="FF40FF"/>
                 </a:solidFill>
@@ -9936,13 +9783,6 @@
               </a:rPr>
               <a:t>authors</a:t>
             </a:r>
-            <a:endParaRPr lang="en-US" altLang="en-US" sz="2400" i="1" dirty="0">
-              <a:solidFill>
-                <a:srgbClr val="FF40FF"/>
-              </a:solidFill>
-              <a:latin typeface="Gill Sans Regular" charset="0"/>
-              <a:sym typeface="Cabin" charset="0"/>
-            </a:endParaRPr>
           </a:p>
         </p:txBody>
       </p:sp>
@@ -10104,7 +9944,7 @@
               <a:defRPr/>
             </a:pPr>
             <a:r>
-              <a:rPr lang="en-US" altLang="en-US" sz="2400" i="1" dirty="0" smtClean="0">
+              <a:rPr lang="en-US" altLang="en-US" sz="2400" i="1" dirty="0">
                 <a:solidFill>
                   <a:srgbClr val="FF40FF"/>
                 </a:solidFill>
@@ -10113,13 +9953,6 @@
               </a:rPr>
               <a:t>books</a:t>
             </a:r>
-            <a:endParaRPr lang="en-US" altLang="en-US" sz="2400" i="1" dirty="0">
-              <a:solidFill>
-                <a:srgbClr val="FF40FF"/>
-              </a:solidFill>
-              <a:latin typeface="Gill Sans Regular" charset="0"/>
-              <a:sym typeface="Cabin" charset="0"/>
-            </a:endParaRPr>
           </a:p>
         </p:txBody>
       </p:sp>
@@ -10146,10 +9979,9 @@
           <a:lstStyle/>
           <a:p>
             <a:r>
-              <a:rPr lang="en-US" smtClean="0"/>
+              <a:rPr lang="en-US"/>
               <a:t>Django calls this the "through" table</a:t>
             </a:r>
-            <a:endParaRPr lang="en-US"/>
           </a:p>
         </p:txBody>
       </p:sp>
@@ -10166,13 +9998,6 @@
   <p:transition spd="slow">
     <p:cut/>
   </p:transition>
-  <p:timing>
-    <p:tnLst>
-      <p:par>
-        <p:cTn id="1" dur="indefinite" restart="never" nodeType="tmRoot"/>
-      </p:par>
-    </p:tnLst>
-  </p:timing>
 </p:sld>
 </file>
 
@@ -11025,26 +10850,26 @@
               <a:t>https://</a:t>
             </a:r>
             <a:r>
-              <a:rPr lang="en-US" dirty="0" err="1" smtClean="0"/>
+              <a:rPr lang="en-US" dirty="0" err="1"/>
               <a:t>github.com</a:t>
             </a:r>
             <a:r>
-              <a:rPr lang="en-US" dirty="0" smtClean="0"/>
+              <a:rPr lang="en-US" dirty="0"/>
               <a:t>/csev/dj4e-samples/blob/master/samples/</a:t>
             </a:r>
             <a:r>
-              <a:rPr lang="en-US" dirty="0" err="1" smtClean="0"/>
+              <a:rPr lang="en-US" dirty="0" err="1"/>
               <a:t>bookmany</a:t>
             </a:r>
             <a:r>
-              <a:rPr lang="en-US" dirty="0" smtClean="0"/>
+              <a:rPr lang="en-US" dirty="0"/>
               <a:t>/</a:t>
             </a:r>
             <a:r>
-              <a:rPr lang="en-US" dirty="0" err="1" smtClean="0"/>
+              <a:rPr lang="en-US" dirty="0" err="1"/>
               <a:t>models.py</a:t>
             </a:r>
-            <a:endParaRPr lang="en-US" dirty="0" smtClean="0"/>
+            <a:endParaRPr lang="en-US" dirty="0"/>
           </a:p>
         </p:txBody>
       </p:sp>
@@ -11058,13 +10883,6 @@
   <p:clrMapOvr>
     <a:masterClrMapping/>
   </p:clrMapOvr>
-  <p:timing>
-    <p:tnLst>
-      <p:par>
-        <p:cTn id="1" dur="indefinite" restart="never" nodeType="tmRoot"/>
-      </p:par>
-    </p:tnLst>
-  </p:timing>
 </p:sld>
 </file>
 
@@ -11110,7 +10928,7 @@
           <a:lstStyle/>
           <a:p>
             <a:r>
-              <a:rPr lang="en-US" sz="2000" dirty="0" smtClean="0">
+              <a:rPr lang="en-US" sz="2000" dirty="0">
                 <a:solidFill>
                   <a:srgbClr val="000000"/>
                 </a:solidFill>
@@ -11326,7 +11144,7 @@
           </a:p>
           <a:p>
             <a:r>
-              <a:rPr lang="en-US" sz="2000" dirty="0" smtClean="0">
+              <a:rPr lang="en-US" sz="2000" dirty="0">
                 <a:solidFill>
                   <a:srgbClr val="000000"/>
                 </a:solidFill>
@@ -11646,7 +11464,7 @@
           </a:p>
           <a:p>
             <a:r>
-              <a:rPr lang="en-US" sz="2000" dirty="0" smtClean="0">
+              <a:rPr lang="en-US" sz="2000" dirty="0">
                 <a:solidFill>
                   <a:srgbClr val="000000"/>
                 </a:solidFill>
@@ -11656,14 +11474,6 @@
               </a:rPr>
               <a:t>dj4e-samples$ </a:t>
             </a:r>
-            <a:endParaRPr lang="en-US" sz="2000" dirty="0">
-              <a:solidFill>
-                <a:srgbClr val="000000"/>
-              </a:solidFill>
-              <a:latin typeface="Courier" charset="0"/>
-              <a:ea typeface="Courier" charset="0"/>
-              <a:cs typeface="Courier" charset="0"/>
-            </a:endParaRPr>
           </a:p>
         </p:txBody>
       </p:sp>
@@ -11692,7 +11502,7 @@
           <a:lstStyle/>
           <a:p>
             <a:r>
-              <a:rPr lang="en-US" dirty="0" smtClean="0">
+              <a:rPr lang="en-US" dirty="0">
                 <a:solidFill>
                   <a:srgbClr val="002060"/>
                 </a:solidFill>
@@ -11700,7 +11510,7 @@
               <a:t>Remember that </a:t>
             </a:r>
             <a:r>
-              <a:rPr lang="en-US" dirty="0" err="1" smtClean="0">
+              <a:rPr lang="en-US" dirty="0" err="1">
                 <a:solidFill>
                   <a:srgbClr val="002060"/>
                 </a:solidFill>
@@ -11708,7 +11518,7 @@
               <a:t>makemigrations</a:t>
             </a:r>
             <a:r>
-              <a:rPr lang="en-US" dirty="0" smtClean="0">
+              <a:rPr lang="en-US" dirty="0">
                 <a:solidFill>
                   <a:srgbClr val="002060"/>
                 </a:solidFill>
@@ -11716,7 +11526,7 @@
               <a:t> only "does something" when you create or alter a </a:t>
             </a:r>
             <a:r>
-              <a:rPr lang="en-US" dirty="0" err="1" smtClean="0">
+              <a:rPr lang="en-US" dirty="0" err="1">
                 <a:solidFill>
                   <a:srgbClr val="002060"/>
                 </a:solidFill>
@@ -11724,7 +11534,7 @@
               <a:t>models.py</a:t>
             </a:r>
             <a:r>
-              <a:rPr lang="en-US" dirty="0" smtClean="0">
+              <a:rPr lang="en-US" dirty="0">
                 <a:solidFill>
                   <a:srgbClr val="002060"/>
                 </a:solidFill>
@@ -11732,7 +11542,7 @@
               <a:t> file. The migrate only "does something" when there are migrations that are not yet applied to the database.  Also an application must be added to </a:t>
             </a:r>
             <a:r>
-              <a:rPr lang="en-US" dirty="0" err="1" smtClean="0">
+              <a:rPr lang="en-US" dirty="0" err="1">
                 <a:solidFill>
                   <a:srgbClr val="002060"/>
                 </a:solidFill>
@@ -11740,7 +11550,7 @@
               <a:t>settings.py</a:t>
             </a:r>
             <a:r>
-              <a:rPr lang="en-US" dirty="0" smtClean="0">
+              <a:rPr lang="en-US" dirty="0">
                 <a:solidFill>
                   <a:srgbClr val="002060"/>
                 </a:solidFill>
@@ -11748,7 +11558,7 @@
               <a:t> before these commands see the </a:t>
             </a:r>
             <a:r>
-              <a:rPr lang="en-US" dirty="0" err="1" smtClean="0">
+              <a:rPr lang="en-US" dirty="0" err="1">
                 <a:solidFill>
                   <a:srgbClr val="002060"/>
                 </a:solidFill>
@@ -11756,18 +11566,13 @@
               <a:t>models.py</a:t>
             </a:r>
             <a:r>
-              <a:rPr lang="en-US" dirty="0" smtClean="0">
+              <a:rPr lang="en-US" dirty="0">
                 <a:solidFill>
                   <a:srgbClr val="002060"/>
                 </a:solidFill>
               </a:rPr>
               <a:t> file for an application.</a:t>
             </a:r>
-            <a:endParaRPr lang="en-US" dirty="0">
-              <a:solidFill>
-                <a:srgbClr val="002060"/>
-              </a:solidFill>
-            </a:endParaRPr>
           </a:p>
         </p:txBody>
       </p:sp>
@@ -11781,13 +11586,6 @@
   <p:clrMapOvr>
     <a:masterClrMapping/>
   </p:clrMapOvr>
-  <p:timing>
-    <p:tnLst>
-      <p:par>
-        <p:cTn id="1" dur="indefinite" restart="never" nodeType="tmRoot"/>
-      </p:par>
-    </p:tnLst>
-  </p:timing>
 </p:sld>
 </file>
 
@@ -11830,7 +11628,7 @@
           <a:lstStyle/>
           <a:p>
             <a:r>
-              <a:rPr lang="en-US" sz="1600" dirty="0" smtClean="0">
+              <a:rPr lang="en-US" sz="1600" dirty="0">
                 <a:solidFill>
                   <a:srgbClr val="00FDFF"/>
                 </a:solidFill>
@@ -11841,7 +11639,7 @@
               <a:t>dj4e-samples$</a:t>
             </a:r>
             <a:r>
-              <a:rPr lang="en-US" sz="1600" dirty="0" smtClean="0">
+              <a:rPr lang="en-US" sz="1600" dirty="0">
                 <a:solidFill>
                   <a:srgbClr val="FFFF00"/>
                 </a:solidFill>
@@ -11849,7 +11647,18 @@
                 <a:ea typeface="Courier" charset="0"/>
                 <a:cs typeface="Courier" charset="0"/>
               </a:rPr>
-              <a:t> </a:t>
+              <a:t> python3 </a:t>
+            </a:r>
+            <a:r>
+              <a:rPr lang="en-US" sz="1600" dirty="0" err="1">
+                <a:solidFill>
+                  <a:srgbClr val="FFFF00"/>
+                </a:solidFill>
+                <a:latin typeface="Courier" charset="0"/>
+                <a:ea typeface="Courier" charset="0"/>
+                <a:cs typeface="Courier" charset="0"/>
+              </a:rPr>
+              <a:t>manage.py</a:t>
             </a:r>
             <a:r>
               <a:rPr lang="en-US" sz="1600" dirty="0">
@@ -11860,7 +11669,28 @@
                 <a:ea typeface="Courier" charset="0"/>
                 <a:cs typeface="Courier" charset="0"/>
               </a:rPr>
-              <a:t>python3 </a:t>
+              <a:t> shell</a:t>
+            </a:r>
+          </a:p>
+          <a:p>
+            <a:r>
+              <a:rPr lang="en-US" sz="1600" dirty="0">
+                <a:latin typeface="Courier" charset="0"/>
+                <a:ea typeface="Courier" charset="0"/>
+                <a:cs typeface="Courier" charset="0"/>
+              </a:rPr>
+              <a:t>&gt;&gt;&gt;</a:t>
+            </a:r>
+            <a:r>
+              <a:rPr lang="en-US" sz="1600" dirty="0">
+                <a:solidFill>
+                  <a:srgbClr val="FFFF00"/>
+                </a:solidFill>
+                <a:latin typeface="Courier" charset="0"/>
+                <a:ea typeface="Courier" charset="0"/>
+                <a:cs typeface="Courier" charset="0"/>
+              </a:rPr>
+              <a:t> from </a:t>
             </a:r>
             <a:r>
               <a:rPr lang="en-US" sz="1600" dirty="0" err="1">
@@ -11871,7 +11701,7 @@
                 <a:ea typeface="Courier" charset="0"/>
                 <a:cs typeface="Courier" charset="0"/>
               </a:rPr>
-              <a:t>manage.py</a:t>
+              <a:t>bookmany.models</a:t>
             </a:r>
             <a:r>
               <a:rPr lang="en-US" sz="1600" dirty="0">
@@ -11882,12 +11712,12 @@
                 <a:ea typeface="Courier" charset="0"/>
                 <a:cs typeface="Courier" charset="0"/>
               </a:rPr>
-              <a:t> shell</a:t>
-            </a:r>
-          </a:p>
-          <a:p>
-            <a:r>
-              <a:rPr lang="en-US" sz="1600" dirty="0" smtClean="0">
+              <a:t> import Book, Author, Authored</a:t>
+            </a:r>
+          </a:p>
+          <a:p>
+            <a:r>
+              <a:rPr lang="en-US" sz="1600" dirty="0">
                 <a:latin typeface="Courier" charset="0"/>
                 <a:ea typeface="Courier" charset="0"/>
                 <a:cs typeface="Courier" charset="0"/>
@@ -11895,7 +11725,7 @@
               <a:t>&gt;&gt;&gt;</a:t>
             </a:r>
             <a:r>
-              <a:rPr lang="en-US" sz="1600" dirty="0" smtClean="0">
+              <a:rPr lang="en-US" sz="1600" dirty="0">
                 <a:solidFill>
                   <a:srgbClr val="FFFF00"/>
                 </a:solidFill>
@@ -11903,10 +11733,41 @@
                 <a:ea typeface="Courier" charset="0"/>
                 <a:cs typeface="Courier" charset="0"/>
               </a:rPr>
-              <a:t> </a:t>
-            </a:r>
+              <a:t> b1 = Book(title='Networking')</a:t>
+            </a:r>
+          </a:p>
+          <a:p>
+            <a:r>
+              <a:rPr lang="mr-IN" sz="1600" dirty="0">
+                <a:latin typeface="Courier" charset="0"/>
+                <a:ea typeface="Courier" charset="0"/>
+                <a:cs typeface="Courier" charset="0"/>
+              </a:rPr>
+              <a:t>&gt;&gt;&gt; </a:t>
+            </a:r>
+            <a:r>
+              <a:rPr lang="mr-IN" sz="1600" dirty="0">
+                <a:solidFill>
+                  <a:srgbClr val="FFFF00"/>
+                </a:solidFill>
+                <a:latin typeface="Courier" charset="0"/>
+                <a:ea typeface="Courier" charset="0"/>
+                <a:cs typeface="Courier" charset="0"/>
+              </a:rPr>
+              <a:t>b1.save()</a:t>
+            </a:r>
+          </a:p>
+          <a:p>
             <a:r>
               <a:rPr lang="en-US" sz="1600" dirty="0">
+                <a:latin typeface="Courier" charset="0"/>
+                <a:ea typeface="Courier" charset="0"/>
+                <a:cs typeface="Courier" charset="0"/>
+              </a:rPr>
+              <a:t>&gt;&gt;&gt;</a:t>
+            </a:r>
+            <a:r>
+              <a:rPr lang="en-US" sz="1600" dirty="0">
                 <a:solidFill>
                   <a:srgbClr val="FFFF00"/>
                 </a:solidFill>
@@ -11914,7 +11775,49 @@
                 <a:ea typeface="Courier" charset="0"/>
                 <a:cs typeface="Courier" charset="0"/>
               </a:rPr>
-              <a:t>from </a:t>
+              <a:t> b2 = Book(title='Raspberry')</a:t>
+            </a:r>
+          </a:p>
+          <a:p>
+            <a:r>
+              <a:rPr lang="mr-IN" sz="1600" dirty="0">
+                <a:latin typeface="Courier" charset="0"/>
+                <a:ea typeface="Courier" charset="0"/>
+                <a:cs typeface="Courier" charset="0"/>
+              </a:rPr>
+              <a:t>&gt;&gt;&gt;</a:t>
+            </a:r>
+            <a:r>
+              <a:rPr lang="mr-IN" sz="1600" dirty="0">
+                <a:solidFill>
+                  <a:srgbClr val="FFFF00"/>
+                </a:solidFill>
+                <a:latin typeface="Courier" charset="0"/>
+                <a:ea typeface="Courier" charset="0"/>
+                <a:cs typeface="Courier" charset="0"/>
+              </a:rPr>
+              <a:t> b2.save()</a:t>
+            </a:r>
+          </a:p>
+          <a:p>
+            <a:r>
+              <a:rPr lang="en-US" sz="1600" dirty="0">
+                <a:latin typeface="Courier" charset="0"/>
+                <a:ea typeface="Courier" charset="0"/>
+                <a:cs typeface="Courier" charset="0"/>
+              </a:rPr>
+              <a:t>&gt;&gt;&gt;</a:t>
+            </a:r>
+            <a:r>
+              <a:rPr lang="en-US" sz="1600" dirty="0">
+                <a:solidFill>
+                  <a:srgbClr val="FFFF00"/>
+                </a:solidFill>
+                <a:latin typeface="Courier" charset="0"/>
+                <a:ea typeface="Courier" charset="0"/>
+                <a:cs typeface="Courier" charset="0"/>
+              </a:rPr>
+              <a:t> a1 = Author(name='</a:t>
             </a:r>
             <a:r>
               <a:rPr lang="en-US" sz="1600" dirty="0" err="1">
@@ -11925,7 +11828,7 @@
                 <a:ea typeface="Courier" charset="0"/>
                 <a:cs typeface="Courier" charset="0"/>
               </a:rPr>
-              <a:t>bookmany.models</a:t>
+              <a:t>Fontichiaro</a:t>
             </a:r>
             <a:r>
               <a:rPr lang="en-US" sz="1600" dirty="0">
@@ -11936,7 +11839,28 @@
                 <a:ea typeface="Courier" charset="0"/>
                 <a:cs typeface="Courier" charset="0"/>
               </a:rPr>
-              <a:t> import Book, Author, Authored</a:t>
+              <a:t>')</a:t>
+            </a:r>
+          </a:p>
+          <a:p>
+            <a:r>
+              <a:rPr lang="mr-IN" sz="1600" dirty="0">
+                <a:latin typeface="Courier" charset="0"/>
+                <a:ea typeface="Courier" charset="0"/>
+                <a:cs typeface="Courier" charset="0"/>
+              </a:rPr>
+              <a:t>&gt;&gt;&gt;</a:t>
+            </a:r>
+            <a:r>
+              <a:rPr lang="mr-IN" sz="1600" dirty="0">
+                <a:solidFill>
+                  <a:srgbClr val="FFFF00"/>
+                </a:solidFill>
+                <a:latin typeface="Courier" charset="0"/>
+                <a:ea typeface="Courier" charset="0"/>
+                <a:cs typeface="Courier" charset="0"/>
+              </a:rPr>
+              <a:t> a1.save()</a:t>
             </a:r>
           </a:p>
           <a:p>
@@ -11957,10 +11881,20 @@
                 <a:ea typeface="Courier" charset="0"/>
                 <a:cs typeface="Courier" charset="0"/>
               </a:rPr>
-              <a:t> </a:t>
-            </a:r>
-            <a:r>
-              <a:rPr lang="en-US" sz="1600" dirty="0" smtClean="0">
+              <a:t> a2 = Author(name='Severance')</a:t>
+            </a:r>
+          </a:p>
+          <a:p>
+            <a:r>
+              <a:rPr lang="mr-IN" sz="1600" dirty="0">
+                <a:latin typeface="Courier" charset="0"/>
+                <a:ea typeface="Courier" charset="0"/>
+                <a:cs typeface="Courier" charset="0"/>
+              </a:rPr>
+              <a:t>&gt;&gt;&gt;</a:t>
+            </a:r>
+            <a:r>
+              <a:rPr lang="mr-IN" sz="1600" dirty="0">
                 <a:solidFill>
                   <a:srgbClr val="FFFF00"/>
                 </a:solidFill>
@@ -11968,12 +11902,122 @@
                 <a:ea typeface="Courier" charset="0"/>
                 <a:cs typeface="Courier" charset="0"/>
               </a:rPr>
-              <a:t>b1 = Book(title='Networking')</a:t>
-            </a:r>
-          </a:p>
-          <a:p>
-            <a:r>
-              <a:rPr lang="mr-IN" sz="1600" dirty="0" smtClean="0">
+              <a:t> a2.save()</a:t>
+            </a:r>
+          </a:p>
+          <a:p>
+            <a:r>
+              <a:rPr lang="en-US" sz="1600" dirty="0">
+                <a:latin typeface="Courier" charset="0"/>
+                <a:ea typeface="Courier" charset="0"/>
+                <a:cs typeface="Courier" charset="0"/>
+              </a:rPr>
+              <a:t>&gt;&gt;&gt;</a:t>
+            </a:r>
+            <a:r>
+              <a:rPr lang="en-US" sz="1600" dirty="0">
+                <a:solidFill>
+                  <a:srgbClr val="FFFF00"/>
+                </a:solidFill>
+                <a:latin typeface="Courier" charset="0"/>
+                <a:ea typeface="Courier" charset="0"/>
+                <a:cs typeface="Courier" charset="0"/>
+              </a:rPr>
+              <a:t> Authored(book=b1, author=a2).save()</a:t>
+            </a:r>
+          </a:p>
+          <a:p>
+            <a:r>
+              <a:rPr lang="en-US" sz="1600" dirty="0">
+                <a:latin typeface="Courier" charset="0"/>
+                <a:ea typeface="Courier" charset="0"/>
+                <a:cs typeface="Courier" charset="0"/>
+              </a:rPr>
+              <a:t>&gt;&gt;&gt;</a:t>
+            </a:r>
+            <a:r>
+              <a:rPr lang="en-US" sz="1600" dirty="0">
+                <a:solidFill>
+                  <a:srgbClr val="FFFF00"/>
+                </a:solidFill>
+                <a:latin typeface="Courier" charset="0"/>
+                <a:ea typeface="Courier" charset="0"/>
+                <a:cs typeface="Courier" charset="0"/>
+              </a:rPr>
+              <a:t> Authored(book=b2, author=a1).save()</a:t>
+            </a:r>
+          </a:p>
+          <a:p>
+            <a:r>
+              <a:rPr lang="en-US" sz="1600" dirty="0">
+                <a:latin typeface="Courier" charset="0"/>
+                <a:ea typeface="Courier" charset="0"/>
+                <a:cs typeface="Courier" charset="0"/>
+              </a:rPr>
+              <a:t>&gt;&gt;&gt;</a:t>
+            </a:r>
+            <a:r>
+              <a:rPr lang="en-US" sz="1600" dirty="0">
+                <a:solidFill>
+                  <a:srgbClr val="FFFF00"/>
+                </a:solidFill>
+                <a:latin typeface="Courier" charset="0"/>
+                <a:ea typeface="Courier" charset="0"/>
+                <a:cs typeface="Courier" charset="0"/>
+              </a:rPr>
+              <a:t> Authored(book=b2, author=a2).save()</a:t>
+            </a:r>
+          </a:p>
+          <a:p>
+            <a:r>
+              <a:rPr lang="en-US" sz="1600" dirty="0">
+                <a:latin typeface="Courier" charset="0"/>
+                <a:ea typeface="Courier" charset="0"/>
+                <a:cs typeface="Courier" charset="0"/>
+              </a:rPr>
+              <a:t>&gt;&gt;&gt;</a:t>
+            </a:r>
+            <a:r>
+              <a:rPr lang="en-US" sz="1600" dirty="0">
+                <a:solidFill>
+                  <a:srgbClr val="FFFF00"/>
+                </a:solidFill>
+                <a:latin typeface="Courier" charset="0"/>
+                <a:ea typeface="Courier" charset="0"/>
+                <a:cs typeface="Courier" charset="0"/>
+              </a:rPr>
+              <a:t> b1.authors.values()</a:t>
+            </a:r>
+          </a:p>
+          <a:p>
+            <a:r>
+              <a:rPr lang="en-US" sz="1600" dirty="0">
+                <a:latin typeface="Courier" charset="0"/>
+                <a:ea typeface="Courier" charset="0"/>
+                <a:cs typeface="Courier" charset="0"/>
+              </a:rPr>
+              <a:t>&lt;</a:t>
+            </a:r>
+            <a:r>
+              <a:rPr lang="en-US" sz="1600" dirty="0" err="1">
+                <a:latin typeface="Courier" charset="0"/>
+                <a:ea typeface="Courier" charset="0"/>
+                <a:cs typeface="Courier" charset="0"/>
+              </a:rPr>
+              <a:t>QuerySet</a:t>
+            </a:r>
+            <a:r>
+              <a:rPr lang="en-US" sz="1600" dirty="0">
+                <a:latin typeface="Courier" charset="0"/>
+                <a:ea typeface="Courier" charset="0"/>
+                <a:cs typeface="Courier" charset="0"/>
+              </a:rPr>
+              <a:t> [{'id': 2, 'name': 'Severance'}]&gt;</a:t>
+            </a:r>
+          </a:p>
+          <a:p>
+            <a:r>
+              <a:rPr lang="en-US" sz="1600" dirty="0">
                 <a:latin typeface="Courier" charset="0"/>
                 <a:ea typeface="Courier" charset="0"/>
                 <a:cs typeface="Courier" charset="0"/>
@@ -11981,7 +12025,7 @@
               <a:t>&gt;&gt;&gt; </a:t>
             </a:r>
             <a:r>
-              <a:rPr lang="mr-IN" sz="1600" dirty="0" smtClean="0">
+              <a:rPr lang="en-US" sz="1600" dirty="0">
                 <a:solidFill>
                   <a:srgbClr val="FFFF00"/>
                 </a:solidFill>
@@ -11989,20 +12033,62 @@
                 <a:ea typeface="Courier" charset="0"/>
                 <a:cs typeface="Courier" charset="0"/>
               </a:rPr>
-              <a:t>b1.save()</a:t>
-            </a:r>
-          </a:p>
-          <a:p>
-            <a:r>
-              <a:rPr lang="en-US" sz="1600" dirty="0" smtClean="0">
-                <a:latin typeface="Courier" charset="0"/>
-                <a:ea typeface="Courier" charset="0"/>
-                <a:cs typeface="Courier" charset="0"/>
-              </a:rPr>
-              <a:t>&gt;&gt;&gt;</a:t>
-            </a:r>
-            <a:r>
-              <a:rPr lang="en-US" sz="1600" dirty="0" smtClean="0">
+              <a:t>b2.author_set.values()</a:t>
+            </a:r>
+          </a:p>
+          <a:p>
+            <a:r>
+              <a:rPr lang="en-US" sz="1600" dirty="0">
+                <a:latin typeface="Courier" charset="0"/>
+                <a:ea typeface="Courier" charset="0"/>
+                <a:cs typeface="Courier" charset="0"/>
+              </a:rPr>
+              <a:t>&lt;</a:t>
+            </a:r>
+            <a:r>
+              <a:rPr lang="en-US" sz="1600" dirty="0" err="1">
+                <a:latin typeface="Courier" charset="0"/>
+                <a:ea typeface="Courier" charset="0"/>
+                <a:cs typeface="Courier" charset="0"/>
+              </a:rPr>
+              <a:t>QuerySet</a:t>
+            </a:r>
+            <a:r>
+              <a:rPr lang="en-US" sz="1600" dirty="0">
+                <a:latin typeface="Courier" charset="0"/>
+                <a:ea typeface="Courier" charset="0"/>
+                <a:cs typeface="Courier" charset="0"/>
+              </a:rPr>
+              <a:t> [{'id': 1, 'name': '</a:t>
+            </a:r>
+            <a:r>
+              <a:rPr lang="en-US" sz="1600" dirty="0" err="1">
+                <a:latin typeface="Courier" charset="0"/>
+                <a:ea typeface="Courier" charset="0"/>
+                <a:cs typeface="Courier" charset="0"/>
+              </a:rPr>
+              <a:t>Fontichiaro</a:t>
+            </a:r>
+            <a:r>
+              <a:rPr lang="en-US" sz="1600" dirty="0">
+                <a:latin typeface="Courier" charset="0"/>
+                <a:ea typeface="Courier" charset="0"/>
+                <a:cs typeface="Courier" charset="0"/>
+              </a:rPr>
+              <a:t>'}, {'id': 2, 'name': 'Severance'}]&gt;</a:t>
+            </a:r>
+          </a:p>
+          <a:p>
+            <a:r>
+              <a:rPr lang="en-US" sz="1600" dirty="0">
+                <a:latin typeface="Courier" charset="0"/>
+                <a:ea typeface="Courier" charset="0"/>
+                <a:cs typeface="Courier" charset="0"/>
+              </a:rPr>
+              <a:t>&gt;&gt;&gt; </a:t>
+            </a:r>
+            <a:r>
+              <a:rPr lang="en-US" sz="1600" dirty="0">
                 <a:solidFill>
                   <a:srgbClr val="FFFF00"/>
                 </a:solidFill>
@@ -12010,10 +12096,46 @@
                 <a:ea typeface="Courier" charset="0"/>
                 <a:cs typeface="Courier" charset="0"/>
               </a:rPr>
-              <a:t> </a:t>
-            </a:r>
+              <a:t>a1.books.values()</a:t>
+            </a:r>
+          </a:p>
+          <a:p>
             <a:r>
               <a:rPr lang="en-US" sz="1600" dirty="0">
+                <a:latin typeface="Courier" charset="0"/>
+                <a:ea typeface="Courier" charset="0"/>
+                <a:cs typeface="Courier" charset="0"/>
+              </a:rPr>
+              <a:t>&lt;</a:t>
+            </a:r>
+            <a:r>
+              <a:rPr lang="en-US" sz="1600" dirty="0" err="1">
+                <a:latin typeface="Courier" charset="0"/>
+                <a:ea typeface="Courier" charset="0"/>
+                <a:cs typeface="Courier" charset="0"/>
+              </a:rPr>
+              <a:t>QuerySet</a:t>
+            </a:r>
+            <a:r>
+              <a:rPr lang="en-US" sz="1600" dirty="0">
+                <a:latin typeface="Courier" charset="0"/>
+                <a:ea typeface="Courier" charset="0"/>
+                <a:cs typeface="Courier" charset="0"/>
+              </a:rPr>
+              <a:t> [{'id': 2, 'title': 'Raspberry'}]&gt;</a:t>
+            </a:r>
+          </a:p>
+          <a:p>
+            <a:r>
+              <a:rPr lang="en-US" sz="1600" dirty="0">
+                <a:latin typeface="Courier" charset="0"/>
+                <a:ea typeface="Courier" charset="0"/>
+                <a:cs typeface="Courier" charset="0"/>
+              </a:rPr>
+              <a:t>&gt;&gt;&gt; </a:t>
+            </a:r>
+            <a:r>
+              <a:rPr lang="en-US" sz="1600" dirty="0">
                 <a:solidFill>
                   <a:srgbClr val="FFFF00"/>
                 </a:solidFill>
@@ -12021,7 +12143,33 @@
                 <a:ea typeface="Courier" charset="0"/>
                 <a:cs typeface="Courier" charset="0"/>
               </a:rPr>
-              <a:t>b2 = Book(title='Raspberry')</a:t>
+              <a:t>a2.book_set.values()</a:t>
+            </a:r>
+          </a:p>
+          <a:p>
+            <a:r>
+              <a:rPr lang="en-US" sz="1600" dirty="0">
+                <a:latin typeface="Courier" charset="0"/>
+                <a:ea typeface="Courier" charset="0"/>
+                <a:cs typeface="Courier" charset="0"/>
+              </a:rPr>
+              <a:t>&lt;</a:t>
+            </a:r>
+            <a:r>
+              <a:rPr lang="en-US" sz="1600" dirty="0" err="1">
+                <a:latin typeface="Courier" charset="0"/>
+                <a:ea typeface="Courier" charset="0"/>
+                <a:cs typeface="Courier" charset="0"/>
+              </a:rPr>
+              <a:t>QuerySet</a:t>
+            </a:r>
+            <a:r>
+              <a:rPr lang="en-US" sz="1600" dirty="0">
+                <a:latin typeface="Courier" charset="0"/>
+                <a:ea typeface="Courier" charset="0"/>
+                <a:cs typeface="Courier" charset="0"/>
+              </a:rPr>
+              <a:t> [{'id': 1, 'title': 'Networking'}, {'id': 2, 'title': 'Raspberry'}]&gt;</a:t>
             </a:r>
           </a:p>
           <a:p>
@@ -12031,7 +12179,18 @@
                 <a:ea typeface="Courier" charset="0"/>
                 <a:cs typeface="Courier" charset="0"/>
               </a:rPr>
-              <a:t>&gt;&gt;&gt;</a:t>
+              <a:t>&gt;&gt;&gt; </a:t>
+            </a:r>
+            <a:r>
+              <a:rPr lang="mr-IN" sz="1600" dirty="0" err="1">
+                <a:solidFill>
+                  <a:srgbClr val="FFFF00"/>
+                </a:solidFill>
+                <a:latin typeface="Courier" charset="0"/>
+                <a:ea typeface="Courier" charset="0"/>
+                <a:cs typeface="Courier" charset="0"/>
+              </a:rPr>
+              <a:t>quit</a:t>
             </a:r>
             <a:r>
               <a:rPr lang="mr-IN" sz="1600" dirty="0">
@@ -12042,439 +12201,12 @@
                 <a:ea typeface="Courier" charset="0"/>
                 <a:cs typeface="Courier" charset="0"/>
               </a:rPr>
-              <a:t> b2.save()</a:t>
+              <a:t>()</a:t>
             </a:r>
           </a:p>
           <a:p>
             <a:r>
               <a:rPr lang="en-US" sz="1600" dirty="0">
-                <a:latin typeface="Courier" charset="0"/>
-                <a:ea typeface="Courier" charset="0"/>
-                <a:cs typeface="Courier" charset="0"/>
-              </a:rPr>
-              <a:t>&gt;&gt;&gt;</a:t>
-            </a:r>
-            <a:r>
-              <a:rPr lang="en-US" sz="1600" dirty="0">
-                <a:solidFill>
-                  <a:srgbClr val="FFFF00"/>
-                </a:solidFill>
-                <a:latin typeface="Courier" charset="0"/>
-                <a:ea typeface="Courier" charset="0"/>
-                <a:cs typeface="Courier" charset="0"/>
-              </a:rPr>
-              <a:t> a1 = Author(name='</a:t>
-            </a:r>
-            <a:r>
-              <a:rPr lang="en-US" sz="1600" dirty="0" err="1">
-                <a:solidFill>
-                  <a:srgbClr val="FFFF00"/>
-                </a:solidFill>
-                <a:latin typeface="Courier" charset="0"/>
-                <a:ea typeface="Courier" charset="0"/>
-                <a:cs typeface="Courier" charset="0"/>
-              </a:rPr>
-              <a:t>Fontichiaro</a:t>
-            </a:r>
-            <a:r>
-              <a:rPr lang="en-US" sz="1600" dirty="0">
-                <a:solidFill>
-                  <a:srgbClr val="FFFF00"/>
-                </a:solidFill>
-                <a:latin typeface="Courier" charset="0"/>
-                <a:ea typeface="Courier" charset="0"/>
-                <a:cs typeface="Courier" charset="0"/>
-              </a:rPr>
-              <a:t>')</a:t>
-            </a:r>
-          </a:p>
-          <a:p>
-            <a:r>
-              <a:rPr lang="mr-IN" sz="1600" dirty="0">
-                <a:latin typeface="Courier" charset="0"/>
-                <a:ea typeface="Courier" charset="0"/>
-                <a:cs typeface="Courier" charset="0"/>
-              </a:rPr>
-              <a:t>&gt;&gt;&gt;</a:t>
-            </a:r>
-            <a:r>
-              <a:rPr lang="mr-IN" sz="1600" dirty="0">
-                <a:solidFill>
-                  <a:srgbClr val="FFFF00"/>
-                </a:solidFill>
-                <a:latin typeface="Courier" charset="0"/>
-                <a:ea typeface="Courier" charset="0"/>
-                <a:cs typeface="Courier" charset="0"/>
-              </a:rPr>
-              <a:t> a1.save()</a:t>
-            </a:r>
-          </a:p>
-          <a:p>
-            <a:r>
-              <a:rPr lang="en-US" sz="1600" dirty="0">
-                <a:latin typeface="Courier" charset="0"/>
-                <a:ea typeface="Courier" charset="0"/>
-                <a:cs typeface="Courier" charset="0"/>
-              </a:rPr>
-              <a:t>&gt;&gt;&gt;</a:t>
-            </a:r>
-            <a:r>
-              <a:rPr lang="en-US" sz="1600" dirty="0">
-                <a:solidFill>
-                  <a:srgbClr val="FFFF00"/>
-                </a:solidFill>
-                <a:latin typeface="Courier" charset="0"/>
-                <a:ea typeface="Courier" charset="0"/>
-                <a:cs typeface="Courier" charset="0"/>
-              </a:rPr>
-              <a:t> a2 = Author(name='Severance')</a:t>
-            </a:r>
-          </a:p>
-          <a:p>
-            <a:r>
-              <a:rPr lang="mr-IN" sz="1600" dirty="0">
-                <a:latin typeface="Courier" charset="0"/>
-                <a:ea typeface="Courier" charset="0"/>
-                <a:cs typeface="Courier" charset="0"/>
-              </a:rPr>
-              <a:t>&gt;&gt;&gt;</a:t>
-            </a:r>
-            <a:r>
-              <a:rPr lang="mr-IN" sz="1600" dirty="0">
-                <a:solidFill>
-                  <a:srgbClr val="FFFF00"/>
-                </a:solidFill>
-                <a:latin typeface="Courier" charset="0"/>
-                <a:ea typeface="Courier" charset="0"/>
-                <a:cs typeface="Courier" charset="0"/>
-              </a:rPr>
-              <a:t> a2.save()</a:t>
-            </a:r>
-          </a:p>
-          <a:p>
-            <a:r>
-              <a:rPr lang="en-US" sz="1600" dirty="0">
-                <a:latin typeface="Courier" charset="0"/>
-                <a:ea typeface="Courier" charset="0"/>
-                <a:cs typeface="Courier" charset="0"/>
-              </a:rPr>
-              <a:t>&gt;&gt;&gt;</a:t>
-            </a:r>
-            <a:r>
-              <a:rPr lang="en-US" sz="1600" dirty="0">
-                <a:solidFill>
-                  <a:srgbClr val="FFFF00"/>
-                </a:solidFill>
-                <a:latin typeface="Courier" charset="0"/>
-                <a:ea typeface="Courier" charset="0"/>
-                <a:cs typeface="Courier" charset="0"/>
-              </a:rPr>
-              <a:t> Authored(book=b1, author=a2).save()</a:t>
-            </a:r>
-          </a:p>
-          <a:p>
-            <a:r>
-              <a:rPr lang="en-US" sz="1600" dirty="0">
-                <a:latin typeface="Courier" charset="0"/>
-                <a:ea typeface="Courier" charset="0"/>
-                <a:cs typeface="Courier" charset="0"/>
-              </a:rPr>
-              <a:t>&gt;&gt;&gt;</a:t>
-            </a:r>
-            <a:r>
-              <a:rPr lang="en-US" sz="1600" dirty="0">
-                <a:solidFill>
-                  <a:srgbClr val="FFFF00"/>
-                </a:solidFill>
-                <a:latin typeface="Courier" charset="0"/>
-                <a:ea typeface="Courier" charset="0"/>
-                <a:cs typeface="Courier" charset="0"/>
-              </a:rPr>
-              <a:t> Authored(book=b2, author=a1).save()</a:t>
-            </a:r>
-          </a:p>
-          <a:p>
-            <a:r>
-              <a:rPr lang="en-US" sz="1600" dirty="0">
-                <a:latin typeface="Courier" charset="0"/>
-                <a:ea typeface="Courier" charset="0"/>
-                <a:cs typeface="Courier" charset="0"/>
-              </a:rPr>
-              <a:t>&gt;&gt;&gt;</a:t>
-            </a:r>
-            <a:r>
-              <a:rPr lang="en-US" sz="1600" dirty="0">
-                <a:solidFill>
-                  <a:srgbClr val="FFFF00"/>
-                </a:solidFill>
-                <a:latin typeface="Courier" charset="0"/>
-                <a:ea typeface="Courier" charset="0"/>
-                <a:cs typeface="Courier" charset="0"/>
-              </a:rPr>
-              <a:t> Authored(book=b2, author=a2).save()</a:t>
-            </a:r>
-          </a:p>
-          <a:p>
-            <a:r>
-              <a:rPr lang="en-US" sz="1600" dirty="0">
-                <a:latin typeface="Courier" charset="0"/>
-                <a:ea typeface="Courier" charset="0"/>
-                <a:cs typeface="Courier" charset="0"/>
-              </a:rPr>
-              <a:t>&gt;&gt;&gt;</a:t>
-            </a:r>
-            <a:r>
-              <a:rPr lang="en-US" sz="1600" dirty="0">
-                <a:solidFill>
-                  <a:srgbClr val="FFFF00"/>
-                </a:solidFill>
-                <a:latin typeface="Courier" charset="0"/>
-                <a:ea typeface="Courier" charset="0"/>
-                <a:cs typeface="Courier" charset="0"/>
-              </a:rPr>
-              <a:t> b1.authors.values()</a:t>
-            </a:r>
-          </a:p>
-          <a:p>
-            <a:r>
-              <a:rPr lang="en-US" sz="1600" dirty="0">
-                <a:latin typeface="Courier" charset="0"/>
-                <a:ea typeface="Courier" charset="0"/>
-                <a:cs typeface="Courier" charset="0"/>
-              </a:rPr>
-              <a:t>&lt;</a:t>
-            </a:r>
-            <a:r>
-              <a:rPr lang="en-US" sz="1600" dirty="0" err="1">
-                <a:latin typeface="Courier" charset="0"/>
-                <a:ea typeface="Courier" charset="0"/>
-                <a:cs typeface="Courier" charset="0"/>
-              </a:rPr>
-              <a:t>QuerySet</a:t>
-            </a:r>
-            <a:r>
-              <a:rPr lang="en-US" sz="1600" dirty="0">
-                <a:latin typeface="Courier" charset="0"/>
-                <a:ea typeface="Courier" charset="0"/>
-                <a:cs typeface="Courier" charset="0"/>
-              </a:rPr>
-              <a:t> [{'id': 2, 'name': 'Severance'}]&gt;</a:t>
-            </a:r>
-          </a:p>
-          <a:p>
-            <a:r>
-              <a:rPr lang="en-US" sz="1600" dirty="0">
-                <a:latin typeface="Courier" charset="0"/>
-                <a:ea typeface="Courier" charset="0"/>
-                <a:cs typeface="Courier" charset="0"/>
-              </a:rPr>
-              <a:t>&gt;&gt;&gt; </a:t>
-            </a:r>
-            <a:r>
-              <a:rPr lang="en-US" sz="1600" dirty="0" smtClean="0">
-                <a:solidFill>
-                  <a:srgbClr val="FFFF00"/>
-                </a:solidFill>
-                <a:latin typeface="Courier" charset="0"/>
-                <a:ea typeface="Courier" charset="0"/>
-                <a:cs typeface="Courier" charset="0"/>
-              </a:rPr>
-              <a:t>b2.author_set.values</a:t>
-            </a:r>
-            <a:r>
-              <a:rPr lang="en-US" sz="1600" dirty="0">
-                <a:solidFill>
-                  <a:srgbClr val="FFFF00"/>
-                </a:solidFill>
-                <a:latin typeface="Courier" charset="0"/>
-                <a:ea typeface="Courier" charset="0"/>
-                <a:cs typeface="Courier" charset="0"/>
-              </a:rPr>
-              <a:t>()</a:t>
-            </a:r>
-          </a:p>
-          <a:p>
-            <a:r>
-              <a:rPr lang="en-US" sz="1600" dirty="0">
-                <a:latin typeface="Courier" charset="0"/>
-                <a:ea typeface="Courier" charset="0"/>
-                <a:cs typeface="Courier" charset="0"/>
-              </a:rPr>
-              <a:t>&lt;</a:t>
-            </a:r>
-            <a:r>
-              <a:rPr lang="en-US" sz="1600" dirty="0" err="1">
-                <a:latin typeface="Courier" charset="0"/>
-                <a:ea typeface="Courier" charset="0"/>
-                <a:cs typeface="Courier" charset="0"/>
-              </a:rPr>
-              <a:t>QuerySet</a:t>
-            </a:r>
-            <a:r>
-              <a:rPr lang="en-US" sz="1600" dirty="0">
-                <a:latin typeface="Courier" charset="0"/>
-                <a:ea typeface="Courier" charset="0"/>
-                <a:cs typeface="Courier" charset="0"/>
-              </a:rPr>
-              <a:t> [{'id': 1, 'name': '</a:t>
-            </a:r>
-            <a:r>
-              <a:rPr lang="en-US" sz="1600" dirty="0" err="1">
-                <a:latin typeface="Courier" charset="0"/>
-                <a:ea typeface="Courier" charset="0"/>
-                <a:cs typeface="Courier" charset="0"/>
-              </a:rPr>
-              <a:t>Fontichiaro</a:t>
-            </a:r>
-            <a:r>
-              <a:rPr lang="en-US" sz="1600" dirty="0">
-                <a:latin typeface="Courier" charset="0"/>
-                <a:ea typeface="Courier" charset="0"/>
-                <a:cs typeface="Courier" charset="0"/>
-              </a:rPr>
-              <a:t>'}, {'id': 2, 'name': 'Severance'}]&gt;</a:t>
-            </a:r>
-          </a:p>
-          <a:p>
-            <a:r>
-              <a:rPr lang="en-US" sz="1600" dirty="0">
-                <a:latin typeface="Courier" charset="0"/>
-                <a:ea typeface="Courier" charset="0"/>
-                <a:cs typeface="Courier" charset="0"/>
-              </a:rPr>
-              <a:t>&gt;&gt;&gt; </a:t>
-            </a:r>
-            <a:r>
-              <a:rPr lang="en-US" sz="1600" dirty="0">
-                <a:solidFill>
-                  <a:srgbClr val="FFFF00"/>
-                </a:solidFill>
-                <a:latin typeface="Courier" charset="0"/>
-                <a:ea typeface="Courier" charset="0"/>
-                <a:cs typeface="Courier" charset="0"/>
-              </a:rPr>
-              <a:t>a1.books.values()</a:t>
-            </a:r>
-          </a:p>
-          <a:p>
-            <a:r>
-              <a:rPr lang="en-US" sz="1600" dirty="0">
-                <a:latin typeface="Courier" charset="0"/>
-                <a:ea typeface="Courier" charset="0"/>
-                <a:cs typeface="Courier" charset="0"/>
-              </a:rPr>
-              <a:t>&lt;</a:t>
-            </a:r>
-            <a:r>
-              <a:rPr lang="en-US" sz="1600" dirty="0" err="1">
-                <a:latin typeface="Courier" charset="0"/>
-                <a:ea typeface="Courier" charset="0"/>
-                <a:cs typeface="Courier" charset="0"/>
-              </a:rPr>
-              <a:t>QuerySet</a:t>
-            </a:r>
-            <a:r>
-              <a:rPr lang="en-US" sz="1600" dirty="0">
-                <a:latin typeface="Courier" charset="0"/>
-                <a:ea typeface="Courier" charset="0"/>
-                <a:cs typeface="Courier" charset="0"/>
-              </a:rPr>
-              <a:t> [{'id': 2, 'title': 'Raspberry'}]&gt;</a:t>
-            </a:r>
-          </a:p>
-          <a:p>
-            <a:r>
-              <a:rPr lang="en-US" sz="1600" dirty="0">
-                <a:latin typeface="Courier" charset="0"/>
-                <a:ea typeface="Courier" charset="0"/>
-                <a:cs typeface="Courier" charset="0"/>
-              </a:rPr>
-              <a:t>&gt;&gt;&gt; </a:t>
-            </a:r>
-            <a:r>
-              <a:rPr lang="en-US" sz="1600" dirty="0" smtClean="0">
-                <a:solidFill>
-                  <a:srgbClr val="FFFF00"/>
-                </a:solidFill>
-                <a:latin typeface="Courier" charset="0"/>
-                <a:ea typeface="Courier" charset="0"/>
-                <a:cs typeface="Courier" charset="0"/>
-              </a:rPr>
-              <a:t>a2.book_set.values</a:t>
-            </a:r>
-            <a:r>
-              <a:rPr lang="en-US" sz="1600" dirty="0">
-                <a:solidFill>
-                  <a:srgbClr val="FFFF00"/>
-                </a:solidFill>
-                <a:latin typeface="Courier" charset="0"/>
-                <a:ea typeface="Courier" charset="0"/>
-                <a:cs typeface="Courier" charset="0"/>
-              </a:rPr>
-              <a:t>()</a:t>
-            </a:r>
-          </a:p>
-          <a:p>
-            <a:r>
-              <a:rPr lang="en-US" sz="1600" dirty="0">
-                <a:latin typeface="Courier" charset="0"/>
-                <a:ea typeface="Courier" charset="0"/>
-                <a:cs typeface="Courier" charset="0"/>
-              </a:rPr>
-              <a:t>&lt;</a:t>
-            </a:r>
-            <a:r>
-              <a:rPr lang="en-US" sz="1600" dirty="0" err="1">
-                <a:latin typeface="Courier" charset="0"/>
-                <a:ea typeface="Courier" charset="0"/>
-                <a:cs typeface="Courier" charset="0"/>
-              </a:rPr>
-              <a:t>QuerySet</a:t>
-            </a:r>
-            <a:r>
-              <a:rPr lang="en-US" sz="1600" dirty="0">
-                <a:latin typeface="Courier" charset="0"/>
-                <a:ea typeface="Courier" charset="0"/>
-                <a:cs typeface="Courier" charset="0"/>
-              </a:rPr>
-              <a:t> [{'id': 1, 'title': 'Networking'}, {'id': 2, 'title': 'Raspberry'}]&gt;</a:t>
-            </a:r>
-          </a:p>
-          <a:p>
-            <a:r>
-              <a:rPr lang="mr-IN" sz="1600" dirty="0">
-                <a:latin typeface="Courier" charset="0"/>
-                <a:ea typeface="Courier" charset="0"/>
-                <a:cs typeface="Courier" charset="0"/>
-              </a:rPr>
-              <a:t>&gt;&gt;&gt; </a:t>
-            </a:r>
-            <a:r>
-              <a:rPr lang="mr-IN" sz="1600" dirty="0" err="1">
-                <a:solidFill>
-                  <a:srgbClr val="FFFF00"/>
-                </a:solidFill>
-                <a:latin typeface="Courier" charset="0"/>
-                <a:ea typeface="Courier" charset="0"/>
-                <a:cs typeface="Courier" charset="0"/>
-              </a:rPr>
-              <a:t>quit</a:t>
-            </a:r>
-            <a:r>
-              <a:rPr lang="mr-IN" sz="1600" dirty="0">
-                <a:solidFill>
-                  <a:srgbClr val="FFFF00"/>
-                </a:solidFill>
-                <a:latin typeface="Courier" charset="0"/>
-                <a:ea typeface="Courier" charset="0"/>
-                <a:cs typeface="Courier" charset="0"/>
-              </a:rPr>
-              <a:t>()</a:t>
-            </a:r>
-          </a:p>
-          <a:p>
-            <a:r>
-              <a:rPr lang="en-US" sz="1600" dirty="0" smtClean="0">
                 <a:solidFill>
                   <a:srgbClr val="00FDFF"/>
                 </a:solidFill>
@@ -12484,14 +12216,6 @@
               </a:rPr>
               <a:t>dj4e-samples$ </a:t>
             </a:r>
-            <a:endParaRPr lang="en-US" sz="1600" dirty="0">
-              <a:solidFill>
-                <a:srgbClr val="00FDFF"/>
-              </a:solidFill>
-              <a:latin typeface="Courier" charset="0"/>
-              <a:ea typeface="Courier" charset="0"/>
-              <a:cs typeface="Courier" charset="0"/>
-            </a:endParaRPr>
           </a:p>
         </p:txBody>
       </p:sp>
@@ -12541,7 +12265,7 @@
               <a:t> </a:t>
             </a:r>
             <a:r>
-              <a:rPr lang="en-US" sz="2400" dirty="0" smtClean="0">
+              <a:rPr lang="en-US" sz="2400" dirty="0">
                 <a:solidFill>
                   <a:schemeClr val="lt1"/>
                 </a:solidFill>
@@ -12602,7 +12326,7 @@
               <a:buSzPct val="25000"/>
             </a:pPr>
             <a:r>
-              <a:rPr lang="en-US" sz="2400" dirty="0" smtClean="0">
+              <a:rPr lang="en-US" sz="2400" dirty="0">
                 <a:solidFill>
                   <a:schemeClr val="lt1"/>
                 </a:solidFill>
@@ -12622,7 +12346,7 @@
               <a:buSzPct val="25000"/>
             </a:pPr>
             <a:r>
-              <a:rPr lang="en-US" sz="2400" i="1" dirty="0" smtClean="0">
+              <a:rPr lang="en-US" sz="2400" i="1" dirty="0">
                 <a:solidFill>
                   <a:schemeClr val="lt1"/>
                 </a:solidFill>
@@ -12717,7 +12441,7 @@
               <a:t> </a:t>
             </a:r>
             <a:r>
-              <a:rPr lang="en-US" sz="2400" dirty="0" smtClean="0">
+              <a:rPr lang="en-US" sz="2400" dirty="0">
                 <a:solidFill>
                   <a:schemeClr val="lt1"/>
                 </a:solidFill>
@@ -12737,7 +12461,7 @@
               <a:buSzPct val="25000"/>
             </a:pPr>
             <a:r>
-              <a:rPr lang="en-US" sz="2400" i="1" dirty="0" smtClean="0">
+              <a:rPr lang="en-US" sz="2400" i="1" dirty="0">
                 <a:solidFill>
                   <a:schemeClr val="lt1"/>
                 </a:solidFill>
@@ -12796,13 +12520,6 @@
   <p:clrMapOvr>
     <a:masterClrMapping/>
   </p:clrMapOvr>
-  <p:timing>
-    <p:tnLst>
-      <p:par>
-        <p:cTn id="1" dur="indefinite" restart="never" nodeType="tmRoot"/>
-      </p:par>
-    </p:tnLst>
-  </p:timing>
 </p:sld>
 </file>
 
@@ -12839,10 +12556,9 @@
           <a:lstStyle/>
           <a:p>
             <a:r>
-              <a:rPr lang="en-US" dirty="0" smtClean="0"/>
+              <a:rPr lang="en-US" dirty="0"/>
               <a:t>Another Example of Many-Many</a:t>
             </a:r>
-            <a:endParaRPr lang="en-US" dirty="0"/>
           </a:p>
         </p:txBody>
       </p:sp>
@@ -12862,10 +12578,9 @@
           <a:lstStyle/>
           <a:p>
             <a:r>
-              <a:rPr lang="en-US" dirty="0" smtClean="0"/>
+              <a:rPr lang="en-US" dirty="0"/>
               <a:t>Educational Technology</a:t>
             </a:r>
-            <a:endParaRPr lang="en-US" dirty="0"/>
           </a:p>
         </p:txBody>
       </p:sp>
@@ -12879,13 +12594,6 @@
   <p:clrMapOvr>
     <a:masterClrMapping/>
   </p:clrMapOvr>
-  <p:timing>
-    <p:tnLst>
-      <p:par>
-        <p:cTn id="1" dur="indefinite" restart="never" nodeType="tmRoot"/>
-      </p:par>
-    </p:tnLst>
-  </p:timing>
 </p:sld>
 </file>
 
@@ -13147,21 +12855,6 @@
   <p:clrMapOvr>
     <a:masterClrMapping/>
   </p:clrMapOvr>
-  <mc:AlternateContent xmlns:mc="http://schemas.openxmlformats.org/markup-compatibility/2006" xmlns:p14="http://schemas.microsoft.com/office/powerpoint/2010/main">
-    <mc:Choice Requires="p14">
-      <p:transition spd="slow" p14:dur="2000"/>
-    </mc:Choice>
-    <mc:Fallback xmlns="">
-      <p:transition spd="slow"/>
-    </mc:Fallback>
-  </mc:AlternateContent>
-  <p:timing>
-    <p:tnLst>
-      <p:par>
-        <p:cTn id="1" dur="indefinite" restart="never" nodeType="tmRoot"/>
-      </p:par>
-    </p:tnLst>
-  </p:timing>
 </p:sld>
 </file>
 
@@ -13672,16 +13365,12 @@
               <a:defRPr/>
             </a:pPr>
             <a:r>
-              <a:rPr lang="en-US" altLang="en-US" sz="2700" dirty="0" smtClean="0">
+              <a:rPr lang="en-US" altLang="en-US" sz="2700" dirty="0">
                 <a:latin typeface="Gill Sans Regular" charset="0"/>
                 <a:sym typeface="Cabin" charset="0"/>
               </a:rPr>
               <a:t>title</a:t>
             </a:r>
-            <a:endParaRPr lang="en-US" altLang="en-US" sz="2700" dirty="0">
-              <a:latin typeface="Gill Sans Regular" charset="0"/>
-              <a:sym typeface="Cabin" charset="0"/>
-            </a:endParaRPr>
           </a:p>
         </p:txBody>
       </p:sp>
@@ -14209,7 +13898,7 @@
               <a:defRPr/>
             </a:pPr>
             <a:r>
-              <a:rPr lang="en-US" altLang="en-US" sz="3000" dirty="0" smtClean="0">
+              <a:rPr lang="en-US" altLang="en-US" sz="3000" dirty="0">
                 <a:solidFill>
                   <a:srgbClr val="FF00FF"/>
                 </a:solidFill>
@@ -14218,13 +13907,6 @@
               </a:rPr>
               <a:t>person</a:t>
             </a:r>
-            <a:endParaRPr lang="en-US" altLang="en-US" sz="3000" dirty="0">
-              <a:solidFill>
-                <a:srgbClr val="FF00FF"/>
-              </a:solidFill>
-              <a:latin typeface="Gill Sans Regular" charset="0"/>
-              <a:sym typeface="Cabin" charset="0"/>
-            </a:endParaRPr>
           </a:p>
         </p:txBody>
       </p:sp>
@@ -14386,7 +14068,7 @@
               <a:defRPr/>
             </a:pPr>
             <a:r>
-              <a:rPr lang="en-US" altLang="en-US" sz="3000" dirty="0" smtClean="0">
+              <a:rPr lang="en-US" altLang="en-US" sz="3000" dirty="0">
                 <a:solidFill>
                   <a:srgbClr val="FF00FF"/>
                 </a:solidFill>
@@ -14395,13 +14077,6 @@
               </a:rPr>
               <a:t>course</a:t>
             </a:r>
-            <a:endParaRPr lang="en-US" altLang="en-US" sz="3000" dirty="0">
-              <a:solidFill>
-                <a:srgbClr val="FF00FF"/>
-              </a:solidFill>
-              <a:latin typeface="Gill Sans Regular" charset="0"/>
-              <a:sym typeface="Cabin" charset="0"/>
-            </a:endParaRPr>
           </a:p>
         </p:txBody>
       </p:sp>
@@ -14562,7 +14237,7 @@
               <a:defRPr/>
             </a:pPr>
             <a:r>
-              <a:rPr lang="en-US" altLang="en-US" sz="3000" dirty="0" smtClean="0">
+              <a:rPr lang="en-US" altLang="en-US" sz="3000" dirty="0">
                 <a:solidFill>
                   <a:srgbClr val="000000"/>
                 </a:solidFill>
@@ -14571,13 +14246,6 @@
               </a:rPr>
               <a:t>Person</a:t>
             </a:r>
-            <a:endParaRPr lang="en-US" altLang="en-US" sz="3000" dirty="0">
-              <a:solidFill>
-                <a:srgbClr val="000000"/>
-              </a:solidFill>
-              <a:latin typeface="Gill Sans Regular" charset="0"/>
-              <a:sym typeface="Cabin" charset="0"/>
-            </a:endParaRPr>
           </a:p>
         </p:txBody>
       </p:sp>
@@ -14739,7 +14407,7 @@
               <a:defRPr/>
             </a:pPr>
             <a:r>
-              <a:rPr lang="en-US" altLang="en-US" sz="3000" dirty="0" smtClean="0">
+              <a:rPr lang="en-US" altLang="en-US" sz="3000" dirty="0">
                 <a:solidFill>
                   <a:srgbClr val="FF7F00"/>
                 </a:solidFill>
@@ -14748,13 +14416,6 @@
               </a:rPr>
               <a:t>id</a:t>
             </a:r>
-            <a:endParaRPr lang="en-US" altLang="en-US" sz="3000" dirty="0">
-              <a:solidFill>
-                <a:srgbClr val="FF7F00"/>
-              </a:solidFill>
-              <a:latin typeface="Gill Sans Regular" charset="0"/>
-              <a:sym typeface="Cabin" charset="0"/>
-            </a:endParaRPr>
           </a:p>
         </p:txBody>
       </p:sp>
@@ -14916,7 +14577,7 @@
               <a:defRPr/>
             </a:pPr>
             <a:r>
-              <a:rPr lang="en-US" altLang="en-US" sz="3000" dirty="0" smtClean="0">
+              <a:rPr lang="en-US" altLang="en-US" sz="3000" dirty="0">
                 <a:solidFill>
                   <a:srgbClr val="00FF00"/>
                 </a:solidFill>
@@ -14925,13 +14586,6 @@
               </a:rPr>
               <a:t>email</a:t>
             </a:r>
-            <a:endParaRPr lang="en-US" altLang="en-US" sz="3000" dirty="0">
-              <a:solidFill>
-                <a:srgbClr val="00FF00"/>
-              </a:solidFill>
-              <a:latin typeface="Gill Sans Regular" charset="0"/>
-              <a:sym typeface="Cabin" charset="0"/>
-            </a:endParaRPr>
           </a:p>
         </p:txBody>
       </p:sp>
@@ -15123,16 +14777,12 @@
               <a:defRPr/>
             </a:pPr>
             <a:r>
-              <a:rPr lang="en-US" altLang="en-US" sz="2700" dirty="0" smtClean="0">
+              <a:rPr lang="en-US" altLang="en-US" sz="2700" dirty="0">
                 <a:latin typeface="Gill Sans Regular" charset="0"/>
                 <a:sym typeface="Cabin" charset="0"/>
               </a:rPr>
               <a:t>Person</a:t>
             </a:r>
-            <a:endParaRPr lang="en-US" altLang="en-US" sz="2700" dirty="0">
-              <a:latin typeface="Gill Sans Regular" charset="0"/>
-              <a:sym typeface="Cabin" charset="0"/>
-            </a:endParaRPr>
           </a:p>
         </p:txBody>
       </p:sp>
@@ -16250,7 +15900,7 @@
               <a:defRPr/>
             </a:pPr>
             <a:r>
-              <a:rPr lang="en-US" altLang="en-US" sz="3000" dirty="0" smtClean="0">
+              <a:rPr lang="en-US" altLang="en-US" sz="3000" dirty="0">
                 <a:solidFill>
                   <a:srgbClr val="FF7F00"/>
                 </a:solidFill>
@@ -16259,13 +15909,6 @@
               </a:rPr>
               <a:t>id</a:t>
             </a:r>
-            <a:endParaRPr lang="en-US" altLang="en-US" sz="3000" dirty="0">
-              <a:solidFill>
-                <a:srgbClr val="FF7F00"/>
-              </a:solidFill>
-              <a:latin typeface="Gill Sans Regular" charset="0"/>
-              <a:sym typeface="Cabin" charset="0"/>
-            </a:endParaRPr>
           </a:p>
         </p:txBody>
       </p:sp>
@@ -16427,7 +16070,7 @@
               <a:defRPr/>
             </a:pPr>
             <a:r>
-              <a:rPr lang="en-US" altLang="en-US" sz="3000" dirty="0" smtClean="0">
+              <a:rPr lang="en-US" altLang="en-US" sz="3000" dirty="0">
                 <a:solidFill>
                   <a:srgbClr val="00FF00"/>
                 </a:solidFill>
@@ -16436,13 +16079,6 @@
               </a:rPr>
               <a:t>title</a:t>
             </a:r>
-            <a:endParaRPr lang="en-US" altLang="en-US" sz="3000" dirty="0">
-              <a:solidFill>
-                <a:srgbClr val="00FF00"/>
-              </a:solidFill>
-              <a:latin typeface="Gill Sans Regular" charset="0"/>
-              <a:sym typeface="Cabin" charset="0"/>
-            </a:endParaRPr>
           </a:p>
         </p:txBody>
       </p:sp>
@@ -17339,16 +16975,12 @@
               <a:defRPr/>
             </a:pPr>
             <a:r>
-              <a:rPr lang="en-US" altLang="en-US" sz="2700" dirty="0" smtClean="0">
+              <a:rPr lang="en-US" altLang="en-US" sz="2700" dirty="0">
                 <a:latin typeface="Gill Sans Regular" charset="0"/>
                 <a:sym typeface="Cabin" charset="0"/>
               </a:rPr>
               <a:t>email</a:t>
             </a:r>
-            <a:endParaRPr lang="en-US" altLang="en-US" sz="2700" dirty="0">
-              <a:latin typeface="Gill Sans Regular" charset="0"/>
-              <a:sym typeface="Cabin" charset="0"/>
-            </a:endParaRPr>
           </a:p>
         </p:txBody>
       </p:sp>
@@ -17510,7 +17142,7 @@
               <a:defRPr/>
             </a:pPr>
             <a:r>
-              <a:rPr lang="en-US" altLang="en-US" sz="3000" dirty="0" smtClean="0">
+              <a:rPr lang="en-US" altLang="en-US" sz="3000" dirty="0">
                 <a:solidFill>
                   <a:schemeClr val="tx1"/>
                 </a:solidFill>
@@ -17519,13 +17151,6 @@
               </a:rPr>
               <a:t>name</a:t>
             </a:r>
-            <a:endParaRPr lang="en-US" altLang="en-US" sz="3000" dirty="0">
-              <a:solidFill>
-                <a:schemeClr val="tx1"/>
-              </a:solidFill>
-              <a:latin typeface="Gill Sans Regular" charset="0"/>
-              <a:sym typeface="Cabin" charset="0"/>
-            </a:endParaRPr>
           </a:p>
         </p:txBody>
       </p:sp>
@@ -17687,7 +17312,7 @@
               <a:defRPr/>
             </a:pPr>
             <a:r>
-              <a:rPr lang="en-US" altLang="en-US" sz="3000" dirty="0" smtClean="0">
+              <a:rPr lang="en-US" altLang="en-US" sz="3000" dirty="0">
                 <a:solidFill>
                   <a:srgbClr val="FF7F00"/>
                 </a:solidFill>
@@ -17696,13 +17321,6 @@
               </a:rPr>
               <a:t>id</a:t>
             </a:r>
-            <a:endParaRPr lang="en-US" altLang="en-US" sz="3000" dirty="0">
-              <a:solidFill>
-                <a:srgbClr val="FF7F00"/>
-              </a:solidFill>
-              <a:latin typeface="Gill Sans Regular" charset="0"/>
-              <a:sym typeface="Cabin" charset="0"/>
-            </a:endParaRPr>
           </a:p>
         </p:txBody>
       </p:sp>
@@ -17864,7 +17482,7 @@
               <a:defRPr/>
             </a:pPr>
             <a:r>
-              <a:rPr lang="en-US" altLang="en-US" sz="2400" i="1" dirty="0" smtClean="0">
+              <a:rPr lang="en-US" altLang="en-US" sz="2400" i="1" dirty="0">
                 <a:solidFill>
                   <a:srgbClr val="FF40FF"/>
                 </a:solidFill>
@@ -17873,13 +17491,6 @@
               </a:rPr>
               <a:t>members</a:t>
             </a:r>
-            <a:endParaRPr lang="en-US" altLang="en-US" sz="2400" i="1" dirty="0">
-              <a:solidFill>
-                <a:srgbClr val="FF40FF"/>
-              </a:solidFill>
-              <a:latin typeface="Gill Sans Regular" charset="0"/>
-              <a:sym typeface="Cabin" charset="0"/>
-            </a:endParaRPr>
           </a:p>
         </p:txBody>
       </p:sp>
@@ -18041,7 +17652,7 @@
               <a:defRPr/>
             </a:pPr>
             <a:r>
-              <a:rPr lang="en-US" altLang="en-US" sz="2400" i="1" dirty="0" smtClean="0">
+              <a:rPr lang="en-US" altLang="en-US" sz="2400" i="1" dirty="0">
                 <a:solidFill>
                   <a:srgbClr val="FF40FF"/>
                 </a:solidFill>
@@ -18050,13 +17661,6 @@
               </a:rPr>
               <a:t>courses</a:t>
             </a:r>
-            <a:endParaRPr lang="en-US" altLang="en-US" sz="2400" i="1" dirty="0">
-              <a:solidFill>
-                <a:srgbClr val="FF40FF"/>
-              </a:solidFill>
-              <a:latin typeface="Gill Sans Regular" charset="0"/>
-              <a:sym typeface="Cabin" charset="0"/>
-            </a:endParaRPr>
           </a:p>
         </p:txBody>
       </p:sp>
@@ -18073,13 +17677,6 @@
   <p:transition spd="slow">
     <p:cut/>
   </p:transition>
-  <p:timing>
-    <p:tnLst>
-      <p:par>
-        <p:cTn id="1" dur="indefinite" restart="never" nodeType="tmRoot"/>
-      </p:par>
-    </p:tnLst>
-  </p:timing>
 </p:sld>
 </file>
 
@@ -18145,10 +17742,9 @@
           <a:p>
             <a:pPr algn="r"/>
             <a:r>
-              <a:rPr lang="en-US" dirty="0" smtClean="0"/>
+              <a:rPr lang="en-US" dirty="0"/>
               <a:t>Linux</a:t>
             </a:r>
-            <a:endParaRPr lang="en-US" dirty="0"/>
           </a:p>
         </p:txBody>
       </p:sp>
@@ -18196,15 +17792,14 @@
           <a:lstStyle/>
           <a:p>
             <a:pPr algn="r"/>
-            <a:endParaRPr lang="en-US" dirty="0" smtClean="0"/>
+            <a:endParaRPr lang="en-US" dirty="0"/>
           </a:p>
           <a:p>
             <a:pPr algn="r"/>
             <a:r>
-              <a:rPr lang="en-US" dirty="0" smtClean="0"/>
+              <a:rPr lang="en-US" dirty="0"/>
               <a:t>Browser</a:t>
             </a:r>
-            <a:endParaRPr lang="en-US" dirty="0"/>
           </a:p>
         </p:txBody>
       </p:sp>
@@ -18253,7 +17848,7 @@
           <a:p>
             <a:pPr algn="r"/>
             <a:r>
-              <a:rPr lang="en-US" smtClean="0"/>
+              <a:rPr lang="en-US"/>
               <a:t>Django</a:t>
             </a:r>
             <a:endParaRPr lang="en-US" dirty="0"/>
@@ -18285,7 +17880,7 @@
           <a:lstStyle/>
           <a:p>
             <a:r>
-              <a:rPr lang="en-US" dirty="0" err="1" smtClean="0">
+              <a:rPr lang="en-US" dirty="0" err="1">
                 <a:solidFill>
                   <a:schemeClr val="bg1"/>
                 </a:solidFill>
@@ -18338,18 +17933,13 @@
           <a:p>
             <a:pPr algn="ctr"/>
             <a:r>
-              <a:rPr lang="en-US" smtClean="0">
+              <a:rPr lang="en-US">
                 <a:solidFill>
                   <a:schemeClr val="tx1"/>
                 </a:solidFill>
               </a:rPr>
               <a:t>Routing</a:t>
             </a:r>
-            <a:endParaRPr lang="en-US">
-              <a:solidFill>
-                <a:schemeClr val="tx1"/>
-              </a:solidFill>
-            </a:endParaRPr>
           </a:p>
         </p:txBody>
       </p:sp>
@@ -18391,18 +17981,13 @@
           <a:p>
             <a:pPr algn="ctr"/>
             <a:r>
-              <a:rPr lang="en-US" dirty="0" smtClean="0">
+              <a:rPr lang="en-US" dirty="0">
                 <a:solidFill>
                   <a:schemeClr val="bg1"/>
                 </a:solidFill>
               </a:rPr>
               <a:t>Views</a:t>
             </a:r>
-            <a:endParaRPr lang="en-US" dirty="0">
-              <a:solidFill>
-                <a:schemeClr val="bg1"/>
-              </a:solidFill>
-            </a:endParaRPr>
           </a:p>
         </p:txBody>
       </p:sp>
@@ -18446,10 +18031,9 @@
           <a:p>
             <a:pPr algn="ctr"/>
             <a:r>
-              <a:rPr lang="en-US" dirty="0" smtClean="0"/>
+              <a:rPr lang="en-US" dirty="0"/>
               <a:t>Database</a:t>
             </a:r>
-            <a:endParaRPr lang="en-US" dirty="0"/>
           </a:p>
         </p:txBody>
       </p:sp>
@@ -18493,10 +18077,10 @@
           <a:p>
             <a:pPr algn="ctr"/>
             <a:r>
-              <a:rPr lang="en-US" smtClean="0"/>
+              <a:rPr lang="en-US"/>
               <a:t>Templates</a:t>
             </a:r>
-            <a:endParaRPr lang="en-US" dirty="0" smtClean="0"/>
+            <a:endParaRPr lang="en-US" dirty="0"/>
           </a:p>
         </p:txBody>
       </p:sp>
@@ -18535,7 +18119,7 @@
           <a:p>
             <a:pPr algn="ctr"/>
             <a:r>
-              <a:rPr lang="en-US" smtClean="0"/>
+              <a:rPr lang="en-US"/>
               <a:t>settings.py</a:t>
             </a:r>
             <a:endParaRPr lang="en-US" dirty="0"/>
@@ -18623,35 +18207,35 @@
           <a:p>
             <a:pPr algn="ctr"/>
             <a:r>
-              <a:rPr lang="en-US" dirty="0" smtClean="0"/>
+              <a:rPr lang="en-US" dirty="0"/>
               <a:t>N</a:t>
             </a:r>
           </a:p>
           <a:p>
             <a:pPr algn="ctr"/>
             <a:r>
-              <a:rPr lang="en-US" dirty="0" smtClean="0"/>
+              <a:rPr lang="en-US" dirty="0"/>
               <a:t>G</a:t>
             </a:r>
           </a:p>
           <a:p>
             <a:pPr algn="ctr"/>
             <a:r>
-              <a:rPr lang="en-US" dirty="0" smtClean="0"/>
+              <a:rPr lang="en-US" dirty="0"/>
               <a:t>I</a:t>
             </a:r>
           </a:p>
           <a:p>
             <a:pPr algn="ctr"/>
             <a:r>
-              <a:rPr lang="en-US" dirty="0" smtClean="0"/>
+              <a:rPr lang="en-US" dirty="0"/>
               <a:t>N</a:t>
             </a:r>
             <a:br>
-              <a:rPr lang="en-US" dirty="0" smtClean="0"/>
+              <a:rPr lang="en-US" dirty="0"/>
             </a:br>
             <a:r>
-              <a:rPr lang="en-US" dirty="0" smtClean="0"/>
+              <a:rPr lang="en-US" dirty="0"/>
               <a:t>X</a:t>
             </a:r>
           </a:p>
@@ -18892,7 +18476,7 @@
           <a:p>
             <a:pPr algn="ctr"/>
             <a:r>
-              <a:rPr lang="en-US" dirty="0" err="1" smtClean="0"/>
+              <a:rPr lang="en-US" dirty="0" err="1"/>
               <a:t>urls.py</a:t>
             </a:r>
             <a:endParaRPr lang="en-US" dirty="0"/>
@@ -18939,10 +18523,10 @@
           <a:p>
             <a:pPr algn="ctr"/>
             <a:r>
-              <a:rPr lang="en-US" dirty="0" err="1" smtClean="0"/>
+              <a:rPr lang="en-US" dirty="0" err="1"/>
               <a:t>views.py</a:t>
             </a:r>
-            <a:endParaRPr lang="en-US" dirty="0" smtClean="0"/>
+            <a:endParaRPr lang="en-US" dirty="0"/>
           </a:p>
         </p:txBody>
       </p:sp>
@@ -18986,7 +18570,7 @@
           <a:p>
             <a:pPr algn="ctr"/>
             <a:r>
-              <a:rPr lang="en-US" dirty="0" err="1" smtClean="0"/>
+              <a:rPr lang="en-US" dirty="0" err="1"/>
               <a:t>forms.py</a:t>
             </a:r>
             <a:endParaRPr lang="en-US" dirty="0"/>
@@ -19031,18 +18615,13 @@
           <a:p>
             <a:pPr algn="ctr"/>
             <a:r>
-              <a:rPr lang="en-US" dirty="0" smtClean="0">
+              <a:rPr lang="en-US" dirty="0">
                 <a:solidFill>
                   <a:schemeClr val="tx1"/>
                 </a:solidFill>
               </a:rPr>
               <a:t>Models</a:t>
             </a:r>
-            <a:endParaRPr lang="en-US" dirty="0">
-              <a:solidFill>
-                <a:schemeClr val="tx1"/>
-              </a:solidFill>
-            </a:endParaRPr>
           </a:p>
         </p:txBody>
       </p:sp>
@@ -19250,7 +18829,7 @@
           <a:p>
             <a:pPr algn="ctr"/>
             <a:r>
-              <a:rPr lang="en-US" dirty="0" err="1" smtClean="0"/>
+              <a:rPr lang="en-US" dirty="0" err="1"/>
               <a:t>models.py</a:t>
             </a:r>
             <a:endParaRPr lang="en-US" dirty="0"/>
@@ -19302,24 +18881,23 @@
           <a:p>
             <a:pPr algn="ctr"/>
             <a:r>
-              <a:rPr lang="en-US" dirty="0" smtClean="0"/>
+              <a:rPr lang="en-US" dirty="0"/>
               <a:t>D</a:t>
             </a:r>
           </a:p>
           <a:p>
             <a:pPr algn="ctr"/>
             <a:r>
-              <a:rPr lang="en-US" dirty="0" smtClean="0"/>
+              <a:rPr lang="en-US" dirty="0"/>
               <a:t>O</a:t>
             </a:r>
           </a:p>
           <a:p>
             <a:pPr algn="ctr"/>
             <a:r>
-              <a:rPr lang="en-US" dirty="0" smtClean="0"/>
+              <a:rPr lang="en-US" dirty="0"/>
               <a:t>M</a:t>
             </a:r>
-            <a:endParaRPr lang="en-US" dirty="0"/>
           </a:p>
         </p:txBody>
       </p:sp>
@@ -19364,7 +18942,7 @@
           <a:p>
             <a:pPr algn="ctr"/>
             <a:r>
-              <a:rPr lang="en-US" dirty="0" smtClean="0">
+              <a:rPr lang="en-US" dirty="0">
                 <a:solidFill>
                   <a:schemeClr val="tx1"/>
                 </a:solidFill>
@@ -19375,18 +18953,13 @@
           <a:p>
             <a:pPr algn="ctr"/>
             <a:r>
-              <a:rPr lang="en-US" dirty="0" smtClean="0">
+              <a:rPr lang="en-US" dirty="0">
                 <a:solidFill>
                   <a:schemeClr val="tx1"/>
                 </a:solidFill>
               </a:rPr>
               <a:t>Response</a:t>
             </a:r>
-            <a:endParaRPr lang="en-US" dirty="0">
-              <a:solidFill>
-                <a:schemeClr val="tx1"/>
-              </a:solidFill>
-            </a:endParaRPr>
           </a:p>
         </p:txBody>
       </p:sp>
@@ -19436,10 +19009,10 @@
           <a:lstStyle/>
           <a:p>
             <a:r>
-              <a:rPr lang="en-US" dirty="0" err="1" smtClean="0"/>
+              <a:rPr lang="en-US" dirty="0" err="1"/>
               <a:t>Javascript</a:t>
             </a:r>
-            <a:endParaRPr lang="en-US" dirty="0" smtClean="0"/>
+            <a:endParaRPr lang="en-US" dirty="0"/>
           </a:p>
           <a:p>
             <a:endParaRPr lang="en-US" dirty="0"/>
@@ -19516,7 +19089,7 @@
           <a:p>
             <a:pPr algn="ctr"/>
             <a:r>
-              <a:rPr lang="en-US" dirty="0" err="1" smtClean="0"/>
+              <a:rPr lang="en-US" dirty="0" err="1"/>
               <a:t>admin.py</a:t>
             </a:r>
             <a:endParaRPr lang="en-US" dirty="0"/>
@@ -19561,7 +19134,7 @@
           <a:p>
             <a:pPr algn="ctr"/>
             <a:r>
-              <a:rPr lang="en-US" dirty="0" smtClean="0">
+              <a:rPr lang="en-US" dirty="0">
                 <a:solidFill>
                   <a:schemeClr val="bg1"/>
                 </a:solidFill>
@@ -19725,7 +19298,7 @@
           <a:p>
             <a:pPr algn="ctr"/>
             <a:r>
-              <a:rPr lang="en-US" dirty="0" smtClean="0">
+              <a:rPr lang="en-US" dirty="0">
                 <a:solidFill>
                   <a:schemeClr val="bg1"/>
                 </a:solidFill>
@@ -20053,13 +19626,6 @@
   <p:clrMapOvr>
     <a:masterClrMapping/>
   </p:clrMapOvr>
-  <p:timing>
-    <p:tnLst>
-      <p:par>
-        <p:cTn id="1" dur="indefinite" restart="never" nodeType="tmRoot"/>
-      </p:par>
-    </p:tnLst>
-  </p:timing>
 </p:sld>
 </file>
 
@@ -20643,10 +20209,10 @@
                 <a:ea typeface="Courier" charset="0"/>
                 <a:cs typeface="Courier" charset="0"/>
               </a:rPr>
-              <a:t> </a:t>
-            </a:r>
-            <a:r>
-              <a:rPr lang="en-US" sz="1600" b="1" dirty="0" smtClean="0">
+              <a:t>    members = </a:t>
+            </a:r>
+            <a:r>
+              <a:rPr lang="en-US" sz="1600" b="1" dirty="0" err="1">
                 <a:solidFill>
                   <a:srgbClr val="000000"/>
                 </a:solidFill>
@@ -20654,7 +20220,7 @@
                 <a:ea typeface="Courier" charset="0"/>
                 <a:cs typeface="Courier" charset="0"/>
               </a:rPr>
-              <a:t>   members </a:t>
+              <a:t>models.ManyToManyField</a:t>
             </a:r>
             <a:r>
               <a:rPr lang="en-US" sz="1600" b="1" dirty="0">
@@ -20665,10 +20231,12 @@
                 <a:ea typeface="Courier" charset="0"/>
                 <a:cs typeface="Courier" charset="0"/>
               </a:rPr>
-              <a:t>= </a:t>
-            </a:r>
-            <a:r>
-              <a:rPr lang="en-US" sz="1600" b="1" dirty="0" err="1" smtClean="0">
+              <a:t>(Person, </a:t>
+            </a:r>
+          </a:p>
+          <a:p>
+            <a:r>
+              <a:rPr lang="en-US" sz="1600" b="1" dirty="0">
                 <a:solidFill>
                   <a:srgbClr val="000000"/>
                 </a:solidFill>
@@ -20676,10 +20244,21 @@
                 <a:ea typeface="Courier" charset="0"/>
                 <a:cs typeface="Courier" charset="0"/>
               </a:rPr>
-              <a:t>models.ManyToManyField</a:t>
-            </a:r>
-            <a:r>
-              <a:rPr lang="en-US" sz="1600" b="1" dirty="0" smtClean="0">
+              <a:t>            through=</a:t>
+            </a:r>
+            <a:r>
+              <a:rPr lang="en-US" sz="1600" b="1" dirty="0">
+                <a:solidFill>
+                  <a:srgbClr val="B42419"/>
+                </a:solidFill>
+                <a:latin typeface="Courier" charset="0"/>
+                <a:ea typeface="Courier" charset="0"/>
+                <a:cs typeface="Courier" charset="0"/>
+              </a:rPr>
+              <a:t>'Membership'</a:t>
+            </a:r>
+            <a:r>
+              <a:rPr lang="en-US" sz="1600" b="1" dirty="0">
                 <a:solidFill>
                   <a:srgbClr val="000000"/>
                 </a:solidFill>
@@ -20687,109 +20266,55 @@
                 <a:ea typeface="Courier" charset="0"/>
                 <a:cs typeface="Courier" charset="0"/>
               </a:rPr>
-              <a:t>(Person, </a:t>
-            </a:r>
+              <a:t>, </a:t>
+            </a:r>
+            <a:r>
+              <a:rPr lang="en-US" sz="1600" b="1" dirty="0" err="1">
+                <a:solidFill>
+                  <a:srgbClr val="000000"/>
+                </a:solidFill>
+                <a:latin typeface="Courier" charset="0"/>
+                <a:ea typeface="Courier" charset="0"/>
+                <a:cs typeface="Courier" charset="0"/>
+              </a:rPr>
+              <a:t>related_name</a:t>
+            </a:r>
+            <a:r>
+              <a:rPr lang="en-US" sz="1600" b="1" dirty="0">
+                <a:solidFill>
+                  <a:srgbClr val="000000"/>
+                </a:solidFill>
+                <a:latin typeface="Courier" charset="0"/>
+                <a:ea typeface="Courier" charset="0"/>
+                <a:cs typeface="Courier" charset="0"/>
+              </a:rPr>
+              <a:t>=</a:t>
+            </a:r>
+            <a:r>
+              <a:rPr lang="en-US" sz="1600" b="1" dirty="0">
+                <a:solidFill>
+                  <a:srgbClr val="B42419"/>
+                </a:solidFill>
+                <a:latin typeface="Courier" charset="0"/>
+                <a:ea typeface="Courier" charset="0"/>
+                <a:cs typeface="Courier" charset="0"/>
+              </a:rPr>
+              <a:t>'courses'</a:t>
+            </a:r>
+            <a:r>
+              <a:rPr lang="en-US" sz="1600" b="1" dirty="0">
+                <a:solidFill>
+                  <a:srgbClr val="000000"/>
+                </a:solidFill>
+                <a:latin typeface="Courier" charset="0"/>
+                <a:ea typeface="Courier" charset="0"/>
+                <a:cs typeface="Courier" charset="0"/>
+              </a:rPr>
+              <a:t>)</a:t>
+            </a:r>
+          </a:p>
+          <a:p>
             <a:endParaRPr lang="en-US" sz="1600" b="1" dirty="0">
-              <a:solidFill>
-                <a:srgbClr val="000000"/>
-              </a:solidFill>
-              <a:latin typeface="Courier" charset="0"/>
-              <a:ea typeface="Courier" charset="0"/>
-              <a:cs typeface="Courier" charset="0"/>
-            </a:endParaRPr>
-          </a:p>
-          <a:p>
-            <a:r>
-              <a:rPr lang="en-US" sz="1600" b="1" dirty="0">
-                <a:solidFill>
-                  <a:srgbClr val="000000"/>
-                </a:solidFill>
-                <a:latin typeface="Courier" charset="0"/>
-                <a:ea typeface="Courier" charset="0"/>
-                <a:cs typeface="Courier" charset="0"/>
-              </a:rPr>
-              <a:t>            through=</a:t>
-            </a:r>
-            <a:r>
-              <a:rPr lang="en-US" sz="1600" b="1" dirty="0">
-                <a:solidFill>
-                  <a:srgbClr val="B42419"/>
-                </a:solidFill>
-                <a:latin typeface="Courier" charset="0"/>
-                <a:ea typeface="Courier" charset="0"/>
-                <a:cs typeface="Courier" charset="0"/>
-              </a:rPr>
-              <a:t>'Membership'</a:t>
-            </a:r>
-            <a:r>
-              <a:rPr lang="en-US" sz="1600" b="1" dirty="0">
-                <a:solidFill>
-                  <a:srgbClr val="000000"/>
-                </a:solidFill>
-                <a:latin typeface="Courier" charset="0"/>
-                <a:ea typeface="Courier" charset="0"/>
-                <a:cs typeface="Courier" charset="0"/>
-              </a:rPr>
-              <a:t>, </a:t>
-            </a:r>
-            <a:r>
-              <a:rPr lang="en-US" sz="1600" b="1" dirty="0" err="1">
-                <a:solidFill>
-                  <a:srgbClr val="000000"/>
-                </a:solidFill>
-                <a:latin typeface="Courier" charset="0"/>
-                <a:ea typeface="Courier" charset="0"/>
-                <a:cs typeface="Courier" charset="0"/>
-              </a:rPr>
-              <a:t>related_name</a:t>
-            </a:r>
-            <a:r>
-              <a:rPr lang="en-US" sz="1600" b="1" dirty="0">
-                <a:solidFill>
-                  <a:srgbClr val="000000"/>
-                </a:solidFill>
-                <a:latin typeface="Courier" charset="0"/>
-                <a:ea typeface="Courier" charset="0"/>
-                <a:cs typeface="Courier" charset="0"/>
-              </a:rPr>
-              <a:t>=</a:t>
-            </a:r>
-            <a:r>
-              <a:rPr lang="en-US" sz="1600" b="1" dirty="0">
-                <a:solidFill>
-                  <a:srgbClr val="B42419"/>
-                </a:solidFill>
-                <a:latin typeface="Courier" charset="0"/>
-                <a:ea typeface="Courier" charset="0"/>
-                <a:cs typeface="Courier" charset="0"/>
-              </a:rPr>
-              <a:t>'courses</a:t>
-            </a:r>
-            <a:r>
-              <a:rPr lang="en-US" sz="1600" b="1" dirty="0" smtClean="0">
-                <a:solidFill>
-                  <a:srgbClr val="B42419"/>
-                </a:solidFill>
-                <a:latin typeface="Courier" charset="0"/>
-                <a:ea typeface="Courier" charset="0"/>
-                <a:cs typeface="Courier" charset="0"/>
-              </a:rPr>
-              <a:t>'</a:t>
-            </a:r>
-            <a:r>
-              <a:rPr lang="en-US" sz="1600" b="1" dirty="0" smtClean="0">
-                <a:solidFill>
-                  <a:srgbClr val="000000"/>
-                </a:solidFill>
-                <a:latin typeface="Courier" charset="0"/>
-                <a:ea typeface="Courier" charset="0"/>
-                <a:cs typeface="Courier" charset="0"/>
-              </a:rPr>
-              <a:t>)</a:t>
-            </a:r>
-          </a:p>
-          <a:p>
-            <a:endParaRPr lang="en-US" sz="1600" b="1" dirty="0" smtClean="0">
               <a:solidFill>
                 <a:srgbClr val="000000"/>
               </a:solidFill>
@@ -20826,55 +20351,39 @@
               <a:t>https://</a:t>
             </a:r>
             <a:r>
-              <a:rPr lang="en-US" dirty="0" err="1" smtClean="0"/>
+              <a:rPr lang="en-US" dirty="0" err="1"/>
               <a:t>github.com</a:t>
             </a:r>
             <a:r>
-              <a:rPr lang="en-US" dirty="0" smtClean="0"/>
+              <a:rPr lang="en-US" dirty="0"/>
               <a:t>/csev/dj4e-samples/blob/master/samples/many/</a:t>
             </a:r>
             <a:r>
-              <a:rPr lang="en-US" dirty="0" err="1" smtClean="0"/>
+              <a:rPr lang="en-US" dirty="0" err="1"/>
               <a:t>models.py</a:t>
             </a:r>
-            <a:endParaRPr lang="en-US" dirty="0" smtClean="0"/>
-          </a:p>
-          <a:p>
-            <a:r>
-              <a:rPr lang="en-US" dirty="0" smtClean="0"/>
-              <a:t>https</a:t>
-            </a:r>
+            <a:endParaRPr lang="en-US" dirty="0"/>
+          </a:p>
+          <a:p>
             <a:r>
               <a:rPr lang="en-US" dirty="0"/>
-              <a:t>://</a:t>
-            </a:r>
-            <a:r>
-              <a:rPr lang="en-US" dirty="0" err="1" smtClean="0"/>
+              <a:t>https://</a:t>
+            </a:r>
+            <a:r>
+              <a:rPr lang="en-US" dirty="0" err="1"/>
               <a:t>docs.djangoproject.com</a:t>
             </a:r>
             <a:r>
-              <a:rPr lang="en-US" dirty="0" smtClean="0"/>
+              <a:rPr lang="en-US" dirty="0"/>
               <a:t>/</a:t>
             </a:r>
             <a:r>
-              <a:rPr lang="en-US" dirty="0" err="1" smtClean="0"/>
+              <a:rPr lang="en-US" dirty="0" err="1"/>
               <a:t>en</a:t>
             </a:r>
             <a:r>
-              <a:rPr lang="en-US" dirty="0" smtClean="0"/>
-              <a:t>/</a:t>
-            </a:r>
-            <a:r>
-              <a:rPr lang="hr-HR" smtClean="0"/>
-              <a:t>3.0</a:t>
-            </a:r>
-            <a:r>
-              <a:rPr lang="en-US" smtClean="0"/>
-              <a:t>/ref/models/fields</a:t>
-            </a:r>
-            <a:r>
               <a:rPr lang="en-US" dirty="0"/>
-              <a:t>/#choices</a:t>
+              <a:t>/4.0/ref/models/fields/#choices</a:t>
             </a:r>
           </a:p>
         </p:txBody>
@@ -20889,13 +20398,6 @@
   <p:clrMapOvr>
     <a:masterClrMapping/>
   </p:clrMapOvr>
-  <p:timing>
-    <p:tnLst>
-      <p:par>
-        <p:cTn id="1" dur="indefinite" restart="never" nodeType="tmRoot"/>
-      </p:par>
-    </p:tnLst>
-  </p:timing>
 </p:sld>
 </file>
 
@@ -21017,10 +20519,10 @@
                 <a:ea typeface="Courier" charset="0"/>
                 <a:cs typeface="Courier" charset="0"/>
               </a:rPr>
-              <a:t> </a:t>
-            </a:r>
-            <a:r>
-              <a:rPr lang="en-US" sz="1400" b="1" dirty="0" smtClean="0">
+              <a:t>    person = </a:t>
+            </a:r>
+            <a:r>
+              <a:rPr lang="en-US" sz="1400" b="1" dirty="0" err="1">
                 <a:solidFill>
                   <a:srgbClr val="000000"/>
                 </a:solidFill>
@@ -21028,7 +20530,7 @@
                 <a:ea typeface="Courier" charset="0"/>
                 <a:cs typeface="Courier" charset="0"/>
               </a:rPr>
-              <a:t>   person </a:t>
+              <a:t>models.ForeignKey</a:t>
             </a:r>
             <a:r>
               <a:rPr lang="en-US" sz="1400" b="1" dirty="0">
@@ -21039,7 +20541,7 @@
                 <a:ea typeface="Courier" charset="0"/>
                 <a:cs typeface="Courier" charset="0"/>
               </a:rPr>
-              <a:t>= </a:t>
+              <a:t>(Person, </a:t>
             </a:r>
             <a:r>
               <a:rPr lang="en-US" sz="1400" b="1" dirty="0" err="1">
@@ -21050,6 +20552,63 @@
                 <a:ea typeface="Courier" charset="0"/>
                 <a:cs typeface="Courier" charset="0"/>
               </a:rPr>
+              <a:t>on_delete</a:t>
+            </a:r>
+            <a:r>
+              <a:rPr lang="en-US" sz="1400" b="1" dirty="0">
+                <a:solidFill>
+                  <a:srgbClr val="000000"/>
+                </a:solidFill>
+                <a:latin typeface="Courier" charset="0"/>
+                <a:ea typeface="Courier" charset="0"/>
+                <a:cs typeface="Courier" charset="0"/>
+              </a:rPr>
+              <a:t>=</a:t>
+            </a:r>
+            <a:r>
+              <a:rPr lang="en-US" sz="1400" b="1" dirty="0" err="1">
+                <a:solidFill>
+                  <a:srgbClr val="000000"/>
+                </a:solidFill>
+                <a:latin typeface="Courier" charset="0"/>
+                <a:ea typeface="Courier" charset="0"/>
+                <a:cs typeface="Courier" charset="0"/>
+              </a:rPr>
+              <a:t>models.CASCADE</a:t>
+            </a:r>
+            <a:r>
+              <a:rPr lang="en-US" sz="1400" b="1" dirty="0">
+                <a:solidFill>
+                  <a:srgbClr val="000000"/>
+                </a:solidFill>
+                <a:latin typeface="Courier" charset="0"/>
+                <a:ea typeface="Courier" charset="0"/>
+                <a:cs typeface="Courier" charset="0"/>
+              </a:rPr>
+              <a:t>)</a:t>
+            </a:r>
+          </a:p>
+          <a:p>
+            <a:r>
+              <a:rPr lang="en-US" sz="1400" b="1" dirty="0">
+                <a:solidFill>
+                  <a:srgbClr val="000000"/>
+                </a:solidFill>
+                <a:latin typeface="Courier" charset="0"/>
+                <a:ea typeface="Courier" charset="0"/>
+                <a:cs typeface="Courier" charset="0"/>
+              </a:rPr>
+              <a:t>    course = </a:t>
+            </a:r>
+            <a:r>
+              <a:rPr lang="en-US" sz="1400" b="1" dirty="0" err="1">
+                <a:solidFill>
+                  <a:srgbClr val="000000"/>
+                </a:solidFill>
+                <a:latin typeface="Courier" charset="0"/>
+                <a:ea typeface="Courier" charset="0"/>
+                <a:cs typeface="Courier" charset="0"/>
+              </a:rPr>
               <a:t>models.ForeignKey</a:t>
             </a:r>
             <a:r>
@@ -21061,7 +20620,7 @@
                 <a:ea typeface="Courier" charset="0"/>
                 <a:cs typeface="Courier" charset="0"/>
               </a:rPr>
-              <a:t>(Person, </a:t>
+              <a:t>(Course, </a:t>
             </a:r>
             <a:r>
               <a:rPr lang="en-US" sz="1400" b="1" dirty="0" err="1">
@@ -21106,138 +20665,6 @@
                 <a:cs typeface="Courier" charset="0"/>
               </a:rPr>
               <a:t>)</a:t>
-            </a:r>
-          </a:p>
-          <a:p>
-            <a:r>
-              <a:rPr lang="en-US" sz="1400" b="1" dirty="0">
-                <a:solidFill>
-                  <a:srgbClr val="000000"/>
-                </a:solidFill>
-                <a:latin typeface="Courier" charset="0"/>
-                <a:ea typeface="Courier" charset="0"/>
-                <a:cs typeface="Courier" charset="0"/>
-              </a:rPr>
-              <a:t>    course = </a:t>
-            </a:r>
-            <a:r>
-              <a:rPr lang="en-US" sz="1400" b="1" dirty="0" err="1">
-                <a:solidFill>
-                  <a:srgbClr val="000000"/>
-                </a:solidFill>
-                <a:latin typeface="Courier" charset="0"/>
-                <a:ea typeface="Courier" charset="0"/>
-                <a:cs typeface="Courier" charset="0"/>
-              </a:rPr>
-              <a:t>models.ForeignKey</a:t>
-            </a:r>
-            <a:r>
-              <a:rPr lang="en-US" sz="1400" b="1" dirty="0">
-                <a:solidFill>
-                  <a:srgbClr val="000000"/>
-                </a:solidFill>
-                <a:latin typeface="Courier" charset="0"/>
-                <a:ea typeface="Courier" charset="0"/>
-                <a:cs typeface="Courier" charset="0"/>
-              </a:rPr>
-              <a:t>(Course, </a:t>
-            </a:r>
-            <a:r>
-              <a:rPr lang="en-US" sz="1400" b="1" dirty="0" err="1">
-                <a:solidFill>
-                  <a:srgbClr val="000000"/>
-                </a:solidFill>
-                <a:latin typeface="Courier" charset="0"/>
-                <a:ea typeface="Courier" charset="0"/>
-                <a:cs typeface="Courier" charset="0"/>
-              </a:rPr>
-              <a:t>on_delete</a:t>
-            </a:r>
-            <a:r>
-              <a:rPr lang="en-US" sz="1400" b="1" dirty="0">
-                <a:solidFill>
-                  <a:srgbClr val="000000"/>
-                </a:solidFill>
-                <a:latin typeface="Courier" charset="0"/>
-                <a:ea typeface="Courier" charset="0"/>
-                <a:cs typeface="Courier" charset="0"/>
-              </a:rPr>
-              <a:t>=</a:t>
-            </a:r>
-            <a:r>
-              <a:rPr lang="en-US" sz="1400" b="1" dirty="0" err="1">
-                <a:solidFill>
-                  <a:srgbClr val="000000"/>
-                </a:solidFill>
-                <a:latin typeface="Courier" charset="0"/>
-                <a:ea typeface="Courier" charset="0"/>
-                <a:cs typeface="Courier" charset="0"/>
-              </a:rPr>
-              <a:t>models.CASCADE</a:t>
-            </a:r>
-            <a:r>
-              <a:rPr lang="en-US" sz="1400" b="1" dirty="0" smtClean="0">
-                <a:solidFill>
-                  <a:srgbClr val="000000"/>
-                </a:solidFill>
-                <a:latin typeface="Courier" charset="0"/>
-                <a:ea typeface="Courier" charset="0"/>
-                <a:cs typeface="Courier" charset="0"/>
-              </a:rPr>
-              <a:t>)</a:t>
-            </a:r>
-            <a:endParaRPr lang="de-DE" sz="1400" b="1" dirty="0" smtClean="0">
-              <a:solidFill>
-                <a:srgbClr val="000000"/>
-              </a:solidFill>
-              <a:latin typeface="Courier" charset="0"/>
-              <a:ea typeface="Courier" charset="0"/>
-              <a:cs typeface="Courier" charset="0"/>
-            </a:endParaRPr>
-          </a:p>
-          <a:p>
-            <a:endParaRPr lang="de-DE" sz="1400" b="1" dirty="0" smtClean="0">
-              <a:solidFill>
-                <a:srgbClr val="000000"/>
-              </a:solidFill>
-              <a:latin typeface="Courier" charset="0"/>
-              <a:ea typeface="Courier" charset="0"/>
-              <a:cs typeface="Courier" charset="0"/>
-            </a:endParaRPr>
-          </a:p>
-          <a:p>
-            <a:r>
-              <a:rPr lang="de-DE" sz="1400" b="1" dirty="0" smtClean="0">
-                <a:solidFill>
-                  <a:srgbClr val="000000"/>
-                </a:solidFill>
-                <a:latin typeface="Courier" charset="0"/>
-                <a:ea typeface="Courier" charset="0"/>
-                <a:cs typeface="Courier" charset="0"/>
-              </a:rPr>
-              <a:t>    </a:t>
-            </a:r>
-            <a:r>
-              <a:rPr lang="de-DE" sz="1400" b="1" dirty="0">
-                <a:solidFill>
-                  <a:srgbClr val="000000"/>
-                </a:solidFill>
-                <a:latin typeface="Courier" charset="0"/>
-                <a:ea typeface="Courier" charset="0"/>
-                <a:cs typeface="Courier" charset="0"/>
-              </a:rPr>
-              <a:t>LEARNER = </a:t>
-            </a:r>
-            <a:r>
-              <a:rPr lang="de-DE" sz="1400" b="1" dirty="0">
-                <a:solidFill>
-                  <a:srgbClr val="B42419"/>
-                </a:solidFill>
-                <a:latin typeface="Courier" charset="0"/>
-                <a:ea typeface="Courier" charset="0"/>
-                <a:cs typeface="Courier" charset="0"/>
-              </a:rPr>
-              <a:t>1</a:t>
             </a:r>
             <a:endParaRPr lang="de-DE" sz="1400" b="1" dirty="0">
               <a:solidFill>
@@ -21249,6 +20676,48 @@
             </a:endParaRPr>
           </a:p>
           <a:p>
+            <a:endParaRPr lang="de-DE" sz="1400" b="1" dirty="0">
+              <a:solidFill>
+                <a:srgbClr val="000000"/>
+              </a:solidFill>
+              <a:latin typeface="Courier" charset="0"/>
+              <a:ea typeface="Courier" charset="0"/>
+              <a:cs typeface="Courier" charset="0"/>
+            </a:endParaRPr>
+          </a:p>
+          <a:p>
+            <a:r>
+              <a:rPr lang="de-DE" sz="1400" b="1" dirty="0">
+                <a:solidFill>
+                  <a:srgbClr val="000000"/>
+                </a:solidFill>
+                <a:latin typeface="Courier" charset="0"/>
+                <a:ea typeface="Courier" charset="0"/>
+                <a:cs typeface="Courier" charset="0"/>
+              </a:rPr>
+              <a:t>    LEARNER = </a:t>
+            </a:r>
+            <a:r>
+              <a:rPr lang="de-DE" sz="1400" b="1" dirty="0">
+                <a:solidFill>
+                  <a:srgbClr val="B42419"/>
+                </a:solidFill>
+                <a:latin typeface="Courier" charset="0"/>
+                <a:ea typeface="Courier" charset="0"/>
+                <a:cs typeface="Courier" charset="0"/>
+              </a:rPr>
+              <a:t>1</a:t>
+            </a:r>
+            <a:endParaRPr lang="de-DE" sz="1400" b="1" dirty="0">
+              <a:solidFill>
+                <a:srgbClr val="000000"/>
+              </a:solidFill>
+              <a:latin typeface="Courier" charset="0"/>
+              <a:ea typeface="Courier" charset="0"/>
+              <a:cs typeface="Courier" charset="0"/>
+            </a:endParaRPr>
+          </a:p>
+          <a:p>
             <a:r>
               <a:rPr lang="mr-IN" sz="1400" b="1" dirty="0">
                 <a:solidFill>
@@ -21800,20 +21269,9 @@
                 <a:ea typeface="Courier" charset="0"/>
                 <a:cs typeface="Courier" charset="0"/>
               </a:rPr>
-              <a:t>    </a:t>
-            </a:r>
-            <a:r>
-              <a:rPr lang="mr-IN" sz="1400" b="1" dirty="0" smtClean="0">
-                <a:solidFill>
-                  <a:srgbClr val="000000"/>
-                </a:solidFill>
-                <a:latin typeface="Courier" charset="0"/>
-                <a:ea typeface="Courier" charset="0"/>
-                <a:cs typeface="Courier" charset="0"/>
-              </a:rPr>
-              <a:t>)</a:t>
-            </a:r>
-            <a:endParaRPr lang="en-US" sz="1400" b="1" dirty="0" smtClean="0">
+              <a:t>    )</a:t>
+            </a:r>
+            <a:endParaRPr lang="en-US" sz="1400" b="1" dirty="0">
               <a:solidFill>
                 <a:srgbClr val="000000"/>
               </a:solidFill>
@@ -21834,13 +21292,6 @@
   <p:clrMapOvr>
     <a:masterClrMapping/>
   </p:clrMapOvr>
-  <p:timing>
-    <p:tnLst>
-      <p:par>
-        <p:cTn id="1" dur="indefinite" restart="never" nodeType="tmRoot"/>
-      </p:par>
-    </p:tnLst>
-  </p:timing>
 </p:sld>
 </file>
 
@@ -21943,7 +21394,7 @@
               <a:t>ted@umich.edu</a:t>
             </a:r>
             <a:r>
-              <a:rPr lang="en-US" dirty="0" smtClean="0">
+              <a:rPr lang="en-US" dirty="0">
                 <a:solidFill>
                   <a:srgbClr val="FF7F00"/>
                 </a:solidFill>
@@ -21969,7 +21420,7 @@
               <a:t> </a:t>
             </a:r>
             <a:r>
-              <a:rPr lang="en-US" dirty="0" err="1" smtClean="0">
+              <a:rPr lang="en-US" dirty="0" err="1">
                 <a:solidFill>
                   <a:srgbClr val="FF7F00"/>
                 </a:solidFill>
@@ -21978,13 +21429,82 @@
               <a:t>p.save</a:t>
             </a:r>
             <a:r>
-              <a:rPr lang="en-US" dirty="0" smtClean="0">
+              <a:rPr lang="en-US" dirty="0">
                 <a:solidFill>
                   <a:srgbClr val="FF7F00"/>
                 </a:solidFill>
                 <a:latin typeface="Menlo-Regular" charset="0"/>
               </a:rPr>
               <a:t>()</a:t>
+            </a:r>
+          </a:p>
+          <a:p>
+            <a:r>
+              <a:rPr lang="en-US" dirty="0">
+                <a:latin typeface="Menlo-Regular" charset="0"/>
+              </a:rPr>
+              <a:t>&gt;&gt;&gt;</a:t>
+            </a:r>
+            <a:r>
+              <a:rPr lang="en-US" dirty="0">
+                <a:solidFill>
+                  <a:srgbClr val="FF7F00"/>
+                </a:solidFill>
+                <a:latin typeface="Menlo-Regular" charset="0"/>
+              </a:rPr>
+              <a:t> c = Course(title='Woodcraft')</a:t>
+            </a:r>
+          </a:p>
+          <a:p>
+            <a:r>
+              <a:rPr lang="en-US" dirty="0">
+                <a:latin typeface="Menlo-Regular" charset="0"/>
+              </a:rPr>
+              <a:t>&gt;&gt;&gt;</a:t>
+            </a:r>
+            <a:r>
+              <a:rPr lang="en-US" dirty="0">
+                <a:solidFill>
+                  <a:srgbClr val="FF7F00"/>
+                </a:solidFill>
+                <a:latin typeface="Menlo-Regular" charset="0"/>
+              </a:rPr>
+              <a:t> </a:t>
+            </a:r>
+            <a:r>
+              <a:rPr lang="en-US" dirty="0" err="1">
+                <a:solidFill>
+                  <a:srgbClr val="FF7F00"/>
+                </a:solidFill>
+                <a:latin typeface="Menlo-Regular" charset="0"/>
+              </a:rPr>
+              <a:t>c.save</a:t>
+            </a:r>
+            <a:r>
+              <a:rPr lang="en-US" dirty="0">
+                <a:solidFill>
+                  <a:srgbClr val="FF7F00"/>
+                </a:solidFill>
+                <a:latin typeface="Menlo-Regular" charset="0"/>
+              </a:rPr>
+              <a:t>()</a:t>
+            </a:r>
+          </a:p>
+          <a:p>
+            <a:r>
+              <a:rPr lang="en-US" dirty="0">
+                <a:latin typeface="Menlo-Regular" charset="0"/>
+              </a:rPr>
+              <a:t>&gt;&gt;&gt; </a:t>
+            </a:r>
+            <a:r>
+              <a:rPr lang="en-US" dirty="0" err="1">
+                <a:solidFill>
+                  <a:srgbClr val="FF7F00"/>
+                </a:solidFill>
+                <a:latin typeface="Menlo-Regular" charset="0"/>
+              </a:rPr>
+              <a:t>c.id</a:t>
             </a:r>
             <a:endParaRPr lang="en-US" dirty="0">
               <a:solidFill>
@@ -21995,44 +21515,17 @@
           </a:p>
           <a:p>
             <a:r>
-              <a:rPr lang="en-US" dirty="0" smtClean="0">
-                <a:latin typeface="Menlo-Regular" charset="0"/>
-              </a:rPr>
-              <a:t>&gt;&gt;&gt;</a:t>
-            </a:r>
-            <a:r>
-              <a:rPr lang="en-US" dirty="0" smtClean="0">
-                <a:solidFill>
-                  <a:srgbClr val="FF7F00"/>
-                </a:solidFill>
-                <a:latin typeface="Menlo-Regular" charset="0"/>
-              </a:rPr>
-              <a:t> </a:t>
-            </a:r>
-            <a:r>
-              <a:rPr lang="en-US" dirty="0">
-                <a:solidFill>
-                  <a:srgbClr val="FF7F00"/>
-                </a:solidFill>
-                <a:latin typeface="Menlo-Regular" charset="0"/>
-              </a:rPr>
-              <a:t>c = Course(title='Woodcraft</a:t>
-            </a:r>
-            <a:r>
-              <a:rPr lang="en-US" dirty="0" smtClean="0">
-                <a:solidFill>
-                  <a:srgbClr val="FF7F00"/>
-                </a:solidFill>
-                <a:latin typeface="Menlo-Regular" charset="0"/>
-              </a:rPr>
-              <a:t>')</a:t>
-            </a:r>
-          </a:p>
-          <a:p>
-            <a:r>
               <a:rPr lang="en-US" dirty="0">
                 <a:latin typeface="Menlo-Regular" charset="0"/>
               </a:rPr>
+              <a:t>6</a:t>
+            </a:r>
+          </a:p>
+          <a:p>
+            <a:r>
+              <a:rPr lang="en-US" dirty="0">
+                <a:latin typeface="Menlo-Regular" charset="0"/>
+              </a:rPr>
               <a:t>&gt;&gt;&gt;</a:t>
             </a:r>
             <a:r>
@@ -22045,22 +21538,172 @@
               <a:t> </a:t>
             </a:r>
             <a:r>
-              <a:rPr lang="en-US" dirty="0" err="1" smtClean="0">
+              <a:rPr lang="en-US" dirty="0" err="1">
                 <a:solidFill>
                   <a:srgbClr val="FF7F00"/>
                 </a:solidFill>
                 <a:latin typeface="Menlo-Regular" charset="0"/>
               </a:rPr>
-              <a:t>c.save</a:t>
-            </a:r>
-            <a:r>
-              <a:rPr lang="en-US" dirty="0" smtClean="0">
+              <a:t>c.members.values</a:t>
+            </a:r>
+            <a:r>
+              <a:rPr lang="en-US" dirty="0">
                 <a:solidFill>
                   <a:srgbClr val="FF7F00"/>
                 </a:solidFill>
                 <a:latin typeface="Menlo-Regular" charset="0"/>
               </a:rPr>
               <a:t>()</a:t>
+            </a:r>
+          </a:p>
+          <a:p>
+            <a:r>
+              <a:rPr lang="en-US" dirty="0">
+                <a:latin typeface="Menlo-Regular" charset="0"/>
+              </a:rPr>
+              <a:t>&lt;</a:t>
+            </a:r>
+            <a:r>
+              <a:rPr lang="en-US" dirty="0" err="1">
+                <a:latin typeface="Menlo-Regular" charset="0"/>
+              </a:rPr>
+              <a:t>QuerySet</a:t>
+            </a:r>
+            <a:r>
+              <a:rPr lang="en-US" dirty="0">
+                <a:latin typeface="Menlo-Regular" charset="0"/>
+              </a:rPr>
+              <a:t> []&gt;</a:t>
+            </a:r>
+            <a:endParaRPr lang="mr-IN" dirty="0">
+              <a:latin typeface="Menlo-Regular" charset="0"/>
+            </a:endParaRPr>
+          </a:p>
+          <a:p>
+            <a:r>
+              <a:rPr lang="en-US" dirty="0">
+                <a:latin typeface="Menlo-Regular" charset="0"/>
+              </a:rPr>
+              <a:t>&gt;&gt;&gt;</a:t>
+            </a:r>
+            <a:r>
+              <a:rPr lang="en-US" dirty="0">
+                <a:solidFill>
+                  <a:srgbClr val="FF7F00"/>
+                </a:solidFill>
+                <a:latin typeface="Menlo-Regular" charset="0"/>
+              </a:rPr>
+              <a:t> m = Membership(role=</a:t>
+            </a:r>
+            <a:r>
+              <a:rPr lang="en-US" dirty="0" err="1">
+                <a:solidFill>
+                  <a:srgbClr val="FF7F00"/>
+                </a:solidFill>
+                <a:latin typeface="Menlo-Regular" charset="0"/>
+              </a:rPr>
+              <a:t>Membership.INSTRUCTOR</a:t>
+            </a:r>
+            <a:r>
+              <a:rPr lang="en-US" dirty="0">
+                <a:solidFill>
+                  <a:srgbClr val="FF7F00"/>
+                </a:solidFill>
+                <a:latin typeface="Menlo-Regular" charset="0"/>
+              </a:rPr>
+              <a:t>, course=c, person=p)</a:t>
+            </a:r>
+          </a:p>
+          <a:p>
+            <a:r>
+              <a:rPr lang="mr-IN" dirty="0">
+                <a:latin typeface="Menlo-Regular" charset="0"/>
+              </a:rPr>
+              <a:t>&gt;&gt;&gt;</a:t>
+            </a:r>
+            <a:r>
+              <a:rPr lang="mr-IN" dirty="0">
+                <a:solidFill>
+                  <a:srgbClr val="FF7F00"/>
+                </a:solidFill>
+                <a:latin typeface="Menlo-Regular" charset="0"/>
+              </a:rPr>
+              <a:t> </a:t>
+            </a:r>
+            <a:r>
+              <a:rPr lang="mr-IN" dirty="0" err="1">
+                <a:solidFill>
+                  <a:srgbClr val="FF7F00"/>
+                </a:solidFill>
+                <a:latin typeface="Menlo-Regular" charset="0"/>
+              </a:rPr>
+              <a:t>m.save</a:t>
+            </a:r>
+            <a:r>
+              <a:rPr lang="mr-IN" dirty="0">
+                <a:solidFill>
+                  <a:srgbClr val="FF7F00"/>
+                </a:solidFill>
+                <a:latin typeface="Menlo-Regular" charset="0"/>
+              </a:rPr>
+              <a:t>()</a:t>
+            </a:r>
+          </a:p>
+          <a:p>
+            <a:r>
+              <a:rPr lang="mr-IN" dirty="0">
+                <a:latin typeface="Menlo-Regular" charset="0"/>
+              </a:rPr>
+              <a:t>&gt;&gt;&gt;</a:t>
+            </a:r>
+            <a:r>
+              <a:rPr lang="mr-IN" dirty="0">
+                <a:solidFill>
+                  <a:srgbClr val="FF7F00"/>
+                </a:solidFill>
+                <a:latin typeface="Menlo-Regular" charset="0"/>
+              </a:rPr>
+              <a:t> </a:t>
+            </a:r>
+            <a:r>
+              <a:rPr lang="mr-IN" dirty="0" err="1">
+                <a:solidFill>
+                  <a:srgbClr val="FF7F00"/>
+                </a:solidFill>
+                <a:latin typeface="Menlo-Regular" charset="0"/>
+              </a:rPr>
+              <a:t>m.id</a:t>
+            </a:r>
+            <a:endParaRPr lang="mr-IN" dirty="0">
+              <a:solidFill>
+                <a:srgbClr val="FF7F00"/>
+              </a:solidFill>
+              <a:latin typeface="Menlo-Regular" charset="0"/>
+            </a:endParaRPr>
+          </a:p>
+          <a:p>
+            <a:r>
+              <a:rPr lang="mr-IN" dirty="0">
+                <a:latin typeface="Menlo-Regular" charset="0"/>
+              </a:rPr>
+              <a:t>15</a:t>
+            </a:r>
+          </a:p>
+          <a:p>
+            <a:r>
+              <a:rPr lang="en-US" dirty="0">
+                <a:latin typeface="Menlo-Regular" charset="0"/>
+              </a:rPr>
+              <a:t>&gt;&gt;&gt; </a:t>
+            </a:r>
+            <a:r>
+              <a:rPr lang="en-US" dirty="0" err="1">
+                <a:solidFill>
+                  <a:srgbClr val="FF7F00"/>
+                </a:solidFill>
+                <a:latin typeface="Menlo-Regular" charset="0"/>
+              </a:rPr>
+              <a:t>m.course_id</a:t>
             </a:r>
             <a:endParaRPr lang="en-US" dirty="0">
               <a:solidFill>
@@ -22071,44 +21714,27 @@
           </a:p>
           <a:p>
             <a:r>
-              <a:rPr lang="en-US" dirty="0" smtClean="0">
-                <a:latin typeface="Menlo-Regular" charset="0"/>
-              </a:rPr>
-              <a:t>&gt;&gt;&gt; </a:t>
-            </a:r>
-            <a:r>
-              <a:rPr lang="en-US" dirty="0" err="1" smtClean="0">
-                <a:solidFill>
-                  <a:srgbClr val="FF7F00"/>
-                </a:solidFill>
-                <a:latin typeface="Menlo-Regular" charset="0"/>
-              </a:rPr>
-              <a:t>c.id</a:t>
-            </a:r>
-            <a:endParaRPr lang="en-US" dirty="0" smtClean="0">
-              <a:solidFill>
-                <a:srgbClr val="FF7F00"/>
-              </a:solidFill>
-              <a:latin typeface="Menlo-Regular" charset="0"/>
-            </a:endParaRPr>
-          </a:p>
-          <a:p>
-            <a:r>
               <a:rPr lang="en-US" dirty="0">
                 <a:latin typeface="Menlo-Regular" charset="0"/>
               </a:rPr>
               <a:t>6</a:t>
             </a:r>
-            <a:endParaRPr lang="en-US" dirty="0" smtClean="0">
-              <a:latin typeface="Menlo-Regular" charset="0"/>
-            </a:endParaRPr>
           </a:p>
           <a:p>
             <a:r>
               <a:rPr lang="en-US" dirty="0">
                 <a:latin typeface="Menlo-Regular" charset="0"/>
               </a:rPr>
-              <a:t>&gt;&gt;&gt;</a:t>
+              <a:t>&gt;&gt;&gt; </a:t>
+            </a:r>
+            <a:r>
+              <a:rPr lang="en-US" dirty="0" err="1">
+                <a:solidFill>
+                  <a:srgbClr val="FF7F00"/>
+                </a:solidFill>
+                <a:latin typeface="Menlo-Regular" charset="0"/>
+              </a:rPr>
+              <a:t>c.members.values</a:t>
             </a:r>
             <a:r>
               <a:rPr lang="en-US" dirty="0">
@@ -22117,30 +21743,12 @@
                 </a:solidFill>
                 <a:latin typeface="Menlo-Regular" charset="0"/>
               </a:rPr>
-              <a:t> </a:t>
-            </a:r>
-            <a:r>
-              <a:rPr lang="en-US" dirty="0" err="1">
-                <a:solidFill>
-                  <a:srgbClr val="FF7F00"/>
-                </a:solidFill>
-                <a:latin typeface="Menlo-Regular" charset="0"/>
-              </a:rPr>
-              <a:t>c.members.values</a:t>
-            </a:r>
-            <a:r>
-              <a:rPr lang="en-US" dirty="0" smtClean="0">
-                <a:solidFill>
-                  <a:srgbClr val="FF7F00"/>
-                </a:solidFill>
-                <a:latin typeface="Menlo-Regular" charset="0"/>
-              </a:rPr>
               <a:t>()</a:t>
             </a:r>
           </a:p>
           <a:p>
             <a:r>
-              <a:rPr lang="en-US" dirty="0" smtClean="0">
+              <a:rPr lang="en-US" dirty="0">
                 <a:latin typeface="Menlo-Regular" charset="0"/>
               </a:rPr>
               <a:t>&lt;</a:t>
@@ -22155,54 +21763,19 @@
               <a:rPr lang="en-US" dirty="0">
                 <a:latin typeface="Menlo-Regular" charset="0"/>
               </a:rPr>
-              <a:t> []&gt;</a:t>
-            </a:r>
-            <a:endParaRPr lang="mr-IN" dirty="0" smtClean="0">
-              <a:latin typeface="Menlo-Regular" charset="0"/>
-            </a:endParaRPr>
-          </a:p>
-          <a:p>
-            <a:r>
-              <a:rPr lang="en-US" dirty="0" smtClean="0">
+              <a:t> [{'id': 3, 'email': '</a:t>
+            </a:r>
+            <a:r>
+              <a:rPr lang="en-US" dirty="0" err="1">
                 <a:latin typeface="Menlo-Regular" charset="0"/>
               </a:rPr>
-              <a:t>&gt;&gt;&gt;</a:t>
-            </a:r>
-            <a:r>
-              <a:rPr lang="en-US" dirty="0" smtClean="0">
-                <a:solidFill>
-                  <a:srgbClr val="FF7F00"/>
-                </a:solidFill>
+              <a:t>ted@umich.edu</a:t>
+            </a:r>
+            <a:r>
+              <a:rPr lang="en-US" dirty="0">
                 <a:latin typeface="Menlo-Regular" charset="0"/>
               </a:rPr>
-              <a:t> </a:t>
-            </a:r>
-            <a:r>
-              <a:rPr lang="en-US" dirty="0">
-                <a:solidFill>
-                  <a:srgbClr val="FF7F00"/>
-                </a:solidFill>
-                <a:latin typeface="Menlo-Regular" charset="0"/>
-              </a:rPr>
-              <a:t>m = Membership(role=</a:t>
-            </a:r>
-            <a:r>
-              <a:rPr lang="en-US" dirty="0" err="1">
-                <a:solidFill>
-                  <a:srgbClr val="FF7F00"/>
-                </a:solidFill>
-                <a:latin typeface="Menlo-Regular" charset="0"/>
-              </a:rPr>
-              <a:t>Membership.INSTRUCTOR</a:t>
-            </a:r>
-            <a:r>
-              <a:rPr lang="en-US" dirty="0">
-                <a:solidFill>
-                  <a:srgbClr val="FF7F00"/>
-                </a:solidFill>
-                <a:latin typeface="Menlo-Regular" charset="0"/>
-              </a:rPr>
-              <a:t>, course=c, person=p)</a:t>
+              <a:t>', 'name': None}]&gt;</a:t>
             </a:r>
           </a:p>
           <a:p>
@@ -22213,224 +21786,33 @@
               <a:t>&gt;&gt;&gt;</a:t>
             </a:r>
             <a:r>
-              <a:rPr lang="mr-IN" dirty="0">
-                <a:solidFill>
-                  <a:srgbClr val="FF7F00"/>
-                </a:solidFill>
-                <a:latin typeface="Menlo-Regular" charset="0"/>
-              </a:rPr>
-              <a:t> </a:t>
-            </a:r>
-            <a:r>
-              <a:rPr lang="mr-IN" dirty="0" err="1">
-                <a:solidFill>
-                  <a:srgbClr val="FF7F00"/>
-                </a:solidFill>
-                <a:latin typeface="Menlo-Regular" charset="0"/>
-              </a:rPr>
-              <a:t>m.save</a:t>
-            </a:r>
-            <a:r>
-              <a:rPr lang="mr-IN" dirty="0">
-                <a:solidFill>
-                  <a:srgbClr val="FF7F00"/>
-                </a:solidFill>
-                <a:latin typeface="Menlo-Regular" charset="0"/>
-              </a:rPr>
-              <a:t>()</a:t>
-            </a:r>
-          </a:p>
-          <a:p>
-            <a:r>
-              <a:rPr lang="mr-IN" dirty="0">
-                <a:latin typeface="Menlo-Regular" charset="0"/>
-              </a:rPr>
-              <a:t>&gt;&gt;&gt;</a:t>
-            </a:r>
-            <a:r>
-              <a:rPr lang="mr-IN" dirty="0">
-                <a:solidFill>
-                  <a:srgbClr val="FF7F00"/>
-                </a:solidFill>
-                <a:latin typeface="Menlo-Regular" charset="0"/>
-              </a:rPr>
-              <a:t> </a:t>
-            </a:r>
-            <a:r>
-              <a:rPr lang="mr-IN" dirty="0" err="1">
-                <a:solidFill>
-                  <a:srgbClr val="FF7F00"/>
-                </a:solidFill>
-                <a:latin typeface="Menlo-Regular" charset="0"/>
-              </a:rPr>
-              <a:t>m.id</a:t>
-            </a:r>
-            <a:endParaRPr lang="mr-IN" dirty="0">
-              <a:solidFill>
-                <a:srgbClr val="FF7F00"/>
-              </a:solidFill>
-              <a:latin typeface="Menlo-Regular" charset="0"/>
-            </a:endParaRPr>
-          </a:p>
-          <a:p>
-            <a:r>
-              <a:rPr lang="mr-IN" dirty="0">
-                <a:latin typeface="Menlo-Regular" charset="0"/>
-              </a:rPr>
-              <a:t>15</a:t>
-            </a:r>
-          </a:p>
-          <a:p>
-            <a:r>
               <a:rPr lang="en-US" dirty="0">
                 <a:latin typeface="Menlo-Regular" charset="0"/>
               </a:rPr>
-              <a:t>&gt;&gt;&gt; </a:t>
-            </a:r>
-            <a:r>
-              <a:rPr lang="en-US" dirty="0" err="1" smtClean="0">
+              <a:t> </a:t>
+            </a:r>
+            <a:r>
+              <a:rPr lang="en-US" dirty="0" err="1">
                 <a:solidFill>
                   <a:srgbClr val="FF7F00"/>
                 </a:solidFill>
                 <a:latin typeface="Menlo-Regular" charset="0"/>
               </a:rPr>
-              <a:t>m.course_id</a:t>
-            </a:r>
-            <a:endParaRPr lang="en-US" dirty="0">
-              <a:solidFill>
-                <a:srgbClr val="FF7F00"/>
-              </a:solidFill>
-              <a:latin typeface="Menlo-Regular" charset="0"/>
-            </a:endParaRPr>
-          </a:p>
-          <a:p>
-            <a:r>
-              <a:rPr lang="en-US" dirty="0" smtClean="0">
+              <a:t>p.courses.values</a:t>
+            </a:r>
+            <a:r>
+              <a:rPr lang="en-US" dirty="0">
+                <a:solidFill>
+                  <a:srgbClr val="FF7F00"/>
+                </a:solidFill>
                 <a:latin typeface="Menlo-Regular" charset="0"/>
               </a:rPr>
-              <a:t>6</a:t>
-            </a:r>
-            <a:endParaRPr lang="en-US" dirty="0">
-              <a:latin typeface="Menlo-Regular" charset="0"/>
-            </a:endParaRPr>
+              <a:t>()</a:t>
+            </a:r>
           </a:p>
           <a:p>
             <a:r>
               <a:rPr lang="en-US" dirty="0">
-                <a:latin typeface="Menlo-Regular" charset="0"/>
-              </a:rPr>
-              <a:t>&gt;&gt;&gt; </a:t>
-            </a:r>
-            <a:r>
-              <a:rPr lang="en-US" dirty="0" err="1" smtClean="0">
-                <a:solidFill>
-                  <a:srgbClr val="FF7F00"/>
-                </a:solidFill>
-                <a:latin typeface="Menlo-Regular" charset="0"/>
-              </a:rPr>
-              <a:t>c.members.values</a:t>
-            </a:r>
-            <a:r>
-              <a:rPr lang="en-US" dirty="0" smtClean="0">
-                <a:solidFill>
-                  <a:srgbClr val="FF7F00"/>
-                </a:solidFill>
-                <a:latin typeface="Menlo-Regular" charset="0"/>
-              </a:rPr>
-              <a:t>()</a:t>
-            </a:r>
-            <a:endParaRPr lang="en-US" dirty="0">
-              <a:solidFill>
-                <a:srgbClr val="FF7F00"/>
-              </a:solidFill>
-              <a:latin typeface="Menlo-Regular" charset="0"/>
-            </a:endParaRPr>
-          </a:p>
-          <a:p>
-            <a:r>
-              <a:rPr lang="en-US" dirty="0">
-                <a:latin typeface="Menlo-Regular" charset="0"/>
-              </a:rPr>
-              <a:t>&lt;</a:t>
-            </a:r>
-            <a:r>
-              <a:rPr lang="en-US" dirty="0" err="1">
-                <a:latin typeface="Menlo-Regular" charset="0"/>
-              </a:rPr>
-              <a:t>QuerySet</a:t>
-            </a:r>
-            <a:r>
-              <a:rPr lang="en-US" dirty="0">
-                <a:latin typeface="Menlo-Regular" charset="0"/>
-              </a:rPr>
-              <a:t> [{'id': </a:t>
-            </a:r>
-            <a:r>
-              <a:rPr lang="en-US" dirty="0" smtClean="0">
-                <a:latin typeface="Menlo-Regular" charset="0"/>
-              </a:rPr>
-              <a:t>3, </a:t>
-            </a:r>
-            <a:r>
-              <a:rPr lang="en-US" dirty="0">
-                <a:latin typeface="Menlo-Regular" charset="0"/>
-              </a:rPr>
-              <a:t>'email': '</a:t>
-            </a:r>
-            <a:r>
-              <a:rPr lang="en-US" dirty="0" err="1">
-                <a:latin typeface="Menlo-Regular" charset="0"/>
-              </a:rPr>
-              <a:t>ted@umich.edu</a:t>
-            </a:r>
-            <a:r>
-              <a:rPr lang="en-US" dirty="0">
-                <a:latin typeface="Menlo-Regular" charset="0"/>
-              </a:rPr>
-              <a:t>', 'name': None</a:t>
-            </a:r>
-            <a:r>
-              <a:rPr lang="en-US" dirty="0" smtClean="0">
-                <a:latin typeface="Menlo-Regular" charset="0"/>
-              </a:rPr>
-              <a:t>}]&gt;</a:t>
-            </a:r>
-          </a:p>
-          <a:p>
-            <a:r>
-              <a:rPr lang="mr-IN" dirty="0" smtClean="0">
-                <a:latin typeface="Menlo-Regular" charset="0"/>
-              </a:rPr>
-              <a:t>&gt;&gt;&gt;</a:t>
-            </a:r>
-            <a:r>
-              <a:rPr lang="en-US" dirty="0" smtClean="0">
-                <a:latin typeface="Menlo-Regular" charset="0"/>
-              </a:rPr>
-              <a:t> </a:t>
-            </a:r>
-            <a:r>
-              <a:rPr lang="en-US" dirty="0" err="1" smtClean="0">
-                <a:solidFill>
-                  <a:srgbClr val="FF7F00"/>
-                </a:solidFill>
-                <a:latin typeface="Menlo-Regular" charset="0"/>
-              </a:rPr>
-              <a:t>p.courses.values</a:t>
-            </a:r>
-            <a:r>
-              <a:rPr lang="en-US" dirty="0" smtClean="0">
-                <a:solidFill>
-                  <a:srgbClr val="FF7F00"/>
-                </a:solidFill>
-                <a:latin typeface="Menlo-Regular" charset="0"/>
-              </a:rPr>
-              <a:t>()</a:t>
-            </a:r>
-          </a:p>
-          <a:p>
-            <a:r>
-              <a:rPr lang="en-US" dirty="0" smtClean="0">
                 <a:latin typeface="Menlo-Regular" charset="0"/>
               </a:rPr>
               <a:t>&lt;</a:t>
@@ -22499,7 +21881,7 @@
               <a:t> </a:t>
             </a:r>
             <a:r>
-              <a:rPr lang="en-US" sz="2400" dirty="0" smtClean="0">
+              <a:rPr lang="en-US" sz="2400" dirty="0">
                 <a:solidFill>
                   <a:schemeClr val="lt1"/>
                 </a:solidFill>
@@ -22560,7 +21942,7 @@
               <a:buSzPct val="25000"/>
             </a:pPr>
             <a:r>
-              <a:rPr lang="en-US" sz="2400" dirty="0" smtClean="0">
+              <a:rPr lang="en-US" sz="2400" dirty="0">
                 <a:solidFill>
                   <a:schemeClr val="lt1"/>
                 </a:solidFill>
@@ -22641,7 +22023,7 @@
               <a:buSzPct val="25000"/>
             </a:pPr>
             <a:r>
-              <a:rPr lang="en-US" sz="2400" smtClean="0">
+              <a:rPr lang="en-US" sz="2400">
                 <a:solidFill>
                   <a:schemeClr val="lt1"/>
                 </a:solidFill>
@@ -22765,7 +22147,7 @@
               <a:t> </a:t>
             </a:r>
             <a:r>
-              <a:rPr lang="en-US" sz="2400" dirty="0" smtClean="0">
+              <a:rPr lang="en-US" sz="2400" dirty="0">
                 <a:solidFill>
                   <a:schemeClr val="lt1"/>
                 </a:solidFill>
@@ -22901,7 +22283,7 @@
               <a:buSzPct val="25000"/>
             </a:pPr>
             <a:r>
-              <a:rPr lang="en-US" sz="2400" dirty="0" smtClean="0">
+              <a:rPr lang="en-US" sz="2400" dirty="0">
                 <a:solidFill>
                   <a:schemeClr val="lt1"/>
                 </a:solidFill>
@@ -22934,13 +22316,6 @@
   <p:clrMapOvr>
     <a:masterClrMapping/>
   </p:clrMapOvr>
-  <p:timing>
-    <p:tnLst>
-      <p:par>
-        <p:cTn id="1" dur="indefinite" restart="never" nodeType="tmRoot"/>
-      </p:par>
-    </p:tnLst>
-  </p:timing>
 </p:sld>
 </file>
 
@@ -22977,10 +22352,9 @@
           <a:lstStyle/>
           <a:p>
             <a:r>
-              <a:rPr lang="en-US" dirty="0" smtClean="0"/>
+              <a:rPr lang="en-US" dirty="0"/>
               <a:t>Demo Batch Loading from CSV</a:t>
             </a:r>
-            <a:endParaRPr lang="en-US" dirty="0"/>
           </a:p>
         </p:txBody>
       </p:sp>
@@ -23004,11 +22378,11 @@
               <a:t>https://</a:t>
             </a:r>
             <a:r>
-              <a:rPr lang="en-US" dirty="0" err="1" smtClean="0"/>
+              <a:rPr lang="en-US" dirty="0" err="1"/>
               <a:t>github.com</a:t>
             </a:r>
             <a:r>
-              <a:rPr lang="en-US" dirty="0" smtClean="0"/>
+              <a:rPr lang="en-US" dirty="0"/>
               <a:t>/csev/dj4e-samples/tree/master/samples/scripts</a:t>
             </a:r>
           </a:p>
@@ -23018,23 +22392,23 @@
               <a:t>https://</a:t>
             </a:r>
             <a:r>
-              <a:rPr lang="en-US" dirty="0" err="1" smtClean="0"/>
+              <a:rPr lang="en-US" dirty="0" err="1"/>
               <a:t>django-extensions.readthedocs.io</a:t>
             </a:r>
             <a:r>
-              <a:rPr lang="en-US" dirty="0" smtClean="0"/>
+              <a:rPr lang="en-US" dirty="0"/>
               <a:t>/</a:t>
             </a:r>
             <a:r>
-              <a:rPr lang="en-US" dirty="0" err="1" smtClean="0"/>
+              <a:rPr lang="en-US" dirty="0" err="1"/>
               <a:t>en</a:t>
             </a:r>
             <a:r>
-              <a:rPr lang="en-US" dirty="0" smtClean="0"/>
+              <a:rPr lang="en-US" dirty="0"/>
               <a:t>/latest/</a:t>
             </a:r>
             <a:r>
-              <a:rPr lang="en-US" dirty="0" err="1" smtClean="0"/>
+              <a:rPr lang="en-US" dirty="0" err="1"/>
               <a:t>runscript.html</a:t>
             </a:r>
             <a:endParaRPr lang="en-US" dirty="0"/>
@@ -23051,13 +22425,6 @@
   <p:clrMapOvr>
     <a:masterClrMapping/>
   </p:clrMapOvr>
-  <p:timing>
-    <p:tnLst>
-      <p:par>
-        <p:cTn id="1" dur="indefinite" restart="never" nodeType="tmRoot"/>
-      </p:par>
-    </p:tnLst>
-  </p:timing>
 </p:sld>
 </file>
 
@@ -23094,10 +22461,9 @@
           <a:lstStyle/>
           <a:p>
             <a:r>
-              <a:rPr lang="en-US" dirty="0" smtClean="0"/>
+              <a:rPr lang="en-US" dirty="0"/>
               <a:t>Loading Data From A File</a:t>
             </a:r>
-            <a:endParaRPr lang="en-US" dirty="0"/>
           </a:p>
         </p:txBody>
       </p:sp>
@@ -23122,22 +22488,21 @@
           <a:lstStyle/>
           <a:p>
             <a:r>
-              <a:rPr lang="en-US" dirty="0" smtClean="0"/>
+              <a:rPr lang="en-US" dirty="0"/>
               <a:t>Sometimes we need to pre-load data into our Django database</a:t>
             </a:r>
           </a:p>
           <a:p>
             <a:r>
-              <a:rPr lang="en-US" dirty="0" smtClean="0"/>
+              <a:rPr lang="en-US" dirty="0"/>
               <a:t>This data might come from an API or file</a:t>
             </a:r>
           </a:p>
           <a:p>
             <a:r>
-              <a:rPr lang="en-US" dirty="0" smtClean="0"/>
+              <a:rPr lang="en-US" dirty="0"/>
               <a:t>We need to write a Python program to function like the Django shell</a:t>
             </a:r>
-            <a:endParaRPr lang="en-US" dirty="0"/>
           </a:p>
         </p:txBody>
       </p:sp>
@@ -23163,7 +22528,7 @@
           <a:lstStyle/>
           <a:p>
             <a:r>
-              <a:rPr lang="en-US" sz="1200" dirty="0" smtClean="0">
+              <a:rPr lang="en-US" sz="1200" dirty="0">
                 <a:solidFill>
                   <a:srgbClr val="FFFF00"/>
                 </a:solidFill>
@@ -23172,7 +22537,7 @@
               <a:t>many/</a:t>
             </a:r>
             <a:r>
-              <a:rPr lang="en-US" sz="1200" dirty="0" err="1" smtClean="0">
+              <a:rPr lang="en-US" sz="1200" dirty="0" err="1">
                 <a:solidFill>
                   <a:srgbClr val="FFFF00"/>
                 </a:solidFill>
@@ -23180,7 +22545,7 @@
               </a:rPr>
               <a:t>load.csv</a:t>
             </a:r>
-            <a:endParaRPr lang="en-US" sz="1200" dirty="0" smtClean="0">
+            <a:endParaRPr lang="en-US" sz="1200" dirty="0">
               <a:solidFill>
                 <a:srgbClr val="FFFF00"/>
               </a:solidFill>
@@ -23189,7 +22554,7 @@
           </a:p>
           <a:p>
             <a:r>
-              <a:rPr lang="en-US" sz="1200" dirty="0" err="1" smtClean="0">
+              <a:rPr lang="en-US" sz="1200" dirty="0" err="1">
                 <a:latin typeface="Menlo" charset="0"/>
               </a:rPr>
               <a:t>jane@tsugi.org,I,Python</a:t>
@@ -23309,7 +22674,7 @@
           <a:p>
             <a:pPr algn="ctr"/>
             <a:r>
-              <a:rPr lang="en-US" dirty="0" smtClean="0">
+              <a:rPr lang="en-US" dirty="0">
                 <a:solidFill>
                   <a:srgbClr val="FFFF00"/>
                 </a:solidFill>
@@ -23317,7 +22682,7 @@
               <a:t>scripts/</a:t>
             </a:r>
             <a:r>
-              <a:rPr lang="en-US" dirty="0" err="1" smtClean="0">
+              <a:rPr lang="en-US" dirty="0" err="1">
                 <a:solidFill>
                   <a:srgbClr val="FFFF00"/>
                 </a:solidFill>
@@ -23375,7 +22740,7 @@
           <a:p>
             <a:pPr algn="ctr"/>
             <a:r>
-              <a:rPr lang="en-US" dirty="0" smtClean="0">
+              <a:rPr lang="en-US" dirty="0">
                 <a:solidFill>
                   <a:srgbClr val="FFFF00"/>
                 </a:solidFill>
@@ -23383,7 +22748,7 @@
               <a:t>many/</a:t>
             </a:r>
             <a:r>
-              <a:rPr lang="en-US" dirty="0" err="1" smtClean="0">
+              <a:rPr lang="en-US" dirty="0" err="1">
                 <a:solidFill>
                   <a:srgbClr val="FFFF00"/>
                 </a:solidFill>
@@ -23435,7 +22800,7 @@
           <a:p>
             <a:pPr algn="ctr"/>
             <a:r>
-              <a:rPr lang="en-US" smtClean="0"/>
+              <a:rPr lang="en-US"/>
               <a:t>db.sqlite</a:t>
             </a:r>
             <a:endParaRPr lang="en-US" dirty="0"/>
@@ -23644,18 +23009,17 @@
           <a:lstStyle/>
           <a:p>
             <a:r>
-              <a:rPr lang="en-US" dirty="0" smtClean="0"/>
+              <a:rPr lang="en-US" dirty="0"/>
               <a:t>Installing </a:t>
             </a:r>
             <a:r>
-              <a:rPr lang="en-US" dirty="0" err="1" smtClean="0"/>
+              <a:rPr lang="en-US" dirty="0" err="1"/>
               <a:t>django</a:t>
             </a:r>
             <a:r>
-              <a:rPr lang="en-US" dirty="0" smtClean="0"/>
+              <a:rPr lang="en-US" dirty="0"/>
               <a:t>-extensions</a:t>
             </a:r>
-            <a:endParaRPr lang="en-US" dirty="0"/>
           </a:p>
         </p:txBody>
       </p:sp>
@@ -23730,7 +23094,7 @@
           <a:lstStyle/>
           <a:p>
             <a:r>
-              <a:rPr lang="en-US" sz="1700" dirty="0" smtClean="0">
+              <a:rPr lang="en-US" sz="1700" dirty="0">
                 <a:solidFill>
                   <a:srgbClr val="00FDFF"/>
                 </a:solidFill>
@@ -23797,18 +23161,10 @@
                 <a:ea typeface="Courier" charset="0"/>
                 <a:cs typeface="Courier" charset="0"/>
               </a:rPr>
-              <a:t>-extensions in /</a:t>
-            </a:r>
-            <a:r>
-              <a:rPr lang="en-US" sz="1700" dirty="0" smtClean="0">
-                <a:latin typeface="Courier" charset="0"/>
-                <a:ea typeface="Courier" charset="0"/>
-                <a:cs typeface="Courier" charset="0"/>
-              </a:rPr>
-              <a:t>Library/Frameworks/</a:t>
-            </a:r>
-            <a:r>
-              <a:rPr lang="en-US" sz="1700" dirty="0" err="1" smtClean="0">
+              <a:t>-extensions in /Library/Frameworks/</a:t>
+            </a:r>
+            <a:r>
+              <a:rPr lang="en-US" sz="1700" dirty="0" err="1">
                 <a:latin typeface="Courier" charset="0"/>
                 <a:ea typeface="Courier" charset="0"/>
                 <a:cs typeface="Courier" charset="0"/>
@@ -23816,18 +23172,13 @@
               <a:t>Python.framework</a:t>
             </a:r>
             <a:r>
-              <a:rPr lang="en-US" sz="1700" dirty="0" smtClean="0">
+              <a:rPr lang="en-US" sz="1700" dirty="0">
                 <a:latin typeface="Courier" charset="0"/>
                 <a:ea typeface="Courier" charset="0"/>
                 <a:cs typeface="Courier" charset="0"/>
               </a:rPr>
               <a:t>/Versions/3.6/lib/python3.6/site-packages</a:t>
             </a:r>
-            <a:endParaRPr lang="en-US" sz="1700" dirty="0">
-              <a:latin typeface="Courier" charset="0"/>
-              <a:ea typeface="Courier" charset="0"/>
-              <a:cs typeface="Courier" charset="0"/>
-            </a:endParaRPr>
           </a:p>
           <a:p>
             <a:r>
@@ -23836,18 +23187,10 @@
                 <a:ea typeface="Courier" charset="0"/>
                 <a:cs typeface="Courier" charset="0"/>
               </a:rPr>
-              <a:t>Requirement already satisfied: six&gt;=1.2 in /</a:t>
-            </a:r>
-            <a:r>
-              <a:rPr lang="en-US" sz="1700" dirty="0" smtClean="0">
-                <a:latin typeface="Courier" charset="0"/>
-                <a:ea typeface="Courier" charset="0"/>
-                <a:cs typeface="Courier" charset="0"/>
-              </a:rPr>
-              <a:t>Library/Frameworks/</a:t>
-            </a:r>
-            <a:r>
-              <a:rPr lang="en-US" sz="1700" dirty="0" err="1" smtClean="0">
+              <a:t>Requirement already satisfied: six&gt;=1.2 in /Library/Frameworks/</a:t>
+            </a:r>
+            <a:r>
+              <a:rPr lang="en-US" sz="1700" dirty="0" err="1">
                 <a:latin typeface="Courier" charset="0"/>
                 <a:ea typeface="Courier" charset="0"/>
                 <a:cs typeface="Courier" charset="0"/>
@@ -23855,22 +23198,17 @@
               <a:t>Python.framework</a:t>
             </a:r>
             <a:r>
-              <a:rPr lang="en-US" sz="1700" dirty="0" smtClean="0">
+              <a:rPr lang="en-US" sz="1700" dirty="0">
                 <a:latin typeface="Courier" charset="0"/>
                 <a:ea typeface="Courier" charset="0"/>
                 <a:cs typeface="Courier" charset="0"/>
               </a:rPr>
               <a:t>/Versions/3.6/lib/python3.6/site-packages</a:t>
             </a:r>
-            <a:endParaRPr lang="en-US" sz="1700" dirty="0">
-              <a:latin typeface="Courier" charset="0"/>
-              <a:ea typeface="Courier" charset="0"/>
-              <a:cs typeface="Courier" charset="0"/>
-            </a:endParaRPr>
-          </a:p>
-          <a:p>
-            <a:r>
-              <a:rPr lang="en-US" sz="1700" dirty="0" smtClean="0">
+          </a:p>
+          <a:p>
+            <a:r>
+              <a:rPr lang="en-US" sz="1700" dirty="0">
                 <a:solidFill>
                   <a:srgbClr val="00FDFF"/>
                 </a:solidFill>
@@ -23880,14 +23218,6 @@
               </a:rPr>
               <a:t>dj4e-samples$ </a:t>
             </a:r>
-            <a:endParaRPr lang="en-US" sz="1700" dirty="0">
-              <a:solidFill>
-                <a:srgbClr val="00FDFF"/>
-              </a:solidFill>
-              <a:latin typeface="Courier" charset="0"/>
-              <a:ea typeface="Courier" charset="0"/>
-              <a:cs typeface="Courier" charset="0"/>
-            </a:endParaRPr>
           </a:p>
         </p:txBody>
       </p:sp>
@@ -23913,12 +23243,8 @@
           <a:lstStyle/>
           <a:p>
             <a:r>
-              <a:rPr lang="en-US" dirty="0" smtClean="0"/>
-              <a:t>Note that this </a:t>
-            </a:r>
-            <a:r>
               <a:rPr lang="en-US" dirty="0"/>
-              <a:t>is installed already in dj4e-samples but for a new project you will need to install it yourself and edit </a:t>
+              <a:t>Note that this is installed already in dj4e-samples but for a new project you will need to install it yourself and edit </a:t>
             </a:r>
             <a:r>
               <a:rPr lang="en-US" b="1" dirty="0" err="1"/>
@@ -24090,23 +23416,6 @@
             </a:r>
           </a:p>
           <a:p>
-            <a:endParaRPr lang="en-US" dirty="0" smtClean="0">
-              <a:latin typeface="Courier" charset="0"/>
-              <a:ea typeface="Courier" charset="0"/>
-              <a:cs typeface="Courier" charset="0"/>
-            </a:endParaRPr>
-          </a:p>
-          <a:p>
-            <a:r>
-              <a:rPr lang="en-US" dirty="0" smtClean="0">
-                <a:latin typeface="Courier" charset="0"/>
-                <a:ea typeface="Courier" charset="0"/>
-                <a:cs typeface="Courier" charset="0"/>
-              </a:rPr>
-              <a:t>[ ... ]</a:t>
-            </a:r>
-          </a:p>
-          <a:p>
             <a:endParaRPr lang="en-US" dirty="0">
               <a:latin typeface="Courier" charset="0"/>
               <a:ea typeface="Courier" charset="0"/>
@@ -24120,32 +23429,10 @@
                 <a:ea typeface="Courier" charset="0"/>
                 <a:cs typeface="Courier" charset="0"/>
               </a:rPr>
-              <a:t>    # </a:t>
-            </a:r>
-            <a:r>
-              <a:rPr lang="en-US" dirty="0" smtClean="0">
-                <a:latin typeface="Courier" charset="0"/>
-                <a:ea typeface="Courier" charset="0"/>
-                <a:cs typeface="Courier" charset="0"/>
-              </a:rPr>
-              <a:t>Extensions </a:t>
-            </a:r>
-            <a:r>
-              <a:rPr lang="en-US" dirty="0">
-                <a:latin typeface="Courier" charset="0"/>
-                <a:ea typeface="Courier" charset="0"/>
-                <a:cs typeface="Courier" charset="0"/>
-              </a:rPr>
-              <a:t>- see </a:t>
-            </a:r>
-            <a:r>
-              <a:rPr lang="en-US" dirty="0" err="1">
-                <a:latin typeface="Courier" charset="0"/>
-                <a:ea typeface="Courier" charset="0"/>
-                <a:cs typeface="Courier" charset="0"/>
-              </a:rPr>
-              <a:t>requirements.txt</a:t>
-            </a:r>
+              <a:t>[ ... ]</a:t>
+            </a:r>
+          </a:p>
+          <a:p>
             <a:endParaRPr lang="en-US" dirty="0">
               <a:latin typeface="Courier" charset="0"/>
               <a:ea typeface="Courier" charset="0"/>
@@ -24155,123 +23442,20 @@
           <a:p>
             <a:r>
               <a:rPr lang="en-US" dirty="0">
-                <a:solidFill>
-                  <a:srgbClr val="FF40FF"/>
-                </a:solidFill>
-                <a:latin typeface="Courier" charset="0"/>
-                <a:ea typeface="Courier" charset="0"/>
-                <a:cs typeface="Courier" charset="0"/>
-              </a:rPr>
-              <a:t>    '</a:t>
+                <a:latin typeface="Courier" charset="0"/>
+                <a:ea typeface="Courier" charset="0"/>
+                <a:cs typeface="Courier" charset="0"/>
+              </a:rPr>
+              <a:t>    # Extensions - see </a:t>
             </a:r>
             <a:r>
               <a:rPr lang="en-US" dirty="0" err="1">
-                <a:solidFill>
-                  <a:srgbClr val="FF40FF"/>
-                </a:solidFill>
-                <a:latin typeface="Courier" charset="0"/>
-                <a:ea typeface="Courier" charset="0"/>
-                <a:cs typeface="Courier" charset="0"/>
-              </a:rPr>
-              <a:t>django_extensions</a:t>
-            </a:r>
-            <a:r>
-              <a:rPr lang="en-US" dirty="0">
-                <a:solidFill>
-                  <a:srgbClr val="FF40FF"/>
-                </a:solidFill>
-                <a:latin typeface="Courier" charset="0"/>
-                <a:ea typeface="Courier" charset="0"/>
-                <a:cs typeface="Courier" charset="0"/>
-              </a:rPr>
-              <a:t>',</a:t>
-            </a:r>
-          </a:p>
-          <a:p>
-            <a:r>
-              <a:rPr lang="en-US" dirty="0">
-                <a:latin typeface="Courier" charset="0"/>
-                <a:ea typeface="Courier" charset="0"/>
-                <a:cs typeface="Courier" charset="0"/>
-              </a:rPr>
-              <a:t>    '</a:t>
-            </a:r>
-            <a:r>
-              <a:rPr lang="en-US" dirty="0" err="1">
-                <a:latin typeface="Courier" charset="0"/>
-                <a:ea typeface="Courier" charset="0"/>
-                <a:cs typeface="Courier" charset="0"/>
-              </a:rPr>
-              <a:t>crispy_forms</a:t>
-            </a:r>
-            <a:r>
-              <a:rPr lang="en-US" dirty="0">
-                <a:latin typeface="Courier" charset="0"/>
-                <a:ea typeface="Courier" charset="0"/>
-                <a:cs typeface="Courier" charset="0"/>
-              </a:rPr>
-              <a:t>',</a:t>
-            </a:r>
-          </a:p>
-          <a:p>
-            <a:endParaRPr lang="en-US" dirty="0" smtClean="0">
-              <a:latin typeface="Courier" charset="0"/>
-              <a:ea typeface="Courier" charset="0"/>
-              <a:cs typeface="Courier" charset="0"/>
-            </a:endParaRPr>
-          </a:p>
-          <a:p>
-            <a:r>
-              <a:rPr lang="en-US" dirty="0">
-                <a:latin typeface="Courier" charset="0"/>
-                <a:ea typeface="Courier" charset="0"/>
-                <a:cs typeface="Courier" charset="0"/>
-              </a:rPr>
-              <a:t>[ ... ]</a:t>
-            </a:r>
-          </a:p>
-          <a:p>
-            <a:endParaRPr lang="en-US" dirty="0" smtClean="0">
-              <a:latin typeface="Courier" charset="0"/>
-              <a:ea typeface="Courier" charset="0"/>
-              <a:cs typeface="Courier" charset="0"/>
-            </a:endParaRPr>
-          </a:p>
-          <a:p>
-            <a:r>
-              <a:rPr lang="en-US" dirty="0" smtClean="0">
-                <a:latin typeface="Courier" charset="0"/>
-                <a:ea typeface="Courier" charset="0"/>
-                <a:cs typeface="Courier" charset="0"/>
-              </a:rPr>
-              <a:t>    </a:t>
-            </a:r>
-            <a:r>
-              <a:rPr lang="en-US" dirty="0">
-                <a:latin typeface="Courier" charset="0"/>
-                <a:ea typeface="Courier" charset="0"/>
-                <a:cs typeface="Courier" charset="0"/>
-              </a:rPr>
-              <a:t>'</a:t>
-            </a:r>
-            <a:r>
-              <a:rPr lang="en-US" dirty="0" err="1">
-                <a:latin typeface="Courier" charset="0"/>
-                <a:ea typeface="Courier" charset="0"/>
-                <a:cs typeface="Courier" charset="0"/>
-              </a:rPr>
-              <a:t>home.apps.HomeConfig</a:t>
-            </a:r>
-            <a:r>
-              <a:rPr lang="en-US" dirty="0">
-                <a:latin typeface="Courier" charset="0"/>
-                <a:ea typeface="Courier" charset="0"/>
-                <a:cs typeface="Courier" charset="0"/>
-              </a:rPr>
-              <a:t>',</a:t>
-            </a:r>
-          </a:p>
-          <a:p>
+                <a:latin typeface="Courier" charset="0"/>
+                <a:ea typeface="Courier" charset="0"/>
+                <a:cs typeface="Courier" charset="0"/>
+              </a:rPr>
+              <a:t>requirements.txt</a:t>
+            </a:r>
             <a:endParaRPr lang="en-US" dirty="0">
               <a:latin typeface="Courier" charset="0"/>
               <a:ea typeface="Courier" charset="0"/>
@@ -24281,16 +23465,41 @@
           <a:p>
             <a:r>
               <a:rPr lang="en-US" dirty="0">
-                <a:latin typeface="Courier" charset="0"/>
-                <a:ea typeface="Courier" charset="0"/>
-                <a:cs typeface="Courier" charset="0"/>
-              </a:rPr>
-              <a:t>    # Sample Applications - don't copy</a:t>
-            </a:r>
-          </a:p>
-          <a:p>
+                <a:solidFill>
+                  <a:srgbClr val="FF40FF"/>
+                </a:solidFill>
+                <a:latin typeface="Courier" charset="0"/>
+                <a:ea typeface="Courier" charset="0"/>
+                <a:cs typeface="Courier" charset="0"/>
+              </a:rPr>
+              <a:t>    '</a:t>
+            </a:r>
+            <a:r>
+              <a:rPr lang="en-US" dirty="0" err="1">
+                <a:solidFill>
+                  <a:srgbClr val="FF40FF"/>
+                </a:solidFill>
+                <a:latin typeface="Courier" charset="0"/>
+                <a:ea typeface="Courier" charset="0"/>
+                <a:cs typeface="Courier" charset="0"/>
+              </a:rPr>
+              <a:t>django_extensions</a:t>
+            </a:r>
             <a:r>
               <a:rPr lang="en-US" dirty="0">
+                <a:solidFill>
+                  <a:srgbClr val="FF40FF"/>
+                </a:solidFill>
+                <a:latin typeface="Courier" charset="0"/>
+                <a:ea typeface="Courier" charset="0"/>
+                <a:cs typeface="Courier" charset="0"/>
+              </a:rPr>
+              <a:t>',</a:t>
+            </a:r>
+          </a:p>
+          <a:p>
+            <a:r>
+              <a:rPr lang="en-US" dirty="0">
                 <a:latin typeface="Courier" charset="0"/>
                 <a:ea typeface="Courier" charset="0"/>
                 <a:cs typeface="Courier" charset="0"/>
@@ -24303,7 +23512,7 @@
                 <a:ea typeface="Courier" charset="0"/>
                 <a:cs typeface="Courier" charset="0"/>
               </a:rPr>
-              <a:t>hello.apps.HelloConfig</a:t>
+              <a:t>crispy_forms</a:t>
             </a:r>
             <a:r>
               <a:rPr lang="en-US" dirty="0">
@@ -24315,104 +23524,176 @@
             </a:r>
           </a:p>
           <a:p>
-            <a:r>
-              <a:rPr lang="en-US" dirty="0">
-                <a:latin typeface="Courier" charset="0"/>
-                <a:ea typeface="Courier" charset="0"/>
-                <a:cs typeface="Courier" charset="0"/>
-              </a:rPr>
-              <a:t>    '</a:t>
-            </a:r>
-            <a:r>
-              <a:rPr lang="en-US" dirty="0" err="1">
-                <a:latin typeface="Courier" charset="0"/>
-                <a:ea typeface="Courier" charset="0"/>
-                <a:cs typeface="Courier" charset="0"/>
-              </a:rPr>
-              <a:t>getpost.apps.GetpostConfig</a:t>
-            </a:r>
-            <a:r>
-              <a:rPr lang="en-US" dirty="0">
-                <a:latin typeface="Courier" charset="0"/>
-                <a:ea typeface="Courier" charset="0"/>
-                <a:cs typeface="Courier" charset="0"/>
-              </a:rPr>
-              <a:t>',</a:t>
-            </a:r>
-          </a:p>
-          <a:p>
-            <a:r>
-              <a:rPr lang="en-US" dirty="0">
-                <a:latin typeface="Courier" charset="0"/>
-                <a:ea typeface="Courier" charset="0"/>
-                <a:cs typeface="Courier" charset="0"/>
-              </a:rPr>
-              <a:t>    '</a:t>
-            </a:r>
-            <a:r>
-              <a:rPr lang="en-US" dirty="0" err="1">
-                <a:latin typeface="Courier" charset="0"/>
-                <a:ea typeface="Courier" charset="0"/>
-                <a:cs typeface="Courier" charset="0"/>
-              </a:rPr>
-              <a:t>users.apps.UsersConfig</a:t>
-            </a:r>
-            <a:r>
-              <a:rPr lang="en-US" dirty="0" smtClean="0">
-                <a:latin typeface="Courier" charset="0"/>
-                <a:ea typeface="Courier" charset="0"/>
-                <a:cs typeface="Courier" charset="0"/>
-              </a:rPr>
-              <a:t>',</a:t>
-            </a:r>
-          </a:p>
-          <a:p>
-            <a:endParaRPr lang="en-US" dirty="0" smtClean="0">
-              <a:latin typeface="Courier" charset="0"/>
-              <a:ea typeface="Courier" charset="0"/>
-              <a:cs typeface="Courier" charset="0"/>
-            </a:endParaRPr>
-          </a:p>
-          <a:p>
-            <a:r>
-              <a:rPr lang="en-US" dirty="0">
-                <a:latin typeface="Courier" charset="0"/>
-                <a:ea typeface="Courier" charset="0"/>
-                <a:cs typeface="Courier" charset="0"/>
-              </a:rPr>
-              <a:t>[ </a:t>
-            </a:r>
-            <a:r>
-              <a:rPr lang="en-US" dirty="0" smtClean="0">
-                <a:latin typeface="Courier" charset="0"/>
-                <a:ea typeface="Courier" charset="0"/>
-                <a:cs typeface="Courier" charset="0"/>
-              </a:rPr>
-              <a:t>... </a:t>
-            </a:r>
-            <a:r>
-              <a:rPr lang="en-US" dirty="0">
-                <a:latin typeface="Courier" charset="0"/>
-                <a:ea typeface="Courier" charset="0"/>
-                <a:cs typeface="Courier" charset="0"/>
-              </a:rPr>
-              <a:t>]</a:t>
-            </a:r>
-          </a:p>
-          <a:p>
-            <a:r>
-              <a:rPr lang="en-US" dirty="0" smtClean="0">
-                <a:latin typeface="Courier" charset="0"/>
-                <a:ea typeface="Courier" charset="0"/>
-                <a:cs typeface="Courier" charset="0"/>
-              </a:rPr>
-              <a:t>]</a:t>
-            </a:r>
             <a:endParaRPr lang="en-US" dirty="0">
               <a:latin typeface="Courier" charset="0"/>
               <a:ea typeface="Courier" charset="0"/>
               <a:cs typeface="Courier" charset="0"/>
             </a:endParaRPr>
+          </a:p>
+          <a:p>
+            <a:r>
+              <a:rPr lang="en-US" dirty="0">
+                <a:latin typeface="Courier" charset="0"/>
+                <a:ea typeface="Courier" charset="0"/>
+                <a:cs typeface="Courier" charset="0"/>
+              </a:rPr>
+              <a:t>[ ... ]</a:t>
+            </a:r>
+          </a:p>
+          <a:p>
+            <a:endParaRPr lang="en-US" dirty="0">
+              <a:latin typeface="Courier" charset="0"/>
+              <a:ea typeface="Courier" charset="0"/>
+              <a:cs typeface="Courier" charset="0"/>
+            </a:endParaRPr>
+          </a:p>
+          <a:p>
+            <a:r>
+              <a:rPr lang="en-US" dirty="0">
+                <a:latin typeface="Courier" charset="0"/>
+                <a:ea typeface="Courier" charset="0"/>
+                <a:cs typeface="Courier" charset="0"/>
+              </a:rPr>
+              <a:t>    '</a:t>
+            </a:r>
+            <a:r>
+              <a:rPr lang="en-US" dirty="0" err="1">
+                <a:latin typeface="Courier" charset="0"/>
+                <a:ea typeface="Courier" charset="0"/>
+                <a:cs typeface="Courier" charset="0"/>
+              </a:rPr>
+              <a:t>home.apps.HomeConfig</a:t>
+            </a:r>
+            <a:r>
+              <a:rPr lang="en-US" dirty="0">
+                <a:latin typeface="Courier" charset="0"/>
+                <a:ea typeface="Courier" charset="0"/>
+                <a:cs typeface="Courier" charset="0"/>
+              </a:rPr>
+              <a:t>',</a:t>
+            </a:r>
+          </a:p>
+          <a:p>
+            <a:endParaRPr lang="en-US" dirty="0">
+              <a:latin typeface="Courier" charset="0"/>
+              <a:ea typeface="Courier" charset="0"/>
+              <a:cs typeface="Courier" charset="0"/>
+            </a:endParaRPr>
+          </a:p>
+          <a:p>
+            <a:r>
+              <a:rPr lang="en-US" dirty="0">
+                <a:latin typeface="Courier" charset="0"/>
+                <a:ea typeface="Courier" charset="0"/>
+                <a:cs typeface="Courier" charset="0"/>
+              </a:rPr>
+              <a:t>    # Sample Applications - don't copy</a:t>
+            </a:r>
+          </a:p>
+          <a:p>
+            <a:r>
+              <a:rPr lang="en-US" dirty="0">
+                <a:latin typeface="Courier" charset="0"/>
+                <a:ea typeface="Courier" charset="0"/>
+                <a:cs typeface="Courier" charset="0"/>
+              </a:rPr>
+              <a:t>    '</a:t>
+            </a:r>
+            <a:r>
+              <a:rPr lang="en-US" dirty="0" err="1">
+                <a:latin typeface="Courier" charset="0"/>
+                <a:ea typeface="Courier" charset="0"/>
+                <a:cs typeface="Courier" charset="0"/>
+              </a:rPr>
+              <a:t>hello.apps.HelloConfig</a:t>
+            </a:r>
+            <a:r>
+              <a:rPr lang="en-US" dirty="0">
+                <a:latin typeface="Courier" charset="0"/>
+                <a:ea typeface="Courier" charset="0"/>
+                <a:cs typeface="Courier" charset="0"/>
+              </a:rPr>
+              <a:t>',</a:t>
+            </a:r>
+          </a:p>
+          <a:p>
+            <a:r>
+              <a:rPr lang="en-US" dirty="0">
+                <a:latin typeface="Courier" charset="0"/>
+                <a:ea typeface="Courier" charset="0"/>
+                <a:cs typeface="Courier" charset="0"/>
+              </a:rPr>
+              <a:t>    '</a:t>
+            </a:r>
+            <a:r>
+              <a:rPr lang="en-US" dirty="0" err="1">
+                <a:latin typeface="Courier" charset="0"/>
+                <a:ea typeface="Courier" charset="0"/>
+                <a:cs typeface="Courier" charset="0"/>
+              </a:rPr>
+              <a:t>getpost.apps.GetpostConfig</a:t>
+            </a:r>
+            <a:r>
+              <a:rPr lang="en-US" dirty="0">
+                <a:latin typeface="Courier" charset="0"/>
+                <a:ea typeface="Courier" charset="0"/>
+                <a:cs typeface="Courier" charset="0"/>
+              </a:rPr>
+              <a:t>',</a:t>
+            </a:r>
+          </a:p>
+          <a:p>
+            <a:r>
+              <a:rPr lang="en-US" dirty="0">
+                <a:latin typeface="Courier" charset="0"/>
+                <a:ea typeface="Courier" charset="0"/>
+                <a:cs typeface="Courier" charset="0"/>
+              </a:rPr>
+              <a:t>    '</a:t>
+            </a:r>
+            <a:r>
+              <a:rPr lang="en-US" dirty="0" err="1">
+                <a:latin typeface="Courier" charset="0"/>
+                <a:ea typeface="Courier" charset="0"/>
+                <a:cs typeface="Courier" charset="0"/>
+              </a:rPr>
+              <a:t>users.apps.UsersConfig</a:t>
+            </a:r>
+            <a:r>
+              <a:rPr lang="en-US" dirty="0">
+                <a:latin typeface="Courier" charset="0"/>
+                <a:ea typeface="Courier" charset="0"/>
+                <a:cs typeface="Courier" charset="0"/>
+              </a:rPr>
+              <a:t>',</a:t>
+            </a:r>
+          </a:p>
+          <a:p>
+            <a:endParaRPr lang="en-US" dirty="0">
+              <a:latin typeface="Courier" charset="0"/>
+              <a:ea typeface="Courier" charset="0"/>
+              <a:cs typeface="Courier" charset="0"/>
+            </a:endParaRPr>
+          </a:p>
+          <a:p>
+            <a:r>
+              <a:rPr lang="en-US" dirty="0">
+                <a:latin typeface="Courier" charset="0"/>
+                <a:ea typeface="Courier" charset="0"/>
+                <a:cs typeface="Courier" charset="0"/>
+              </a:rPr>
+              <a:t>[ ... ]</a:t>
+            </a:r>
+          </a:p>
+          <a:p>
+            <a:r>
+              <a:rPr lang="en-US" dirty="0">
+                <a:latin typeface="Courier" charset="0"/>
+                <a:ea typeface="Courier" charset="0"/>
+                <a:cs typeface="Courier" charset="0"/>
+              </a:rPr>
+              <a:t>]</a:t>
+            </a:r>
           </a:p>
         </p:txBody>
       </p:sp>
@@ -24439,10 +23720,9 @@
           <a:lstStyle/>
           <a:p>
             <a:r>
-              <a:rPr lang="en-US" dirty="0" smtClean="0"/>
+              <a:rPr lang="en-US" dirty="0"/>
               <a:t>Include Extensions in Project Settings</a:t>
             </a:r>
-            <a:endParaRPr lang="en-US" dirty="0"/>
           </a:p>
         </p:txBody>
       </p:sp>
@@ -24492,10 +23772,9 @@
           <a:lstStyle/>
           <a:p>
             <a:r>
-              <a:rPr lang="en-US" dirty="0" smtClean="0"/>
+              <a:rPr lang="en-US" dirty="0"/>
               <a:t>Make a scripts folder</a:t>
             </a:r>
-            <a:endParaRPr lang="en-US" dirty="0"/>
           </a:p>
         </p:txBody>
       </p:sp>
@@ -24521,7 +23800,7 @@
           <a:lstStyle/>
           <a:p>
             <a:r>
-              <a:rPr lang="en-US" dirty="0" smtClean="0">
+              <a:rPr lang="en-US" dirty="0">
                 <a:solidFill>
                   <a:srgbClr val="00FDFF"/>
                 </a:solidFill>
@@ -24559,13 +23838,22 @@
               <a:t>dj4e-samples$ </a:t>
             </a:r>
             <a:r>
-              <a:rPr lang="en-US" dirty="0" smtClean="0">
+              <a:rPr lang="en-US" dirty="0">
                 <a:solidFill>
                   <a:srgbClr val="FFFF00"/>
                 </a:solidFill>
                 <a:latin typeface="Menlo-Regular" charset="0"/>
               </a:rPr>
-              <a:t>touch </a:t>
+              <a:t>touch scripts/__</a:t>
+            </a:r>
+            <a:r>
+              <a:rPr lang="en-US" dirty="0" err="1">
+                <a:solidFill>
+                  <a:srgbClr val="FFFF00"/>
+                </a:solidFill>
+                <a:latin typeface="Menlo-Regular" charset="0"/>
+              </a:rPr>
+              <a:t>init</a:t>
             </a:r>
             <a:r>
               <a:rPr lang="en-US" dirty="0">
@@ -24574,28 +23862,10 @@
                 </a:solidFill>
                 <a:latin typeface="Menlo-Regular" charset="0"/>
               </a:rPr>
-              <a:t>scripts/__</a:t>
+              <a:t>__.</a:t>
             </a:r>
             <a:r>
               <a:rPr lang="en-US" dirty="0" err="1">
-                <a:solidFill>
-                  <a:srgbClr val="FFFF00"/>
-                </a:solidFill>
-                <a:latin typeface="Menlo-Regular" charset="0"/>
-              </a:rPr>
-              <a:t>init</a:t>
-            </a:r>
-            <a:r>
-              <a:rPr lang="en-US" dirty="0">
-                <a:solidFill>
-                  <a:srgbClr val="FFFF00"/>
-                </a:solidFill>
-                <a:latin typeface="Menlo-Regular" charset="0"/>
-              </a:rPr>
-              <a:t>__.</a:t>
-            </a:r>
-            <a:r>
-              <a:rPr lang="en-US" dirty="0" err="1" smtClean="0">
                 <a:solidFill>
                   <a:srgbClr val="FFFF00"/>
                 </a:solidFill>
@@ -24700,7 +23970,7 @@
           <a:lstStyle/>
           <a:p>
             <a:r>
-              <a:rPr lang="en-US" dirty="0" smtClean="0">
+              <a:rPr lang="en-US" dirty="0">
                 <a:latin typeface="Courier" charset="0"/>
                 <a:ea typeface="Courier" charset="0"/>
                 <a:cs typeface="Courier" charset="0"/>
@@ -24708,7 +23978,7 @@
               <a:t>We place empty </a:t>
             </a:r>
             <a:r>
-              <a:rPr lang="en-US" dirty="0" smtClean="0">
+              <a:rPr lang="en-US" dirty="0">
                 <a:solidFill>
                   <a:srgbClr val="FFFF00"/>
                 </a:solidFill>
@@ -24719,7 +23989,7 @@
               <a:t>__</a:t>
             </a:r>
             <a:r>
-              <a:rPr lang="en-US" dirty="0" err="1" smtClean="0">
+              <a:rPr lang="en-US" dirty="0" err="1">
                 <a:solidFill>
                   <a:srgbClr val="FFFF00"/>
                 </a:solidFill>
@@ -24730,7 +24000,7 @@
               <a:t>init</a:t>
             </a:r>
             <a:r>
-              <a:rPr lang="en-US" dirty="0" smtClean="0">
+              <a:rPr lang="en-US" dirty="0">
                 <a:solidFill>
                   <a:srgbClr val="FFFF00"/>
                 </a:solidFill>
@@ -24741,7 +24011,7 @@
               <a:t>__.</a:t>
             </a:r>
             <a:r>
-              <a:rPr lang="en-US" dirty="0" err="1" smtClean="0">
+              <a:rPr lang="en-US" dirty="0" err="1">
                 <a:solidFill>
                   <a:srgbClr val="FFFF00"/>
                 </a:solidFill>
@@ -24752,7 +24022,7 @@
               <a:t>py</a:t>
             </a:r>
             <a:r>
-              <a:rPr lang="en-US" dirty="0" smtClean="0">
+              <a:rPr lang="en-US" dirty="0">
                 <a:solidFill>
                   <a:srgbClr val="FFFF00"/>
                 </a:solidFill>
@@ -24763,18 +24033,13 @@
               <a:t> </a:t>
             </a:r>
             <a:r>
-              <a:rPr lang="en-US" dirty="0" smtClean="0">
+              <a:rPr lang="en-US" dirty="0">
                 <a:latin typeface="Courier" charset="0"/>
                 <a:ea typeface="Courier" charset="0"/>
                 <a:cs typeface="Courier" charset="0"/>
               </a:rPr>
               <a:t>files in folders to indicate to Python that they contain files that hold modules and as such are suitable for importing into a Python application.</a:t>
             </a:r>
-            <a:endParaRPr lang="en-US" dirty="0">
-              <a:latin typeface="Courier" charset="0"/>
-              <a:ea typeface="Courier" charset="0"/>
-              <a:cs typeface="Courier" charset="0"/>
-            </a:endParaRPr>
           </a:p>
         </p:txBody>
       </p:sp>
@@ -24824,10 +24089,9 @@
           <a:lstStyle/>
           <a:p>
             <a:r>
-              <a:rPr lang="en-US" dirty="0" smtClean="0"/>
+              <a:rPr lang="en-US" dirty="0"/>
               <a:t>The Data File</a:t>
             </a:r>
-            <a:endParaRPr lang="en-US" dirty="0"/>
           </a:p>
         </p:txBody>
       </p:sp>
@@ -24853,7 +24117,7 @@
           <a:lstStyle/>
           <a:p>
             <a:r>
-              <a:rPr lang="en-US" sz="2000" dirty="0" smtClean="0">
+              <a:rPr lang="en-US" sz="2000" dirty="0">
                 <a:solidFill>
                   <a:srgbClr val="00FDFF"/>
                 </a:solidFill>
@@ -24965,7 +24229,7 @@
           </a:p>
           <a:p>
             <a:r>
-              <a:rPr lang="en-US" sz="2000" dirty="0" smtClean="0">
+              <a:rPr lang="en-US" sz="2000" dirty="0">
                 <a:solidFill>
                   <a:srgbClr val="00FDFF"/>
                 </a:solidFill>
@@ -26043,7 +25307,7 @@
           <a:lstStyle/>
           <a:p>
             <a:r>
-              <a:rPr lang="en-US" dirty="0" smtClean="0">
+              <a:rPr lang="en-US" dirty="0">
                 <a:solidFill>
                   <a:srgbClr val="FFFF00"/>
                 </a:solidFill>
@@ -26051,7 +25315,7 @@
               <a:t>scripts/</a:t>
             </a:r>
             <a:r>
-              <a:rPr lang="en-US" dirty="0" err="1" smtClean="0">
+              <a:rPr lang="en-US" dirty="0" err="1">
                 <a:solidFill>
                   <a:srgbClr val="FFFF00"/>
                 </a:solidFill>
@@ -26119,10 +25383,9 @@
           <a:lstStyle/>
           <a:p>
             <a:r>
-              <a:rPr lang="en-US" dirty="0" smtClean="0"/>
+              <a:rPr lang="en-US" dirty="0"/>
               <a:t>Many-to-Many</a:t>
             </a:r>
-            <a:endParaRPr lang="en-US" dirty="0"/>
           </a:p>
         </p:txBody>
       </p:sp>
@@ -26234,18 +25497,13 @@
           <a:lstStyle/>
           <a:p>
             <a:r>
-              <a:rPr lang="en-US" dirty="0" smtClean="0">
+              <a:rPr lang="en-US" dirty="0">
                 <a:solidFill>
                   <a:srgbClr val="FFFF00"/>
                 </a:solidFill>
               </a:rPr>
               <a:t>"The relationships between Book / Genre and Book / Author are many-to-many"</a:t>
             </a:r>
-            <a:endParaRPr lang="en-US" dirty="0">
-              <a:solidFill>
-                <a:srgbClr val="FFFF00"/>
-              </a:solidFill>
-            </a:endParaRPr>
           </a:p>
         </p:txBody>
       </p:sp>
@@ -26333,21 +25591,6 @@
   <p:clrMapOvr>
     <a:masterClrMapping/>
   </p:clrMapOvr>
-  <mc:AlternateContent xmlns:mc="http://schemas.openxmlformats.org/markup-compatibility/2006" xmlns:p14="http://schemas.microsoft.com/office/powerpoint/2010/main">
-    <mc:Choice Requires="p14">
-      <p:transition spd="slow" p14:dur="2000"/>
-    </mc:Choice>
-    <mc:Fallback xmlns="">
-      <p:transition spd="slow"/>
-    </mc:Fallback>
-  </mc:AlternateContent>
-  <p:timing>
-    <p:tnLst>
-      <p:par>
-        <p:cTn id="1" dur="indefinite" restart="never" nodeType="tmRoot"/>
-      </p:par>
-    </p:tnLst>
-  </p:timing>
 </p:sld>
 </file>
 
@@ -26469,10 +25712,10 @@
                 <a:ea typeface="Courier" charset="0"/>
                 <a:cs typeface="Courier" charset="0"/>
               </a:rPr>
-              <a:t> </a:t>
-            </a:r>
-            <a:r>
-              <a:rPr lang="en-US" sz="1400" b="1" dirty="0" smtClean="0">
+              <a:t>    person = </a:t>
+            </a:r>
+            <a:r>
+              <a:rPr lang="en-US" sz="1400" b="1" dirty="0" err="1">
                 <a:solidFill>
                   <a:srgbClr val="000000"/>
                 </a:solidFill>
@@ -26480,7 +25723,7 @@
                 <a:ea typeface="Courier" charset="0"/>
                 <a:cs typeface="Courier" charset="0"/>
               </a:rPr>
-              <a:t>   person </a:t>
+              <a:t>models.ForeignKey</a:t>
             </a:r>
             <a:r>
               <a:rPr lang="en-US" sz="1400" b="1" dirty="0">
@@ -26491,7 +25734,7 @@
                 <a:ea typeface="Courier" charset="0"/>
                 <a:cs typeface="Courier" charset="0"/>
               </a:rPr>
-              <a:t>= </a:t>
+              <a:t>(Person, </a:t>
             </a:r>
             <a:r>
               <a:rPr lang="en-US" sz="1400" b="1" dirty="0" err="1">
@@ -26502,6 +25745,63 @@
                 <a:ea typeface="Courier" charset="0"/>
                 <a:cs typeface="Courier" charset="0"/>
               </a:rPr>
+              <a:t>on_delete</a:t>
+            </a:r>
+            <a:r>
+              <a:rPr lang="en-US" sz="1400" b="1" dirty="0">
+                <a:solidFill>
+                  <a:srgbClr val="000000"/>
+                </a:solidFill>
+                <a:latin typeface="Courier" charset="0"/>
+                <a:ea typeface="Courier" charset="0"/>
+                <a:cs typeface="Courier" charset="0"/>
+              </a:rPr>
+              <a:t>=</a:t>
+            </a:r>
+            <a:r>
+              <a:rPr lang="en-US" sz="1400" b="1" dirty="0" err="1">
+                <a:solidFill>
+                  <a:srgbClr val="000000"/>
+                </a:solidFill>
+                <a:latin typeface="Courier" charset="0"/>
+                <a:ea typeface="Courier" charset="0"/>
+                <a:cs typeface="Courier" charset="0"/>
+              </a:rPr>
+              <a:t>models.CASCADE</a:t>
+            </a:r>
+            <a:r>
+              <a:rPr lang="en-US" sz="1400" b="1" dirty="0">
+                <a:solidFill>
+                  <a:srgbClr val="000000"/>
+                </a:solidFill>
+                <a:latin typeface="Courier" charset="0"/>
+                <a:ea typeface="Courier" charset="0"/>
+                <a:cs typeface="Courier" charset="0"/>
+              </a:rPr>
+              <a:t>)</a:t>
+            </a:r>
+          </a:p>
+          <a:p>
+            <a:r>
+              <a:rPr lang="en-US" sz="1400" b="1" dirty="0">
+                <a:solidFill>
+                  <a:srgbClr val="000000"/>
+                </a:solidFill>
+                <a:latin typeface="Courier" charset="0"/>
+                <a:ea typeface="Courier" charset="0"/>
+                <a:cs typeface="Courier" charset="0"/>
+              </a:rPr>
+              <a:t>    course = </a:t>
+            </a:r>
+            <a:r>
+              <a:rPr lang="en-US" sz="1400" b="1" dirty="0" err="1">
+                <a:solidFill>
+                  <a:srgbClr val="000000"/>
+                </a:solidFill>
+                <a:latin typeface="Courier" charset="0"/>
+                <a:ea typeface="Courier" charset="0"/>
+                <a:cs typeface="Courier" charset="0"/>
+              </a:rPr>
               <a:t>models.ForeignKey</a:t>
             </a:r>
             <a:r>
@@ -26513,7 +25813,7 @@
                 <a:ea typeface="Courier" charset="0"/>
                 <a:cs typeface="Courier" charset="0"/>
               </a:rPr>
-              <a:t>(Person, </a:t>
+              <a:t>(Course, </a:t>
             </a:r>
             <a:r>
               <a:rPr lang="en-US" sz="1400" b="1" dirty="0" err="1">
@@ -26558,138 +25858,6 @@
                 <a:cs typeface="Courier" charset="0"/>
               </a:rPr>
               <a:t>)</a:t>
-            </a:r>
-          </a:p>
-          <a:p>
-            <a:r>
-              <a:rPr lang="en-US" sz="1400" b="1" dirty="0">
-                <a:solidFill>
-                  <a:srgbClr val="000000"/>
-                </a:solidFill>
-                <a:latin typeface="Courier" charset="0"/>
-                <a:ea typeface="Courier" charset="0"/>
-                <a:cs typeface="Courier" charset="0"/>
-              </a:rPr>
-              <a:t>    course = </a:t>
-            </a:r>
-            <a:r>
-              <a:rPr lang="en-US" sz="1400" b="1" dirty="0" err="1">
-                <a:solidFill>
-                  <a:srgbClr val="000000"/>
-                </a:solidFill>
-                <a:latin typeface="Courier" charset="0"/>
-                <a:ea typeface="Courier" charset="0"/>
-                <a:cs typeface="Courier" charset="0"/>
-              </a:rPr>
-              <a:t>models.ForeignKey</a:t>
-            </a:r>
-            <a:r>
-              <a:rPr lang="en-US" sz="1400" b="1" dirty="0">
-                <a:solidFill>
-                  <a:srgbClr val="000000"/>
-                </a:solidFill>
-                <a:latin typeface="Courier" charset="0"/>
-                <a:ea typeface="Courier" charset="0"/>
-                <a:cs typeface="Courier" charset="0"/>
-              </a:rPr>
-              <a:t>(Course, </a:t>
-            </a:r>
-            <a:r>
-              <a:rPr lang="en-US" sz="1400" b="1" dirty="0" err="1">
-                <a:solidFill>
-                  <a:srgbClr val="000000"/>
-                </a:solidFill>
-                <a:latin typeface="Courier" charset="0"/>
-                <a:ea typeface="Courier" charset="0"/>
-                <a:cs typeface="Courier" charset="0"/>
-              </a:rPr>
-              <a:t>on_delete</a:t>
-            </a:r>
-            <a:r>
-              <a:rPr lang="en-US" sz="1400" b="1" dirty="0">
-                <a:solidFill>
-                  <a:srgbClr val="000000"/>
-                </a:solidFill>
-                <a:latin typeface="Courier" charset="0"/>
-                <a:ea typeface="Courier" charset="0"/>
-                <a:cs typeface="Courier" charset="0"/>
-              </a:rPr>
-              <a:t>=</a:t>
-            </a:r>
-            <a:r>
-              <a:rPr lang="en-US" sz="1400" b="1" dirty="0" err="1">
-                <a:solidFill>
-                  <a:srgbClr val="000000"/>
-                </a:solidFill>
-                <a:latin typeface="Courier" charset="0"/>
-                <a:ea typeface="Courier" charset="0"/>
-                <a:cs typeface="Courier" charset="0"/>
-              </a:rPr>
-              <a:t>models.CASCADE</a:t>
-            </a:r>
-            <a:r>
-              <a:rPr lang="en-US" sz="1400" b="1" dirty="0" smtClean="0">
-                <a:solidFill>
-                  <a:srgbClr val="000000"/>
-                </a:solidFill>
-                <a:latin typeface="Courier" charset="0"/>
-                <a:ea typeface="Courier" charset="0"/>
-                <a:cs typeface="Courier" charset="0"/>
-              </a:rPr>
-              <a:t>)</a:t>
-            </a:r>
-            <a:endParaRPr lang="de-DE" sz="1400" b="1" dirty="0" smtClean="0">
-              <a:solidFill>
-                <a:srgbClr val="000000"/>
-              </a:solidFill>
-              <a:latin typeface="Courier" charset="0"/>
-              <a:ea typeface="Courier" charset="0"/>
-              <a:cs typeface="Courier" charset="0"/>
-            </a:endParaRPr>
-          </a:p>
-          <a:p>
-            <a:endParaRPr lang="de-DE" sz="1400" b="1" dirty="0" smtClean="0">
-              <a:solidFill>
-                <a:srgbClr val="000000"/>
-              </a:solidFill>
-              <a:latin typeface="Courier" charset="0"/>
-              <a:ea typeface="Courier" charset="0"/>
-              <a:cs typeface="Courier" charset="0"/>
-            </a:endParaRPr>
-          </a:p>
-          <a:p>
-            <a:r>
-              <a:rPr lang="de-DE" sz="1400" b="1" dirty="0" smtClean="0">
-                <a:solidFill>
-                  <a:srgbClr val="000000"/>
-                </a:solidFill>
-                <a:latin typeface="Courier" charset="0"/>
-                <a:ea typeface="Courier" charset="0"/>
-                <a:cs typeface="Courier" charset="0"/>
-              </a:rPr>
-              <a:t>    </a:t>
-            </a:r>
-            <a:r>
-              <a:rPr lang="de-DE" sz="1400" b="1" dirty="0">
-                <a:solidFill>
-                  <a:srgbClr val="000000"/>
-                </a:solidFill>
-                <a:latin typeface="Courier" charset="0"/>
-                <a:ea typeface="Courier" charset="0"/>
-                <a:cs typeface="Courier" charset="0"/>
-              </a:rPr>
-              <a:t>LEARNER = </a:t>
-            </a:r>
-            <a:r>
-              <a:rPr lang="de-DE" sz="1400" b="1" dirty="0">
-                <a:solidFill>
-                  <a:srgbClr val="B42419"/>
-                </a:solidFill>
-                <a:latin typeface="Courier" charset="0"/>
-                <a:ea typeface="Courier" charset="0"/>
-                <a:cs typeface="Courier" charset="0"/>
-              </a:rPr>
-              <a:t>1</a:t>
             </a:r>
             <a:endParaRPr lang="de-DE" sz="1400" b="1" dirty="0">
               <a:solidFill>
@@ -26701,6 +25869,48 @@
             </a:endParaRPr>
           </a:p>
           <a:p>
+            <a:endParaRPr lang="de-DE" sz="1400" b="1" dirty="0">
+              <a:solidFill>
+                <a:srgbClr val="000000"/>
+              </a:solidFill>
+              <a:latin typeface="Courier" charset="0"/>
+              <a:ea typeface="Courier" charset="0"/>
+              <a:cs typeface="Courier" charset="0"/>
+            </a:endParaRPr>
+          </a:p>
+          <a:p>
+            <a:r>
+              <a:rPr lang="de-DE" sz="1400" b="1" dirty="0">
+                <a:solidFill>
+                  <a:srgbClr val="000000"/>
+                </a:solidFill>
+                <a:latin typeface="Courier" charset="0"/>
+                <a:ea typeface="Courier" charset="0"/>
+                <a:cs typeface="Courier" charset="0"/>
+              </a:rPr>
+              <a:t>    LEARNER = </a:t>
+            </a:r>
+            <a:r>
+              <a:rPr lang="de-DE" sz="1400" b="1" dirty="0">
+                <a:solidFill>
+                  <a:srgbClr val="B42419"/>
+                </a:solidFill>
+                <a:latin typeface="Courier" charset="0"/>
+                <a:ea typeface="Courier" charset="0"/>
+                <a:cs typeface="Courier" charset="0"/>
+              </a:rPr>
+              <a:t>1</a:t>
+            </a:r>
+            <a:endParaRPr lang="de-DE" sz="1400" b="1" dirty="0">
+              <a:solidFill>
+                <a:srgbClr val="000000"/>
+              </a:solidFill>
+              <a:latin typeface="Courier" charset="0"/>
+              <a:ea typeface="Courier" charset="0"/>
+              <a:cs typeface="Courier" charset="0"/>
+            </a:endParaRPr>
+          </a:p>
+          <a:p>
             <a:r>
               <a:rPr lang="mr-IN" sz="1400" b="1" dirty="0">
                 <a:solidFill>
@@ -27252,20 +26462,9 @@
                 <a:ea typeface="Courier" charset="0"/>
                 <a:cs typeface="Courier" charset="0"/>
               </a:rPr>
-              <a:t>    </a:t>
-            </a:r>
-            <a:r>
-              <a:rPr lang="mr-IN" sz="1400" b="1" dirty="0" smtClean="0">
-                <a:solidFill>
-                  <a:srgbClr val="000000"/>
-                </a:solidFill>
-                <a:latin typeface="Courier" charset="0"/>
-                <a:ea typeface="Courier" charset="0"/>
-                <a:cs typeface="Courier" charset="0"/>
-              </a:rPr>
-              <a:t>)</a:t>
-            </a:r>
-            <a:endParaRPr lang="en-US" sz="1400" b="1" dirty="0" smtClean="0">
+              <a:t>    )</a:t>
+            </a:r>
+            <a:endParaRPr lang="en-US" sz="1400" b="1" dirty="0">
               <a:solidFill>
                 <a:srgbClr val="000000"/>
               </a:solidFill>
@@ -27547,13 +26746,6 @@
   <p:clrMapOvr>
     <a:masterClrMapping/>
   </p:clrMapOvr>
-  <p:timing>
-    <p:tnLst>
-      <p:par>
-        <p:cTn id="1" dur="indefinite" restart="never" nodeType="tmRoot"/>
-      </p:par>
-    </p:tnLst>
-  </p:timing>
 </p:sld>
 </file>
 
@@ -27596,7 +26788,7 @@
           <a:lstStyle/>
           <a:p>
             <a:r>
-              <a:rPr lang="en-US" dirty="0" smtClean="0">
+              <a:rPr lang="en-US" dirty="0">
                 <a:solidFill>
                   <a:srgbClr val="00FDFF"/>
                 </a:solidFill>
@@ -27865,7 +27057,7 @@
           </a:p>
           <a:p>
             <a:r>
-              <a:rPr lang="en-US" dirty="0" smtClean="0">
+              <a:rPr lang="en-US" dirty="0">
                 <a:solidFill>
                   <a:srgbClr val="00FDFF"/>
                 </a:solidFill>
@@ -27912,7 +27104,7 @@
           <a:lstStyle/>
           <a:p>
             <a:r>
-              <a:rPr lang="en-US" sz="1700" smtClean="0">
+              <a:rPr lang="en-US" sz="1700">
                 <a:solidFill>
                   <a:srgbClr val="C1651C"/>
                 </a:solidFill>
@@ -27923,7 +27115,7 @@
               <a:t>for</a:t>
             </a:r>
             <a:r>
-              <a:rPr lang="en-US" sz="1700" smtClean="0">
+              <a:rPr lang="en-US" sz="1700">
                 <a:solidFill>
                   <a:srgbClr val="000000"/>
                 </a:solidFill>
@@ -28575,33 +27767,17 @@
                 <a:ea typeface="Courier" charset="0"/>
                 <a:cs typeface="Courier" charset="0"/>
               </a:rPr>
-              <a:t>', 'name': None</a:t>
-            </a:r>
-            <a:r>
-              <a:rPr lang="en-US" sz="1600" dirty="0" smtClean="0">
-                <a:latin typeface="Courier" charset="0"/>
-                <a:ea typeface="Courier" charset="0"/>
-                <a:cs typeface="Courier" charset="0"/>
-              </a:rPr>
-              <a:t>},</a:t>
-            </a:r>
-          </a:p>
-          <a:p>
-            <a:r>
-              <a:rPr lang="en-US" sz="1600" dirty="0" smtClean="0">
-                <a:latin typeface="Courier" charset="0"/>
-                <a:ea typeface="Courier" charset="0"/>
-                <a:cs typeface="Courier" charset="0"/>
-              </a:rPr>
-              <a:t> </a:t>
-            </a:r>
+              <a:t>', 'name': None},</a:t>
+            </a:r>
+          </a:p>
+          <a:p>
             <a:r>
               <a:rPr lang="en-US" sz="1600" dirty="0">
                 <a:latin typeface="Courier" charset="0"/>
                 <a:ea typeface="Courier" charset="0"/>
                 <a:cs typeface="Courier" charset="0"/>
               </a:rPr>
-              <a:t>{'id': 2, 'email': '</a:t>
+              <a:t> {'id': 2, 'email': '</a:t>
             </a:r>
             <a:r>
               <a:rPr lang="en-US" sz="1600" dirty="0" err="1">
@@ -28617,33 +27793,17 @@
                 <a:ea typeface="Courier" charset="0"/>
                 <a:cs typeface="Courier" charset="0"/>
               </a:rPr>
-              <a:t>', 'name': None</a:t>
-            </a:r>
-            <a:r>
-              <a:rPr lang="en-US" sz="1600" dirty="0" smtClean="0">
-                <a:latin typeface="Courier" charset="0"/>
-                <a:ea typeface="Courier" charset="0"/>
-                <a:cs typeface="Courier" charset="0"/>
-              </a:rPr>
-              <a:t>},</a:t>
-            </a:r>
-          </a:p>
-          <a:p>
-            <a:r>
-              <a:rPr lang="en-US" sz="1600" dirty="0" smtClean="0">
-                <a:latin typeface="Courier" charset="0"/>
-                <a:ea typeface="Courier" charset="0"/>
-                <a:cs typeface="Courier" charset="0"/>
-              </a:rPr>
-              <a:t> </a:t>
-            </a:r>
+              <a:t>', 'name': None},</a:t>
+            </a:r>
+          </a:p>
+          <a:p>
             <a:r>
               <a:rPr lang="en-US" sz="1600" dirty="0">
                 <a:latin typeface="Courier" charset="0"/>
                 <a:ea typeface="Courier" charset="0"/>
                 <a:cs typeface="Courier" charset="0"/>
               </a:rPr>
-              <a:t>{'id': 3, 'email': '</a:t>
+              <a:t> {'id': 3, 'email': '</a:t>
             </a:r>
             <a:r>
               <a:rPr lang="en-US" sz="1600" dirty="0" err="1">
@@ -28869,14 +28029,14 @@
               <a:t>Python</a:t>
             </a:r>
             <a:r>
-              <a:rPr lang="mr-IN" sz="1600" dirty="0" smtClean="0">
+              <a:rPr lang="mr-IN" sz="1600" dirty="0">
                 <a:latin typeface="Courier" charset="0"/>
                 <a:ea typeface="Courier" charset="0"/>
                 <a:cs typeface="Courier" charset="0"/>
               </a:rPr>
               <a:t>'},</a:t>
             </a:r>
-            <a:endParaRPr lang="en-US" sz="1600" dirty="0" smtClean="0">
+            <a:endParaRPr lang="en-US" sz="1600" dirty="0">
               <a:latin typeface="Courier" charset="0"/>
               <a:ea typeface="Courier" charset="0"/>
               <a:cs typeface="Courier" charset="0"/>
@@ -28884,20 +28044,12 @@
           </a:p>
           <a:p>
             <a:r>
-              <a:rPr lang="mr-IN" sz="1600" dirty="0" smtClean="0">
-                <a:latin typeface="Courier" charset="0"/>
-                <a:ea typeface="Courier" charset="0"/>
-                <a:cs typeface="Courier" charset="0"/>
-              </a:rPr>
-              <a:t> </a:t>
-            </a:r>
-            <a:r>
               <a:rPr lang="mr-IN" sz="1600" dirty="0">
                 <a:latin typeface="Courier" charset="0"/>
                 <a:ea typeface="Courier" charset="0"/>
                 <a:cs typeface="Courier" charset="0"/>
               </a:rPr>
-              <a:t>{'</a:t>
+              <a:t> {'</a:t>
             </a:r>
             <a:r>
               <a:rPr lang="mr-IN" sz="1600" dirty="0" err="1">
@@ -29033,20 +28185,12 @@
                 <a:ea typeface="Courier" charset="0"/>
                 <a:cs typeface="Courier" charset="0"/>
               </a:rPr>
-              <a:t>'Django</a:t>
-            </a:r>
-            <a:r>
-              <a:rPr lang="en-US" sz="1600" dirty="0" smtClean="0">
-                <a:latin typeface="Courier" charset="0"/>
-                <a:ea typeface="Courier" charset="0"/>
-                <a:cs typeface="Courier" charset="0"/>
-              </a:rPr>
-              <a:t>'</a:t>
-            </a:r>
-          </a:p>
-          <a:p>
-            <a:r>
-              <a:rPr lang="en-US" sz="1600" dirty="0" smtClean="0">
+              <a:t>'Django'</a:t>
+            </a:r>
+          </a:p>
+          <a:p>
+            <a:r>
+              <a:rPr lang="en-US" sz="1600" dirty="0">
                 <a:latin typeface="Courier" charset="0"/>
                 <a:ea typeface="Courier" charset="0"/>
                 <a:cs typeface="Courier" charset="0"/>
@@ -29146,18 +28290,13 @@
           </a:p>
           <a:p>
             <a:r>
-              <a:rPr lang="en-US" sz="1600" dirty="0" smtClean="0">
+              <a:rPr lang="en-US" sz="1600" dirty="0">
                 <a:latin typeface="Courier" charset="0"/>
                 <a:ea typeface="Courier" charset="0"/>
                 <a:cs typeface="Courier" charset="0"/>
               </a:rPr>
               <a:t>&gt;&gt;&gt;</a:t>
             </a:r>
-            <a:endParaRPr lang="en-US" sz="1600" dirty="0">
-              <a:latin typeface="Courier" charset="0"/>
-              <a:ea typeface="Courier" charset="0"/>
-              <a:cs typeface="Courier" charset="0"/>
-            </a:endParaRPr>
           </a:p>
         </p:txBody>
       </p:sp>
@@ -29182,10 +28321,9 @@
           <a:lstStyle/>
           <a:p>
             <a:r>
-              <a:rPr lang="en-US" dirty="0" smtClean="0"/>
+              <a:rPr lang="en-US" dirty="0"/>
               <a:t>Many-to-Many in the Django Shell</a:t>
             </a:r>
-            <a:endParaRPr lang="en-US" dirty="0"/>
           </a:p>
         </p:txBody>
       </p:sp>
@@ -29345,245 +28483,181 @@
                 <a:ea typeface="Courier" charset="0"/>
                 <a:cs typeface="Courier" charset="0"/>
               </a:rPr>
-              <a:t>=2</a:t>
-            </a:r>
-            <a:r>
-              <a:rPr lang="en-US" sz="1600" dirty="0" smtClean="0">
-                <a:solidFill>
-                  <a:srgbClr val="FFFF00"/>
-                </a:solidFill>
-                <a:latin typeface="Courier" charset="0"/>
-                <a:ea typeface="Courier" charset="0"/>
-                <a:cs typeface="Courier" charset="0"/>
-              </a:rPr>
-              <a:t>)</a:t>
-            </a:r>
-            <a:endParaRPr lang="en-US" sz="1600" dirty="0" smtClean="0">
-              <a:latin typeface="Courier" charset="0"/>
-              <a:ea typeface="Courier" charset="0"/>
-              <a:cs typeface="Courier" charset="0"/>
-            </a:endParaRPr>
-          </a:p>
-          <a:p>
-            <a:r>
-              <a:rPr lang="en-US" sz="1600" dirty="0" smtClean="0">
-                <a:latin typeface="Courier" charset="0"/>
-                <a:ea typeface="Courier" charset="0"/>
-                <a:cs typeface="Courier" charset="0"/>
-              </a:rPr>
-              <a:t>&gt;&gt;&gt; </a:t>
-            </a:r>
-            <a:r>
-              <a:rPr lang="en-US" sz="1600" dirty="0" err="1">
-                <a:solidFill>
-                  <a:srgbClr val="FFFF00"/>
-                </a:solidFill>
-                <a:latin typeface="Courier" charset="0"/>
-                <a:ea typeface="Courier" charset="0"/>
-                <a:cs typeface="Courier" charset="0"/>
-              </a:rPr>
-              <a:t>y.membership_set.all</a:t>
-            </a:r>
-            <a:r>
-              <a:rPr lang="en-US" sz="1600" dirty="0">
-                <a:solidFill>
-                  <a:srgbClr val="FFFF00"/>
-                </a:solidFill>
-                <a:latin typeface="Courier" charset="0"/>
-                <a:ea typeface="Courier" charset="0"/>
-                <a:cs typeface="Courier" charset="0"/>
-              </a:rPr>
-              <a:t>().values()</a:t>
-            </a:r>
-          </a:p>
-          <a:p>
-            <a:r>
-              <a:rPr lang="en-US" sz="1600" dirty="0">
-                <a:latin typeface="Courier" charset="0"/>
-                <a:ea typeface="Courier" charset="0"/>
-                <a:cs typeface="Courier" charset="0"/>
-              </a:rPr>
-              <a:t>&lt;</a:t>
-            </a:r>
-            <a:r>
-              <a:rPr lang="en-US" sz="1600" dirty="0" err="1">
-                <a:latin typeface="Courier" charset="0"/>
-                <a:ea typeface="Courier" charset="0"/>
-                <a:cs typeface="Courier" charset="0"/>
-              </a:rPr>
-              <a:t>QuerySet</a:t>
-            </a:r>
-            <a:r>
-              <a:rPr lang="en-US" sz="1600" dirty="0">
-                <a:latin typeface="Courier" charset="0"/>
-                <a:ea typeface="Courier" charset="0"/>
-                <a:cs typeface="Courier" charset="0"/>
-              </a:rPr>
-              <a:t> </a:t>
-            </a:r>
-            <a:r>
-              <a:rPr lang="en-US" sz="1600" dirty="0" smtClean="0">
-                <a:latin typeface="Courier" charset="0"/>
-                <a:ea typeface="Courier" charset="0"/>
-                <a:cs typeface="Courier" charset="0"/>
-              </a:rPr>
-              <a:t>[</a:t>
-            </a:r>
-          </a:p>
-          <a:p>
-            <a:r>
-              <a:rPr lang="en-US" sz="1600" dirty="0" smtClean="0">
-                <a:latin typeface="Courier" charset="0"/>
-                <a:ea typeface="Courier" charset="0"/>
-                <a:cs typeface="Courier" charset="0"/>
-              </a:rPr>
-              <a:t>{</a:t>
-            </a:r>
-            <a:r>
-              <a:rPr lang="en-US" sz="1600" dirty="0">
-                <a:latin typeface="Courier" charset="0"/>
-                <a:ea typeface="Courier" charset="0"/>
-                <a:cs typeface="Courier" charset="0"/>
-              </a:rPr>
-              <a:t>'id': 4, '</a:t>
-            </a:r>
-            <a:r>
-              <a:rPr lang="en-US" sz="1600" dirty="0" err="1">
-                <a:latin typeface="Courier" charset="0"/>
-                <a:ea typeface="Courier" charset="0"/>
-                <a:cs typeface="Courier" charset="0"/>
-              </a:rPr>
-              <a:t>person_id</a:t>
-            </a:r>
-            <a:r>
-              <a:rPr lang="en-US" sz="1600" dirty="0">
-                <a:latin typeface="Courier" charset="0"/>
-                <a:ea typeface="Courier" charset="0"/>
-                <a:cs typeface="Courier" charset="0"/>
-              </a:rPr>
-              <a:t>': 2, '</a:t>
-            </a:r>
-            <a:r>
-              <a:rPr lang="en-US" sz="1600" dirty="0" err="1">
-                <a:latin typeface="Courier" charset="0"/>
-                <a:ea typeface="Courier" charset="0"/>
-                <a:cs typeface="Courier" charset="0"/>
-              </a:rPr>
-              <a:t>course_id</a:t>
-            </a:r>
-            <a:r>
-              <a:rPr lang="en-US" sz="1600" dirty="0">
-                <a:latin typeface="Courier" charset="0"/>
-                <a:ea typeface="Courier" charset="0"/>
-                <a:cs typeface="Courier" charset="0"/>
-              </a:rPr>
-              <a:t>': 2, </a:t>
-            </a:r>
-            <a:r>
-              <a:rPr lang="en-US" sz="1600" dirty="0" smtClean="0">
-                <a:latin typeface="Courier" charset="0"/>
-                <a:ea typeface="Courier" charset="0"/>
-                <a:cs typeface="Courier" charset="0"/>
-              </a:rPr>
-              <a:t>'role': 5000},</a:t>
-            </a:r>
-          </a:p>
-          <a:p>
-            <a:r>
-              <a:rPr lang="en-US" sz="1600" dirty="0" smtClean="0">
-                <a:latin typeface="Courier" charset="0"/>
-                <a:ea typeface="Courier" charset="0"/>
-                <a:cs typeface="Courier" charset="0"/>
-              </a:rPr>
-              <a:t>{</a:t>
-            </a:r>
-            <a:r>
-              <a:rPr lang="en-US" sz="1600" dirty="0">
-                <a:latin typeface="Courier" charset="0"/>
-                <a:ea typeface="Courier" charset="0"/>
-                <a:cs typeface="Courier" charset="0"/>
-              </a:rPr>
-              <a:t>'id': 5, '</a:t>
-            </a:r>
-            <a:r>
-              <a:rPr lang="en-US" sz="1600" dirty="0" err="1">
-                <a:latin typeface="Courier" charset="0"/>
-                <a:ea typeface="Courier" charset="0"/>
-                <a:cs typeface="Courier" charset="0"/>
-              </a:rPr>
-              <a:t>person_id</a:t>
-            </a:r>
-            <a:r>
-              <a:rPr lang="en-US" sz="1600" dirty="0">
-                <a:latin typeface="Courier" charset="0"/>
-                <a:ea typeface="Courier" charset="0"/>
-                <a:cs typeface="Courier" charset="0"/>
-              </a:rPr>
-              <a:t>': 3, '</a:t>
-            </a:r>
-            <a:r>
-              <a:rPr lang="en-US" sz="1600" dirty="0" err="1">
-                <a:latin typeface="Courier" charset="0"/>
-                <a:ea typeface="Courier" charset="0"/>
-                <a:cs typeface="Courier" charset="0"/>
-              </a:rPr>
-              <a:t>course_id</a:t>
-            </a:r>
-            <a:r>
-              <a:rPr lang="en-US" sz="1600" dirty="0">
-                <a:latin typeface="Courier" charset="0"/>
-                <a:ea typeface="Courier" charset="0"/>
-                <a:cs typeface="Courier" charset="0"/>
-              </a:rPr>
-              <a:t>': 2</a:t>
-            </a:r>
-            <a:r>
-              <a:rPr lang="en-US" sz="1600">
-                <a:latin typeface="Courier" charset="0"/>
-                <a:ea typeface="Courier" charset="0"/>
-                <a:cs typeface="Courier" charset="0"/>
-              </a:rPr>
-              <a:t>, </a:t>
-            </a:r>
-            <a:r>
-              <a:rPr lang="en-US" sz="1600" smtClean="0">
-                <a:latin typeface="Courier" charset="0"/>
-                <a:ea typeface="Courier" charset="0"/>
-                <a:cs typeface="Courier" charset="0"/>
-              </a:rPr>
-              <a:t>'role</a:t>
-            </a:r>
-            <a:r>
-              <a:rPr lang="en-US" sz="1600" dirty="0">
-                <a:latin typeface="Courier" charset="0"/>
-                <a:ea typeface="Courier" charset="0"/>
-                <a:cs typeface="Courier" charset="0"/>
-              </a:rPr>
-              <a:t>': 1</a:t>
-            </a:r>
-            <a:r>
-              <a:rPr lang="en-US" sz="1600" dirty="0" smtClean="0">
-                <a:latin typeface="Courier" charset="0"/>
-                <a:ea typeface="Courier" charset="0"/>
-                <a:cs typeface="Courier" charset="0"/>
-              </a:rPr>
-              <a:t>}</a:t>
-            </a:r>
-          </a:p>
-          <a:p>
-            <a:r>
-              <a:rPr lang="en-US" sz="1600" dirty="0" smtClean="0">
-                <a:latin typeface="Courier" charset="0"/>
-                <a:ea typeface="Courier" charset="0"/>
-                <a:cs typeface="Courier" charset="0"/>
-              </a:rPr>
-              <a:t>]&gt;</a:t>
+              <a:t>=2)</a:t>
             </a:r>
             <a:endParaRPr lang="en-US" sz="1600" dirty="0">
               <a:latin typeface="Courier" charset="0"/>
               <a:ea typeface="Courier" charset="0"/>
               <a:cs typeface="Courier" charset="0"/>
             </a:endParaRPr>
+          </a:p>
+          <a:p>
+            <a:r>
+              <a:rPr lang="en-US" sz="1600" dirty="0">
+                <a:latin typeface="Courier" charset="0"/>
+                <a:ea typeface="Courier" charset="0"/>
+                <a:cs typeface="Courier" charset="0"/>
+              </a:rPr>
+              <a:t>&gt;&gt;&gt; </a:t>
+            </a:r>
+            <a:r>
+              <a:rPr lang="en-US" sz="1600" dirty="0" err="1">
+                <a:solidFill>
+                  <a:srgbClr val="FFFF00"/>
+                </a:solidFill>
+                <a:latin typeface="Courier" charset="0"/>
+                <a:ea typeface="Courier" charset="0"/>
+                <a:cs typeface="Courier" charset="0"/>
+              </a:rPr>
+              <a:t>y.membership_set.all</a:t>
+            </a:r>
+            <a:r>
+              <a:rPr lang="en-US" sz="1600" dirty="0">
+                <a:solidFill>
+                  <a:srgbClr val="FFFF00"/>
+                </a:solidFill>
+                <a:latin typeface="Courier" charset="0"/>
+                <a:ea typeface="Courier" charset="0"/>
+                <a:cs typeface="Courier" charset="0"/>
+              </a:rPr>
+              <a:t>().values()</a:t>
+            </a:r>
+          </a:p>
+          <a:p>
+            <a:r>
+              <a:rPr lang="en-US" sz="1600" dirty="0">
+                <a:latin typeface="Courier" charset="0"/>
+                <a:ea typeface="Courier" charset="0"/>
+                <a:cs typeface="Courier" charset="0"/>
+              </a:rPr>
+              <a:t>&lt;</a:t>
+            </a:r>
+            <a:r>
+              <a:rPr lang="en-US" sz="1600" dirty="0" err="1">
+                <a:latin typeface="Courier" charset="0"/>
+                <a:ea typeface="Courier" charset="0"/>
+                <a:cs typeface="Courier" charset="0"/>
+              </a:rPr>
+              <a:t>QuerySet</a:t>
+            </a:r>
+            <a:r>
+              <a:rPr lang="en-US" sz="1600" dirty="0">
+                <a:latin typeface="Courier" charset="0"/>
+                <a:ea typeface="Courier" charset="0"/>
+                <a:cs typeface="Courier" charset="0"/>
+              </a:rPr>
+              <a:t> [</a:t>
+            </a:r>
+          </a:p>
+          <a:p>
+            <a:r>
+              <a:rPr lang="en-US" sz="1600" dirty="0">
+                <a:latin typeface="Courier" charset="0"/>
+                <a:ea typeface="Courier" charset="0"/>
+                <a:cs typeface="Courier" charset="0"/>
+              </a:rPr>
+              <a:t>{'id': 4, '</a:t>
+            </a:r>
+            <a:r>
+              <a:rPr lang="en-US" sz="1600" dirty="0" err="1">
+                <a:latin typeface="Courier" charset="0"/>
+                <a:ea typeface="Courier" charset="0"/>
+                <a:cs typeface="Courier" charset="0"/>
+              </a:rPr>
+              <a:t>person_id</a:t>
+            </a:r>
+            <a:r>
+              <a:rPr lang="en-US" sz="1600" dirty="0">
+                <a:latin typeface="Courier" charset="0"/>
+                <a:ea typeface="Courier" charset="0"/>
+                <a:cs typeface="Courier" charset="0"/>
+              </a:rPr>
+              <a:t>': 2, '</a:t>
+            </a:r>
+            <a:r>
+              <a:rPr lang="en-US" sz="1600" dirty="0" err="1">
+                <a:latin typeface="Courier" charset="0"/>
+                <a:ea typeface="Courier" charset="0"/>
+                <a:cs typeface="Courier" charset="0"/>
+              </a:rPr>
+              <a:t>course_id</a:t>
+            </a:r>
+            <a:r>
+              <a:rPr lang="en-US" sz="1600" dirty="0">
+                <a:latin typeface="Courier" charset="0"/>
+                <a:ea typeface="Courier" charset="0"/>
+                <a:cs typeface="Courier" charset="0"/>
+              </a:rPr>
+              <a:t>': 2, 'role': 5000},</a:t>
+            </a:r>
+          </a:p>
+          <a:p>
+            <a:r>
+              <a:rPr lang="en-US" sz="1600" dirty="0">
+                <a:latin typeface="Courier" charset="0"/>
+                <a:ea typeface="Courier" charset="0"/>
+                <a:cs typeface="Courier" charset="0"/>
+              </a:rPr>
+              <a:t>{'id': 5, '</a:t>
+            </a:r>
+            <a:r>
+              <a:rPr lang="en-US" sz="1600" dirty="0" err="1">
+                <a:latin typeface="Courier" charset="0"/>
+                <a:ea typeface="Courier" charset="0"/>
+                <a:cs typeface="Courier" charset="0"/>
+              </a:rPr>
+              <a:t>person_id</a:t>
+            </a:r>
+            <a:r>
+              <a:rPr lang="en-US" sz="1600" dirty="0">
+                <a:latin typeface="Courier" charset="0"/>
+                <a:ea typeface="Courier" charset="0"/>
+                <a:cs typeface="Courier" charset="0"/>
+              </a:rPr>
+              <a:t>': 3, '</a:t>
+            </a:r>
+            <a:r>
+              <a:rPr lang="en-US" sz="1600" dirty="0" err="1">
+                <a:latin typeface="Courier" charset="0"/>
+                <a:ea typeface="Courier" charset="0"/>
+                <a:cs typeface="Courier" charset="0"/>
+              </a:rPr>
+              <a:t>course_id</a:t>
+            </a:r>
+            <a:r>
+              <a:rPr lang="en-US" sz="1600" dirty="0">
+                <a:latin typeface="Courier" charset="0"/>
+                <a:ea typeface="Courier" charset="0"/>
+                <a:cs typeface="Courier" charset="0"/>
+              </a:rPr>
+              <a:t>': 2</a:t>
+            </a:r>
+            <a:r>
+              <a:rPr lang="en-US" sz="1600">
+                <a:latin typeface="Courier" charset="0"/>
+                <a:ea typeface="Courier" charset="0"/>
+                <a:cs typeface="Courier" charset="0"/>
+              </a:rPr>
+              <a:t>, 'role</a:t>
+            </a:r>
+            <a:r>
+              <a:rPr lang="en-US" sz="1600" dirty="0">
+                <a:latin typeface="Courier" charset="0"/>
+                <a:ea typeface="Courier" charset="0"/>
+                <a:cs typeface="Courier" charset="0"/>
+              </a:rPr>
+              <a:t>': 1}</a:t>
+            </a:r>
+          </a:p>
+          <a:p>
+            <a:r>
+              <a:rPr lang="en-US" sz="1600" dirty="0">
+                <a:latin typeface="Courier" charset="0"/>
+                <a:ea typeface="Courier" charset="0"/>
+                <a:cs typeface="Courier" charset="0"/>
+              </a:rPr>
+              <a:t>]&gt;</a:t>
+            </a:r>
           </a:p>
           <a:p>
             <a:r>
@@ -29613,10 +28687,9 @@
           <a:lstStyle/>
           <a:p>
             <a:r>
-              <a:rPr lang="en-US" dirty="0" smtClean="0"/>
+              <a:rPr lang="en-US" dirty="0"/>
               <a:t>Looking at the "through" table</a:t>
             </a:r>
-            <a:endParaRPr lang="en-US" dirty="0"/>
           </a:p>
         </p:txBody>
       </p:sp>
@@ -29663,10 +28736,10 @@
           <p:cNvPr id="10" name="Rectangle 9">
             <a:extLst>
               <a:ext uri="{FF2B5EF4-FFF2-40B4-BE49-F238E27FC236}">
-                <a16:creationId xmlns:a16="http://schemas.microsoft.com/office/drawing/2014/main" xmlns="" id="{867D4867-5BA7-4462-B2F6-A23F4A622AA7}"/>
+                <a16:creationId xmlns:a16="http://schemas.microsoft.com/office/drawing/2014/main" id="{867D4867-5BA7-4462-B2F6-A23F4A622AA7}"/>
               </a:ext>
               <a:ext uri="{C183D7F6-B498-43B3-948B-1728B52AA6E4}">
-                <adec:decorative xmlns:adec="http://schemas.microsoft.com/office/drawing/2017/decorative" xmlns="" val="1"/>
+                <adec:decorative xmlns:adec="http://schemas.microsoft.com/office/drawing/2017/decorative" val="1"/>
               </a:ext>
             </a:extLst>
           </p:cNvPr>
@@ -30541,7 +29614,7 @@
           </a:p>
           <a:p>
             <a:pPr algn="ctr" eaLnBrk="1" hangingPunct="1"/>
-            <a:endParaRPr lang="en-US" altLang="x-none" sz="1200" dirty="0" smtClean="0">
+            <a:endParaRPr lang="en-US" altLang="x-none" sz="1200" dirty="0">
               <a:solidFill>
                 <a:schemeClr val="tx1"/>
               </a:solidFill>
@@ -30563,7 +29636,7 @@
           </a:p>
           <a:p>
             <a:pPr algn="ctr" eaLnBrk="1" hangingPunct="1"/>
-            <a:endParaRPr lang="en-US" altLang="x-none" sz="1200" dirty="0" smtClean="0">
+            <a:endParaRPr lang="en-US" altLang="x-none" sz="1200" dirty="0">
               <a:solidFill>
                 <a:schemeClr val="tx1"/>
               </a:solidFill>
@@ -30585,7 +29658,7 @@
           </a:p>
           <a:p>
             <a:pPr algn="ctr" eaLnBrk="1" hangingPunct="1"/>
-            <a:endParaRPr lang="en-US" altLang="x-none" sz="1200" dirty="0" smtClean="0">
+            <a:endParaRPr lang="en-US" altLang="x-none" sz="1200" dirty="0">
               <a:solidFill>
                 <a:schemeClr val="tx1"/>
               </a:solidFill>
@@ -30628,13 +29701,6 @@
   <p:clrMapOvr>
     <a:masterClrMapping/>
   </p:clrMapOvr>
-  <p:timing>
-    <p:tnLst>
-      <p:par>
-        <p:cTn id="1" dur="indefinite" restart="never" nodeType="tmRoot"/>
-      </p:par>
-    </p:tnLst>
-  </p:timing>
 </p:sld>
 </file>
 
@@ -30695,13 +29761,6 @@
   <p:clrMapOvr>
     <a:masterClrMapping/>
   </p:clrMapOvr>
-  <p:timing>
-    <p:tnLst>
-      <p:par>
-        <p:cTn id="1" dur="indefinite" restart="never" nodeType="tmRoot"/>
-      </p:par>
-    </p:tnLst>
-  </p:timing>
 </p:sld>
 </file>
 
@@ -30747,10 +29806,34 @@
                 <a:tableStyleId>{F5AB1C69-6EDB-4FF4-983F-18BD219EF322}</a:tableStyleId>
               </a:tblPr>
               <a:tblGrid>
-                <a:gridCol w="1625600"/>
-                <a:gridCol w="1625600"/>
-                <a:gridCol w="1625600"/>
-                <a:gridCol w="1625600"/>
+                <a:gridCol w="1625600">
+                  <a:extLst>
+                    <a:ext uri="{9D8B030D-6E8A-4147-A177-3AD203B41FA5}">
+                      <a16:colId xmlns:a16="http://schemas.microsoft.com/office/drawing/2014/main" val="20000"/>
+                    </a:ext>
+                  </a:extLst>
+                </a:gridCol>
+                <a:gridCol w="1625600">
+                  <a:extLst>
+                    <a:ext uri="{9D8B030D-6E8A-4147-A177-3AD203B41FA5}">
+                      <a16:colId xmlns:a16="http://schemas.microsoft.com/office/drawing/2014/main" val="20001"/>
+                    </a:ext>
+                  </a:extLst>
+                </a:gridCol>
+                <a:gridCol w="1625600">
+                  <a:extLst>
+                    <a:ext uri="{9D8B030D-6E8A-4147-A177-3AD203B41FA5}">
+                      <a16:colId xmlns:a16="http://schemas.microsoft.com/office/drawing/2014/main" val="20002"/>
+                    </a:ext>
+                  </a:extLst>
+                </a:gridCol>
+                <a:gridCol w="1625600">
+                  <a:extLst>
+                    <a:ext uri="{9D8B030D-6E8A-4147-A177-3AD203B41FA5}">
+                      <a16:colId xmlns:a16="http://schemas.microsoft.com/office/drawing/2014/main" val="20003"/>
+                    </a:ext>
+                  </a:extLst>
+                </a:gridCol>
               </a:tblGrid>
               <a:tr h="370840">
                 <a:tc>
@@ -30845,6 +29928,11 @@
                   </a:txBody>
                   <a:tcPr marL="6350" marR="6350" marT="6350" marB="0" anchor="b"/>
                 </a:tc>
+                <a:extLst>
+                  <a:ext uri="{0D108BD9-81ED-4DB2-BD59-A6C34878D82A}">
+                    <a16:rowId xmlns:a16="http://schemas.microsoft.com/office/drawing/2014/main" val="10000"/>
+                  </a:ext>
+                </a:extLst>
               </a:tr>
               <a:tr h="370840">
                 <a:tc>
@@ -30939,6 +30027,11 @@
                   </a:txBody>
                   <a:tcPr marL="6350" marR="6350" marT="6350" marB="0" anchor="b"/>
                 </a:tc>
+                <a:extLst>
+                  <a:ext uri="{0D108BD9-81ED-4DB2-BD59-A6C34878D82A}">
+                    <a16:rowId xmlns:a16="http://schemas.microsoft.com/office/drawing/2014/main" val="10001"/>
+                  </a:ext>
+                </a:extLst>
               </a:tr>
               <a:tr h="370840">
                 <a:tc>
@@ -31033,6 +30126,11 @@
                   </a:txBody>
                   <a:tcPr marL="6350" marR="6350" marT="6350" marB="0" anchor="b"/>
                 </a:tc>
+                <a:extLst>
+                  <a:ext uri="{0D108BD9-81ED-4DB2-BD59-A6C34878D82A}">
+                    <a16:rowId xmlns:a16="http://schemas.microsoft.com/office/drawing/2014/main" val="10002"/>
+                  </a:ext>
+                </a:extLst>
               </a:tr>
               <a:tr h="370840">
                 <a:tc>
@@ -31127,6 +30225,11 @@
                   </a:txBody>
                   <a:tcPr marL="6350" marR="6350" marT="6350" marB="0" anchor="b"/>
                 </a:tc>
+                <a:extLst>
+                  <a:ext uri="{0D108BD9-81ED-4DB2-BD59-A6C34878D82A}">
+                    <a16:rowId xmlns:a16="http://schemas.microsoft.com/office/drawing/2014/main" val="10003"/>
+                  </a:ext>
+                </a:extLst>
               </a:tr>
               <a:tr h="370840">
                 <a:tc>
@@ -31211,7 +30314,7 @@
                         <a:t>Kristen </a:t>
                       </a:r>
                       <a:r>
-                        <a:rPr lang="en-US" sz="1600" u="none" strike="noStrike" dirty="0" err="1" smtClean="0">
+                        <a:rPr lang="en-US" sz="1600" u="none" strike="noStrike" dirty="0" err="1">
                           <a:effectLst/>
                         </a:rPr>
                         <a:t>Fontichiaro</a:t>
@@ -31233,6 +30336,11 @@
                   </a:txBody>
                   <a:tcPr marL="6350" marR="6350" marT="6350" marB="0" anchor="b"/>
                 </a:tc>
+                <a:extLst>
+                  <a:ext uri="{0D108BD9-81ED-4DB2-BD59-A6C34878D82A}">
+                    <a16:rowId xmlns:a16="http://schemas.microsoft.com/office/drawing/2014/main" val="10004"/>
+                  </a:ext>
+                </a:extLst>
               </a:tr>
               <a:tr h="370840">
                 <a:tc>
@@ -31339,6 +30447,11 @@
                   </a:txBody>
                   <a:tcPr marL="6350" marR="6350" marT="6350" marB="0" anchor="b"/>
                 </a:tc>
+                <a:extLst>
+                  <a:ext uri="{0D108BD9-81ED-4DB2-BD59-A6C34878D82A}">
+                    <a16:rowId xmlns:a16="http://schemas.microsoft.com/office/drawing/2014/main" val="10005"/>
+                  </a:ext>
+                </a:extLst>
               </a:tr>
             </a:tbl>
           </a:graphicData>
@@ -31590,10 +30703,9 @@
           <a:lstStyle/>
           <a:p>
             <a:r>
-              <a:rPr lang="en-US" dirty="0" smtClean="0"/>
+              <a:rPr lang="en-US" dirty="0"/>
               <a:t>Many-To-Many</a:t>
             </a:r>
-            <a:endParaRPr lang="en-US" dirty="0"/>
           </a:p>
         </p:txBody>
       </p:sp>
@@ -31607,13 +30719,6 @@
   <p:clrMapOvr>
     <a:masterClrMapping/>
   </p:clrMapOvr>
-  <p:timing>
-    <p:tnLst>
-      <p:par>
-        <p:cTn id="1" dur="indefinite" restart="never" nodeType="tmRoot"/>
-      </p:par>
-    </p:tnLst>
-  </p:timing>
 </p:sld>
 </file>
 
@@ -31672,7 +30777,7 @@
               <a:buSzPct val="25000"/>
             </a:pPr>
             <a:r>
-              <a:rPr lang="en-US" sz="3200" dirty="0" smtClean="0">
+              <a:rPr lang="en-US" sz="3200" dirty="0">
                 <a:solidFill>
                   <a:schemeClr val="lt1"/>
                 </a:solidFill>
@@ -31764,7 +30869,7 @@
               <a:buSzPct val="25000"/>
             </a:pPr>
             <a:r>
-              <a:rPr lang="en-US" sz="3067" dirty="0" smtClean="0">
+              <a:rPr lang="en-US" sz="3067" dirty="0">
                 <a:solidFill>
                   <a:srgbClr val="000000"/>
                 </a:solidFill>
@@ -31877,7 +30982,7 @@
               <a:buSzPct val="25000"/>
             </a:pPr>
             <a:r>
-              <a:rPr lang="en-US" sz="3067" dirty="0" smtClean="0">
+              <a:rPr lang="en-US" sz="3067" dirty="0">
                 <a:solidFill>
                   <a:srgbClr val="00FF00"/>
                 </a:solidFill>
@@ -31940,7 +31045,7 @@
               <a:buSzPct val="25000"/>
             </a:pPr>
             <a:r>
-              <a:rPr lang="en-US" sz="3067" dirty="0" smtClean="0">
+              <a:rPr lang="en-US" sz="3067" dirty="0">
                 <a:solidFill>
                   <a:srgbClr val="000000"/>
                 </a:solidFill>
@@ -32105,7 +31210,7 @@
               <a:buSzPct val="25000"/>
             </a:pPr>
             <a:r>
-              <a:rPr lang="en-US" sz="3067" dirty="0" smtClean="0">
+              <a:rPr lang="en-US" sz="3067" dirty="0">
                 <a:solidFill>
                   <a:srgbClr val="FF00FF"/>
                 </a:solidFill>
@@ -32195,7 +31300,7 @@
               <a:buSzPct val="25000"/>
             </a:pPr>
             <a:r>
-              <a:rPr lang="en-US" sz="3200" dirty="0" smtClean="0">
+              <a:rPr lang="en-US" sz="3200" dirty="0">
                 <a:solidFill>
                   <a:schemeClr val="lt1"/>
                 </a:solidFill>
@@ -32239,10 +31344,9 @@
           <a:lstStyle/>
           <a:p>
             <a:r>
-              <a:rPr lang="en-US" dirty="0" smtClean="0"/>
+              <a:rPr lang="en-US" dirty="0"/>
               <a:t>One-To-Many?</a:t>
             </a:r>
-            <a:endParaRPr lang="en-US" dirty="0"/>
           </a:p>
         </p:txBody>
       </p:sp>
@@ -32256,13 +31360,6 @@
   <p:clrMapOvr>
     <a:masterClrMapping/>
   </p:clrMapOvr>
-  <p:timing>
-    <p:tnLst>
-      <p:par>
-        <p:cTn id="1" dur="indefinite" restart="never" nodeType="tmRoot"/>
-      </p:par>
-    </p:tnLst>
-  </p:timing>
 </p:sld>
 </file>
 
@@ -32323,7 +31420,7 @@
               <a:buSzPct val="25000"/>
             </a:pPr>
             <a:r>
-              <a:rPr lang="en-US" sz="3067" dirty="0" smtClean="0">
+              <a:rPr lang="en-US" sz="3067" dirty="0">
                 <a:solidFill>
                   <a:srgbClr val="000000"/>
                 </a:solidFill>
@@ -32384,7 +31481,7 @@
               <a:buSzPct val="25000"/>
             </a:pPr>
             <a:r>
-              <a:rPr lang="en-US" sz="3067" dirty="0" smtClean="0">
+              <a:rPr lang="en-US" sz="3067" dirty="0">
                 <a:solidFill>
                   <a:srgbClr val="FF7F00"/>
                 </a:solidFill>
@@ -32445,7 +31542,7 @@
               <a:buSzPct val="25000"/>
             </a:pPr>
             <a:r>
-              <a:rPr lang="en-US" sz="3067" dirty="0" smtClean="0">
+              <a:rPr lang="en-US" sz="3067" dirty="0">
                 <a:solidFill>
                   <a:srgbClr val="00FF00"/>
                 </a:solidFill>
@@ -32506,7 +31603,7 @@
               <a:buSzPct val="25000"/>
             </a:pPr>
             <a:r>
-              <a:rPr lang="en-US" sz="3067" dirty="0" err="1" smtClean="0">
+              <a:rPr lang="en-US" sz="3067" dirty="0" err="1">
                 <a:solidFill>
                   <a:srgbClr val="FF00FF"/>
                 </a:solidFill>
@@ -32583,7 +31680,7 @@
                 <a:buSzPct val="25000"/>
               </a:pPr>
               <a:r>
-                <a:rPr lang="en-US" sz="3067" dirty="0" smtClean="0">
+                <a:rPr lang="en-US" sz="3067" dirty="0">
                   <a:solidFill>
                     <a:srgbClr val="000000"/>
                   </a:solidFill>
@@ -32644,7 +31741,7 @@
                 <a:buSzPct val="25000"/>
               </a:pPr>
               <a:r>
-                <a:rPr lang="en-US" sz="3067" dirty="0" smtClean="0">
+                <a:rPr lang="en-US" sz="3067" dirty="0">
                   <a:solidFill>
                     <a:srgbClr val="FF7F00"/>
                   </a:solidFill>
@@ -32705,7 +31802,7 @@
                 <a:buSzPct val="25000"/>
               </a:pPr>
               <a:r>
-                <a:rPr lang="en-US" sz="3067" dirty="0" smtClean="0">
+                <a:rPr lang="en-US" sz="3067" dirty="0">
                   <a:solidFill>
                     <a:srgbClr val="00FF00"/>
                   </a:solidFill>
@@ -32766,7 +31863,7 @@
                 <a:buSzPct val="25000"/>
               </a:pPr>
               <a:r>
-                <a:rPr lang="en-US" sz="3067" dirty="0" err="1" smtClean="0">
+                <a:rPr lang="en-US" sz="3067" dirty="0" err="1">
                   <a:solidFill>
                     <a:srgbClr val="FF00FF"/>
                   </a:solidFill>
@@ -32830,7 +31927,7 @@
               <a:buSzPct val="25000"/>
             </a:pPr>
             <a:r>
-              <a:rPr lang="en-US" sz="3067" dirty="0" smtClean="0">
+              <a:rPr lang="en-US" sz="3067" dirty="0">
                 <a:solidFill>
                   <a:srgbClr val="000000"/>
                 </a:solidFill>
@@ -32891,7 +31988,7 @@
               <a:buSzPct val="25000"/>
             </a:pPr>
             <a:r>
-              <a:rPr lang="en-US" sz="3067" dirty="0" smtClean="0">
+              <a:rPr lang="en-US" sz="3067" dirty="0">
                 <a:solidFill>
                   <a:srgbClr val="FF7F00"/>
                 </a:solidFill>
@@ -32952,7 +32049,7 @@
               <a:buSzPct val="25000"/>
             </a:pPr>
             <a:r>
-              <a:rPr lang="en-US" sz="3067" dirty="0" smtClean="0">
+              <a:rPr lang="en-US" sz="3067" dirty="0">
                 <a:solidFill>
                   <a:srgbClr val="00FF00"/>
                 </a:solidFill>
@@ -33044,7 +32141,7 @@
               <a:buSzPct val="25000"/>
             </a:pPr>
             <a:r>
-              <a:rPr lang="en-US" sz="3067" dirty="0" smtClean="0">
+              <a:rPr lang="en-US" sz="3067" dirty="0">
                 <a:solidFill>
                   <a:srgbClr val="000000"/>
                 </a:solidFill>
@@ -33105,7 +32202,7 @@
               <a:buSzPct val="25000"/>
             </a:pPr>
             <a:r>
-              <a:rPr lang="en-US" sz="3067" dirty="0" smtClean="0">
+              <a:rPr lang="en-US" sz="3067" dirty="0">
                 <a:solidFill>
                   <a:srgbClr val="FF7F00"/>
                 </a:solidFill>
@@ -33166,7 +32263,7 @@
               <a:buSzPct val="25000"/>
             </a:pPr>
             <a:r>
-              <a:rPr lang="en-US" sz="3067" dirty="0" smtClean="0">
+              <a:rPr lang="en-US" sz="3067" dirty="0">
                 <a:solidFill>
                   <a:srgbClr val="00FF00"/>
                 </a:solidFill>
@@ -33228,13 +32325,6 @@
   <p:clrMapOvr>
     <a:masterClrMapping/>
   </p:clrMapOvr>
-  <p:timing>
-    <p:tnLst>
-      <p:par>
-        <p:cTn id="1" dur="indefinite" restart="never" nodeType="tmRoot"/>
-      </p:par>
-    </p:tnLst>
-  </p:timing>
 </p:sld>
 </file>
 
@@ -33295,7 +32385,7 @@
               <a:buSzPct val="25000"/>
             </a:pPr>
             <a:r>
-              <a:rPr lang="en-US" sz="3067" dirty="0" smtClean="0">
+              <a:rPr lang="en-US" sz="3067" dirty="0">
                 <a:solidFill>
                   <a:srgbClr val="000000"/>
                 </a:solidFill>
@@ -33356,7 +32446,7 @@
               <a:buSzPct val="25000"/>
             </a:pPr>
             <a:r>
-              <a:rPr lang="en-US" sz="3067" dirty="0" smtClean="0">
+              <a:rPr lang="en-US" sz="3067" dirty="0">
                 <a:solidFill>
                   <a:srgbClr val="FF7F00"/>
                 </a:solidFill>
@@ -33417,7 +32507,7 @@
               <a:buSzPct val="25000"/>
             </a:pPr>
             <a:r>
-              <a:rPr lang="en-US" sz="3067" dirty="0" smtClean="0">
+              <a:rPr lang="en-US" sz="3067" dirty="0">
                 <a:solidFill>
                   <a:srgbClr val="00FF00"/>
                 </a:solidFill>
@@ -33478,7 +32568,7 @@
               <a:buSzPct val="25000"/>
             </a:pPr>
             <a:r>
-              <a:rPr lang="en-US" sz="3067" dirty="0" smtClean="0">
+              <a:rPr lang="en-US" sz="3067" dirty="0">
                 <a:solidFill>
                   <a:srgbClr val="FF00FF"/>
                 </a:solidFill>
@@ -33555,7 +32645,7 @@
                 <a:buSzPct val="25000"/>
               </a:pPr>
               <a:r>
-                <a:rPr lang="en-US" sz="3067" dirty="0" smtClean="0">
+                <a:rPr lang="en-US" sz="3067" dirty="0">
                   <a:solidFill>
                     <a:srgbClr val="000000"/>
                   </a:solidFill>
@@ -33616,7 +32706,7 @@
                 <a:buSzPct val="25000"/>
               </a:pPr>
               <a:r>
-                <a:rPr lang="en-US" sz="3067" dirty="0" smtClean="0">
+                <a:rPr lang="en-US" sz="3067" dirty="0">
                   <a:solidFill>
                     <a:srgbClr val="FF7F00"/>
                   </a:solidFill>
@@ -33677,7 +32767,7 @@
                 <a:buSzPct val="25000"/>
               </a:pPr>
               <a:r>
-                <a:rPr lang="en-US" sz="3067" dirty="0" smtClean="0">
+                <a:rPr lang="en-US" sz="3067" dirty="0">
                   <a:solidFill>
                     <a:srgbClr val="00FF00"/>
                   </a:solidFill>
@@ -33738,7 +32828,7 @@
                 <a:buSzPct val="25000"/>
               </a:pPr>
               <a:r>
-                <a:rPr lang="en-US" sz="3067" dirty="0" smtClean="0">
+                <a:rPr lang="en-US" sz="3067" dirty="0">
                   <a:solidFill>
                     <a:srgbClr val="FF00FF"/>
                   </a:solidFill>
@@ -33802,7 +32892,7 @@
               <a:buSzPct val="25000"/>
             </a:pPr>
             <a:r>
-              <a:rPr lang="en-US" sz="3067" dirty="0" smtClean="0">
+              <a:rPr lang="en-US" sz="3067" dirty="0">
                 <a:solidFill>
                   <a:srgbClr val="000000"/>
                 </a:solidFill>
@@ -33863,7 +32953,7 @@
               <a:buSzPct val="25000"/>
             </a:pPr>
             <a:r>
-              <a:rPr lang="en-US" sz="3067" dirty="0" smtClean="0">
+              <a:rPr lang="en-US" sz="3067" dirty="0">
                 <a:solidFill>
                   <a:srgbClr val="FF7F00"/>
                 </a:solidFill>
@@ -33924,7 +33014,7 @@
               <a:buSzPct val="25000"/>
             </a:pPr>
             <a:r>
-              <a:rPr lang="en-US" sz="3067" dirty="0" smtClean="0">
+              <a:rPr lang="en-US" sz="3067" dirty="0">
                 <a:solidFill>
                   <a:srgbClr val="00FF00"/>
                 </a:solidFill>
@@ -34016,7 +33106,7 @@
               <a:buSzPct val="25000"/>
             </a:pPr>
             <a:r>
-              <a:rPr lang="en-US" sz="3067" dirty="0" smtClean="0">
+              <a:rPr lang="en-US" sz="3067" dirty="0">
                 <a:solidFill>
                   <a:srgbClr val="000000"/>
                 </a:solidFill>
@@ -34077,7 +33167,7 @@
               <a:buSzPct val="25000"/>
             </a:pPr>
             <a:r>
-              <a:rPr lang="en-US" sz="3067" dirty="0" smtClean="0">
+              <a:rPr lang="en-US" sz="3067" dirty="0">
                 <a:solidFill>
                   <a:srgbClr val="FF7F00"/>
                 </a:solidFill>
@@ -34138,7 +33228,7 @@
               <a:buSzPct val="25000"/>
             </a:pPr>
             <a:r>
-              <a:rPr lang="en-US" sz="3067" dirty="0" smtClean="0">
+              <a:rPr lang="en-US" sz="3067" dirty="0">
                 <a:solidFill>
                   <a:srgbClr val="00FF00"/>
                 </a:solidFill>
@@ -34199,7 +33289,7 @@
               <a:buSzPct val="25000"/>
             </a:pPr>
             <a:r>
-              <a:rPr lang="en-US" sz="3067" dirty="0" smtClean="0">
+              <a:rPr lang="en-US" sz="3067" dirty="0">
                 <a:solidFill>
                   <a:srgbClr val="FF00FF"/>
                 </a:solidFill>
@@ -34289,7 +33379,7 @@
               <a:buSzPct val="25000"/>
             </a:pPr>
             <a:r>
-              <a:rPr lang="en-US" sz="3067" dirty="0" smtClean="0">
+              <a:rPr lang="en-US" sz="3067" dirty="0">
                 <a:solidFill>
                   <a:srgbClr val="FF00FF"/>
                 </a:solidFill>
@@ -34328,10 +33418,9 @@
           <a:lstStyle/>
           <a:p>
             <a:r>
-              <a:rPr lang="en-US" dirty="0" smtClean="0"/>
+              <a:rPr lang="en-US" dirty="0"/>
               <a:t>Multiple Genre Columns?</a:t>
             </a:r>
-            <a:endParaRPr lang="en-US" dirty="0"/>
           </a:p>
         </p:txBody>
       </p:sp>
@@ -34374,13 +33463,6 @@
   <p:clrMapOvr>
     <a:masterClrMapping/>
   </p:clrMapOvr>
-  <p:timing>
-    <p:tnLst>
-      <p:par>
-        <p:cTn id="1" dur="indefinite" restart="never" nodeType="tmRoot"/>
-      </p:par>
-    </p:tnLst>
-  </p:timing>
 </p:sld>
 </file>
 
@@ -34441,7 +33523,7 @@
               <a:buSzPct val="25000"/>
             </a:pPr>
             <a:r>
-              <a:rPr lang="en-US" sz="3067" dirty="0" smtClean="0">
+              <a:rPr lang="en-US" sz="3067" dirty="0">
                 <a:solidFill>
                   <a:srgbClr val="000000"/>
                 </a:solidFill>
@@ -34502,7 +33584,7 @@
               <a:buSzPct val="25000"/>
             </a:pPr>
             <a:r>
-              <a:rPr lang="en-US" sz="3067" dirty="0" smtClean="0">
+              <a:rPr lang="en-US" sz="3067" dirty="0">
                 <a:solidFill>
                   <a:srgbClr val="FF7F00"/>
                 </a:solidFill>
@@ -34563,7 +33645,7 @@
               <a:buSzPct val="25000"/>
             </a:pPr>
             <a:r>
-              <a:rPr lang="en-US" sz="3067" dirty="0" smtClean="0">
+              <a:rPr lang="en-US" sz="3067" dirty="0">
                 <a:solidFill>
                   <a:srgbClr val="00FF00"/>
                 </a:solidFill>
@@ -34624,7 +33706,7 @@
               <a:buSzPct val="25000"/>
             </a:pPr>
             <a:r>
-              <a:rPr lang="en-US" sz="3067" dirty="0" smtClean="0">
+              <a:rPr lang="en-US" sz="3067" dirty="0">
                 <a:solidFill>
                   <a:srgbClr val="FF00FF"/>
                 </a:solidFill>
@@ -34701,7 +33783,7 @@
                 <a:buSzPct val="25000"/>
               </a:pPr>
               <a:r>
-                <a:rPr lang="en-US" sz="3067" dirty="0" smtClean="0">
+                <a:rPr lang="en-US" sz="3067" dirty="0">
                   <a:solidFill>
                     <a:srgbClr val="000000"/>
                   </a:solidFill>
@@ -34762,7 +33844,7 @@
                 <a:buSzPct val="25000"/>
               </a:pPr>
               <a:r>
-                <a:rPr lang="en-US" sz="3067" dirty="0" smtClean="0">
+                <a:rPr lang="en-US" sz="3067" dirty="0">
                   <a:solidFill>
                     <a:srgbClr val="FF7F00"/>
                   </a:solidFill>
@@ -34823,7 +33905,7 @@
                 <a:buSzPct val="25000"/>
               </a:pPr>
               <a:r>
-                <a:rPr lang="en-US" sz="3067" dirty="0" smtClean="0">
+                <a:rPr lang="en-US" sz="3067" dirty="0">
                   <a:solidFill>
                     <a:srgbClr val="00FF00"/>
                   </a:solidFill>
@@ -34884,7 +33966,7 @@
                 <a:buSzPct val="25000"/>
               </a:pPr>
               <a:r>
-                <a:rPr lang="en-US" sz="3067" dirty="0" smtClean="0">
+                <a:rPr lang="en-US" sz="3067" dirty="0">
                   <a:solidFill>
                     <a:srgbClr val="FF00FF"/>
                   </a:solidFill>
@@ -34948,7 +34030,7 @@
               <a:buSzPct val="25000"/>
             </a:pPr>
             <a:r>
-              <a:rPr lang="en-US" sz="3067" dirty="0" smtClean="0">
+              <a:rPr lang="en-US" sz="3067" dirty="0">
                 <a:solidFill>
                   <a:srgbClr val="000000"/>
                 </a:solidFill>
@@ -35009,7 +34091,7 @@
               <a:buSzPct val="25000"/>
             </a:pPr>
             <a:r>
-              <a:rPr lang="en-US" sz="3067" dirty="0" smtClean="0">
+              <a:rPr lang="en-US" sz="3067" dirty="0">
                 <a:solidFill>
                   <a:srgbClr val="FF7F00"/>
                 </a:solidFill>
@@ -35070,7 +34152,7 @@
               <a:buSzPct val="25000"/>
             </a:pPr>
             <a:r>
-              <a:rPr lang="en-US" sz="3067" dirty="0" smtClean="0">
+              <a:rPr lang="en-US" sz="3067" dirty="0">
                 <a:solidFill>
                   <a:srgbClr val="00FF00"/>
                 </a:solidFill>
@@ -35191,7 +34273,7 @@
               <a:buSzPct val="25000"/>
             </a:pPr>
             <a:r>
-              <a:rPr lang="en-US" sz="3067" dirty="0" smtClean="0">
+              <a:rPr lang="en-US" sz="3067" dirty="0">
                 <a:solidFill>
                   <a:srgbClr val="000000"/>
                 </a:solidFill>
@@ -35252,7 +34334,7 @@
               <a:buSzPct val="25000"/>
             </a:pPr>
             <a:r>
-              <a:rPr lang="en-US" sz="3067" dirty="0" smtClean="0">
+              <a:rPr lang="en-US" sz="3067" dirty="0">
                 <a:solidFill>
                   <a:srgbClr val="FF7F00"/>
                 </a:solidFill>
@@ -35313,7 +34395,7 @@
               <a:buSzPct val="25000"/>
             </a:pPr>
             <a:r>
-              <a:rPr lang="en-US" sz="3067" dirty="0" smtClean="0">
+              <a:rPr lang="en-US" sz="3067" dirty="0">
                 <a:solidFill>
                   <a:srgbClr val="00FF00"/>
                 </a:solidFill>
@@ -35374,7 +34456,7 @@
               <a:buSzPct val="25000"/>
             </a:pPr>
             <a:r>
-              <a:rPr lang="en-US" sz="3067" dirty="0" smtClean="0">
+              <a:rPr lang="en-US" sz="3067" dirty="0">
                 <a:solidFill>
                   <a:srgbClr val="FF00FF"/>
                 </a:solidFill>
@@ -35464,7 +34546,7 @@
               <a:buSzPct val="25000"/>
             </a:pPr>
             <a:r>
-              <a:rPr lang="en-US" sz="3067" dirty="0" smtClean="0">
+              <a:rPr lang="en-US" sz="3067" dirty="0">
                 <a:solidFill>
                   <a:srgbClr val="FF00FF"/>
                 </a:solidFill>
@@ -35549,7 +34631,7 @@
           <a:p>
             <a:pPr algn="ctr"/>
             <a:r>
-              <a:rPr lang="en-US" sz="8000" dirty="0" smtClean="0">
+              <a:rPr lang="en-US" sz="8000" dirty="0">
                 <a:solidFill>
                   <a:schemeClr val="tx1"/>
                 </a:solidFill>
@@ -35569,13 +34651,6 @@
   <p:clrMapOvr>
     <a:masterClrMapping/>
   </p:clrMapOvr>
-  <p:timing>
-    <p:tnLst>
-      <p:par>
-        <p:cTn id="1" dur="indefinite" restart="never" nodeType="tmRoot"/>
-      </p:par>
-    </p:tnLst>
-  </p:timing>
 </p:sld>
 </file>
 

--- a/lectures/DJ-04-Many-To-Many.pptx
+++ b/lectures/DJ-04-Many-To-Many.pptx
@@ -231,7 +231,7 @@
           <a:p>
             <a:fld id="{C97B56FC-7D2E-F343-9D09-0D14B00AA564}" type="datetimeFigureOut">
               <a:rPr lang="en-US" smtClean="0"/>
-              <a:t>9/16/22</a:t>
+              <a:t>7/8/23</a:t>
             </a:fld>
             <a:endParaRPr lang="en-US"/>
           </a:p>
@@ -544,7 +544,7 @@
               </a14:hiddenFill>
             </a:ext>
             <a:ext uri="{FAA26D3D-D897-4be2-8F04-BA451C77F1D7}">
-              <ma14:placeholderFlag xmlns="" xmlns:ma14="http://schemas.microsoft.com/office/mac/drawingml/2011/main" val="1"/>
+              <ma14:placeholderFlag xmlns:ma14="http://schemas.microsoft.com/office/mac/drawingml/2011/main" xmlns="" val="1"/>
             </a:ext>
           </a:extLst>
         </p:spPr>
@@ -580,7 +580,7 @@
               </a14:hiddenLine>
             </a:ext>
             <a:ext uri="{FAA26D3D-D897-4be2-8F04-BA451C77F1D7}">
-              <ma14:placeholderFlag xmlns="" xmlns:ma14="http://schemas.microsoft.com/office/mac/drawingml/2011/main" val="1"/>
+              <ma14:placeholderFlag xmlns:ma14="http://schemas.microsoft.com/office/mac/drawingml/2011/main" xmlns="" val="1"/>
             </a:ext>
           </a:extLst>
         </p:spPr>
@@ -1347,7 +1347,7 @@
               </a14:hiddenLine>
             </a:ext>
             <a:ext uri="{FAA26D3D-D897-4be2-8F04-BA451C77F1D7}">
-              <ma14:placeholderFlag xmlns="" xmlns:ma14="http://schemas.microsoft.com/office/mac/drawingml/2011/main" val="1"/>
+              <ma14:placeholderFlag xmlns:ma14="http://schemas.microsoft.com/office/mac/drawingml/2011/main" xmlns="" val="1"/>
             </a:ext>
           </a:extLst>
         </p:spPr>
@@ -1462,7 +1462,7 @@
               </a14:hiddenFill>
             </a:ext>
             <a:ext uri="{FAA26D3D-D897-4be2-8F04-BA451C77F1D7}">
-              <ma14:placeholderFlag xmlns="" xmlns:ma14="http://schemas.microsoft.com/office/mac/drawingml/2011/main" val="1"/>
+              <ma14:placeholderFlag xmlns:ma14="http://schemas.microsoft.com/office/mac/drawingml/2011/main" xmlns="" val="1"/>
             </a:ext>
           </a:extLst>
         </p:spPr>
@@ -1528,7 +1528,7 @@
               </a14:hiddenLine>
             </a:ext>
             <a:ext uri="{FAA26D3D-D897-4be2-8F04-BA451C77F1D7}">
-              <ma14:placeholderFlag xmlns="" xmlns:ma14="http://schemas.microsoft.com/office/mac/drawingml/2011/main" val="1"/>
+              <ma14:placeholderFlag xmlns:ma14="http://schemas.microsoft.com/office/mac/drawingml/2011/main" xmlns="" val="1"/>
             </a:ext>
           </a:extLst>
         </p:spPr>
@@ -1643,7 +1643,7 @@
               </a14:hiddenFill>
             </a:ext>
             <a:ext uri="{FAA26D3D-D897-4be2-8F04-BA451C77F1D7}">
-              <ma14:placeholderFlag xmlns="" xmlns:ma14="http://schemas.microsoft.com/office/mac/drawingml/2011/main" val="1"/>
+              <ma14:placeholderFlag xmlns:ma14="http://schemas.microsoft.com/office/mac/drawingml/2011/main" xmlns="" val="1"/>
             </a:ext>
           </a:extLst>
         </p:spPr>
@@ -1707,7 +1707,7 @@
               </a14:hiddenFill>
             </a:ext>
             <a:ext uri="{FAA26D3D-D897-4be2-8F04-BA451C77F1D7}">
-              <ma14:placeholderFlag xmlns="" xmlns:ma14="http://schemas.microsoft.com/office/mac/drawingml/2011/main" val="1"/>
+              <ma14:placeholderFlag xmlns:ma14="http://schemas.microsoft.com/office/mac/drawingml/2011/main" xmlns="" val="1"/>
             </a:ext>
           </a:extLst>
         </p:spPr>
@@ -1743,7 +1743,7 @@
               </a14:hiddenLine>
             </a:ext>
             <a:ext uri="{FAA26D3D-D897-4be2-8F04-BA451C77F1D7}">
-              <ma14:placeholderFlag xmlns="" xmlns:ma14="http://schemas.microsoft.com/office/mac/drawingml/2011/main" val="1"/>
+              <ma14:placeholderFlag xmlns:ma14="http://schemas.microsoft.com/office/mac/drawingml/2011/main" xmlns="" val="1"/>
             </a:ext>
           </a:extLst>
         </p:spPr>
@@ -1982,7 +1982,7 @@
               </a14:hiddenLine>
             </a:ext>
             <a:ext uri="{FAA26D3D-D897-4be2-8F04-BA451C77F1D7}">
-              <ma14:placeholderFlag xmlns="" xmlns:ma14="http://schemas.microsoft.com/office/mac/drawingml/2011/main" val="1"/>
+              <ma14:placeholderFlag xmlns:ma14="http://schemas.microsoft.com/office/mac/drawingml/2011/main" xmlns="" val="1"/>
             </a:ext>
           </a:extLst>
         </p:spPr>
@@ -2097,7 +2097,7 @@
               </a14:hiddenFill>
             </a:ext>
             <a:ext uri="{FAA26D3D-D897-4be2-8F04-BA451C77F1D7}">
-              <ma14:placeholderFlag xmlns="" xmlns:ma14="http://schemas.microsoft.com/office/mac/drawingml/2011/main" val="1"/>
+              <ma14:placeholderFlag xmlns:ma14="http://schemas.microsoft.com/office/mac/drawingml/2011/main" xmlns="" val="1"/>
             </a:ext>
           </a:extLst>
         </p:spPr>
@@ -2245,7 +2245,7 @@
           <a:p>
             <a:fld id="{EEE7C04C-7AF8-1445-A186-502B631B934F}" type="datetimeFigureOut">
               <a:rPr lang="en-US" smtClean="0"/>
-              <a:t>9/16/22</a:t>
+              <a:t>7/8/23</a:t>
             </a:fld>
             <a:endParaRPr lang="en-US"/>
           </a:p>
@@ -2410,7 +2410,7 @@
           <a:p>
             <a:fld id="{EEE7C04C-7AF8-1445-A186-502B631B934F}" type="datetimeFigureOut">
               <a:rPr lang="en-US" smtClean="0"/>
-              <a:t>9/16/22</a:t>
+              <a:t>7/8/23</a:t>
             </a:fld>
             <a:endParaRPr lang="en-US"/>
           </a:p>
@@ -2585,7 +2585,7 @@
           <a:p>
             <a:fld id="{EEE7C04C-7AF8-1445-A186-502B631B934F}" type="datetimeFigureOut">
               <a:rPr lang="en-US" smtClean="0"/>
-              <a:t>9/16/22</a:t>
+              <a:t>7/8/23</a:t>
             </a:fld>
             <a:endParaRPr lang="en-US"/>
           </a:p>
@@ -2750,7 +2750,7 @@
           <a:p>
             <a:fld id="{EEE7C04C-7AF8-1445-A186-502B631B934F}" type="datetimeFigureOut">
               <a:rPr lang="en-US" smtClean="0"/>
-              <a:t>9/16/22</a:t>
+              <a:t>7/8/23</a:t>
             </a:fld>
             <a:endParaRPr lang="en-US"/>
           </a:p>
@@ -2991,7 +2991,7 @@
           <a:p>
             <a:fld id="{EEE7C04C-7AF8-1445-A186-502B631B934F}" type="datetimeFigureOut">
               <a:rPr lang="en-US" smtClean="0"/>
-              <a:t>9/16/22</a:t>
+              <a:t>7/8/23</a:t>
             </a:fld>
             <a:endParaRPr lang="en-US"/>
           </a:p>
@@ -3218,7 +3218,7 @@
           <a:p>
             <a:fld id="{EEE7C04C-7AF8-1445-A186-502B631B934F}" type="datetimeFigureOut">
               <a:rPr lang="en-US" smtClean="0"/>
-              <a:t>9/16/22</a:t>
+              <a:t>7/8/23</a:t>
             </a:fld>
             <a:endParaRPr lang="en-US"/>
           </a:p>
@@ -3580,7 +3580,7 @@
           <a:p>
             <a:fld id="{EEE7C04C-7AF8-1445-A186-502B631B934F}" type="datetimeFigureOut">
               <a:rPr lang="en-US" smtClean="0"/>
-              <a:t>9/16/22</a:t>
+              <a:t>7/8/23</a:t>
             </a:fld>
             <a:endParaRPr lang="en-US"/>
           </a:p>
@@ -3693,7 +3693,7 @@
           <a:p>
             <a:fld id="{EEE7C04C-7AF8-1445-A186-502B631B934F}" type="datetimeFigureOut">
               <a:rPr lang="en-US" smtClean="0"/>
-              <a:t>9/16/22</a:t>
+              <a:t>7/8/23</a:t>
             </a:fld>
             <a:endParaRPr lang="en-US"/>
           </a:p>
@@ -3783,7 +3783,7 @@
           <a:p>
             <a:fld id="{EEE7C04C-7AF8-1445-A186-502B631B934F}" type="datetimeFigureOut">
               <a:rPr lang="en-US" smtClean="0"/>
-              <a:t>9/16/22</a:t>
+              <a:t>7/8/23</a:t>
             </a:fld>
             <a:endParaRPr lang="en-US"/>
           </a:p>
@@ -4055,7 +4055,7 @@
           <a:p>
             <a:fld id="{EEE7C04C-7AF8-1445-A186-502B631B934F}" type="datetimeFigureOut">
               <a:rPr lang="en-US" smtClean="0"/>
-              <a:t>9/16/22</a:t>
+              <a:t>7/8/23</a:t>
             </a:fld>
             <a:endParaRPr lang="en-US"/>
           </a:p>
@@ -4307,7 +4307,7 @@
           <a:p>
             <a:fld id="{EEE7C04C-7AF8-1445-A186-502B631B934F}" type="datetimeFigureOut">
               <a:rPr lang="en-US" smtClean="0"/>
-              <a:t>9/16/22</a:t>
+              <a:t>7/8/23</a:t>
             </a:fld>
             <a:endParaRPr lang="en-US"/>
           </a:p>
@@ -4514,7 +4514,7 @@
           <a:p>
             <a:fld id="{EEE7C04C-7AF8-1445-A186-502B631B934F}" type="datetimeFigureOut">
               <a:rPr lang="en-US" smtClean="0"/>
-              <a:t>9/16/22</a:t>
+              <a:t>7/8/23</a:t>
             </a:fld>
             <a:endParaRPr lang="en-US"/>
           </a:p>
@@ -20383,7 +20383,7 @@
             </a:r>
             <a:r>
               <a:rPr lang="en-US" dirty="0"/>
-              <a:t>/4.0/ref/models/fields/#choices</a:t>
+              <a:t>/4.2/ref/models/fields/#choices</a:t>
             </a:r>
           </a:p>
         </p:txBody>
